--- a/prezentacije/1-3 Alati u razvoju.pptx
+++ b/prezentacije/1-3 Alati u razvoju.pptx
@@ -4,6 +4,9 @@
   <p:sldMasterIdLst>
     <p:sldMasterId id="2147483648" r:id="rId1"/>
   </p:sldMasterIdLst>
+  <p:notesMasterIdLst>
+    <p:notesMasterId r:id="rId14"/>
+  </p:notesMasterIdLst>
   <p:sldIdLst>
     <p:sldId id="256" r:id="rId2"/>
     <p:sldId id="258" r:id="rId3"/>
@@ -123,6 +126,548 @@
 </p:presentation>
 </file>
 
+<file path=ppt/notesMasters/notesMaster1.xml><?xml version="1.0" encoding="utf-8"?>
+<p:notesMaster xmlns:a="http://schemas.openxmlformats.org/drawingml/2006/main" xmlns:r="http://schemas.openxmlformats.org/officeDocument/2006/relationships" xmlns:p="http://schemas.openxmlformats.org/presentationml/2006/main">
+  <p:cSld>
+    <p:bg>
+      <p:bgRef idx="1001">
+        <a:schemeClr val="bg1"/>
+      </p:bgRef>
+    </p:bg>
+    <p:spTree>
+      <p:nvGrpSpPr>
+        <p:cNvPr id="1" name=""/>
+        <p:cNvGrpSpPr/>
+        <p:nvPr/>
+      </p:nvGrpSpPr>
+      <p:grpSpPr>
+        <a:xfrm>
+          <a:off x="0" y="0"/>
+          <a:ext cx="0" cy="0"/>
+          <a:chOff x="0" y="0"/>
+          <a:chExt cx="0" cy="0"/>
+        </a:xfrm>
+      </p:grpSpPr>
+      <p:sp>
+        <p:nvSpPr>
+          <p:cNvPr id="2" name="Header Placeholder 1"/>
+          <p:cNvSpPr>
+            <a:spLocks noGrp="1"/>
+          </p:cNvSpPr>
+          <p:nvPr>
+            <p:ph type="hdr" sz="quarter"/>
+          </p:nvPr>
+        </p:nvSpPr>
+        <p:spPr>
+          <a:xfrm>
+            <a:off x="0" y="0"/>
+            <a:ext cx="2971800" cy="458788"/>
+          </a:xfrm>
+          <a:prstGeom prst="rect">
+            <a:avLst/>
+          </a:prstGeom>
+        </p:spPr>
+        <p:txBody>
+          <a:bodyPr vert="horz" lIns="91440" tIns="45720" rIns="91440" bIns="45720" rtlCol="0"/>
+          <a:lstStyle>
+            <a:lvl1pPr algn="l">
+              <a:defRPr sz="1200"/>
+            </a:lvl1pPr>
+          </a:lstStyle>
+          <a:p>
+            <a:endParaRPr lang="hr-HR"/>
+          </a:p>
+        </p:txBody>
+      </p:sp>
+      <p:sp>
+        <p:nvSpPr>
+          <p:cNvPr id="3" name="Date Placeholder 2"/>
+          <p:cNvSpPr>
+            <a:spLocks noGrp="1"/>
+          </p:cNvSpPr>
+          <p:nvPr>
+            <p:ph type="dt" idx="1"/>
+          </p:nvPr>
+        </p:nvSpPr>
+        <p:spPr>
+          <a:xfrm>
+            <a:off x="3884613" y="0"/>
+            <a:ext cx="2971800" cy="458788"/>
+          </a:xfrm>
+          <a:prstGeom prst="rect">
+            <a:avLst/>
+          </a:prstGeom>
+        </p:spPr>
+        <p:txBody>
+          <a:bodyPr vert="horz" lIns="91440" tIns="45720" rIns="91440" bIns="45720" rtlCol="0"/>
+          <a:lstStyle>
+            <a:lvl1pPr algn="r">
+              <a:defRPr sz="1200"/>
+            </a:lvl1pPr>
+          </a:lstStyle>
+          <a:p>
+            <a:fld id="{3EC99C4B-131F-44C7-9192-173D28B840E6}" type="datetimeFigureOut">
+              <a:rPr lang="hr-HR" smtClean="0"/>
+              <a:t>30.4.2017.</a:t>
+            </a:fld>
+            <a:endParaRPr lang="hr-HR"/>
+          </a:p>
+        </p:txBody>
+      </p:sp>
+      <p:sp>
+        <p:nvSpPr>
+          <p:cNvPr id="4" name="Slide Image Placeholder 3"/>
+          <p:cNvSpPr>
+            <a:spLocks noGrp="1" noRot="1" noChangeAspect="1"/>
+          </p:cNvSpPr>
+          <p:nvPr>
+            <p:ph type="sldImg" idx="2"/>
+          </p:nvPr>
+        </p:nvSpPr>
+        <p:spPr>
+          <a:xfrm>
+            <a:off x="685800" y="1143000"/>
+            <a:ext cx="5486400" cy="3086100"/>
+          </a:xfrm>
+          <a:prstGeom prst="rect">
+            <a:avLst/>
+          </a:prstGeom>
+          <a:noFill/>
+          <a:ln w="12700">
+            <a:solidFill>
+              <a:prstClr val="black"/>
+            </a:solidFill>
+          </a:ln>
+        </p:spPr>
+        <p:txBody>
+          <a:bodyPr vert="horz" lIns="91440" tIns="45720" rIns="91440" bIns="45720" rtlCol="0" anchor="ctr"/>
+          <a:lstStyle/>
+          <a:p>
+            <a:endParaRPr lang="hr-HR"/>
+          </a:p>
+        </p:txBody>
+      </p:sp>
+      <p:sp>
+        <p:nvSpPr>
+          <p:cNvPr id="5" name="Notes Placeholder 4"/>
+          <p:cNvSpPr>
+            <a:spLocks noGrp="1"/>
+          </p:cNvSpPr>
+          <p:nvPr>
+            <p:ph type="body" sz="quarter" idx="3"/>
+          </p:nvPr>
+        </p:nvSpPr>
+        <p:spPr>
+          <a:xfrm>
+            <a:off x="685800" y="4400550"/>
+            <a:ext cx="5486400" cy="3600450"/>
+          </a:xfrm>
+          <a:prstGeom prst="rect">
+            <a:avLst/>
+          </a:prstGeom>
+        </p:spPr>
+        <p:txBody>
+          <a:bodyPr vert="horz" lIns="91440" tIns="45720" rIns="91440" bIns="45720" rtlCol="0"/>
+          <a:lstStyle/>
+          <a:p>
+            <a:pPr lvl="0"/>
+            <a:r>
+              <a:rPr lang="en-US" smtClean="0"/>
+              <a:t>Edit Master text styles</a:t>
+            </a:r>
+          </a:p>
+          <a:p>
+            <a:pPr lvl="1"/>
+            <a:r>
+              <a:rPr lang="en-US" smtClean="0"/>
+              <a:t>Second level</a:t>
+            </a:r>
+          </a:p>
+          <a:p>
+            <a:pPr lvl="2"/>
+            <a:r>
+              <a:rPr lang="en-US" smtClean="0"/>
+              <a:t>Third level</a:t>
+            </a:r>
+          </a:p>
+          <a:p>
+            <a:pPr lvl="3"/>
+            <a:r>
+              <a:rPr lang="en-US" smtClean="0"/>
+              <a:t>Fourth level</a:t>
+            </a:r>
+          </a:p>
+          <a:p>
+            <a:pPr lvl="4"/>
+            <a:r>
+              <a:rPr lang="en-US" smtClean="0"/>
+              <a:t>Fifth level</a:t>
+            </a:r>
+            <a:endParaRPr lang="hr-HR"/>
+          </a:p>
+        </p:txBody>
+      </p:sp>
+      <p:sp>
+        <p:nvSpPr>
+          <p:cNvPr id="6" name="Footer Placeholder 5"/>
+          <p:cNvSpPr>
+            <a:spLocks noGrp="1"/>
+          </p:cNvSpPr>
+          <p:nvPr>
+            <p:ph type="ftr" sz="quarter" idx="4"/>
+          </p:nvPr>
+        </p:nvSpPr>
+        <p:spPr>
+          <a:xfrm>
+            <a:off x="0" y="8685213"/>
+            <a:ext cx="2971800" cy="458787"/>
+          </a:xfrm>
+          <a:prstGeom prst="rect">
+            <a:avLst/>
+          </a:prstGeom>
+        </p:spPr>
+        <p:txBody>
+          <a:bodyPr vert="horz" lIns="91440" tIns="45720" rIns="91440" bIns="45720" rtlCol="0" anchor="b"/>
+          <a:lstStyle>
+            <a:lvl1pPr algn="l">
+              <a:defRPr sz="1200"/>
+            </a:lvl1pPr>
+          </a:lstStyle>
+          <a:p>
+            <a:endParaRPr lang="hr-HR"/>
+          </a:p>
+        </p:txBody>
+      </p:sp>
+      <p:sp>
+        <p:nvSpPr>
+          <p:cNvPr id="7" name="Slide Number Placeholder 6"/>
+          <p:cNvSpPr>
+            <a:spLocks noGrp="1"/>
+          </p:cNvSpPr>
+          <p:nvPr>
+            <p:ph type="sldNum" sz="quarter" idx="5"/>
+          </p:nvPr>
+        </p:nvSpPr>
+        <p:spPr>
+          <a:xfrm>
+            <a:off x="3884613" y="8685213"/>
+            <a:ext cx="2971800" cy="458787"/>
+          </a:xfrm>
+          <a:prstGeom prst="rect">
+            <a:avLst/>
+          </a:prstGeom>
+        </p:spPr>
+        <p:txBody>
+          <a:bodyPr vert="horz" lIns="91440" tIns="45720" rIns="91440" bIns="45720" rtlCol="0" anchor="b"/>
+          <a:lstStyle>
+            <a:lvl1pPr algn="r">
+              <a:defRPr sz="1200"/>
+            </a:lvl1pPr>
+          </a:lstStyle>
+          <a:p>
+            <a:fld id="{63BB50E0-CD38-4D20-957B-0AC75134BF07}" type="slidenum">
+              <a:rPr lang="hr-HR" smtClean="0"/>
+              <a:t>‹#›</a:t>
+            </a:fld>
+            <a:endParaRPr lang="hr-HR"/>
+          </a:p>
+        </p:txBody>
+      </p:sp>
+    </p:spTree>
+    <p:extLst>
+      <p:ext uri="{BB962C8B-B14F-4D97-AF65-F5344CB8AC3E}">
+        <p14:creationId xmlns:p14="http://schemas.microsoft.com/office/powerpoint/2010/main" val="2330778567"/>
+      </p:ext>
+    </p:extLst>
+  </p:cSld>
+  <p:clrMap bg1="lt1" tx1="dk1" bg2="lt2" tx2="dk2" accent1="accent1" accent2="accent2" accent3="accent3" accent4="accent4" accent5="accent5" accent6="accent6" hlink="hlink" folHlink="folHlink"/>
+  <p:notesStyle>
+    <a:lvl1pPr marL="0" algn="l" defTabSz="914400" rtl="0" eaLnBrk="1" latinLnBrk="0" hangingPunct="1">
+      <a:defRPr sz="1200" kern="1200">
+        <a:solidFill>
+          <a:schemeClr val="tx1"/>
+        </a:solidFill>
+        <a:latin typeface="+mn-lt"/>
+        <a:ea typeface="+mn-ea"/>
+        <a:cs typeface="+mn-cs"/>
+      </a:defRPr>
+    </a:lvl1pPr>
+    <a:lvl2pPr marL="457200" algn="l" defTabSz="914400" rtl="0" eaLnBrk="1" latinLnBrk="0" hangingPunct="1">
+      <a:defRPr sz="1200" kern="1200">
+        <a:solidFill>
+          <a:schemeClr val="tx1"/>
+        </a:solidFill>
+        <a:latin typeface="+mn-lt"/>
+        <a:ea typeface="+mn-ea"/>
+        <a:cs typeface="+mn-cs"/>
+      </a:defRPr>
+    </a:lvl2pPr>
+    <a:lvl3pPr marL="914400" algn="l" defTabSz="914400" rtl="0" eaLnBrk="1" latinLnBrk="0" hangingPunct="1">
+      <a:defRPr sz="1200" kern="1200">
+        <a:solidFill>
+          <a:schemeClr val="tx1"/>
+        </a:solidFill>
+        <a:latin typeface="+mn-lt"/>
+        <a:ea typeface="+mn-ea"/>
+        <a:cs typeface="+mn-cs"/>
+      </a:defRPr>
+    </a:lvl3pPr>
+    <a:lvl4pPr marL="1371600" algn="l" defTabSz="914400" rtl="0" eaLnBrk="1" latinLnBrk="0" hangingPunct="1">
+      <a:defRPr sz="1200" kern="1200">
+        <a:solidFill>
+          <a:schemeClr val="tx1"/>
+        </a:solidFill>
+        <a:latin typeface="+mn-lt"/>
+        <a:ea typeface="+mn-ea"/>
+        <a:cs typeface="+mn-cs"/>
+      </a:defRPr>
+    </a:lvl4pPr>
+    <a:lvl5pPr marL="1828800" algn="l" defTabSz="914400" rtl="0" eaLnBrk="1" latinLnBrk="0" hangingPunct="1">
+      <a:defRPr sz="1200" kern="1200">
+        <a:solidFill>
+          <a:schemeClr val="tx1"/>
+        </a:solidFill>
+        <a:latin typeface="+mn-lt"/>
+        <a:ea typeface="+mn-ea"/>
+        <a:cs typeface="+mn-cs"/>
+      </a:defRPr>
+    </a:lvl5pPr>
+    <a:lvl6pPr marL="2286000" algn="l" defTabSz="914400" rtl="0" eaLnBrk="1" latinLnBrk="0" hangingPunct="1">
+      <a:defRPr sz="1200" kern="1200">
+        <a:solidFill>
+          <a:schemeClr val="tx1"/>
+        </a:solidFill>
+        <a:latin typeface="+mn-lt"/>
+        <a:ea typeface="+mn-ea"/>
+        <a:cs typeface="+mn-cs"/>
+      </a:defRPr>
+    </a:lvl6pPr>
+    <a:lvl7pPr marL="2743200" algn="l" defTabSz="914400" rtl="0" eaLnBrk="1" latinLnBrk="0" hangingPunct="1">
+      <a:defRPr sz="1200" kern="1200">
+        <a:solidFill>
+          <a:schemeClr val="tx1"/>
+        </a:solidFill>
+        <a:latin typeface="+mn-lt"/>
+        <a:ea typeface="+mn-ea"/>
+        <a:cs typeface="+mn-cs"/>
+      </a:defRPr>
+    </a:lvl7pPr>
+    <a:lvl8pPr marL="3200400" algn="l" defTabSz="914400" rtl="0" eaLnBrk="1" latinLnBrk="0" hangingPunct="1">
+      <a:defRPr sz="1200" kern="1200">
+        <a:solidFill>
+          <a:schemeClr val="tx1"/>
+        </a:solidFill>
+        <a:latin typeface="+mn-lt"/>
+        <a:ea typeface="+mn-ea"/>
+        <a:cs typeface="+mn-cs"/>
+      </a:defRPr>
+    </a:lvl8pPr>
+    <a:lvl9pPr marL="3657600" algn="l" defTabSz="914400" rtl="0" eaLnBrk="1" latinLnBrk="0" hangingPunct="1">
+      <a:defRPr sz="1200" kern="1200">
+        <a:solidFill>
+          <a:schemeClr val="tx1"/>
+        </a:solidFill>
+        <a:latin typeface="+mn-lt"/>
+        <a:ea typeface="+mn-ea"/>
+        <a:cs typeface="+mn-cs"/>
+      </a:defRPr>
+    </a:lvl9pPr>
+  </p:notesStyle>
+</p:notesMaster>
+</file>
+
+<file path=ppt/notesSlides/notesSlide1.xml><?xml version="1.0" encoding="utf-8"?>
+<p:notes xmlns:a="http://schemas.openxmlformats.org/drawingml/2006/main" xmlns:r="http://schemas.openxmlformats.org/officeDocument/2006/relationships" xmlns:p="http://schemas.openxmlformats.org/presentationml/2006/main">
+  <p:cSld>
+    <p:spTree>
+      <p:nvGrpSpPr>
+        <p:cNvPr id="1" name=""/>
+        <p:cNvGrpSpPr/>
+        <p:nvPr/>
+      </p:nvGrpSpPr>
+      <p:grpSpPr>
+        <a:xfrm>
+          <a:off x="0" y="0"/>
+          <a:ext cx="0" cy="0"/>
+          <a:chOff x="0" y="0"/>
+          <a:chExt cx="0" cy="0"/>
+        </a:xfrm>
+      </p:grpSpPr>
+      <p:sp>
+        <p:nvSpPr>
+          <p:cNvPr id="2" name="Slide Image Placeholder 1"/>
+          <p:cNvSpPr>
+            <a:spLocks noGrp="1" noRot="1" noChangeAspect="1"/>
+          </p:cNvSpPr>
+          <p:nvPr>
+            <p:ph type="sldImg"/>
+          </p:nvPr>
+        </p:nvSpPr>
+        <p:spPr/>
+      </p:sp>
+      <p:sp>
+        <p:nvSpPr>
+          <p:cNvPr id="3" name="Notes Placeholder 2"/>
+          <p:cNvSpPr>
+            <a:spLocks noGrp="1"/>
+          </p:cNvSpPr>
+          <p:nvPr>
+            <p:ph type="body" idx="1"/>
+          </p:nvPr>
+        </p:nvSpPr>
+        <p:spPr/>
+        <p:txBody>
+          <a:bodyPr/>
+          <a:lstStyle/>
+          <a:p>
+            <a:r>
+              <a:rPr lang="hr-HR" dirty="0" smtClean="0"/>
+              <a:t>DODATI POVIJEST</a:t>
+            </a:r>
+            <a:r>
+              <a:rPr lang="hr-HR" baseline="0" dirty="0" smtClean="0"/>
+              <a:t> PO VERZIJAMA C#-a (</a:t>
+            </a:r>
+            <a:r>
+              <a:rPr lang="hr-HR" baseline="0" dirty="0" err="1" smtClean="0"/>
+              <a:t>generics</a:t>
+            </a:r>
+            <a:r>
+              <a:rPr lang="hr-HR" baseline="0" dirty="0" smtClean="0"/>
+              <a:t> itd.)</a:t>
+            </a:r>
+            <a:endParaRPr lang="hr-HR" dirty="0"/>
+          </a:p>
+        </p:txBody>
+      </p:sp>
+      <p:sp>
+        <p:nvSpPr>
+          <p:cNvPr id="4" name="Slide Number Placeholder 3"/>
+          <p:cNvSpPr>
+            <a:spLocks noGrp="1"/>
+          </p:cNvSpPr>
+          <p:nvPr>
+            <p:ph type="sldNum" sz="quarter" idx="10"/>
+          </p:nvPr>
+        </p:nvSpPr>
+        <p:spPr/>
+        <p:txBody>
+          <a:bodyPr/>
+          <a:lstStyle/>
+          <a:p>
+            <a:fld id="{63BB50E0-CD38-4D20-957B-0AC75134BF07}" type="slidenum">
+              <a:rPr lang="hr-HR" smtClean="0"/>
+              <a:t>2</a:t>
+            </a:fld>
+            <a:endParaRPr lang="hr-HR"/>
+          </a:p>
+        </p:txBody>
+      </p:sp>
+    </p:spTree>
+    <p:extLst>
+      <p:ext uri="{BB962C8B-B14F-4D97-AF65-F5344CB8AC3E}">
+        <p14:creationId xmlns:p14="http://schemas.microsoft.com/office/powerpoint/2010/main" val="4178429744"/>
+      </p:ext>
+    </p:extLst>
+  </p:cSld>
+  <p:clrMapOvr>
+    <a:masterClrMapping/>
+  </p:clrMapOvr>
+</p:notes>
+</file>
+
+<file path=ppt/notesSlides/notesSlide2.xml><?xml version="1.0" encoding="utf-8"?>
+<p:notes xmlns:a="http://schemas.openxmlformats.org/drawingml/2006/main" xmlns:r="http://schemas.openxmlformats.org/officeDocument/2006/relationships" xmlns:p="http://schemas.openxmlformats.org/presentationml/2006/main">
+  <p:cSld>
+    <p:spTree>
+      <p:nvGrpSpPr>
+        <p:cNvPr id="1" name=""/>
+        <p:cNvGrpSpPr/>
+        <p:nvPr/>
+      </p:nvGrpSpPr>
+      <p:grpSpPr>
+        <a:xfrm>
+          <a:off x="0" y="0"/>
+          <a:ext cx="0" cy="0"/>
+          <a:chOff x="0" y="0"/>
+          <a:chExt cx="0" cy="0"/>
+        </a:xfrm>
+      </p:grpSpPr>
+      <p:sp>
+        <p:nvSpPr>
+          <p:cNvPr id="2" name="Slide Image Placeholder 1"/>
+          <p:cNvSpPr>
+            <a:spLocks noGrp="1" noRot="1" noChangeAspect="1"/>
+          </p:cNvSpPr>
+          <p:nvPr>
+            <p:ph type="sldImg"/>
+          </p:nvPr>
+        </p:nvSpPr>
+        <p:spPr/>
+      </p:sp>
+      <p:sp>
+        <p:nvSpPr>
+          <p:cNvPr id="3" name="Notes Placeholder 2"/>
+          <p:cNvSpPr>
+            <a:spLocks noGrp="1"/>
+          </p:cNvSpPr>
+          <p:nvPr>
+            <p:ph type="body" idx="1"/>
+          </p:nvPr>
+        </p:nvSpPr>
+        <p:spPr/>
+        <p:txBody>
+          <a:bodyPr/>
+          <a:lstStyle/>
+          <a:p>
+            <a:r>
+              <a:rPr lang="hr-HR" dirty="0" smtClean="0"/>
+              <a:t>DODATI KOJA VERZIJA</a:t>
+            </a:r>
+            <a:r>
+              <a:rPr lang="hr-HR" baseline="0" dirty="0" smtClean="0"/>
+              <a:t> VS-a po GENERACIJI DOLAZI SA REFACTORING TOOLSIMA i ALATIMA ZA ANALIZU</a:t>
+            </a:r>
+            <a:endParaRPr lang="hr-HR" dirty="0"/>
+          </a:p>
+        </p:txBody>
+      </p:sp>
+      <p:sp>
+        <p:nvSpPr>
+          <p:cNvPr id="4" name="Slide Number Placeholder 3"/>
+          <p:cNvSpPr>
+            <a:spLocks noGrp="1"/>
+          </p:cNvSpPr>
+          <p:nvPr>
+            <p:ph type="sldNum" sz="quarter" idx="10"/>
+          </p:nvPr>
+        </p:nvSpPr>
+        <p:spPr/>
+        <p:txBody>
+          <a:bodyPr/>
+          <a:lstStyle/>
+          <a:p>
+            <a:fld id="{63BB50E0-CD38-4D20-957B-0AC75134BF07}" type="slidenum">
+              <a:rPr lang="hr-HR" smtClean="0"/>
+              <a:t>6</a:t>
+            </a:fld>
+            <a:endParaRPr lang="hr-HR"/>
+          </a:p>
+        </p:txBody>
+      </p:sp>
+    </p:spTree>
+    <p:extLst>
+      <p:ext uri="{BB962C8B-B14F-4D97-AF65-F5344CB8AC3E}">
+        <p14:creationId xmlns:p14="http://schemas.microsoft.com/office/powerpoint/2010/main" val="3586645203"/>
+      </p:ext>
+    </p:extLst>
+  </p:cSld>
+  <p:clrMapOvr>
+    <a:masterClrMapping/>
+  </p:clrMapOvr>
+</p:notes>
+</file>
+
 <file path=ppt/slideLayouts/slideLayout1.xml><?xml version="1.0" encoding="utf-8"?>
 <p:sldLayout xmlns:a="http://schemas.openxmlformats.org/drawingml/2006/main" xmlns:r="http://schemas.openxmlformats.org/officeDocument/2006/relationships" xmlns:p="http://schemas.openxmlformats.org/presentationml/2006/main" type="title" preserve="1">
   <p:cSld name="Title Slide">
@@ -254,7 +799,7 @@
           <a:p>
             <a:fld id="{E96F6D18-14D9-4839-AD4E-F9C57A5B3B13}" type="datetimeFigureOut">
               <a:rPr lang="hr-HR" smtClean="0"/>
-              <a:t>27.4.2017.</a:t>
+              <a:t>30.4.2017.</a:t>
             </a:fld>
             <a:endParaRPr lang="hr-HR"/>
           </a:p>
@@ -424,7 +969,7 @@
           <a:p>
             <a:fld id="{E96F6D18-14D9-4839-AD4E-F9C57A5B3B13}" type="datetimeFigureOut">
               <a:rPr lang="hr-HR" smtClean="0"/>
-              <a:t>27.4.2017.</a:t>
+              <a:t>30.4.2017.</a:t>
             </a:fld>
             <a:endParaRPr lang="hr-HR"/>
           </a:p>
@@ -604,7 +1149,7 @@
           <a:p>
             <a:fld id="{E96F6D18-14D9-4839-AD4E-F9C57A5B3B13}" type="datetimeFigureOut">
               <a:rPr lang="hr-HR" smtClean="0"/>
-              <a:t>27.4.2017.</a:t>
+              <a:t>30.4.2017.</a:t>
             </a:fld>
             <a:endParaRPr lang="hr-HR"/>
           </a:p>
@@ -774,7 +1319,7 @@
           <a:p>
             <a:fld id="{E96F6D18-14D9-4839-AD4E-F9C57A5B3B13}" type="datetimeFigureOut">
               <a:rPr lang="hr-HR" smtClean="0"/>
-              <a:t>27.4.2017.</a:t>
+              <a:t>30.4.2017.</a:t>
             </a:fld>
             <a:endParaRPr lang="hr-HR"/>
           </a:p>
@@ -1020,7 +1565,7 @@
           <a:p>
             <a:fld id="{E96F6D18-14D9-4839-AD4E-F9C57A5B3B13}" type="datetimeFigureOut">
               <a:rPr lang="hr-HR" smtClean="0"/>
-              <a:t>27.4.2017.</a:t>
+              <a:t>30.4.2017.</a:t>
             </a:fld>
             <a:endParaRPr lang="hr-HR"/>
           </a:p>
@@ -1252,7 +1797,7 @@
           <a:p>
             <a:fld id="{E96F6D18-14D9-4839-AD4E-F9C57A5B3B13}" type="datetimeFigureOut">
               <a:rPr lang="hr-HR" smtClean="0"/>
-              <a:t>27.4.2017.</a:t>
+              <a:t>30.4.2017.</a:t>
             </a:fld>
             <a:endParaRPr lang="hr-HR"/>
           </a:p>
@@ -1619,7 +2164,7 @@
           <a:p>
             <a:fld id="{E96F6D18-14D9-4839-AD4E-F9C57A5B3B13}" type="datetimeFigureOut">
               <a:rPr lang="hr-HR" smtClean="0"/>
-              <a:t>27.4.2017.</a:t>
+              <a:t>30.4.2017.</a:t>
             </a:fld>
             <a:endParaRPr lang="hr-HR"/>
           </a:p>
@@ -1737,7 +2282,7 @@
           <a:p>
             <a:fld id="{E96F6D18-14D9-4839-AD4E-F9C57A5B3B13}" type="datetimeFigureOut">
               <a:rPr lang="hr-HR" smtClean="0"/>
-              <a:t>27.4.2017.</a:t>
+              <a:t>30.4.2017.</a:t>
             </a:fld>
             <a:endParaRPr lang="hr-HR"/>
           </a:p>
@@ -1832,7 +2377,7 @@
           <a:p>
             <a:fld id="{E96F6D18-14D9-4839-AD4E-F9C57A5B3B13}" type="datetimeFigureOut">
               <a:rPr lang="hr-HR" smtClean="0"/>
-              <a:t>27.4.2017.</a:t>
+              <a:t>30.4.2017.</a:t>
             </a:fld>
             <a:endParaRPr lang="hr-HR"/>
           </a:p>
@@ -2109,7 +2654,7 @@
           <a:p>
             <a:fld id="{E96F6D18-14D9-4839-AD4E-F9C57A5B3B13}" type="datetimeFigureOut">
               <a:rPr lang="hr-HR" smtClean="0"/>
-              <a:t>27.4.2017.</a:t>
+              <a:t>30.4.2017.</a:t>
             </a:fld>
             <a:endParaRPr lang="hr-HR"/>
           </a:p>
@@ -2362,7 +2907,7 @@
           <a:p>
             <a:fld id="{E96F6D18-14D9-4839-AD4E-F9C57A5B3B13}" type="datetimeFigureOut">
               <a:rPr lang="hr-HR" smtClean="0"/>
-              <a:t>27.4.2017.</a:t>
+              <a:t>30.4.2017.</a:t>
             </a:fld>
             <a:endParaRPr lang="hr-HR"/>
           </a:p>
@@ -2575,7 +3120,7 @@
           <a:p>
             <a:fld id="{E96F6D18-14D9-4839-AD4E-F9C57A5B3B13}" type="datetimeFigureOut">
               <a:rPr lang="hr-HR" smtClean="0"/>
-              <a:t>27.4.2017.</a:t>
+              <a:t>30.4.2017.</a:t>
             </a:fld>
             <a:endParaRPr lang="hr-HR"/>
           </a:p>
@@ -3024,11 +3569,7 @@
           <a:p>
             <a:r>
               <a:rPr lang="hr-HR" dirty="0" smtClean="0"/>
-              <a:t>1</a:t>
-            </a:r>
-            <a:r>
-              <a:rPr lang="hr-HR" dirty="0" smtClean="0"/>
-              <a:t>) </a:t>
+              <a:t>1) </a:t>
             </a:r>
             <a:r>
               <a:rPr lang="hr-HR" dirty="0" err="1" smtClean="0"/>
@@ -3041,6 +3582,30 @@
             <a:r>
               <a:rPr lang="hr-HR" dirty="0" err="1" smtClean="0"/>
               <a:t>Mvc-WebAPI-Angular</a:t>
+            </a:r>
+            <a:endParaRPr lang="hr-HR" dirty="0" smtClean="0"/>
+          </a:p>
+          <a:p>
+            <a:pPr lvl="1"/>
+            <a:r>
+              <a:rPr lang="hr-HR" dirty="0" smtClean="0"/>
+              <a:t>DODATI POVIJEST </a:t>
+            </a:r>
+            <a:r>
+              <a:rPr lang="hr-HR" dirty="0" err="1" smtClean="0"/>
+              <a:t>Vsova</a:t>
+            </a:r>
+            <a:r>
+              <a:rPr lang="hr-HR" dirty="0" smtClean="0"/>
+              <a:t> PO </a:t>
+            </a:r>
+            <a:r>
+              <a:rPr lang="hr-HR" dirty="0" err="1" smtClean="0"/>
+              <a:t>Mvc-WebAPI</a:t>
+            </a:r>
+            <a:r>
+              <a:rPr lang="hr-HR" dirty="0" smtClean="0"/>
+              <a:t> verzijama</a:t>
             </a:r>
             <a:endParaRPr lang="hr-HR" dirty="0" smtClean="0"/>
           </a:p>
@@ -3109,6 +3674,13 @@
   <p:clrMapOvr>
     <a:masterClrMapping/>
   </p:clrMapOvr>
+  <p:timing>
+    <p:tnLst>
+      <p:par>
+        <p:cTn id="1" dur="indefinite" restart="never" nodeType="tmRoot"/>
+      </p:par>
+    </p:tnLst>
+  </p:timing>
 </p:sld>
 </file>
 
@@ -3458,11 +4030,7 @@
           <a:p>
             <a:r>
               <a:rPr lang="hr-HR" dirty="0" smtClean="0"/>
-              <a:t>Node.js</a:t>
-            </a:r>
-            <a:r>
-              <a:rPr lang="hr-HR" dirty="0" smtClean="0"/>
-              <a:t>, </a:t>
+              <a:t>Node.js, </a:t>
             </a:r>
             <a:r>
               <a:rPr lang="hr-HR" dirty="0" err="1" smtClean="0"/>
@@ -3699,6 +4267,13 @@
   <p:clrMapOvr>
     <a:masterClrMapping/>
   </p:clrMapOvr>
+  <p:timing>
+    <p:tnLst>
+      <p:par>
+        <p:cTn id="1" dur="indefinite" restart="never" nodeType="tmRoot"/>
+      </p:par>
+    </p:tnLst>
+  </p:timing>
 </p:sld>
 </file>
 
@@ -4648,6 +5223,80 @@
             <a:pPr lvl="1"/>
             <a:r>
               <a:rPr lang="hr-HR" dirty="0" err="1" smtClean="0"/>
+              <a:t>Quick</a:t>
+            </a:r>
+            <a:r>
+              <a:rPr lang="hr-HR" dirty="0" smtClean="0"/>
+              <a:t> info</a:t>
+            </a:r>
+            <a:endParaRPr lang="hr-HR" dirty="0" smtClean="0"/>
+          </a:p>
+          <a:p>
+            <a:pPr lvl="1"/>
+            <a:r>
+              <a:rPr lang="hr-HR" dirty="0" err="1" smtClean="0"/>
+              <a:t>Snippets</a:t>
+            </a:r>
+            <a:endParaRPr lang="hr-HR" dirty="0" smtClean="0"/>
+          </a:p>
+          <a:p>
+            <a:pPr lvl="2"/>
+            <a:r>
+              <a:rPr lang="hr-HR" dirty="0" smtClean="0"/>
+              <a:t>Kratice za kreiranje tipova ili import </a:t>
+            </a:r>
+            <a:r>
+              <a:rPr lang="hr-HR" dirty="0" err="1" smtClean="0"/>
+              <a:t>namespaceova</a:t>
+            </a:r>
+            <a:endParaRPr lang="hr-HR" dirty="0" smtClean="0"/>
+          </a:p>
+          <a:p>
+            <a:pPr lvl="1"/>
+            <a:r>
+              <a:rPr lang="hr-HR" dirty="0" smtClean="0"/>
+              <a:t>Kratica za ručno pozivanje: </a:t>
+            </a:r>
+            <a:r>
+              <a:rPr lang="hr-HR" dirty="0" err="1" smtClean="0"/>
+              <a:t>Ctrl</a:t>
+            </a:r>
+            <a:r>
+              <a:rPr lang="hr-HR" dirty="0" smtClean="0"/>
+              <a:t> + J, </a:t>
+            </a:r>
+            <a:r>
+              <a:rPr lang="hr-HR" dirty="0" err="1" smtClean="0"/>
+              <a:t>Ctrl</a:t>
+            </a:r>
+            <a:r>
+              <a:rPr lang="hr-HR" dirty="0" smtClean="0"/>
+              <a:t> + </a:t>
+            </a:r>
+            <a:r>
+              <a:rPr lang="hr-HR" dirty="0" err="1" smtClean="0"/>
+              <a:t>space</a:t>
+            </a:r>
+            <a:endParaRPr lang="hr-HR" dirty="0" smtClean="0"/>
+          </a:p>
+          <a:p>
+            <a:r>
+              <a:rPr lang="hr-HR" dirty="0" err="1" smtClean="0"/>
+              <a:t>Refactoring</a:t>
+            </a:r>
+            <a:r>
+              <a:rPr lang="hr-HR" dirty="0" smtClean="0"/>
+              <a:t> </a:t>
+            </a:r>
+            <a:r>
+              <a:rPr lang="hr-HR" dirty="0" err="1" smtClean="0"/>
+              <a:t>tools</a:t>
+            </a:r>
+            <a:endParaRPr lang="hr-HR" dirty="0"/>
+          </a:p>
+          <a:p>
+            <a:r>
+              <a:rPr lang="hr-HR" dirty="0" err="1" smtClean="0"/>
               <a:t>Code</a:t>
             </a:r>
             <a:r>
@@ -4656,43 +5305,22 @@
             </a:r>
             <a:r>
               <a:rPr lang="hr-HR" dirty="0" err="1" smtClean="0"/>
-              <a:t>refactoring</a:t>
+              <a:t>analysis</a:t>
             </a:r>
             <a:endParaRPr lang="hr-HR" dirty="0" smtClean="0"/>
           </a:p>
           <a:p>
-            <a:pPr lvl="1"/>
-            <a:r>
-              <a:rPr lang="hr-HR" dirty="0" err="1" smtClean="0"/>
-              <a:t>Snippets</a:t>
-            </a:r>
-            <a:endParaRPr lang="hr-HR" dirty="0" smtClean="0"/>
-          </a:p>
-          <a:p>
-            <a:pPr lvl="1"/>
-            <a:r>
-              <a:rPr lang="hr-HR" dirty="0" smtClean="0"/>
-              <a:t>Kratica za ručno pozivanje: </a:t>
-            </a:r>
-            <a:r>
-              <a:rPr lang="hr-HR" dirty="0" err="1" smtClean="0"/>
-              <a:t>Ctrl</a:t>
-            </a:r>
-            <a:r>
-              <a:rPr lang="hr-HR" dirty="0" smtClean="0"/>
-              <a:t> + J, </a:t>
-            </a:r>
-            <a:r>
-              <a:rPr lang="hr-HR" dirty="0" err="1" smtClean="0"/>
-              <a:t>Ctrl</a:t>
-            </a:r>
-            <a:r>
-              <a:rPr lang="hr-HR" dirty="0" smtClean="0"/>
-              <a:t> + </a:t>
-            </a:r>
-            <a:r>
-              <a:rPr lang="hr-HR" dirty="0" err="1" smtClean="0"/>
-              <a:t>space</a:t>
+            <a:r>
+              <a:rPr lang="hr-HR" dirty="0" err="1" smtClean="0"/>
+              <a:t>Code</a:t>
+            </a:r>
+            <a:r>
+              <a:rPr lang="hr-HR" dirty="0" smtClean="0"/>
+              <a:t> </a:t>
+            </a:r>
+            <a:r>
+              <a:rPr lang="hr-HR" dirty="0" err="1" smtClean="0"/>
+              <a:t>metrics</a:t>
             </a:r>
             <a:endParaRPr lang="hr-HR" dirty="0" smtClean="0"/>
           </a:p>
@@ -5016,8 +5644,47 @@
             </a:r>
             <a:r>
               <a:rPr lang="hr-HR" dirty="0" smtClean="0"/>
-              <a:t> window</a:t>
-            </a:r>
+              <a:t> </a:t>
+            </a:r>
+            <a:r>
+              <a:rPr lang="hr-HR" dirty="0" smtClean="0"/>
+              <a:t>window</a:t>
+            </a:r>
+          </a:p>
+          <a:p>
+            <a:r>
+              <a:rPr lang="hr-HR" dirty="0" err="1" smtClean="0"/>
+              <a:t>Performance</a:t>
+            </a:r>
+            <a:r>
+              <a:rPr lang="hr-HR" dirty="0" smtClean="0"/>
+              <a:t> </a:t>
+            </a:r>
+            <a:r>
+              <a:rPr lang="hr-HR" dirty="0" err="1" smtClean="0"/>
+              <a:t>and</a:t>
+            </a:r>
+            <a:r>
+              <a:rPr lang="hr-HR" dirty="0" smtClean="0"/>
+              <a:t> </a:t>
+            </a:r>
+            <a:r>
+              <a:rPr lang="hr-HR" dirty="0" err="1" smtClean="0"/>
+              <a:t>Diagnostics</a:t>
+            </a:r>
+            <a:r>
+              <a:rPr lang="hr-HR" dirty="0" smtClean="0"/>
+              <a:t> (</a:t>
+            </a:r>
+            <a:r>
+              <a:rPr lang="hr-HR" dirty="0" err="1" smtClean="0"/>
+              <a:t>profilers</a:t>
+            </a:r>
+            <a:r>
+              <a:rPr lang="hr-HR" dirty="0" smtClean="0"/>
+              <a:t>)</a:t>
+            </a:r>
+            <a:endParaRPr lang="hr-HR" dirty="0" smtClean="0"/>
           </a:p>
           <a:p>
             <a:pPr marL="457200" lvl="1" indent="0">
@@ -5422,4 +6089,265 @@
     </a:ext>
   </a:extLst>
 </a:theme>
+</file>
+
+<file path=ppt/theme/theme2.xml><?xml version="1.0" encoding="utf-8"?>
+<a:theme xmlns:a="http://schemas.openxmlformats.org/drawingml/2006/main" name="Office Theme">
+  <a:themeElements>
+    <a:clrScheme name="Office">
+      <a:dk1>
+        <a:sysClr val="windowText" lastClr="000000"/>
+      </a:dk1>
+      <a:lt1>
+        <a:sysClr val="window" lastClr="FFFFFF"/>
+      </a:lt1>
+      <a:dk2>
+        <a:srgbClr val="44546A"/>
+      </a:dk2>
+      <a:lt2>
+        <a:srgbClr val="E7E6E6"/>
+      </a:lt2>
+      <a:accent1>
+        <a:srgbClr val="5B9BD5"/>
+      </a:accent1>
+      <a:accent2>
+        <a:srgbClr val="ED7D31"/>
+      </a:accent2>
+      <a:accent3>
+        <a:srgbClr val="A5A5A5"/>
+      </a:accent3>
+      <a:accent4>
+        <a:srgbClr val="FFC000"/>
+      </a:accent4>
+      <a:accent5>
+        <a:srgbClr val="4472C4"/>
+      </a:accent5>
+      <a:accent6>
+        <a:srgbClr val="70AD47"/>
+      </a:accent6>
+      <a:hlink>
+        <a:srgbClr val="0563C1"/>
+      </a:hlink>
+      <a:folHlink>
+        <a:srgbClr val="954F72"/>
+      </a:folHlink>
+    </a:clrScheme>
+    <a:fontScheme name="Office">
+      <a:majorFont>
+        <a:latin typeface="Calibri Light" panose="020F0302020204030204"/>
+        <a:ea typeface=""/>
+        <a:cs typeface=""/>
+        <a:font script="Jpan" typeface="游ゴシック Light"/>
+        <a:font script="Hang" typeface="맑은 고딕"/>
+        <a:font script="Hans" typeface="等线 Light"/>
+        <a:font script="Hant" typeface="新細明體"/>
+        <a:font script="Arab" typeface="Times New Roman"/>
+        <a:font script="Hebr" typeface="Times New Roman"/>
+        <a:font script="Thai" typeface="Angsana New"/>
+        <a:font script="Ethi" typeface="Nyala"/>
+        <a:font script="Beng" typeface="Vrinda"/>
+        <a:font script="Gujr" typeface="Shruti"/>
+        <a:font script="Khmr" typeface="MoolBoran"/>
+        <a:font script="Knda" typeface="Tunga"/>
+        <a:font script="Guru" typeface="Raavi"/>
+        <a:font script="Cans" typeface="Euphemia"/>
+        <a:font script="Cher" typeface="Plantagenet Cherokee"/>
+        <a:font script="Yiii" typeface="Microsoft Yi Baiti"/>
+        <a:font script="Tibt" typeface="Microsoft Himalaya"/>
+        <a:font script="Thaa" typeface="MV Boli"/>
+        <a:font script="Deva" typeface="Mangal"/>
+        <a:font script="Telu" typeface="Gautami"/>
+        <a:font script="Taml" typeface="Latha"/>
+        <a:font script="Syrc" typeface="Estrangelo Edessa"/>
+        <a:font script="Orya" typeface="Kalinga"/>
+        <a:font script="Mlym" typeface="Kartika"/>
+        <a:font script="Laoo" typeface="DokChampa"/>
+        <a:font script="Sinh" typeface="Iskoola Pota"/>
+        <a:font script="Mong" typeface="Mongolian Baiti"/>
+        <a:font script="Viet" typeface="Times New Roman"/>
+        <a:font script="Uigh" typeface="Microsoft Uighur"/>
+        <a:font script="Geor" typeface="Sylfaen"/>
+      </a:majorFont>
+      <a:minorFont>
+        <a:latin typeface="Calibri" panose="020F0502020204030204"/>
+        <a:ea typeface=""/>
+        <a:cs typeface=""/>
+        <a:font script="Jpan" typeface="游ゴシック"/>
+        <a:font script="Hang" typeface="맑은 고딕"/>
+        <a:font script="Hans" typeface="等线"/>
+        <a:font script="Hant" typeface="新細明體"/>
+        <a:font script="Arab" typeface="Arial"/>
+        <a:font script="Hebr" typeface="Arial"/>
+        <a:font script="Thai" typeface="Cordia New"/>
+        <a:font script="Ethi" typeface="Nyala"/>
+        <a:font script="Beng" typeface="Vrinda"/>
+        <a:font script="Gujr" typeface="Shruti"/>
+        <a:font script="Khmr" typeface="DaunPenh"/>
+        <a:font script="Knda" typeface="Tunga"/>
+        <a:font script="Guru" typeface="Raavi"/>
+        <a:font script="Cans" typeface="Euphemia"/>
+        <a:font script="Cher" typeface="Plantagenet Cherokee"/>
+        <a:font script="Yiii" typeface="Microsoft Yi Baiti"/>
+        <a:font script="Tibt" typeface="Microsoft Himalaya"/>
+        <a:font script="Thaa" typeface="MV Boli"/>
+        <a:font script="Deva" typeface="Mangal"/>
+        <a:font script="Telu" typeface="Gautami"/>
+        <a:font script="Taml" typeface="Latha"/>
+        <a:font script="Syrc" typeface="Estrangelo Edessa"/>
+        <a:font script="Orya" typeface="Kalinga"/>
+        <a:font script="Mlym" typeface="Kartika"/>
+        <a:font script="Laoo" typeface="DokChampa"/>
+        <a:font script="Sinh" typeface="Iskoola Pota"/>
+        <a:font script="Mong" typeface="Mongolian Baiti"/>
+        <a:font script="Viet" typeface="Arial"/>
+        <a:font script="Uigh" typeface="Microsoft Uighur"/>
+        <a:font script="Geor" typeface="Sylfaen"/>
+      </a:minorFont>
+    </a:fontScheme>
+    <a:fmtScheme name="Office">
+      <a:fillStyleLst>
+        <a:solidFill>
+          <a:schemeClr val="phClr"/>
+        </a:solidFill>
+        <a:gradFill rotWithShape="1">
+          <a:gsLst>
+            <a:gs pos="0">
+              <a:schemeClr val="phClr">
+                <a:lumMod val="110000"/>
+                <a:satMod val="105000"/>
+                <a:tint val="67000"/>
+              </a:schemeClr>
+            </a:gs>
+            <a:gs pos="50000">
+              <a:schemeClr val="phClr">
+                <a:lumMod val="105000"/>
+                <a:satMod val="103000"/>
+                <a:tint val="73000"/>
+              </a:schemeClr>
+            </a:gs>
+            <a:gs pos="100000">
+              <a:schemeClr val="phClr">
+                <a:lumMod val="105000"/>
+                <a:satMod val="109000"/>
+                <a:tint val="81000"/>
+              </a:schemeClr>
+            </a:gs>
+          </a:gsLst>
+          <a:lin ang="5400000" scaled="0"/>
+        </a:gradFill>
+        <a:gradFill rotWithShape="1">
+          <a:gsLst>
+            <a:gs pos="0">
+              <a:schemeClr val="phClr">
+                <a:satMod val="103000"/>
+                <a:lumMod val="102000"/>
+                <a:tint val="94000"/>
+              </a:schemeClr>
+            </a:gs>
+            <a:gs pos="50000">
+              <a:schemeClr val="phClr">
+                <a:satMod val="110000"/>
+                <a:lumMod val="100000"/>
+                <a:shade val="100000"/>
+              </a:schemeClr>
+            </a:gs>
+            <a:gs pos="100000">
+              <a:schemeClr val="phClr">
+                <a:lumMod val="99000"/>
+                <a:satMod val="120000"/>
+                <a:shade val="78000"/>
+              </a:schemeClr>
+            </a:gs>
+          </a:gsLst>
+          <a:lin ang="5400000" scaled="0"/>
+        </a:gradFill>
+      </a:fillStyleLst>
+      <a:lnStyleLst>
+        <a:ln w="6350" cap="flat" cmpd="sng" algn="ctr">
+          <a:solidFill>
+            <a:schemeClr val="phClr"/>
+          </a:solidFill>
+          <a:prstDash val="solid"/>
+          <a:miter lim="800000"/>
+        </a:ln>
+        <a:ln w="12700" cap="flat" cmpd="sng" algn="ctr">
+          <a:solidFill>
+            <a:schemeClr val="phClr"/>
+          </a:solidFill>
+          <a:prstDash val="solid"/>
+          <a:miter lim="800000"/>
+        </a:ln>
+        <a:ln w="19050" cap="flat" cmpd="sng" algn="ctr">
+          <a:solidFill>
+            <a:schemeClr val="phClr"/>
+          </a:solidFill>
+          <a:prstDash val="solid"/>
+          <a:miter lim="800000"/>
+        </a:ln>
+      </a:lnStyleLst>
+      <a:effectStyleLst>
+        <a:effectStyle>
+          <a:effectLst/>
+        </a:effectStyle>
+        <a:effectStyle>
+          <a:effectLst/>
+        </a:effectStyle>
+        <a:effectStyle>
+          <a:effectLst>
+            <a:outerShdw blurRad="57150" dist="19050" dir="5400000" algn="ctr" rotWithShape="0">
+              <a:srgbClr val="000000">
+                <a:alpha val="63000"/>
+              </a:srgbClr>
+            </a:outerShdw>
+          </a:effectLst>
+        </a:effectStyle>
+      </a:effectStyleLst>
+      <a:bgFillStyleLst>
+        <a:solidFill>
+          <a:schemeClr val="phClr"/>
+        </a:solidFill>
+        <a:solidFill>
+          <a:schemeClr val="phClr">
+            <a:tint val="95000"/>
+            <a:satMod val="170000"/>
+          </a:schemeClr>
+        </a:solidFill>
+        <a:gradFill rotWithShape="1">
+          <a:gsLst>
+            <a:gs pos="0">
+              <a:schemeClr val="phClr">
+                <a:tint val="93000"/>
+                <a:satMod val="150000"/>
+                <a:shade val="98000"/>
+                <a:lumMod val="102000"/>
+              </a:schemeClr>
+            </a:gs>
+            <a:gs pos="50000">
+              <a:schemeClr val="phClr">
+                <a:tint val="98000"/>
+                <a:satMod val="130000"/>
+                <a:shade val="90000"/>
+                <a:lumMod val="103000"/>
+              </a:schemeClr>
+            </a:gs>
+            <a:gs pos="100000">
+              <a:schemeClr val="phClr">
+                <a:shade val="63000"/>
+                <a:satMod val="120000"/>
+              </a:schemeClr>
+            </a:gs>
+          </a:gsLst>
+          <a:lin ang="5400000" scaled="0"/>
+        </a:gradFill>
+      </a:bgFillStyleLst>
+    </a:fmtScheme>
+  </a:themeElements>
+  <a:objectDefaults/>
+  <a:extraClrSchemeLst/>
+  <a:extLst>
+    <a:ext uri="{05A4C25C-085E-4340-85A3-A5531E510DB2}">
+      <thm15:themeFamily xmlns:thm15="http://schemas.microsoft.com/office/thememl/2012/main" name="Office Theme" id="{62F939B6-93AF-4DB8-9C6B-D6C7DFDC589F}" vid="{4A3C46E8-61CC-4603-A589-7422A47A8E4A}"/>
+    </a:ext>
+  </a:extLst>
+</a:theme>
 </file>
--- a/prezentacije/1-3 Alati u razvoju.pptx
+++ b/prezentacije/1-3 Alati u razvoju.pptx
@@ -5,7 +5,7 @@
     <p:sldMasterId id="2147483648" r:id="rId1"/>
   </p:sldMasterIdLst>
   <p:notesMasterIdLst>
-    <p:notesMasterId r:id="rId14"/>
+    <p:notesMasterId r:id="rId17"/>
   </p:notesMasterIdLst>
   <p:sldIdLst>
     <p:sldId id="256" r:id="rId2"/>
@@ -20,6 +20,9 @@
     <p:sldId id="268" r:id="rId11"/>
     <p:sldId id="262" r:id="rId12"/>
     <p:sldId id="257" r:id="rId13"/>
+    <p:sldId id="269" r:id="rId14"/>
+    <p:sldId id="270" r:id="rId15"/>
+    <p:sldId id="271" r:id="rId16"/>
   </p:sldIdLst>
   <p:sldSz cx="12192000" cy="6858000"/>
   <p:notesSz cx="6858000" cy="9144000"/>
@@ -208,7 +211,7 @@
           <a:p>
             <a:fld id="{3EC99C4B-131F-44C7-9192-173D28B840E6}" type="datetimeFigureOut">
               <a:rPr lang="hr-HR" smtClean="0"/>
-              <a:t>30.4.2017.</a:t>
+              <a:t>1.5.2017.</a:t>
             </a:fld>
             <a:endParaRPr lang="hr-HR"/>
           </a:p>
@@ -668,6 +671,124 @@
 </p:notes>
 </file>
 
+<file path=ppt/notesSlides/notesSlide3.xml><?xml version="1.0" encoding="utf-8"?>
+<p:notes xmlns:a="http://schemas.openxmlformats.org/drawingml/2006/main" xmlns:r="http://schemas.openxmlformats.org/officeDocument/2006/relationships" xmlns:p="http://schemas.openxmlformats.org/presentationml/2006/main">
+  <p:cSld>
+    <p:spTree>
+      <p:nvGrpSpPr>
+        <p:cNvPr id="1" name=""/>
+        <p:cNvGrpSpPr/>
+        <p:nvPr/>
+      </p:nvGrpSpPr>
+      <p:grpSpPr>
+        <a:xfrm>
+          <a:off x="0" y="0"/>
+          <a:ext cx="0" cy="0"/>
+          <a:chOff x="0" y="0"/>
+          <a:chExt cx="0" cy="0"/>
+        </a:xfrm>
+      </p:grpSpPr>
+      <p:sp>
+        <p:nvSpPr>
+          <p:cNvPr id="2" name="Slide Image Placeholder 1"/>
+          <p:cNvSpPr>
+            <a:spLocks noGrp="1" noRot="1" noChangeAspect="1"/>
+          </p:cNvSpPr>
+          <p:nvPr>
+            <p:ph type="sldImg"/>
+          </p:nvPr>
+        </p:nvSpPr>
+        <p:spPr/>
+      </p:sp>
+      <p:sp>
+        <p:nvSpPr>
+          <p:cNvPr id="3" name="Notes Placeholder 2"/>
+          <p:cNvSpPr>
+            <a:spLocks noGrp="1"/>
+          </p:cNvSpPr>
+          <p:nvPr>
+            <p:ph type="body" idx="1"/>
+          </p:nvPr>
+        </p:nvSpPr>
+        <p:spPr/>
+        <p:txBody>
+          <a:bodyPr/>
+          <a:lstStyle/>
+          <a:p>
+            <a:r>
+              <a:rPr lang="en-US" sz="1200" b="0" i="0" kern="1200" dirty="0" smtClean="0">
+                <a:solidFill>
+                  <a:schemeClr val="tx1"/>
+                </a:solidFill>
+                <a:effectLst/>
+                <a:latin typeface="+mn-lt"/>
+                <a:ea typeface="+mn-ea"/>
+                <a:cs typeface="+mn-cs"/>
+              </a:rPr>
+              <a:t>Visual Studio Test Professional 2015 provides access to the test hub in Visual Studio Team Foundation Server and Visual Studio Online. Coordinate all test management activities including test planning, authoring, execution, and tracking from a central location. The test hub gives product owners and business analysts critical insight into progress against the defined acceptance criteria and quality metrics.</a:t>
+            </a:r>
+            <a:endParaRPr lang="hr-HR" sz="1200" b="0" i="0" kern="1200" dirty="0" smtClean="0">
+              <a:solidFill>
+                <a:schemeClr val="tx1"/>
+              </a:solidFill>
+              <a:effectLst/>
+              <a:latin typeface="+mn-lt"/>
+              <a:ea typeface="+mn-ea"/>
+              <a:cs typeface="+mn-cs"/>
+            </a:endParaRPr>
+          </a:p>
+          <a:p>
+            <a:endParaRPr lang="hr-HR" sz="1200" b="0" i="0" kern="1200" dirty="0" smtClean="0">
+              <a:solidFill>
+                <a:schemeClr val="tx1"/>
+              </a:solidFill>
+              <a:effectLst/>
+              <a:latin typeface="+mn-lt"/>
+              <a:ea typeface="+mn-ea"/>
+              <a:cs typeface="+mn-cs"/>
+            </a:endParaRPr>
+          </a:p>
+          <a:p>
+            <a:endParaRPr lang="hr-HR" dirty="0"/>
+          </a:p>
+        </p:txBody>
+      </p:sp>
+      <p:sp>
+        <p:nvSpPr>
+          <p:cNvPr id="4" name="Slide Number Placeholder 3"/>
+          <p:cNvSpPr>
+            <a:spLocks noGrp="1"/>
+          </p:cNvSpPr>
+          <p:nvPr>
+            <p:ph type="sldNum" sz="quarter" idx="10"/>
+          </p:nvPr>
+        </p:nvSpPr>
+        <p:spPr/>
+        <p:txBody>
+          <a:bodyPr/>
+          <a:lstStyle/>
+          <a:p>
+            <a:fld id="{3B95FDCD-520A-40CC-98D9-F64FA784BBEB}" type="slidenum">
+              <a:rPr lang="hr-HR" smtClean="0"/>
+              <a:t>14</a:t>
+            </a:fld>
+            <a:endParaRPr lang="hr-HR"/>
+          </a:p>
+        </p:txBody>
+      </p:sp>
+    </p:spTree>
+    <p:extLst>
+      <p:ext uri="{BB962C8B-B14F-4D97-AF65-F5344CB8AC3E}">
+        <p14:creationId xmlns:p14="http://schemas.microsoft.com/office/powerpoint/2010/main" val="3809532431"/>
+      </p:ext>
+    </p:extLst>
+  </p:cSld>
+  <p:clrMapOvr>
+    <a:masterClrMapping/>
+  </p:clrMapOvr>
+</p:notes>
+</file>
+
 <file path=ppt/slideLayouts/slideLayout1.xml><?xml version="1.0" encoding="utf-8"?>
 <p:sldLayout xmlns:a="http://schemas.openxmlformats.org/drawingml/2006/main" xmlns:r="http://schemas.openxmlformats.org/officeDocument/2006/relationships" xmlns:p="http://schemas.openxmlformats.org/presentationml/2006/main" type="title" preserve="1">
   <p:cSld name="Title Slide">
@@ -799,7 +920,7 @@
           <a:p>
             <a:fld id="{E96F6D18-14D9-4839-AD4E-F9C57A5B3B13}" type="datetimeFigureOut">
               <a:rPr lang="hr-HR" smtClean="0"/>
-              <a:t>30.4.2017.</a:t>
+              <a:t>1.5.2017.</a:t>
             </a:fld>
             <a:endParaRPr lang="hr-HR"/>
           </a:p>
@@ -969,7 +1090,7 @@
           <a:p>
             <a:fld id="{E96F6D18-14D9-4839-AD4E-F9C57A5B3B13}" type="datetimeFigureOut">
               <a:rPr lang="hr-HR" smtClean="0"/>
-              <a:t>30.4.2017.</a:t>
+              <a:t>1.5.2017.</a:t>
             </a:fld>
             <a:endParaRPr lang="hr-HR"/>
           </a:p>
@@ -1149,7 +1270,7 @@
           <a:p>
             <a:fld id="{E96F6D18-14D9-4839-AD4E-F9C57A5B3B13}" type="datetimeFigureOut">
               <a:rPr lang="hr-HR" smtClean="0"/>
-              <a:t>30.4.2017.</a:t>
+              <a:t>1.5.2017.</a:t>
             </a:fld>
             <a:endParaRPr lang="hr-HR"/>
           </a:p>
@@ -1319,7 +1440,7 @@
           <a:p>
             <a:fld id="{E96F6D18-14D9-4839-AD4E-F9C57A5B3B13}" type="datetimeFigureOut">
               <a:rPr lang="hr-HR" smtClean="0"/>
-              <a:t>30.4.2017.</a:t>
+              <a:t>1.5.2017.</a:t>
             </a:fld>
             <a:endParaRPr lang="hr-HR"/>
           </a:p>
@@ -1565,7 +1686,7 @@
           <a:p>
             <a:fld id="{E96F6D18-14D9-4839-AD4E-F9C57A5B3B13}" type="datetimeFigureOut">
               <a:rPr lang="hr-HR" smtClean="0"/>
-              <a:t>30.4.2017.</a:t>
+              <a:t>1.5.2017.</a:t>
             </a:fld>
             <a:endParaRPr lang="hr-HR"/>
           </a:p>
@@ -1797,7 +1918,7 @@
           <a:p>
             <a:fld id="{E96F6D18-14D9-4839-AD4E-F9C57A5B3B13}" type="datetimeFigureOut">
               <a:rPr lang="hr-HR" smtClean="0"/>
-              <a:t>30.4.2017.</a:t>
+              <a:t>1.5.2017.</a:t>
             </a:fld>
             <a:endParaRPr lang="hr-HR"/>
           </a:p>
@@ -2164,7 +2285,7 @@
           <a:p>
             <a:fld id="{E96F6D18-14D9-4839-AD4E-F9C57A5B3B13}" type="datetimeFigureOut">
               <a:rPr lang="hr-HR" smtClean="0"/>
-              <a:t>30.4.2017.</a:t>
+              <a:t>1.5.2017.</a:t>
             </a:fld>
             <a:endParaRPr lang="hr-HR"/>
           </a:p>
@@ -2282,7 +2403,7 @@
           <a:p>
             <a:fld id="{E96F6D18-14D9-4839-AD4E-F9C57A5B3B13}" type="datetimeFigureOut">
               <a:rPr lang="hr-HR" smtClean="0"/>
-              <a:t>30.4.2017.</a:t>
+              <a:t>1.5.2017.</a:t>
             </a:fld>
             <a:endParaRPr lang="hr-HR"/>
           </a:p>
@@ -2377,7 +2498,7 @@
           <a:p>
             <a:fld id="{E96F6D18-14D9-4839-AD4E-F9C57A5B3B13}" type="datetimeFigureOut">
               <a:rPr lang="hr-HR" smtClean="0"/>
-              <a:t>30.4.2017.</a:t>
+              <a:t>1.5.2017.</a:t>
             </a:fld>
             <a:endParaRPr lang="hr-HR"/>
           </a:p>
@@ -2654,7 +2775,7 @@
           <a:p>
             <a:fld id="{E96F6D18-14D9-4839-AD4E-F9C57A5B3B13}" type="datetimeFigureOut">
               <a:rPr lang="hr-HR" smtClean="0"/>
-              <a:t>30.4.2017.</a:t>
+              <a:t>1.5.2017.</a:t>
             </a:fld>
             <a:endParaRPr lang="hr-HR"/>
           </a:p>
@@ -2907,7 +3028,7 @@
           <a:p>
             <a:fld id="{E96F6D18-14D9-4839-AD4E-F9C57A5B3B13}" type="datetimeFigureOut">
               <a:rPr lang="hr-HR" smtClean="0"/>
-              <a:t>30.4.2017.</a:t>
+              <a:t>1.5.2017.</a:t>
             </a:fld>
             <a:endParaRPr lang="hr-HR"/>
           </a:p>
@@ -3120,7 +3241,7 @@
           <a:p>
             <a:fld id="{E96F6D18-14D9-4839-AD4E-F9C57A5B3B13}" type="datetimeFigureOut">
               <a:rPr lang="hr-HR" smtClean="0"/>
-              <a:t>30.4.2017.</a:t>
+              <a:t>1.5.2017.</a:t>
             </a:fld>
             <a:endParaRPr lang="hr-HR"/>
           </a:p>
@@ -3607,7 +3728,6 @@
               <a:rPr lang="hr-HR" dirty="0" smtClean="0"/>
               <a:t> verzijama</a:t>
             </a:r>
-            <a:endParaRPr lang="hr-HR" dirty="0" smtClean="0"/>
           </a:p>
           <a:p>
             <a:r>
@@ -3998,7 +4118,35 @@
           <a:bodyPr/>
           <a:lstStyle/>
           <a:p>
-            <a:endParaRPr lang="hr-HR"/>
+            <a:r>
+              <a:rPr lang="hr-HR" dirty="0" smtClean="0"/>
+              <a:t>Podrška za </a:t>
+            </a:r>
+            <a:r>
+              <a:rPr lang="hr-HR" dirty="0" err="1" smtClean="0"/>
+              <a:t>task</a:t>
+            </a:r>
+            <a:r>
+              <a:rPr lang="hr-HR" dirty="0" smtClean="0"/>
+              <a:t> </a:t>
+            </a:r>
+            <a:r>
+              <a:rPr lang="hr-HR" dirty="0" err="1" smtClean="0"/>
+              <a:t>runnere</a:t>
+            </a:r>
+            <a:r>
+              <a:rPr lang="hr-HR" dirty="0" smtClean="0"/>
+              <a:t> i </a:t>
+            </a:r>
+            <a:r>
+              <a:rPr lang="hr-HR" dirty="0" err="1" smtClean="0"/>
+              <a:t>package</a:t>
+            </a:r>
+            <a:r>
+              <a:rPr lang="hr-HR" dirty="0" smtClean="0"/>
+              <a:t> managere</a:t>
+            </a:r>
+            <a:endParaRPr lang="hr-HR" dirty="0"/>
           </a:p>
         </p:txBody>
       </p:sp>
@@ -4051,21 +4199,6 @@
             <a:r>
               <a:rPr lang="hr-HR" dirty="0" err="1" smtClean="0"/>
               <a:t>NuGet</a:t>
-            </a:r>
-            <a:endParaRPr lang="hr-HR" dirty="0" smtClean="0"/>
-          </a:p>
-          <a:p>
-            <a:r>
-              <a:rPr lang="hr-HR" dirty="0" err="1" smtClean="0"/>
-              <a:t>Git</a:t>
-            </a:r>
-            <a:r>
-              <a:rPr lang="hr-HR" dirty="0" smtClean="0"/>
-              <a:t>, </a:t>
-            </a:r>
-            <a:r>
-              <a:rPr lang="hr-HR" dirty="0" err="1" smtClean="0"/>
-              <a:t>tfs</a:t>
             </a:r>
             <a:endParaRPr lang="hr-HR" dirty="0" smtClean="0"/>
           </a:p>
@@ -4078,6 +4211,424 @@
     <p:extLst>
       <p:ext uri="{BB962C8B-B14F-4D97-AF65-F5344CB8AC3E}">
         <p14:creationId xmlns:p14="http://schemas.microsoft.com/office/powerpoint/2010/main" val="3674570170"/>
+      </p:ext>
+    </p:extLst>
+  </p:cSld>
+  <p:clrMapOvr>
+    <a:masterClrMapping/>
+  </p:clrMapOvr>
+</p:sld>
+</file>
+
+<file path=ppt/slides/slide13.xml><?xml version="1.0" encoding="utf-8"?>
+<p:sld xmlns:a="http://schemas.openxmlformats.org/drawingml/2006/main" xmlns:r="http://schemas.openxmlformats.org/officeDocument/2006/relationships" xmlns:p="http://schemas.openxmlformats.org/presentationml/2006/main">
+  <p:cSld>
+    <p:spTree>
+      <p:nvGrpSpPr>
+        <p:cNvPr id="1" name=""/>
+        <p:cNvGrpSpPr/>
+        <p:nvPr/>
+      </p:nvGrpSpPr>
+      <p:grpSpPr>
+        <a:xfrm>
+          <a:off x="0" y="0"/>
+          <a:ext cx="0" cy="0"/>
+          <a:chOff x="0" y="0"/>
+          <a:chExt cx="0" cy="0"/>
+        </a:xfrm>
+      </p:grpSpPr>
+      <p:sp>
+        <p:nvSpPr>
+          <p:cNvPr id="2" name="Title 1"/>
+          <p:cNvSpPr>
+            <a:spLocks noGrp="1"/>
+          </p:cNvSpPr>
+          <p:nvPr>
+            <p:ph type="title"/>
+          </p:nvPr>
+        </p:nvSpPr>
+        <p:spPr/>
+        <p:txBody>
+          <a:bodyPr/>
+          <a:lstStyle/>
+          <a:p>
+            <a:r>
+              <a:rPr lang="hr-HR" dirty="0" smtClean="0"/>
+              <a:t>VS i </a:t>
+            </a:r>
+            <a:r>
+              <a:rPr lang="hr-HR" dirty="0" err="1" smtClean="0"/>
+              <a:t>Source</a:t>
+            </a:r>
+            <a:r>
+              <a:rPr lang="hr-HR" dirty="0" smtClean="0"/>
+              <a:t> </a:t>
+            </a:r>
+            <a:r>
+              <a:rPr lang="hr-HR" dirty="0" err="1" smtClean="0"/>
+              <a:t>Controle</a:t>
+            </a:r>
+            <a:endParaRPr lang="hr-HR" dirty="0"/>
+          </a:p>
+        </p:txBody>
+      </p:sp>
+      <p:sp>
+        <p:nvSpPr>
+          <p:cNvPr id="3" name="Content Placeholder 2"/>
+          <p:cNvSpPr>
+            <a:spLocks noGrp="1"/>
+          </p:cNvSpPr>
+          <p:nvPr>
+            <p:ph idx="1"/>
+          </p:nvPr>
+        </p:nvSpPr>
+        <p:spPr/>
+        <p:txBody>
+          <a:bodyPr/>
+          <a:lstStyle/>
+          <a:p>
+            <a:r>
+              <a:rPr lang="hr-HR" dirty="0" err="1" smtClean="0"/>
+              <a:t>Git</a:t>
+            </a:r>
+            <a:endParaRPr lang="hr-HR" dirty="0" smtClean="0"/>
+          </a:p>
+          <a:p>
+            <a:r>
+              <a:rPr lang="hr-HR" dirty="0" smtClean="0"/>
+              <a:t>MS </a:t>
+            </a:r>
+            <a:r>
+              <a:rPr lang="hr-HR" dirty="0" err="1" smtClean="0"/>
+              <a:t>Source</a:t>
+            </a:r>
+            <a:r>
+              <a:rPr lang="hr-HR" dirty="0" smtClean="0"/>
+              <a:t> </a:t>
+            </a:r>
+            <a:r>
+              <a:rPr lang="hr-HR" dirty="0" err="1" smtClean="0"/>
+              <a:t>Control</a:t>
+            </a:r>
+            <a:endParaRPr lang="hr-HR" dirty="0" smtClean="0"/>
+          </a:p>
+          <a:p>
+            <a:r>
+              <a:rPr lang="hr-HR" dirty="0" smtClean="0"/>
+              <a:t>SVN</a:t>
+            </a:r>
+          </a:p>
+          <a:p>
+            <a:r>
+              <a:rPr lang="hr-HR" dirty="0" smtClean="0"/>
+              <a:t>….</a:t>
+            </a:r>
+            <a:endParaRPr lang="hr-HR" dirty="0"/>
+          </a:p>
+          <a:p>
+            <a:endParaRPr lang="hr-HR" dirty="0"/>
+          </a:p>
+        </p:txBody>
+      </p:sp>
+    </p:spTree>
+    <p:extLst>
+      <p:ext uri="{BB962C8B-B14F-4D97-AF65-F5344CB8AC3E}">
+        <p14:creationId xmlns:p14="http://schemas.microsoft.com/office/powerpoint/2010/main" val="1290528947"/>
+      </p:ext>
+    </p:extLst>
+  </p:cSld>
+  <p:clrMapOvr>
+    <a:masterClrMapping/>
+  </p:clrMapOvr>
+</p:sld>
+</file>
+
+<file path=ppt/slides/slide14.xml><?xml version="1.0" encoding="utf-8"?>
+<p:sld xmlns:a="http://schemas.openxmlformats.org/drawingml/2006/main" xmlns:r="http://schemas.openxmlformats.org/officeDocument/2006/relationships" xmlns:p="http://schemas.openxmlformats.org/presentationml/2006/main">
+  <p:cSld>
+    <p:spTree>
+      <p:nvGrpSpPr>
+        <p:cNvPr id="1" name=""/>
+        <p:cNvGrpSpPr/>
+        <p:nvPr/>
+      </p:nvGrpSpPr>
+      <p:grpSpPr>
+        <a:xfrm>
+          <a:off x="0" y="0"/>
+          <a:ext cx="0" cy="0"/>
+          <a:chOff x="0" y="0"/>
+          <a:chExt cx="0" cy="0"/>
+        </a:xfrm>
+      </p:grpSpPr>
+      <p:sp>
+        <p:nvSpPr>
+          <p:cNvPr id="2" name="Title 1"/>
+          <p:cNvSpPr>
+            <a:spLocks noGrp="1"/>
+          </p:cNvSpPr>
+          <p:nvPr>
+            <p:ph type="title"/>
+          </p:nvPr>
+        </p:nvSpPr>
+        <p:spPr/>
+        <p:txBody>
+          <a:bodyPr/>
+          <a:lstStyle/>
+          <a:p>
+            <a:r>
+              <a:rPr lang="hr-HR" dirty="0" smtClean="0"/>
+              <a:t>Microsoft ALM proizvodi</a:t>
+            </a:r>
+            <a:endParaRPr lang="hr-HR" dirty="0"/>
+          </a:p>
+        </p:txBody>
+      </p:sp>
+      <p:sp>
+        <p:nvSpPr>
+          <p:cNvPr id="3" name="Content Placeholder 2"/>
+          <p:cNvSpPr>
+            <a:spLocks noGrp="1"/>
+          </p:cNvSpPr>
+          <p:nvPr>
+            <p:ph sz="quarter" idx="1"/>
+          </p:nvPr>
+        </p:nvSpPr>
+        <p:spPr/>
+        <p:txBody>
+          <a:bodyPr>
+            <a:normAutofit/>
+          </a:bodyPr>
+          <a:lstStyle/>
+          <a:p>
+            <a:r>
+              <a:rPr lang="hr-HR" dirty="0" smtClean="0"/>
+              <a:t>Visual Studio (IDE)</a:t>
+            </a:r>
+          </a:p>
+          <a:p>
+            <a:r>
+              <a:rPr lang="hr-HR" dirty="0" smtClean="0"/>
+              <a:t>Visual Studio Test Professional</a:t>
+            </a:r>
+          </a:p>
+          <a:p>
+            <a:pPr lvl="1"/>
+            <a:r>
+              <a:rPr lang="hr-HR" dirty="0"/>
+              <a:t>Continuous delivery </a:t>
+            </a:r>
+            <a:endParaRPr lang="hr-HR" dirty="0" smtClean="0"/>
+          </a:p>
+          <a:p>
+            <a:pPr lvl="1"/>
+            <a:r>
+              <a:rPr lang="hr-HR" dirty="0" smtClean="0"/>
+              <a:t>Alat za test timove – upravljanje, kreiranje, izvršavanje i reporting</a:t>
+            </a:r>
+          </a:p>
+          <a:p>
+            <a:pPr lvl="1"/>
+            <a:r>
+              <a:rPr lang="hr-HR" dirty="0"/>
+              <a:t>Microsoft Test Manager</a:t>
+            </a:r>
+          </a:p>
+          <a:p>
+            <a:pPr lvl="2"/>
+            <a:r>
+              <a:rPr lang="hr-HR" dirty="0" smtClean="0"/>
+              <a:t>Pokretanje</a:t>
+            </a:r>
+            <a:r>
+              <a:rPr lang="en-US" dirty="0" smtClean="0"/>
+              <a:t>, </a:t>
+            </a:r>
+            <a:r>
+              <a:rPr lang="hr-HR" dirty="0" smtClean="0"/>
+              <a:t>snimanje-slanje rezultata ručnih testova, user acceptance testers</a:t>
+            </a:r>
+          </a:p>
+          <a:p>
+            <a:r>
+              <a:rPr lang="hr-HR" dirty="0" smtClean="0"/>
+              <a:t>Team Foundation Server</a:t>
+            </a:r>
+          </a:p>
+          <a:p>
+            <a:pPr lvl="1"/>
+            <a:r>
+              <a:rPr lang="hr-HR" dirty="0" smtClean="0"/>
+              <a:t>Source Control, Data Storage, Builds</a:t>
+            </a:r>
+          </a:p>
+          <a:p>
+            <a:r>
+              <a:rPr lang="hr-HR" dirty="0" smtClean="0"/>
+              <a:t>Visual Studio Lab Management</a:t>
+            </a:r>
+          </a:p>
+          <a:p>
+            <a:pPr lvl="1"/>
+            <a:r>
+              <a:rPr lang="hr-HR" dirty="0" smtClean="0"/>
+              <a:t>Upravljanje virtualnim okruženjima od strane testera</a:t>
+            </a:r>
+            <a:endParaRPr lang="hr-HR" dirty="0"/>
+          </a:p>
+        </p:txBody>
+      </p:sp>
+    </p:spTree>
+    <p:extLst>
+      <p:ext uri="{BB962C8B-B14F-4D97-AF65-F5344CB8AC3E}">
+        <p14:creationId xmlns:p14="http://schemas.microsoft.com/office/powerpoint/2010/main" val="588679883"/>
+      </p:ext>
+    </p:extLst>
+  </p:cSld>
+  <p:clrMapOvr>
+    <a:masterClrMapping/>
+  </p:clrMapOvr>
+</p:sld>
+</file>
+
+<file path=ppt/slides/slide15.xml><?xml version="1.0" encoding="utf-8"?>
+<p:sld xmlns:a="http://schemas.openxmlformats.org/drawingml/2006/main" xmlns:r="http://schemas.openxmlformats.org/officeDocument/2006/relationships" xmlns:p="http://schemas.openxmlformats.org/presentationml/2006/main">
+  <p:cSld>
+    <p:spTree>
+      <p:nvGrpSpPr>
+        <p:cNvPr id="1" name=""/>
+        <p:cNvGrpSpPr/>
+        <p:nvPr/>
+      </p:nvGrpSpPr>
+      <p:grpSpPr>
+        <a:xfrm>
+          <a:off x="0" y="0"/>
+          <a:ext cx="0" cy="0"/>
+          <a:chOff x="0" y="0"/>
+          <a:chExt cx="0" cy="0"/>
+        </a:xfrm>
+      </p:grpSpPr>
+      <p:sp>
+        <p:nvSpPr>
+          <p:cNvPr id="2" name="Title 1"/>
+          <p:cNvSpPr>
+            <a:spLocks noGrp="1"/>
+          </p:cNvSpPr>
+          <p:nvPr>
+            <p:ph type="title"/>
+          </p:nvPr>
+        </p:nvSpPr>
+        <p:spPr/>
+        <p:txBody>
+          <a:bodyPr/>
+          <a:lstStyle/>
+          <a:p>
+            <a:r>
+              <a:rPr lang="hr-HR" dirty="0" smtClean="0"/>
+              <a:t>VS ALM</a:t>
+            </a:r>
+            <a:endParaRPr lang="hr-HR" dirty="0"/>
+          </a:p>
+        </p:txBody>
+      </p:sp>
+      <p:sp>
+        <p:nvSpPr>
+          <p:cNvPr id="3" name="Content Placeholder 2"/>
+          <p:cNvSpPr>
+            <a:spLocks noGrp="1"/>
+          </p:cNvSpPr>
+          <p:nvPr>
+            <p:ph sz="quarter" idx="1"/>
+          </p:nvPr>
+        </p:nvSpPr>
+        <p:spPr/>
+        <p:txBody>
+          <a:bodyPr>
+            <a:normAutofit fontScale="92500"/>
+          </a:bodyPr>
+          <a:lstStyle/>
+          <a:p>
+            <a:r>
+              <a:rPr lang="hr-HR" dirty="0" smtClean="0"/>
+              <a:t>Primjena uspješnih praksa u upravljanju životom jedne aplikacije-sustava</a:t>
+            </a:r>
+          </a:p>
+          <a:p>
+            <a:pPr lvl="1"/>
+            <a:r>
+              <a:rPr lang="hr-HR" dirty="0" smtClean="0"/>
+              <a:t>Planiranje i nadgledanje rada</a:t>
+            </a:r>
+          </a:p>
+          <a:p>
+            <a:pPr lvl="1"/>
+            <a:r>
+              <a:rPr lang="hr-HR" dirty="0" smtClean="0"/>
+              <a:t>Dizajniranje funkcionalnosti (arhitekturalni dijagrami za vidljivost kritičnih dijelova)</a:t>
+            </a:r>
+          </a:p>
+          <a:p>
+            <a:pPr lvl="1"/>
+            <a:r>
+              <a:rPr lang="hr-HR" dirty="0" smtClean="0"/>
+              <a:t>Kodiranje, testiranje, debugiranje, analiza i profiling</a:t>
+            </a:r>
+          </a:p>
+          <a:p>
+            <a:pPr lvl="1"/>
+            <a:r>
+              <a:rPr lang="hr-HR" dirty="0" smtClean="0"/>
+              <a:t>Builds</a:t>
+            </a:r>
+          </a:p>
+          <a:p>
+            <a:pPr lvl="2"/>
+            <a:r>
+              <a:rPr lang="hr-HR" dirty="0" smtClean="0"/>
+              <a:t>Integrirani (Daily, Continous)</a:t>
+            </a:r>
+          </a:p>
+          <a:p>
+            <a:pPr lvl="1"/>
+            <a:r>
+              <a:rPr lang="hr-HR" dirty="0" smtClean="0"/>
+              <a:t>Test</a:t>
+            </a:r>
+          </a:p>
+          <a:p>
+            <a:pPr lvl="2"/>
+            <a:r>
+              <a:rPr lang="hr-HR" dirty="0" smtClean="0"/>
+              <a:t>Automatizirani ili ručni</a:t>
+            </a:r>
+          </a:p>
+          <a:p>
+            <a:pPr lvl="2"/>
+            <a:r>
+              <a:rPr lang="hr-HR" dirty="0" smtClean="0"/>
+              <a:t>Performance i stress tests</a:t>
+            </a:r>
+          </a:p>
+          <a:p>
+            <a:pPr lvl="1"/>
+            <a:r>
+              <a:rPr lang="hr-HR" dirty="0" smtClean="0"/>
+              <a:t>Deploy</a:t>
+            </a:r>
+          </a:p>
+          <a:p>
+            <a:pPr lvl="1"/>
+            <a:r>
+              <a:rPr lang="hr-HR" dirty="0" smtClean="0"/>
+              <a:t>Release Management</a:t>
+            </a:r>
+            <a:endParaRPr lang="hr-HR" dirty="0"/>
+          </a:p>
+        </p:txBody>
+      </p:sp>
+    </p:spTree>
+    <p:extLst>
+      <p:ext uri="{BB962C8B-B14F-4D97-AF65-F5344CB8AC3E}">
+        <p14:creationId xmlns:p14="http://schemas.microsoft.com/office/powerpoint/2010/main" val="1958940434"/>
       </p:ext>
     </p:extLst>
   </p:cSld>
@@ -4159,13 +4710,10 @@
               <a:t> Studio 97 (</a:t>
             </a:r>
             <a:r>
-              <a:rPr lang="hr-HR" dirty="0" err="1" smtClean="0"/>
-              <a:t>ver</a:t>
-            </a:r>
-            <a:r>
-              <a:rPr lang="hr-HR" dirty="0" smtClean="0"/>
-              <a:t>. 5.0)</a:t>
-            </a:r>
+              <a:rPr lang="hr-HR" dirty="0" smtClean="0"/>
+              <a:t>v5.0 – v6.0)</a:t>
+            </a:r>
+            <a:endParaRPr lang="hr-HR" dirty="0" smtClean="0"/>
           </a:p>
           <a:p>
             <a:pPr lvl="1"/>
@@ -5229,7 +5777,6 @@
               <a:rPr lang="hr-HR" dirty="0" smtClean="0"/>
               <a:t> info</a:t>
             </a:r>
-            <a:endParaRPr lang="hr-HR" dirty="0" smtClean="0"/>
           </a:p>
           <a:p>
             <a:pPr lvl="1"/>
@@ -5644,17 +6191,21 @@
             </a:r>
             <a:r>
               <a:rPr lang="hr-HR" dirty="0" smtClean="0"/>
+              <a:t> window</a:t>
+            </a:r>
+          </a:p>
+          <a:p>
+            <a:r>
+              <a:rPr lang="hr-HR" dirty="0" err="1" smtClean="0"/>
+              <a:t>Performance</a:t>
+            </a:r>
+            <a:r>
+              <a:rPr lang="hr-HR" dirty="0" smtClean="0"/>
               <a:t> </a:t>
             </a:r>
             <a:r>
-              <a:rPr lang="hr-HR" dirty="0" smtClean="0"/>
-              <a:t>window</a:t>
-            </a:r>
-          </a:p>
-          <a:p>
-            <a:r>
-              <a:rPr lang="hr-HR" dirty="0" err="1" smtClean="0"/>
-              <a:t>Performance</a:t>
+              <a:rPr lang="hr-HR" dirty="0" err="1" smtClean="0"/>
+              <a:t>and</a:t>
             </a:r>
             <a:r>
               <a:rPr lang="hr-HR" dirty="0" smtClean="0"/>
@@ -5662,14 +6213,6 @@
             </a:r>
             <a:r>
               <a:rPr lang="hr-HR" dirty="0" err="1" smtClean="0"/>
-              <a:t>and</a:t>
-            </a:r>
-            <a:r>
-              <a:rPr lang="hr-HR" dirty="0" smtClean="0"/>
-              <a:t> </a:t>
-            </a:r>
-            <a:r>
-              <a:rPr lang="hr-HR" dirty="0" err="1" smtClean="0"/>
               <a:t>Diagnostics</a:t>
             </a:r>
             <a:r>
@@ -5684,7 +6227,6 @@
               <a:rPr lang="hr-HR" dirty="0" smtClean="0"/>
               <a:t>)</a:t>
             </a:r>
-            <a:endParaRPr lang="hr-HR" dirty="0" smtClean="0"/>
           </a:p>
           <a:p>
             <a:pPr marL="457200" lvl="1" indent="0">

--- a/prezentacije/1-3 Alati u razvoju.pptx
+++ b/prezentacije/1-3 Alati u razvoju.pptx
@@ -5,24 +5,28 @@
     <p:sldMasterId id="2147483648" r:id="rId1"/>
   </p:sldMasterIdLst>
   <p:notesMasterIdLst>
-    <p:notesMasterId r:id="rId17"/>
+    <p:notesMasterId r:id="rId21"/>
   </p:notesMasterIdLst>
   <p:sldIdLst>
-    <p:sldId id="256" r:id="rId2"/>
-    <p:sldId id="258" r:id="rId3"/>
-    <p:sldId id="259" r:id="rId4"/>
-    <p:sldId id="260" r:id="rId5"/>
-    <p:sldId id="261" r:id="rId6"/>
+    <p:sldId id="258" r:id="rId2"/>
+    <p:sldId id="259" r:id="rId3"/>
+    <p:sldId id="260" r:id="rId4"/>
+    <p:sldId id="261" r:id="rId5"/>
+    <p:sldId id="272" r:id="rId6"/>
     <p:sldId id="263" r:id="rId7"/>
-    <p:sldId id="265" r:id="rId8"/>
-    <p:sldId id="266" r:id="rId9"/>
-    <p:sldId id="267" r:id="rId10"/>
-    <p:sldId id="268" r:id="rId11"/>
-    <p:sldId id="262" r:id="rId12"/>
-    <p:sldId id="257" r:id="rId13"/>
-    <p:sldId id="269" r:id="rId14"/>
+    <p:sldId id="275" r:id="rId8"/>
+    <p:sldId id="276" r:id="rId9"/>
+    <p:sldId id="278" r:id="rId10"/>
+    <p:sldId id="277" r:id="rId11"/>
+    <p:sldId id="265" r:id="rId12"/>
+    <p:sldId id="266" r:id="rId13"/>
+    <p:sldId id="267" r:id="rId14"/>
     <p:sldId id="270" r:id="rId15"/>
     <p:sldId id="271" r:id="rId16"/>
+    <p:sldId id="274" r:id="rId17"/>
+    <p:sldId id="262" r:id="rId18"/>
+    <p:sldId id="257" r:id="rId19"/>
+    <p:sldId id="279" r:id="rId20"/>
   </p:sldIdLst>
   <p:sldSz cx="12192000" cy="6858000"/>
   <p:notesSz cx="6858000" cy="9144000"/>
@@ -560,7 +564,7 @@
           <a:p>
             <a:fld id="{63BB50E0-CD38-4D20-957B-0AC75134BF07}" type="slidenum">
               <a:rPr lang="hr-HR" smtClean="0"/>
-              <a:t>2</a:t>
+              <a:t>1</a:t>
             </a:fld>
             <a:endParaRPr lang="hr-HR"/>
           </a:p>
@@ -716,6 +720,282 @@
           <a:lstStyle/>
           <a:p>
             <a:r>
+              <a:rPr lang="hr-HR" dirty="0" smtClean="0"/>
+              <a:t>DODATI KOJA VERZIJA</a:t>
+            </a:r>
+            <a:r>
+              <a:rPr lang="hr-HR" baseline="0" dirty="0" smtClean="0"/>
+              <a:t> VS-a po GENERACIJI DOLAZI SA REFACTORING TOOLSIMA i ALATIMA ZA ANALIZU</a:t>
+            </a:r>
+            <a:endParaRPr lang="hr-HR" dirty="0"/>
+          </a:p>
+        </p:txBody>
+      </p:sp>
+      <p:sp>
+        <p:nvSpPr>
+          <p:cNvPr id="4" name="Slide Number Placeholder 3"/>
+          <p:cNvSpPr>
+            <a:spLocks noGrp="1"/>
+          </p:cNvSpPr>
+          <p:nvPr>
+            <p:ph type="sldNum" sz="quarter" idx="10"/>
+          </p:nvPr>
+        </p:nvSpPr>
+        <p:spPr/>
+        <p:txBody>
+          <a:bodyPr/>
+          <a:lstStyle/>
+          <a:p>
+            <a:fld id="{63BB50E0-CD38-4D20-957B-0AC75134BF07}" type="slidenum">
+              <a:rPr lang="hr-HR" smtClean="0"/>
+              <a:t>7</a:t>
+            </a:fld>
+            <a:endParaRPr lang="hr-HR"/>
+          </a:p>
+        </p:txBody>
+      </p:sp>
+    </p:spTree>
+    <p:extLst>
+      <p:ext uri="{BB962C8B-B14F-4D97-AF65-F5344CB8AC3E}">
+        <p14:creationId xmlns:p14="http://schemas.microsoft.com/office/powerpoint/2010/main" val="4004187742"/>
+      </p:ext>
+    </p:extLst>
+  </p:cSld>
+  <p:clrMapOvr>
+    <a:masterClrMapping/>
+  </p:clrMapOvr>
+</p:notes>
+</file>
+
+<file path=ppt/notesSlides/notesSlide4.xml><?xml version="1.0" encoding="utf-8"?>
+<p:notes xmlns:a="http://schemas.openxmlformats.org/drawingml/2006/main" xmlns:r="http://schemas.openxmlformats.org/officeDocument/2006/relationships" xmlns:p="http://schemas.openxmlformats.org/presentationml/2006/main">
+  <p:cSld>
+    <p:spTree>
+      <p:nvGrpSpPr>
+        <p:cNvPr id="1" name=""/>
+        <p:cNvGrpSpPr/>
+        <p:nvPr/>
+      </p:nvGrpSpPr>
+      <p:grpSpPr>
+        <a:xfrm>
+          <a:off x="0" y="0"/>
+          <a:ext cx="0" cy="0"/>
+          <a:chOff x="0" y="0"/>
+          <a:chExt cx="0" cy="0"/>
+        </a:xfrm>
+      </p:grpSpPr>
+      <p:sp>
+        <p:nvSpPr>
+          <p:cNvPr id="2" name="Slide Image Placeholder 1"/>
+          <p:cNvSpPr>
+            <a:spLocks noGrp="1" noRot="1" noChangeAspect="1"/>
+          </p:cNvSpPr>
+          <p:nvPr>
+            <p:ph type="sldImg"/>
+          </p:nvPr>
+        </p:nvSpPr>
+        <p:spPr/>
+      </p:sp>
+      <p:sp>
+        <p:nvSpPr>
+          <p:cNvPr id="3" name="Notes Placeholder 2"/>
+          <p:cNvSpPr>
+            <a:spLocks noGrp="1"/>
+          </p:cNvSpPr>
+          <p:nvPr>
+            <p:ph type="body" idx="1"/>
+          </p:nvPr>
+        </p:nvSpPr>
+        <p:spPr/>
+        <p:txBody>
+          <a:bodyPr/>
+          <a:lstStyle/>
+          <a:p>
+            <a:r>
+              <a:rPr lang="hr-HR" dirty="0" smtClean="0"/>
+              <a:t>DODATI KOJA VERZIJA</a:t>
+            </a:r>
+            <a:r>
+              <a:rPr lang="hr-HR" baseline="0" dirty="0" smtClean="0"/>
+              <a:t> VS-a po GENERACIJI DOLAZI SA REFACTORING TOOLSIMA i ALATIMA ZA ANALIZU</a:t>
+            </a:r>
+            <a:endParaRPr lang="hr-HR" dirty="0"/>
+          </a:p>
+        </p:txBody>
+      </p:sp>
+      <p:sp>
+        <p:nvSpPr>
+          <p:cNvPr id="4" name="Slide Number Placeholder 3"/>
+          <p:cNvSpPr>
+            <a:spLocks noGrp="1"/>
+          </p:cNvSpPr>
+          <p:nvPr>
+            <p:ph type="sldNum" sz="quarter" idx="10"/>
+          </p:nvPr>
+        </p:nvSpPr>
+        <p:spPr/>
+        <p:txBody>
+          <a:bodyPr/>
+          <a:lstStyle/>
+          <a:p>
+            <a:fld id="{63BB50E0-CD38-4D20-957B-0AC75134BF07}" type="slidenum">
+              <a:rPr lang="hr-HR" smtClean="0"/>
+              <a:t>8</a:t>
+            </a:fld>
+            <a:endParaRPr lang="hr-HR"/>
+          </a:p>
+        </p:txBody>
+      </p:sp>
+    </p:spTree>
+    <p:extLst>
+      <p:ext uri="{BB962C8B-B14F-4D97-AF65-F5344CB8AC3E}">
+        <p14:creationId xmlns:p14="http://schemas.microsoft.com/office/powerpoint/2010/main" val="2052939782"/>
+      </p:ext>
+    </p:extLst>
+  </p:cSld>
+  <p:clrMapOvr>
+    <a:masterClrMapping/>
+  </p:clrMapOvr>
+</p:notes>
+</file>
+
+<file path=ppt/notesSlides/notesSlide5.xml><?xml version="1.0" encoding="utf-8"?>
+<p:notes xmlns:a="http://schemas.openxmlformats.org/drawingml/2006/main" xmlns:r="http://schemas.openxmlformats.org/officeDocument/2006/relationships" xmlns:p="http://schemas.openxmlformats.org/presentationml/2006/main">
+  <p:cSld>
+    <p:spTree>
+      <p:nvGrpSpPr>
+        <p:cNvPr id="1" name=""/>
+        <p:cNvGrpSpPr/>
+        <p:nvPr/>
+      </p:nvGrpSpPr>
+      <p:grpSpPr>
+        <a:xfrm>
+          <a:off x="0" y="0"/>
+          <a:ext cx="0" cy="0"/>
+          <a:chOff x="0" y="0"/>
+          <a:chExt cx="0" cy="0"/>
+        </a:xfrm>
+      </p:grpSpPr>
+      <p:sp>
+        <p:nvSpPr>
+          <p:cNvPr id="2" name="Slide Image Placeholder 1"/>
+          <p:cNvSpPr>
+            <a:spLocks noGrp="1" noRot="1" noChangeAspect="1"/>
+          </p:cNvSpPr>
+          <p:nvPr>
+            <p:ph type="sldImg"/>
+          </p:nvPr>
+        </p:nvSpPr>
+        <p:spPr/>
+      </p:sp>
+      <p:sp>
+        <p:nvSpPr>
+          <p:cNvPr id="3" name="Notes Placeholder 2"/>
+          <p:cNvSpPr>
+            <a:spLocks noGrp="1"/>
+          </p:cNvSpPr>
+          <p:nvPr>
+            <p:ph type="body" idx="1"/>
+          </p:nvPr>
+        </p:nvSpPr>
+        <p:spPr/>
+        <p:txBody>
+          <a:bodyPr/>
+          <a:lstStyle/>
+          <a:p>
+            <a:r>
+              <a:rPr lang="hr-HR" dirty="0" smtClean="0"/>
+              <a:t>DODATI KOJA VERZIJA</a:t>
+            </a:r>
+            <a:r>
+              <a:rPr lang="hr-HR" baseline="0" dirty="0" smtClean="0"/>
+              <a:t> VS-a po GENERACIJI DOLAZI SA REFACTORING TOOLSIMA i ALATIMA ZA ANALIZU</a:t>
+            </a:r>
+            <a:endParaRPr lang="hr-HR" dirty="0"/>
+          </a:p>
+        </p:txBody>
+      </p:sp>
+      <p:sp>
+        <p:nvSpPr>
+          <p:cNvPr id="4" name="Slide Number Placeholder 3"/>
+          <p:cNvSpPr>
+            <a:spLocks noGrp="1"/>
+          </p:cNvSpPr>
+          <p:nvPr>
+            <p:ph type="sldNum" sz="quarter" idx="10"/>
+          </p:nvPr>
+        </p:nvSpPr>
+        <p:spPr/>
+        <p:txBody>
+          <a:bodyPr/>
+          <a:lstStyle/>
+          <a:p>
+            <a:fld id="{63BB50E0-CD38-4D20-957B-0AC75134BF07}" type="slidenum">
+              <a:rPr lang="hr-HR" smtClean="0"/>
+              <a:t>10</a:t>
+            </a:fld>
+            <a:endParaRPr lang="hr-HR"/>
+          </a:p>
+        </p:txBody>
+      </p:sp>
+    </p:spTree>
+    <p:extLst>
+      <p:ext uri="{BB962C8B-B14F-4D97-AF65-F5344CB8AC3E}">
+        <p14:creationId xmlns:p14="http://schemas.microsoft.com/office/powerpoint/2010/main" val="3496828758"/>
+      </p:ext>
+    </p:extLst>
+  </p:cSld>
+  <p:clrMapOvr>
+    <a:masterClrMapping/>
+  </p:clrMapOvr>
+</p:notes>
+</file>
+
+<file path=ppt/notesSlides/notesSlide6.xml><?xml version="1.0" encoding="utf-8"?>
+<p:notes xmlns:a="http://schemas.openxmlformats.org/drawingml/2006/main" xmlns:r="http://schemas.openxmlformats.org/officeDocument/2006/relationships" xmlns:p="http://schemas.openxmlformats.org/presentationml/2006/main">
+  <p:cSld>
+    <p:spTree>
+      <p:nvGrpSpPr>
+        <p:cNvPr id="1" name=""/>
+        <p:cNvGrpSpPr/>
+        <p:nvPr/>
+      </p:nvGrpSpPr>
+      <p:grpSpPr>
+        <a:xfrm>
+          <a:off x="0" y="0"/>
+          <a:ext cx="0" cy="0"/>
+          <a:chOff x="0" y="0"/>
+          <a:chExt cx="0" cy="0"/>
+        </a:xfrm>
+      </p:grpSpPr>
+      <p:sp>
+        <p:nvSpPr>
+          <p:cNvPr id="2" name="Slide Image Placeholder 1"/>
+          <p:cNvSpPr>
+            <a:spLocks noGrp="1" noRot="1" noChangeAspect="1"/>
+          </p:cNvSpPr>
+          <p:nvPr>
+            <p:ph type="sldImg"/>
+          </p:nvPr>
+        </p:nvSpPr>
+        <p:spPr/>
+      </p:sp>
+      <p:sp>
+        <p:nvSpPr>
+          <p:cNvPr id="3" name="Notes Placeholder 2"/>
+          <p:cNvSpPr>
+            <a:spLocks noGrp="1"/>
+          </p:cNvSpPr>
+          <p:nvPr>
+            <p:ph type="body" idx="1"/>
+          </p:nvPr>
+        </p:nvSpPr>
+        <p:spPr/>
+        <p:txBody>
+          <a:bodyPr/>
+          <a:lstStyle/>
+          <a:p>
+            <a:r>
               <a:rPr lang="en-US" sz="1200" b="0" i="0" kern="1200" dirty="0" smtClean="0">
                 <a:solidFill>
                   <a:schemeClr val="tx1"/>
@@ -780,6 +1060,90 @@
     <p:extLst>
       <p:ext uri="{BB962C8B-B14F-4D97-AF65-F5344CB8AC3E}">
         <p14:creationId xmlns:p14="http://schemas.microsoft.com/office/powerpoint/2010/main" val="3809532431"/>
+      </p:ext>
+    </p:extLst>
+  </p:cSld>
+  <p:clrMapOvr>
+    <a:masterClrMapping/>
+  </p:clrMapOvr>
+</p:notes>
+</file>
+
+<file path=ppt/notesSlides/notesSlide7.xml><?xml version="1.0" encoding="utf-8"?>
+<p:notes xmlns:a="http://schemas.openxmlformats.org/drawingml/2006/main" xmlns:r="http://schemas.openxmlformats.org/officeDocument/2006/relationships" xmlns:p="http://schemas.openxmlformats.org/presentationml/2006/main">
+  <p:cSld>
+    <p:spTree>
+      <p:nvGrpSpPr>
+        <p:cNvPr id="1" name=""/>
+        <p:cNvGrpSpPr/>
+        <p:nvPr/>
+      </p:nvGrpSpPr>
+      <p:grpSpPr>
+        <a:xfrm>
+          <a:off x="0" y="0"/>
+          <a:ext cx="0" cy="0"/>
+          <a:chOff x="0" y="0"/>
+          <a:chExt cx="0" cy="0"/>
+        </a:xfrm>
+      </p:grpSpPr>
+      <p:sp>
+        <p:nvSpPr>
+          <p:cNvPr id="2" name="Slide Image Placeholder 1"/>
+          <p:cNvSpPr>
+            <a:spLocks noGrp="1" noRot="1" noChangeAspect="1"/>
+          </p:cNvSpPr>
+          <p:nvPr>
+            <p:ph type="sldImg"/>
+          </p:nvPr>
+        </p:nvSpPr>
+        <p:spPr/>
+      </p:sp>
+      <p:sp>
+        <p:nvSpPr>
+          <p:cNvPr id="3" name="Notes Placeholder 2"/>
+          <p:cNvSpPr>
+            <a:spLocks noGrp="1"/>
+          </p:cNvSpPr>
+          <p:nvPr>
+            <p:ph type="body" idx="1"/>
+          </p:nvPr>
+        </p:nvSpPr>
+        <p:spPr/>
+        <p:txBody>
+          <a:bodyPr/>
+          <a:lstStyle/>
+          <a:p>
+            <a:endParaRPr lang="hr-HR" dirty="0"/>
+          </a:p>
+        </p:txBody>
+      </p:sp>
+      <p:sp>
+        <p:nvSpPr>
+          <p:cNvPr id="4" name="Slide Number Placeholder 3"/>
+          <p:cNvSpPr>
+            <a:spLocks noGrp="1"/>
+          </p:cNvSpPr>
+          <p:nvPr>
+            <p:ph type="sldNum" sz="quarter" idx="10"/>
+          </p:nvPr>
+        </p:nvSpPr>
+        <p:spPr/>
+        <p:txBody>
+          <a:bodyPr/>
+          <a:lstStyle/>
+          <a:p>
+            <a:fld id="{63BB50E0-CD38-4D20-957B-0AC75134BF07}" type="slidenum">
+              <a:rPr lang="hr-HR" smtClean="0"/>
+              <a:t>16</a:t>
+            </a:fld>
+            <a:endParaRPr lang="hr-HR"/>
+          </a:p>
+        </p:txBody>
+      </p:sp>
+    </p:spTree>
+    <p:extLst>
+      <p:ext uri="{BB962C8B-B14F-4D97-AF65-F5344CB8AC3E}">
+        <p14:creationId xmlns:p14="http://schemas.microsoft.com/office/powerpoint/2010/main" val="4105636448"/>
       </p:ext>
     </p:extLst>
   </p:cSld>
@@ -3648,7 +4012,7 @@
       </p:grpSpPr>
       <p:sp>
         <p:nvSpPr>
-          <p:cNvPr id="4" name="Title 3"/>
+          <p:cNvPr id="2" name="Title 1"/>
           <p:cNvSpPr>
             <a:spLocks noGrp="1"/>
           </p:cNvSpPr>
@@ -3662,132 +4026,174 @@
           <a:lstStyle/>
           <a:p>
             <a:r>
+              <a:rPr lang="hr-HR" dirty="0" err="1"/>
+              <a:t>Visual</a:t>
+            </a:r>
+            <a:r>
+              <a:rPr lang="hr-HR" dirty="0"/>
+              <a:t> </a:t>
+            </a:r>
+            <a:r>
+              <a:rPr lang="hr-HR" dirty="0" smtClean="0"/>
+              <a:t>Studio</a:t>
+            </a:r>
+            <a:endParaRPr lang="hr-HR" dirty="0"/>
+          </a:p>
+        </p:txBody>
+      </p:sp>
+      <p:sp>
+        <p:nvSpPr>
+          <p:cNvPr id="3" name="Content Placeholder 2"/>
+          <p:cNvSpPr>
+            <a:spLocks noGrp="1"/>
+          </p:cNvSpPr>
+          <p:nvPr>
+            <p:ph idx="1"/>
+          </p:nvPr>
+        </p:nvSpPr>
+        <p:spPr>
+          <a:xfrm>
+            <a:off x="5205844" y="1825625"/>
+            <a:ext cx="6147955" cy="4351338"/>
+          </a:xfrm>
+        </p:spPr>
+        <p:txBody>
+          <a:bodyPr/>
+          <a:lstStyle/>
+          <a:p>
+            <a:r>
               <a:rPr lang="hr-HR" dirty="0" err="1" smtClean="0"/>
               <a:t>Visual</a:t>
             </a:r>
             <a:r>
               <a:rPr lang="hr-HR" dirty="0" smtClean="0"/>
-              <a:t> studio</a:t>
-            </a:r>
-            <a:endParaRPr lang="hr-HR" dirty="0"/>
-          </a:p>
-        </p:txBody>
-      </p:sp>
-      <p:sp>
-        <p:nvSpPr>
-          <p:cNvPr id="5" name="Content Placeholder 4"/>
-          <p:cNvSpPr>
-            <a:spLocks noGrp="1"/>
-          </p:cNvSpPr>
-          <p:nvPr>
-            <p:ph idx="1"/>
-          </p:nvPr>
-        </p:nvSpPr>
-        <p:spPr/>
-        <p:txBody>
-          <a:bodyPr/>
-          <a:lstStyle/>
-          <a:p>
-            <a:r>
-              <a:rPr lang="hr-HR" dirty="0" smtClean="0"/>
-              <a:t>1) </a:t>
-            </a:r>
+              <a:t> Studio 97 (v5.0 – v6.0)</a:t>
+            </a:r>
+          </a:p>
+          <a:p>
+            <a:pPr lvl="1"/>
+            <a:r>
+              <a:rPr lang="hr-HR" dirty="0" smtClean="0"/>
+              <a:t>J++, InterDev, C++, </a:t>
+            </a:r>
+            <a:r>
+              <a:rPr lang="hr-HR" dirty="0" err="1" smtClean="0"/>
+              <a:t>Basic</a:t>
+            </a:r>
+            <a:r>
+              <a:rPr lang="hr-HR" dirty="0" smtClean="0"/>
+              <a:t>, FoxPro</a:t>
+            </a:r>
+          </a:p>
+          <a:p>
             <a:r>
               <a:rPr lang="hr-HR" dirty="0" err="1" smtClean="0"/>
               <a:t>Visual</a:t>
             </a:r>
             <a:r>
               <a:rPr lang="hr-HR" dirty="0" smtClean="0"/>
-              <a:t> Studio kroz vrijeme i evolucija podrške i funkcionalnosti za </a:t>
-            </a:r>
+              <a:t> Studio .NET (2002)</a:t>
+            </a:r>
+          </a:p>
+          <a:p>
+            <a:pPr lvl="1"/>
+            <a:r>
+              <a:rPr lang="hr-HR" dirty="0" smtClean="0"/>
+              <a:t>.NET Framework 1.0</a:t>
+            </a:r>
+          </a:p>
+          <a:p>
+            <a:pPr lvl="1"/>
             <a:r>
               <a:rPr lang="hr-HR" dirty="0" err="1" smtClean="0"/>
-              <a:t>Mvc-WebAPI-Angular</a:t>
-            </a:r>
-            <a:endParaRPr lang="hr-HR" dirty="0" smtClean="0"/>
-          </a:p>
-          <a:p>
-            <a:pPr lvl="1"/>
-            <a:r>
-              <a:rPr lang="hr-HR" dirty="0" smtClean="0"/>
-              <a:t>DODATI POVIJEST </a:t>
-            </a:r>
-            <a:r>
-              <a:rPr lang="hr-HR" dirty="0" err="1" smtClean="0"/>
-              <a:t>Vsova</a:t>
-            </a:r>
-            <a:r>
-              <a:rPr lang="hr-HR" dirty="0" smtClean="0"/>
-              <a:t> PO </a:t>
-            </a:r>
-            <a:r>
-              <a:rPr lang="hr-HR" dirty="0" err="1" smtClean="0"/>
-              <a:t>Mvc-WebAPI</a:t>
-            </a:r>
-            <a:r>
-              <a:rPr lang="hr-HR" dirty="0" smtClean="0"/>
-              <a:t> verzijama</a:t>
-            </a:r>
-          </a:p>
-          <a:p>
-            <a:r>
-              <a:rPr lang="hr-HR" dirty="0" smtClean="0"/>
-              <a:t>Verzije koje se smiju koristiti u sklopu IN2-što se ne smije koristiti. Licenčni modeli…čisto da se kaže na glas (prevencija da netko instalira Premium ili </a:t>
-            </a:r>
-            <a:r>
-              <a:rPr lang="hr-HR" dirty="0" err="1" smtClean="0"/>
-              <a:t>Ultimate</a:t>
-            </a:r>
-            <a:r>
-              <a:rPr lang="hr-HR" dirty="0" smtClean="0"/>
-              <a:t> nelegalno i sl.)</a:t>
-            </a:r>
-          </a:p>
-          <a:p>
-            <a:r>
-              <a:rPr lang="hr-HR" dirty="0" smtClean="0"/>
-              <a:t>2) </a:t>
-            </a:r>
+              <a:t>Basic</a:t>
+            </a:r>
+            <a:r>
+              <a:rPr lang="hr-HR" dirty="0" smtClean="0"/>
+              <a:t> .NET, C#</a:t>
+            </a:r>
+          </a:p>
+          <a:p>
             <a:r>
               <a:rPr lang="hr-HR" dirty="0" err="1" smtClean="0"/>
               <a:t>Visual</a:t>
             </a:r>
             <a:r>
               <a:rPr lang="hr-HR" dirty="0" smtClean="0"/>
-              <a:t> Studio </a:t>
+              <a:t> Studio 2005</a:t>
+            </a:r>
+          </a:p>
+          <a:p>
+            <a:pPr lvl="1"/>
+            <a:r>
+              <a:rPr lang="hr-HR" dirty="0" smtClean="0"/>
+              <a:t>.NET Framework 2.0/3.0</a:t>
+            </a:r>
+          </a:p>
+          <a:p>
+            <a:pPr lvl="1"/>
+            <a:r>
+              <a:rPr lang="hr-HR" dirty="0" smtClean="0"/>
+              <a:t>64-bit </a:t>
             </a:r>
             <a:r>
               <a:rPr lang="hr-HR" dirty="0" err="1" smtClean="0"/>
-              <a:t>Code</a:t>
-            </a:r>
-            <a:r>
-              <a:rPr lang="hr-HR" dirty="0" smtClean="0"/>
-              <a:t> - free-dovoljno moćno za mnoge potrebe-koriste ga i na drugim </a:t>
+              <a:t>support</a:t>
+            </a:r>
+            <a:endParaRPr lang="hr-HR" dirty="0" smtClean="0"/>
+          </a:p>
+          <a:p>
+            <a:pPr lvl="1"/>
+            <a:r>
+              <a:rPr lang="hr-HR" dirty="0" smtClean="0"/>
+              <a:t>Automatski </a:t>
             </a:r>
             <a:r>
               <a:rPr lang="hr-HR" dirty="0" err="1" smtClean="0"/>
-              <a:t>OSovima</a:t>
-            </a:r>
-            <a:r>
-              <a:rPr lang="hr-HR" dirty="0" smtClean="0"/>
-              <a:t>-hrpa </a:t>
-            </a:r>
-            <a:r>
-              <a:rPr lang="hr-HR" dirty="0" err="1" smtClean="0"/>
-              <a:t>pluginova</a:t>
-            </a:r>
-            <a:r>
-              <a:rPr lang="hr-HR" dirty="0" smtClean="0"/>
-              <a:t> itd.)</a:t>
-            </a:r>
-            <a:endParaRPr lang="hr-HR" dirty="0"/>
-          </a:p>
-        </p:txBody>
-      </p:sp>
+              <a:t>IntelliSense</a:t>
+            </a:r>
+            <a:endParaRPr lang="hr-HR" dirty="0" smtClean="0"/>
+          </a:p>
+          <a:p>
+            <a:pPr lvl="1"/>
+            <a:endParaRPr lang="hr-HR" dirty="0" smtClean="0"/>
+          </a:p>
+        </p:txBody>
+      </p:sp>
+      <p:pic>
+        <p:nvPicPr>
+          <p:cNvPr id="4" name="Picture 3"/>
+          <p:cNvPicPr>
+            <a:picLocks noChangeAspect="1"/>
+          </p:cNvPicPr>
+          <p:nvPr/>
+        </p:nvPicPr>
+        <p:blipFill>
+          <a:blip r:embed="rId3">
+            <a:extLst>
+              <a:ext uri="{28A0092B-C50C-407E-A947-70E740481C1C}">
+                <a14:useLocalDpi xmlns:a14="http://schemas.microsoft.com/office/drawing/2010/main" val="0"/>
+              </a:ext>
+            </a:extLst>
+          </a:blip>
+          <a:stretch>
+            <a:fillRect/>
+          </a:stretch>
+        </p:blipFill>
+        <p:spPr>
+          <a:xfrm>
+            <a:off x="942109" y="1620044"/>
+            <a:ext cx="3867150" cy="4762500"/>
+          </a:xfrm>
+          <a:prstGeom prst="rect">
+            <a:avLst/>
+          </a:prstGeom>
+        </p:spPr>
+      </p:pic>
     </p:spTree>
     <p:extLst>
       <p:ext uri="{BB962C8B-B14F-4D97-AF65-F5344CB8AC3E}">
-        <p14:creationId xmlns:p14="http://schemas.microsoft.com/office/powerpoint/2010/main" val="364903605"/>
+        <p14:creationId xmlns:p14="http://schemas.microsoft.com/office/powerpoint/2010/main" val="1191203112"/>
       </p:ext>
     </p:extLst>
   </p:cSld>
@@ -3864,13 +4270,6 @@
           <a:lstStyle/>
           <a:p>
             <a:r>
-              <a:rPr lang="hr-HR" dirty="0" smtClean="0"/>
-              <a:t>Ostali alati</a:t>
-            </a:r>
-          </a:p>
-          <a:p>
-            <a:pPr lvl="1"/>
-            <a:r>
               <a:rPr lang="hr-HR" dirty="0" err="1" smtClean="0"/>
               <a:t>Code</a:t>
             </a:r>
@@ -3880,40 +4279,9 @@
             </a:r>
             <a:r>
               <a:rPr lang="hr-HR" dirty="0" err="1" smtClean="0"/>
-              <a:t>analysis</a:t>
+              <a:t>metrics</a:t>
             </a:r>
             <a:endParaRPr lang="hr-HR" dirty="0" smtClean="0"/>
-          </a:p>
-          <a:p>
-            <a:pPr lvl="1"/>
-            <a:r>
-              <a:rPr lang="hr-HR" dirty="0" err="1" smtClean="0"/>
-              <a:t>Performance</a:t>
-            </a:r>
-            <a:r>
-              <a:rPr lang="hr-HR" dirty="0" smtClean="0"/>
-              <a:t> </a:t>
-            </a:r>
-            <a:r>
-              <a:rPr lang="hr-HR" dirty="0" err="1" smtClean="0"/>
-              <a:t>meters</a:t>
-            </a:r>
-            <a:endParaRPr lang="hr-HR" dirty="0" smtClean="0"/>
-          </a:p>
-          <a:p>
-            <a:pPr lvl="1"/>
-            <a:r>
-              <a:rPr lang="hr-HR" dirty="0" err="1" smtClean="0"/>
-              <a:t>NuGet</a:t>
-            </a:r>
-            <a:endParaRPr lang="hr-HR" dirty="0" smtClean="0"/>
-          </a:p>
-          <a:p>
-            <a:pPr lvl="1"/>
-            <a:r>
-              <a:rPr lang="hr-HR" dirty="0" smtClean="0"/>
-              <a:t>Ekstenzije</a:t>
-            </a:r>
           </a:p>
           <a:p>
             <a:pPr marL="457200" lvl="1" indent="0">
@@ -3927,10 +4295,40 @@
           </a:p>
         </p:txBody>
       </p:sp>
+      <p:pic>
+        <p:nvPicPr>
+          <p:cNvPr id="5" name="Picture 4"/>
+          <p:cNvPicPr>
+            <a:picLocks noChangeAspect="1"/>
+          </p:cNvPicPr>
+          <p:nvPr/>
+        </p:nvPicPr>
+        <p:blipFill>
+          <a:blip r:embed="rId3">
+            <a:extLst>
+              <a:ext uri="{28A0092B-C50C-407E-A947-70E740481C1C}">
+                <a14:useLocalDpi xmlns:a14="http://schemas.microsoft.com/office/drawing/2010/main" val="0"/>
+              </a:ext>
+            </a:extLst>
+          </a:blip>
+          <a:stretch>
+            <a:fillRect/>
+          </a:stretch>
+        </p:blipFill>
+        <p:spPr>
+          <a:xfrm>
+            <a:off x="1233487" y="2511425"/>
+            <a:ext cx="9725025" cy="3800475"/>
+          </a:xfrm>
+          <a:prstGeom prst="rect">
+            <a:avLst/>
+          </a:prstGeom>
+        </p:spPr>
+      </p:pic>
     </p:spTree>
     <p:extLst>
       <p:ext uri="{BB962C8B-B14F-4D97-AF65-F5344CB8AC3E}">
-        <p14:creationId xmlns:p14="http://schemas.microsoft.com/office/powerpoint/2010/main" val="2746479491"/>
+        <p14:creationId xmlns:p14="http://schemas.microsoft.com/office/powerpoint/2010/main" val="602345290"/>
       </p:ext>
     </p:extLst>
   </p:cSld>
@@ -3978,11 +4376,7 @@
             </a:r>
             <a:r>
               <a:rPr lang="hr-HR" dirty="0" smtClean="0"/>
-              <a:t> Studio </a:t>
-            </a:r>
-            <a:r>
-              <a:rPr lang="hr-HR" dirty="0" err="1" smtClean="0"/>
-              <a:t>Code</a:t>
+              <a:t> Studio</a:t>
             </a:r>
             <a:endParaRPr lang="hr-HR" dirty="0"/>
           </a:p>
@@ -3998,85 +4392,125 @@
             <p:ph idx="1"/>
           </p:nvPr>
         </p:nvSpPr>
-        <p:spPr/>
+        <p:spPr>
+          <a:xfrm>
+            <a:off x="6670964" y="1825625"/>
+            <a:ext cx="4682835" cy="4351338"/>
+          </a:xfrm>
+        </p:spPr>
         <p:txBody>
           <a:bodyPr/>
           <a:lstStyle/>
           <a:p>
             <a:r>
-              <a:rPr lang="hr-HR" dirty="0" smtClean="0"/>
-              <a:t>Slobodan za sve</a:t>
-            </a:r>
-          </a:p>
-          <a:p>
-            <a:r>
-              <a:rPr lang="hr-HR" dirty="0" smtClean="0"/>
-              <a:t>Optimiziran za web i </a:t>
-            </a:r>
-            <a:r>
               <a:rPr lang="hr-HR" dirty="0" err="1" smtClean="0"/>
-              <a:t>cloud</a:t>
-            </a:r>
-            <a:r>
-              <a:rPr lang="hr-HR" dirty="0" smtClean="0"/>
-              <a:t> aplikacije</a:t>
-            </a:r>
+              <a:t>Designers</a:t>
+            </a:r>
+            <a:endParaRPr lang="hr-HR" dirty="0" smtClean="0"/>
           </a:p>
           <a:p>
             <a:pPr lvl="1"/>
             <a:r>
               <a:rPr lang="hr-HR" dirty="0" smtClean="0"/>
-              <a:t>Brži od VS</a:t>
+              <a:t>Alati za vizualni razvoj ili prikaz</a:t>
             </a:r>
           </a:p>
           <a:p>
             <a:pPr lvl="1"/>
             <a:r>
               <a:rPr lang="hr-HR" dirty="0" smtClean="0"/>
-              <a:t>Bolji </a:t>
+              <a:t>Web </a:t>
             </a:r>
             <a:r>
               <a:rPr lang="hr-HR" dirty="0" err="1" smtClean="0"/>
-              <a:t>IntelliSense</a:t>
+              <a:t>pages</a:t>
             </a:r>
             <a:endParaRPr lang="hr-HR" dirty="0" smtClean="0"/>
           </a:p>
           <a:p>
-            <a:r>
-              <a:rPr lang="hr-HR" dirty="0" smtClean="0"/>
-              <a:t>Podržan na </a:t>
-            </a:r>
+            <a:pPr lvl="1"/>
             <a:r>
               <a:rPr lang="hr-HR" dirty="0" err="1" smtClean="0"/>
-              <a:t>linuxu</a:t>
-            </a:r>
-            <a:r>
-              <a:rPr lang="hr-HR" dirty="0" smtClean="0"/>
-              <a:t> i </a:t>
-            </a:r>
+              <a:t>Forms</a:t>
+            </a:r>
+            <a:endParaRPr lang="hr-HR" dirty="0" smtClean="0"/>
+          </a:p>
+          <a:p>
+            <a:pPr lvl="1"/>
+            <a:r>
+              <a:rPr lang="hr-HR" dirty="0" smtClean="0"/>
+              <a:t>WPF</a:t>
+            </a:r>
+          </a:p>
+          <a:p>
+            <a:pPr lvl="1"/>
             <a:r>
               <a:rPr lang="hr-HR" dirty="0" err="1" smtClean="0"/>
-              <a:t>MacOsu</a:t>
+              <a:t>Database</a:t>
+            </a:r>
+            <a:r>
+              <a:rPr lang="hr-HR" dirty="0" smtClean="0"/>
+              <a:t> </a:t>
+            </a:r>
+            <a:r>
+              <a:rPr lang="hr-HR" dirty="0" err="1" smtClean="0"/>
+              <a:t>schema</a:t>
             </a:r>
             <a:endParaRPr lang="hr-HR" dirty="0" smtClean="0"/>
           </a:p>
           <a:p>
-            <a:r>
-              <a:rPr lang="hr-HR" dirty="0" smtClean="0"/>
-              <a:t>Plug-</a:t>
-            </a:r>
-            <a:r>
-              <a:rPr lang="hr-HR" dirty="0" err="1" smtClean="0"/>
-              <a:t>ins</a:t>
-            </a:r>
+            <a:pPr lvl="1"/>
+            <a:r>
+              <a:rPr lang="hr-HR" dirty="0" smtClean="0"/>
+              <a:t>…</a:t>
+            </a:r>
+          </a:p>
+          <a:p>
+            <a:pPr marL="457200" lvl="1" indent="0">
+              <a:buNone/>
+            </a:pPr>
+            <a:endParaRPr lang="hr-HR" dirty="0" smtClean="0"/>
+          </a:p>
+          <a:p>
+            <a:pPr lvl="1"/>
             <a:endParaRPr lang="hr-HR" dirty="0"/>
           </a:p>
         </p:txBody>
       </p:sp>
+      <p:pic>
+        <p:nvPicPr>
+          <p:cNvPr id="5" name="Picture 4"/>
+          <p:cNvPicPr>
+            <a:picLocks noChangeAspect="1"/>
+          </p:cNvPicPr>
+          <p:nvPr/>
+        </p:nvPicPr>
+        <p:blipFill>
+          <a:blip r:embed="rId2">
+            <a:extLst>
+              <a:ext uri="{28A0092B-C50C-407E-A947-70E740481C1C}">
+                <a14:useLocalDpi xmlns:a14="http://schemas.microsoft.com/office/drawing/2010/main" val="0"/>
+              </a:ext>
+            </a:extLst>
+          </a:blip>
+          <a:stretch>
+            <a:fillRect/>
+          </a:stretch>
+        </p:blipFill>
+        <p:spPr>
+          <a:xfrm>
+            <a:off x="507472" y="1422761"/>
+            <a:ext cx="5974365" cy="4998821"/>
+          </a:xfrm>
+          <a:prstGeom prst="rect">
+            <a:avLst/>
+          </a:prstGeom>
+        </p:spPr>
+      </p:pic>
     </p:spTree>
     <p:extLst>
       <p:ext uri="{BB962C8B-B14F-4D97-AF65-F5344CB8AC3E}">
-        <p14:creationId xmlns:p14="http://schemas.microsoft.com/office/powerpoint/2010/main" val="3109261388"/>
+        <p14:creationId xmlns:p14="http://schemas.microsoft.com/office/powerpoint/2010/main" val="540266456"/>
       </p:ext>
     </p:extLst>
   </p:cSld>
@@ -4119,32 +4553,12 @@
           <a:lstStyle/>
           <a:p>
             <a:r>
-              <a:rPr lang="hr-HR" dirty="0" smtClean="0"/>
-              <a:t>Podrška za </a:t>
-            </a:r>
-            <a:r>
               <a:rPr lang="hr-HR" dirty="0" err="1" smtClean="0"/>
-              <a:t>task</a:t>
-            </a:r>
-            <a:r>
-              <a:rPr lang="hr-HR" dirty="0" smtClean="0"/>
-              <a:t> </a:t>
-            </a:r>
-            <a:r>
-              <a:rPr lang="hr-HR" dirty="0" err="1" smtClean="0"/>
-              <a:t>runnere</a:t>
-            </a:r>
-            <a:r>
-              <a:rPr lang="hr-HR" dirty="0" smtClean="0"/>
-              <a:t> i </a:t>
-            </a:r>
-            <a:r>
-              <a:rPr lang="hr-HR" dirty="0" err="1" smtClean="0"/>
-              <a:t>package</a:t>
-            </a:r>
-            <a:r>
-              <a:rPr lang="hr-HR" dirty="0" smtClean="0"/>
-              <a:t> managere</a:t>
+              <a:t>Visual</a:t>
+            </a:r>
+            <a:r>
+              <a:rPr lang="hr-HR" dirty="0" smtClean="0"/>
+              <a:t> Studio</a:t>
             </a:r>
             <a:endParaRPr lang="hr-HR" dirty="0"/>
           </a:p>
@@ -4166,23 +4580,79 @@
           <a:lstStyle/>
           <a:p>
             <a:r>
-              <a:rPr lang="hr-HR" dirty="0" smtClean="0"/>
-              <a:t>Grunt, </a:t>
-            </a:r>
-            <a:r>
               <a:rPr lang="hr-HR" dirty="0" err="1" smtClean="0"/>
-              <a:t>Gulp</a:t>
+              <a:t>Compile</a:t>
+            </a:r>
+            <a:r>
+              <a:rPr lang="hr-HR" dirty="0" smtClean="0"/>
+              <a:t> </a:t>
+            </a:r>
+            <a:r>
+              <a:rPr lang="hr-HR" dirty="0" err="1" smtClean="0"/>
+              <a:t>and</a:t>
+            </a:r>
+            <a:r>
+              <a:rPr lang="hr-HR" dirty="0" smtClean="0"/>
+              <a:t> </a:t>
+            </a:r>
+            <a:r>
+              <a:rPr lang="hr-HR" dirty="0" err="1" smtClean="0"/>
+              <a:t>debug</a:t>
             </a:r>
             <a:endParaRPr lang="hr-HR" dirty="0" smtClean="0"/>
           </a:p>
           <a:p>
-            <a:r>
-              <a:rPr lang="hr-HR" dirty="0" smtClean="0"/>
-              <a:t>Node.js, </a:t>
-            </a:r>
+            <a:pPr lvl="1"/>
             <a:r>
               <a:rPr lang="hr-HR" dirty="0" err="1" smtClean="0"/>
-              <a:t>npm</a:t>
+              <a:t>Kompajliranje</a:t>
+            </a:r>
+            <a:r>
+              <a:rPr lang="hr-HR" dirty="0" smtClean="0"/>
+              <a:t> i </a:t>
+            </a:r>
+            <a:r>
+              <a:rPr lang="hr-HR" dirty="0" err="1" smtClean="0"/>
+              <a:t>debugiranje</a:t>
+            </a:r>
+            <a:r>
+              <a:rPr lang="hr-HR" dirty="0" smtClean="0"/>
+              <a:t> na jedan klik</a:t>
+            </a:r>
+          </a:p>
+          <a:p>
+            <a:pPr lvl="1"/>
+            <a:r>
+              <a:rPr lang="hr-HR" dirty="0" smtClean="0"/>
+              <a:t>Mogućnost kreiranja </a:t>
+            </a:r>
+            <a:r>
+              <a:rPr lang="hr-HR" dirty="0" err="1" smtClean="0"/>
+              <a:t>Memory</a:t>
+            </a:r>
+            <a:r>
+              <a:rPr lang="hr-HR" dirty="0" smtClean="0"/>
+              <a:t> </a:t>
+            </a:r>
+            <a:r>
+              <a:rPr lang="hr-HR" dirty="0" err="1" smtClean="0"/>
+              <a:t>dumpa</a:t>
+            </a:r>
+            <a:endParaRPr lang="hr-HR" dirty="0" smtClean="0"/>
+          </a:p>
+          <a:p>
+            <a:pPr lvl="1"/>
+            <a:r>
+              <a:rPr lang="hr-HR" dirty="0" err="1" smtClean="0"/>
+              <a:t>Conditional</a:t>
+            </a:r>
+            <a:r>
+              <a:rPr lang="hr-HR" dirty="0" smtClean="0"/>
+              <a:t> </a:t>
+            </a:r>
+            <a:r>
+              <a:rPr lang="hr-HR" dirty="0" err="1" smtClean="0"/>
+              <a:t>breakpoints</a:t>
             </a:r>
             <a:r>
               <a:rPr lang="hr-HR" dirty="0" smtClean="0"/>
@@ -4190,7 +4660,7 @@
             </a:r>
             <a:r>
               <a:rPr lang="hr-HR" dirty="0" err="1" smtClean="0"/>
-              <a:t>bower</a:t>
+              <a:t>watches</a:t>
             </a:r>
             <a:r>
               <a:rPr lang="hr-HR" dirty="0" smtClean="0"/>
@@ -4198,11 +4668,63 @@
             </a:r>
             <a:r>
               <a:rPr lang="hr-HR" dirty="0" err="1" smtClean="0"/>
-              <a:t>NuGet</a:t>
+              <a:t>immediate</a:t>
+            </a:r>
+            <a:r>
+              <a:rPr lang="hr-HR" dirty="0" smtClean="0"/>
+              <a:t> window</a:t>
+            </a:r>
+          </a:p>
+          <a:p>
+            <a:r>
+              <a:rPr lang="hr-HR" dirty="0" err="1" smtClean="0"/>
+              <a:t>Performance</a:t>
+            </a:r>
+            <a:r>
+              <a:rPr lang="hr-HR" dirty="0" smtClean="0"/>
+              <a:t> </a:t>
+            </a:r>
+            <a:r>
+              <a:rPr lang="hr-HR" dirty="0" err="1" smtClean="0"/>
+              <a:t>and</a:t>
+            </a:r>
+            <a:r>
+              <a:rPr lang="hr-HR" dirty="0" smtClean="0"/>
+              <a:t> </a:t>
+            </a:r>
+            <a:r>
+              <a:rPr lang="hr-HR" dirty="0" err="1" smtClean="0"/>
+              <a:t>Diagnostics</a:t>
+            </a:r>
+            <a:r>
+              <a:rPr lang="hr-HR" dirty="0" smtClean="0"/>
+              <a:t> (</a:t>
+            </a:r>
+            <a:r>
+              <a:rPr lang="hr-HR" dirty="0" err="1" smtClean="0"/>
+              <a:t>profilers</a:t>
+            </a:r>
+            <a:r>
+              <a:rPr lang="hr-HR" dirty="0" smtClean="0"/>
+              <a:t>)</a:t>
+            </a:r>
+          </a:p>
+          <a:p>
+            <a:pPr lvl="1"/>
+            <a:r>
+              <a:rPr lang="hr-HR" dirty="0" smtClean="0"/>
+              <a:t>Prate rad CPU-a, korištenje memorije i druge podatke o radu aplikacije</a:t>
             </a:r>
             <a:endParaRPr lang="hr-HR" dirty="0" smtClean="0"/>
           </a:p>
           <a:p>
+            <a:pPr marL="457200" lvl="1" indent="0">
+              <a:buNone/>
+            </a:pPr>
+            <a:endParaRPr lang="hr-HR" dirty="0" smtClean="0"/>
+          </a:p>
+          <a:p>
+            <a:pPr lvl="1"/>
             <a:endParaRPr lang="hr-HR" dirty="0"/>
           </a:p>
         </p:txBody>
@@ -4210,7 +4732,7 @@
     </p:spTree>
     <p:extLst>
       <p:ext uri="{BB962C8B-B14F-4D97-AF65-F5344CB8AC3E}">
-        <p14:creationId xmlns:p14="http://schemas.microsoft.com/office/powerpoint/2010/main" val="3674570170"/>
+        <p14:creationId xmlns:p14="http://schemas.microsoft.com/office/powerpoint/2010/main" val="477603348"/>
       </p:ext>
     </p:extLst>
   </p:cSld>
@@ -4253,9 +4775,37 @@
           <a:lstStyle/>
           <a:p>
             <a:r>
-              <a:rPr lang="hr-HR" dirty="0" smtClean="0"/>
-              <a:t>VS i </a:t>
-            </a:r>
+              <a:rPr lang="hr-HR" dirty="0" err="1" smtClean="0"/>
+              <a:t>Visual</a:t>
+            </a:r>
+            <a:r>
+              <a:rPr lang="hr-HR" dirty="0" smtClean="0"/>
+              <a:t> Studio</a:t>
+            </a:r>
+            <a:endParaRPr lang="hr-HR" dirty="0"/>
+          </a:p>
+        </p:txBody>
+      </p:sp>
+      <p:sp>
+        <p:nvSpPr>
+          <p:cNvPr id="3" name="Content Placeholder 2"/>
+          <p:cNvSpPr>
+            <a:spLocks noGrp="1"/>
+          </p:cNvSpPr>
+          <p:nvPr>
+            <p:ph idx="1"/>
+          </p:nvPr>
+        </p:nvSpPr>
+        <p:spPr>
+          <a:xfrm>
+            <a:off x="838200" y="1825625"/>
+            <a:ext cx="4139045" cy="4351338"/>
+          </a:xfrm>
+        </p:spPr>
+        <p:txBody>
+          <a:bodyPr/>
+          <a:lstStyle/>
+          <a:p>
             <a:r>
               <a:rPr lang="hr-HR" dirty="0" err="1" smtClean="0"/>
               <a:t>Source</a:t>
@@ -4266,74 +4816,79 @@
             </a:r>
             <a:r>
               <a:rPr lang="hr-HR" dirty="0" err="1" smtClean="0"/>
-              <a:t>Controle</a:t>
-            </a:r>
+              <a:t>control</a:t>
+            </a:r>
+            <a:endParaRPr lang="hr-HR" dirty="0" smtClean="0"/>
+          </a:p>
+          <a:p>
+            <a:pPr lvl="1"/>
+            <a:r>
+              <a:rPr lang="hr-HR" dirty="0" smtClean="0"/>
+              <a:t>TFS, SVN, GIT</a:t>
+            </a:r>
+          </a:p>
+          <a:p>
+            <a:pPr lvl="1"/>
+            <a:r>
+              <a:rPr lang="hr-HR" dirty="0" smtClean="0"/>
+              <a:t>Služi za </a:t>
+            </a:r>
+            <a:r>
+              <a:rPr lang="hr-HR" dirty="0" err="1" smtClean="0"/>
+              <a:t>verzioniranje</a:t>
+            </a:r>
+            <a:r>
+              <a:rPr lang="hr-HR" dirty="0" smtClean="0"/>
+              <a:t> koda i razvoj u timskom okruženju</a:t>
+            </a:r>
+            <a:endParaRPr lang="hr-HR" dirty="0" smtClean="0"/>
+          </a:p>
+          <a:p>
+            <a:pPr marL="457200" lvl="1" indent="0">
+              <a:buNone/>
+            </a:pPr>
+            <a:endParaRPr lang="hr-HR" dirty="0" smtClean="0"/>
+          </a:p>
+          <a:p>
+            <a:pPr lvl="1"/>
             <a:endParaRPr lang="hr-HR" dirty="0"/>
           </a:p>
         </p:txBody>
       </p:sp>
-      <p:sp>
-        <p:nvSpPr>
-          <p:cNvPr id="3" name="Content Placeholder 2"/>
-          <p:cNvSpPr>
-            <a:spLocks noGrp="1"/>
-          </p:cNvSpPr>
-          <p:nvPr>
-            <p:ph idx="1"/>
-          </p:nvPr>
-        </p:nvSpPr>
-        <p:spPr/>
-        <p:txBody>
-          <a:bodyPr/>
-          <a:lstStyle/>
-          <a:p>
-            <a:r>
-              <a:rPr lang="hr-HR" dirty="0" err="1" smtClean="0"/>
-              <a:t>Git</a:t>
-            </a:r>
-            <a:endParaRPr lang="hr-HR" dirty="0" smtClean="0"/>
-          </a:p>
-          <a:p>
-            <a:r>
-              <a:rPr lang="hr-HR" dirty="0" smtClean="0"/>
-              <a:t>MS </a:t>
-            </a:r>
-            <a:r>
-              <a:rPr lang="hr-HR" dirty="0" err="1" smtClean="0"/>
-              <a:t>Source</a:t>
-            </a:r>
-            <a:r>
-              <a:rPr lang="hr-HR" dirty="0" smtClean="0"/>
-              <a:t> </a:t>
-            </a:r>
-            <a:r>
-              <a:rPr lang="hr-HR" dirty="0" err="1" smtClean="0"/>
-              <a:t>Control</a:t>
-            </a:r>
-            <a:endParaRPr lang="hr-HR" dirty="0" smtClean="0"/>
-          </a:p>
-          <a:p>
-            <a:r>
-              <a:rPr lang="hr-HR" dirty="0" smtClean="0"/>
-              <a:t>SVN</a:t>
-            </a:r>
-          </a:p>
-          <a:p>
-            <a:r>
-              <a:rPr lang="hr-HR" dirty="0" smtClean="0"/>
-              <a:t>….</a:t>
-            </a:r>
-            <a:endParaRPr lang="hr-HR" dirty="0"/>
-          </a:p>
-          <a:p>
-            <a:endParaRPr lang="hr-HR" dirty="0"/>
-          </a:p>
-        </p:txBody>
-      </p:sp>
+      <p:pic>
+        <p:nvPicPr>
+          <p:cNvPr id="4" name="Picture 3"/>
+          <p:cNvPicPr>
+            <a:picLocks noChangeAspect="1"/>
+          </p:cNvPicPr>
+          <p:nvPr/>
+        </p:nvPicPr>
+        <p:blipFill>
+          <a:blip r:embed="rId2">
+            <a:extLst>
+              <a:ext uri="{28A0092B-C50C-407E-A947-70E740481C1C}">
+                <a14:useLocalDpi xmlns:a14="http://schemas.microsoft.com/office/drawing/2010/main" val="0"/>
+              </a:ext>
+            </a:extLst>
+          </a:blip>
+          <a:stretch>
+            <a:fillRect/>
+          </a:stretch>
+        </p:blipFill>
+        <p:spPr>
+          <a:xfrm>
+            <a:off x="4561609" y="3092594"/>
+            <a:ext cx="7142885" cy="3440380"/>
+          </a:xfrm>
+          <a:prstGeom prst="rect">
+            <a:avLst/>
+          </a:prstGeom>
+        </p:spPr>
+      </p:pic>
     </p:spTree>
     <p:extLst>
       <p:ext uri="{BB962C8B-B14F-4D97-AF65-F5344CB8AC3E}">
-        <p14:creationId xmlns:p14="http://schemas.microsoft.com/office/powerpoint/2010/main" val="1290528947"/>
+        <p14:creationId xmlns:p14="http://schemas.microsoft.com/office/powerpoint/2010/main" val="2124280312"/>
       </p:ext>
     </p:extLst>
   </p:cSld>
@@ -4638,6 +5193,2677 @@
 </p:sld>
 </file>
 
+<file path=ppt/slides/slide16.xml><?xml version="1.0" encoding="utf-8"?>
+<p:sld xmlns:a="http://schemas.openxmlformats.org/drawingml/2006/main" xmlns:r="http://schemas.openxmlformats.org/officeDocument/2006/relationships" xmlns:p="http://schemas.openxmlformats.org/presentationml/2006/main">
+  <p:cSld>
+    <p:spTree>
+      <p:nvGrpSpPr>
+        <p:cNvPr id="1" name=""/>
+        <p:cNvGrpSpPr/>
+        <p:nvPr/>
+      </p:nvGrpSpPr>
+      <p:grpSpPr>
+        <a:xfrm>
+          <a:off x="0" y="0"/>
+          <a:ext cx="0" cy="0"/>
+          <a:chOff x="0" y="0"/>
+          <a:chExt cx="0" cy="0"/>
+        </a:xfrm>
+      </p:grpSpPr>
+      <p:sp>
+        <p:nvSpPr>
+          <p:cNvPr id="2" name="Title 1"/>
+          <p:cNvSpPr>
+            <a:spLocks noGrp="1"/>
+          </p:cNvSpPr>
+          <p:nvPr>
+            <p:ph type="title"/>
+          </p:nvPr>
+        </p:nvSpPr>
+        <p:spPr/>
+        <p:txBody>
+          <a:bodyPr/>
+          <a:lstStyle/>
+          <a:p>
+            <a:r>
+              <a:rPr lang="hr-HR" dirty="0" smtClean="0"/>
+              <a:t>Pregled verzija</a:t>
+            </a:r>
+            <a:endParaRPr lang="hr-HR" dirty="0"/>
+          </a:p>
+        </p:txBody>
+      </p:sp>
+      <p:graphicFrame>
+        <p:nvGraphicFramePr>
+          <p:cNvPr id="4" name="Content Placeholder 3"/>
+          <p:cNvGraphicFramePr>
+            <a:graphicFrameLocks noGrp="1"/>
+          </p:cNvGraphicFramePr>
+          <p:nvPr>
+            <p:ph idx="1"/>
+            <p:extLst>
+              <p:ext uri="{D42A27DB-BD31-4B8C-83A1-F6EECF244321}">
+                <p14:modId xmlns:p14="http://schemas.microsoft.com/office/powerpoint/2010/main" val="1205295450"/>
+              </p:ext>
+            </p:extLst>
+          </p:nvPr>
+        </p:nvGraphicFramePr>
+        <p:xfrm>
+          <a:off x="838200" y="1984664"/>
+          <a:ext cx="10515599" cy="4395358"/>
+        </p:xfrm>
+        <a:graphic>
+          <a:graphicData uri="http://schemas.openxmlformats.org/drawingml/2006/table">
+            <a:tbl>
+              <a:tblPr>
+                <a:tableStyleId>{5C22544A-7EE6-4342-B048-85BDC9FD1C3A}</a:tableStyleId>
+              </a:tblPr>
+              <a:tblGrid>
+                <a:gridCol w="2304006"/>
+                <a:gridCol w="913986"/>
+                <a:gridCol w="1580435"/>
+                <a:gridCol w="1161523"/>
+                <a:gridCol w="1694682"/>
+                <a:gridCol w="1275773"/>
+                <a:gridCol w="1585194"/>
+              </a:tblGrid>
+              <a:tr h="879071">
+                <a:tc>
+                  <a:txBody>
+                    <a:bodyPr/>
+                    <a:lstStyle/>
+                    <a:p>
+                      <a:pPr algn="ctr" fontAlgn="ctr"/>
+                      <a:r>
+                        <a:rPr lang="hr-HR" sz="1400" b="1" u="none" strike="noStrike" dirty="0" err="1">
+                          <a:effectLst/>
+                        </a:rPr>
+                        <a:t>Product</a:t>
+                      </a:r>
+                      <a:r>
+                        <a:rPr lang="hr-HR" sz="1400" b="1" u="none" strike="noStrike" dirty="0">
+                          <a:effectLst/>
+                        </a:rPr>
+                        <a:t> </a:t>
+                      </a:r>
+                      <a:r>
+                        <a:rPr lang="hr-HR" sz="1400" b="1" u="none" strike="noStrike" dirty="0" err="1">
+                          <a:effectLst/>
+                        </a:rPr>
+                        <a:t>name</a:t>
+                      </a:r>
+                      <a:endParaRPr lang="hr-HR" sz="1400" b="1" i="0" u="none" strike="noStrike" dirty="0">
+                        <a:solidFill>
+                          <a:srgbClr val="000000"/>
+                        </a:solidFill>
+                        <a:effectLst/>
+                        <a:latin typeface="Calibri" panose="020F0502020204030204" pitchFamily="34" charset="0"/>
+                      </a:endParaRPr>
+                    </a:p>
+                  </a:txBody>
+                  <a:tcPr marL="9525" marR="9525" marT="9525" marB="0" anchor="ctr"/>
+                </a:tc>
+                <a:tc>
+                  <a:txBody>
+                    <a:bodyPr/>
+                    <a:lstStyle/>
+                    <a:p>
+                      <a:pPr algn="ctr" fontAlgn="ctr"/>
+                      <a:r>
+                        <a:rPr lang="hr-HR" sz="1400" b="1" u="none" strike="noStrike" dirty="0" err="1">
+                          <a:effectLst/>
+                        </a:rPr>
+                        <a:t>Version</a:t>
+                      </a:r>
+                      <a:r>
+                        <a:rPr lang="hr-HR" sz="1400" b="1" u="none" strike="noStrike" dirty="0">
+                          <a:effectLst/>
+                        </a:rPr>
+                        <a:t> </a:t>
+                      </a:r>
+                      <a:r>
+                        <a:rPr lang="hr-HR" sz="1400" b="1" u="none" strike="noStrike" dirty="0" err="1">
+                          <a:effectLst/>
+                        </a:rPr>
+                        <a:t>number</a:t>
+                      </a:r>
+                      <a:endParaRPr lang="hr-HR" sz="1400" b="1" i="0" u="none" strike="noStrike" dirty="0">
+                        <a:solidFill>
+                          <a:srgbClr val="000000"/>
+                        </a:solidFill>
+                        <a:effectLst/>
+                        <a:latin typeface="Calibri" panose="020F0502020204030204" pitchFamily="34" charset="0"/>
+                      </a:endParaRPr>
+                    </a:p>
+                  </a:txBody>
+                  <a:tcPr marL="9525" marR="9525" marT="9525" marB="0" anchor="ctr"/>
+                </a:tc>
+                <a:tc>
+                  <a:txBody>
+                    <a:bodyPr/>
+                    <a:lstStyle/>
+                    <a:p>
+                      <a:pPr algn="ctr" fontAlgn="ctr"/>
+                      <a:r>
+                        <a:rPr lang="hr-HR" sz="1400" b="1" u="none" strike="noStrike" dirty="0" err="1">
+                          <a:effectLst/>
+                        </a:rPr>
+                        <a:t>Supported</a:t>
+                      </a:r>
+                      <a:r>
+                        <a:rPr lang="hr-HR" sz="1400" b="1" u="none" strike="noStrike" dirty="0">
+                          <a:effectLst/>
+                        </a:rPr>
+                        <a:t> .NET Framework </a:t>
+                      </a:r>
+                      <a:r>
+                        <a:rPr lang="hr-HR" sz="1400" b="1" u="none" strike="noStrike" dirty="0" err="1">
+                          <a:effectLst/>
+                        </a:rPr>
+                        <a:t>versions</a:t>
+                      </a:r>
+                      <a:r>
+                        <a:rPr lang="hr-HR" sz="1400" b="1" u="none" strike="noStrike" dirty="0">
+                          <a:effectLst/>
+                        </a:rPr>
+                        <a:t> </a:t>
+                      </a:r>
+                      <a:endParaRPr lang="hr-HR" sz="1400" b="1" i="0" u="none" strike="noStrike" dirty="0">
+                        <a:solidFill>
+                          <a:srgbClr val="000000"/>
+                        </a:solidFill>
+                        <a:effectLst/>
+                        <a:latin typeface="Calibri" panose="020F0502020204030204" pitchFamily="34" charset="0"/>
+                      </a:endParaRPr>
+                    </a:p>
+                  </a:txBody>
+                  <a:tcPr marL="9525" marR="9525" marT="9525" marB="0" anchor="ctr"/>
+                </a:tc>
+                <a:tc>
+                  <a:txBody>
+                    <a:bodyPr/>
+                    <a:lstStyle/>
+                    <a:p>
+                      <a:pPr algn="ctr" fontAlgn="ctr"/>
+                      <a:r>
+                        <a:rPr lang="hr-HR" sz="1400" b="1" u="none" strike="noStrike" dirty="0" err="1">
+                          <a:effectLst/>
+                        </a:rPr>
+                        <a:t>Supported</a:t>
+                      </a:r>
+                      <a:r>
+                        <a:rPr lang="hr-HR" sz="1400" b="1" u="none" strike="noStrike" dirty="0">
+                          <a:effectLst/>
+                        </a:rPr>
+                        <a:t> .NET Core </a:t>
+                      </a:r>
+                      <a:r>
+                        <a:rPr lang="hr-HR" sz="1400" b="1" u="none" strike="noStrike" dirty="0" err="1">
+                          <a:effectLst/>
+                        </a:rPr>
+                        <a:t>Versions</a:t>
+                      </a:r>
+                      <a:endParaRPr lang="hr-HR" sz="1400" b="1" i="0" u="none" strike="noStrike" dirty="0">
+                        <a:solidFill>
+                          <a:srgbClr val="000000"/>
+                        </a:solidFill>
+                        <a:effectLst/>
+                        <a:latin typeface="Calibri" panose="020F0502020204030204" pitchFamily="34" charset="0"/>
+                      </a:endParaRPr>
+                    </a:p>
+                  </a:txBody>
+                  <a:tcPr marL="9525" marR="9525" marT="9525" marB="0" anchor="ctr"/>
+                </a:tc>
+                <a:tc>
+                  <a:txBody>
+                    <a:bodyPr/>
+                    <a:lstStyle/>
+                    <a:p>
+                      <a:pPr algn="ctr" fontAlgn="ctr"/>
+                      <a:r>
+                        <a:rPr lang="hr-HR" sz="1400" b="1" u="none" strike="noStrike" dirty="0">
+                          <a:effectLst/>
+                        </a:rPr>
+                        <a:t>MVC</a:t>
+                      </a:r>
+                      <a:endParaRPr lang="hr-HR" sz="1400" b="1" i="0" u="none" strike="noStrike" dirty="0">
+                        <a:solidFill>
+                          <a:srgbClr val="000000"/>
+                        </a:solidFill>
+                        <a:effectLst/>
+                        <a:latin typeface="Calibri" panose="020F0502020204030204" pitchFamily="34" charset="0"/>
+                      </a:endParaRPr>
+                    </a:p>
+                  </a:txBody>
+                  <a:tcPr marL="9525" marR="9525" marT="9525" marB="0" anchor="ctr"/>
+                </a:tc>
+                <a:tc>
+                  <a:txBody>
+                    <a:bodyPr/>
+                    <a:lstStyle/>
+                    <a:p>
+                      <a:pPr algn="ctr" fontAlgn="ctr"/>
+                      <a:r>
+                        <a:rPr lang="hr-HR" sz="1400" b="1" u="none" strike="noStrike" dirty="0">
+                          <a:effectLst/>
+                        </a:rPr>
+                        <a:t>Web API</a:t>
+                      </a:r>
+                      <a:endParaRPr lang="hr-HR" sz="1400" b="1" i="0" u="none" strike="noStrike" dirty="0">
+                        <a:solidFill>
+                          <a:srgbClr val="000000"/>
+                        </a:solidFill>
+                        <a:effectLst/>
+                        <a:latin typeface="Calibri" panose="020F0502020204030204" pitchFamily="34" charset="0"/>
+                      </a:endParaRPr>
+                    </a:p>
+                  </a:txBody>
+                  <a:tcPr marL="9525" marR="9525" marT="9525" marB="0" anchor="ctr"/>
+                </a:tc>
+                <a:tc>
+                  <a:txBody>
+                    <a:bodyPr/>
+                    <a:lstStyle/>
+                    <a:p>
+                      <a:pPr algn="ctr" fontAlgn="ctr"/>
+                      <a:r>
+                        <a:rPr lang="hr-HR" sz="1400" b="1" u="none" strike="noStrike" dirty="0" err="1">
+                          <a:effectLst/>
+                        </a:rPr>
+                        <a:t>Release</a:t>
+                      </a:r>
+                      <a:r>
+                        <a:rPr lang="hr-HR" sz="1400" b="1" u="none" strike="noStrike" dirty="0">
+                          <a:effectLst/>
+                        </a:rPr>
+                        <a:t> date</a:t>
+                      </a:r>
+                      <a:endParaRPr lang="hr-HR" sz="1400" b="1" i="0" u="none" strike="noStrike" dirty="0">
+                        <a:solidFill>
+                          <a:srgbClr val="000000"/>
+                        </a:solidFill>
+                        <a:effectLst/>
+                        <a:latin typeface="Calibri" panose="020F0502020204030204" pitchFamily="34" charset="0"/>
+                      </a:endParaRPr>
+                    </a:p>
+                  </a:txBody>
+                  <a:tcPr marL="9525" marR="9525" marT="9525" marB="0" anchor="ctr"/>
+                </a:tc>
+              </a:tr>
+              <a:tr h="293024">
+                <a:tc>
+                  <a:txBody>
+                    <a:bodyPr/>
+                    <a:lstStyle/>
+                    <a:p>
+                      <a:pPr algn="ctr" fontAlgn="ctr"/>
+                      <a:r>
+                        <a:rPr lang="hr-HR" sz="1200" u="none" strike="noStrike" dirty="0" err="1">
+                          <a:effectLst/>
+                        </a:rPr>
+                        <a:t>Visual</a:t>
+                      </a:r>
+                      <a:r>
+                        <a:rPr lang="hr-HR" sz="1200" u="none" strike="noStrike" dirty="0">
+                          <a:effectLst/>
+                        </a:rPr>
+                        <a:t> Studio 97</a:t>
+                      </a:r>
+                      <a:endParaRPr lang="hr-HR" sz="1200" b="1" i="0" u="none" strike="noStrike" dirty="0">
+                        <a:solidFill>
+                          <a:srgbClr val="000000"/>
+                        </a:solidFill>
+                        <a:effectLst/>
+                        <a:latin typeface="Calibri" panose="020F0502020204030204" pitchFamily="34" charset="0"/>
+                      </a:endParaRPr>
+                    </a:p>
+                  </a:txBody>
+                  <a:tcPr marL="9525" marR="9525" marT="9525" marB="0" anchor="ctr"/>
+                </a:tc>
+                <a:tc>
+                  <a:txBody>
+                    <a:bodyPr/>
+                    <a:lstStyle/>
+                    <a:p>
+                      <a:pPr algn="ctr" fontAlgn="ctr"/>
+                      <a:r>
+                        <a:rPr lang="hr-HR" sz="1200" u="none" strike="noStrike" dirty="0">
+                          <a:effectLst/>
+                        </a:rPr>
+                        <a:t>5.0</a:t>
+                      </a:r>
+                      <a:endParaRPr lang="hr-HR" sz="1200" b="0" i="0" u="none" strike="noStrike" dirty="0">
+                        <a:solidFill>
+                          <a:srgbClr val="000000"/>
+                        </a:solidFill>
+                        <a:effectLst/>
+                        <a:latin typeface="Calibri" panose="020F0502020204030204" pitchFamily="34" charset="0"/>
+                      </a:endParaRPr>
+                    </a:p>
+                  </a:txBody>
+                  <a:tcPr marL="9525" marR="9525" marT="9525" marB="0" anchor="ctr"/>
+                </a:tc>
+                <a:tc>
+                  <a:txBody>
+                    <a:bodyPr/>
+                    <a:lstStyle/>
+                    <a:p>
+                      <a:pPr algn="ctr" fontAlgn="ctr"/>
+                      <a:r>
+                        <a:rPr lang="hr-HR" sz="1200" u="none" strike="noStrike">
+                          <a:effectLst/>
+                        </a:rPr>
+                        <a:t>N/A</a:t>
+                      </a:r>
+                      <a:endParaRPr lang="hr-HR" sz="1200" b="0" i="0" u="none" strike="noStrike">
+                        <a:solidFill>
+                          <a:srgbClr val="2C2C2C"/>
+                        </a:solidFill>
+                        <a:effectLst/>
+                        <a:latin typeface="Calibri" panose="020F0502020204030204" pitchFamily="34" charset="0"/>
+                      </a:endParaRPr>
+                    </a:p>
+                  </a:txBody>
+                  <a:tcPr marL="9525" marR="9525" marT="9525" marB="0" anchor="ctr"/>
+                </a:tc>
+                <a:tc>
+                  <a:txBody>
+                    <a:bodyPr/>
+                    <a:lstStyle/>
+                    <a:p>
+                      <a:pPr algn="ctr" fontAlgn="ctr"/>
+                      <a:r>
+                        <a:rPr lang="hr-HR" sz="1200" u="none" strike="noStrike" dirty="0">
+                          <a:effectLst/>
+                        </a:rPr>
+                        <a:t>N/A</a:t>
+                      </a:r>
+                      <a:endParaRPr lang="hr-HR" sz="1200" b="0" i="0" u="none" strike="noStrike" dirty="0">
+                        <a:solidFill>
+                          <a:srgbClr val="2C2C2C"/>
+                        </a:solidFill>
+                        <a:effectLst/>
+                        <a:latin typeface="Calibri" panose="020F0502020204030204" pitchFamily="34" charset="0"/>
+                      </a:endParaRPr>
+                    </a:p>
+                  </a:txBody>
+                  <a:tcPr marL="9525" marR="9525" marT="9525" marB="0" anchor="ctr"/>
+                </a:tc>
+                <a:tc>
+                  <a:txBody>
+                    <a:bodyPr/>
+                    <a:lstStyle/>
+                    <a:p>
+                      <a:pPr algn="ctr" fontAlgn="ctr"/>
+                      <a:r>
+                        <a:rPr lang="hr-HR" sz="1200" u="none" strike="noStrike" dirty="0">
+                          <a:effectLst/>
+                        </a:rPr>
+                        <a:t>N/A</a:t>
+                      </a:r>
+                      <a:endParaRPr lang="hr-HR" sz="1200" b="0" i="0" u="none" strike="noStrike" dirty="0">
+                        <a:solidFill>
+                          <a:srgbClr val="2C2C2C"/>
+                        </a:solidFill>
+                        <a:effectLst/>
+                        <a:latin typeface="Calibri" panose="020F0502020204030204" pitchFamily="34" charset="0"/>
+                      </a:endParaRPr>
+                    </a:p>
+                  </a:txBody>
+                  <a:tcPr marL="9525" marR="9525" marT="9525" marB="0" anchor="ctr"/>
+                </a:tc>
+                <a:tc>
+                  <a:txBody>
+                    <a:bodyPr/>
+                    <a:lstStyle/>
+                    <a:p>
+                      <a:pPr algn="ctr" fontAlgn="ctr"/>
+                      <a:r>
+                        <a:rPr lang="hr-HR" sz="1200" u="none" strike="noStrike" dirty="0">
+                          <a:effectLst/>
+                        </a:rPr>
+                        <a:t>N/A</a:t>
+                      </a:r>
+                      <a:endParaRPr lang="hr-HR" sz="1200" b="0" i="0" u="none" strike="noStrike" dirty="0">
+                        <a:solidFill>
+                          <a:srgbClr val="2C2C2C"/>
+                        </a:solidFill>
+                        <a:effectLst/>
+                        <a:latin typeface="Calibri" panose="020F0502020204030204" pitchFamily="34" charset="0"/>
+                      </a:endParaRPr>
+                    </a:p>
+                  </a:txBody>
+                  <a:tcPr marL="9525" marR="9525" marT="9525" marB="0" anchor="ctr"/>
+                </a:tc>
+                <a:tc>
+                  <a:txBody>
+                    <a:bodyPr/>
+                    <a:lstStyle/>
+                    <a:p>
+                      <a:pPr algn="l" fontAlgn="ctr"/>
+                      <a:r>
+                        <a:rPr lang="hr-HR" sz="1200" u="none" strike="noStrike">
+                          <a:effectLst/>
+                        </a:rPr>
+                        <a:t>February 1997</a:t>
+                      </a:r>
+                      <a:endParaRPr lang="hr-HR" sz="1200" b="0" i="0" u="none" strike="noStrike">
+                        <a:solidFill>
+                          <a:srgbClr val="000000"/>
+                        </a:solidFill>
+                        <a:effectLst/>
+                        <a:latin typeface="Calibri" panose="020F0502020204030204" pitchFamily="34" charset="0"/>
+                      </a:endParaRPr>
+                    </a:p>
+                  </a:txBody>
+                  <a:tcPr marL="9525" marR="9525" marT="9525" marB="0" anchor="ctr"/>
+                </a:tc>
+              </a:tr>
+              <a:tr h="293024">
+                <a:tc>
+                  <a:txBody>
+                    <a:bodyPr/>
+                    <a:lstStyle/>
+                    <a:p>
+                      <a:pPr algn="ctr" fontAlgn="ctr"/>
+                      <a:r>
+                        <a:rPr lang="hr-HR" sz="1200" u="none" strike="noStrike" dirty="0" err="1">
+                          <a:effectLst/>
+                        </a:rPr>
+                        <a:t>Visual</a:t>
+                      </a:r>
+                      <a:r>
+                        <a:rPr lang="hr-HR" sz="1200" u="none" strike="noStrike" dirty="0">
+                          <a:effectLst/>
+                        </a:rPr>
+                        <a:t> Studio 6.0</a:t>
+                      </a:r>
+                      <a:endParaRPr lang="hr-HR" sz="1200" b="1" i="0" u="none" strike="noStrike" dirty="0">
+                        <a:solidFill>
+                          <a:srgbClr val="000000"/>
+                        </a:solidFill>
+                        <a:effectLst/>
+                        <a:latin typeface="Calibri" panose="020F0502020204030204" pitchFamily="34" charset="0"/>
+                      </a:endParaRPr>
+                    </a:p>
+                  </a:txBody>
+                  <a:tcPr marL="9525" marR="9525" marT="9525" marB="0" anchor="ctr"/>
+                </a:tc>
+                <a:tc>
+                  <a:txBody>
+                    <a:bodyPr/>
+                    <a:lstStyle/>
+                    <a:p>
+                      <a:pPr algn="ctr" fontAlgn="ctr"/>
+                      <a:r>
+                        <a:rPr lang="hr-HR" sz="1200" u="none" strike="noStrike" dirty="0">
+                          <a:effectLst/>
+                        </a:rPr>
+                        <a:t>6.0</a:t>
+                      </a:r>
+                      <a:endParaRPr lang="hr-HR" sz="1200" b="0" i="0" u="none" strike="noStrike" dirty="0">
+                        <a:solidFill>
+                          <a:srgbClr val="000000"/>
+                        </a:solidFill>
+                        <a:effectLst/>
+                        <a:latin typeface="Calibri" panose="020F0502020204030204" pitchFamily="34" charset="0"/>
+                      </a:endParaRPr>
+                    </a:p>
+                  </a:txBody>
+                  <a:tcPr marL="9525" marR="9525" marT="9525" marB="0" anchor="ctr"/>
+                </a:tc>
+                <a:tc>
+                  <a:txBody>
+                    <a:bodyPr/>
+                    <a:lstStyle/>
+                    <a:p>
+                      <a:pPr algn="ctr" fontAlgn="ctr"/>
+                      <a:r>
+                        <a:rPr lang="hr-HR" sz="1200" u="none" strike="noStrike">
+                          <a:effectLst/>
+                        </a:rPr>
+                        <a:t>N/A</a:t>
+                      </a:r>
+                      <a:endParaRPr lang="hr-HR" sz="1200" b="0" i="0" u="none" strike="noStrike">
+                        <a:solidFill>
+                          <a:srgbClr val="2C2C2C"/>
+                        </a:solidFill>
+                        <a:effectLst/>
+                        <a:latin typeface="Calibri" panose="020F0502020204030204" pitchFamily="34" charset="0"/>
+                      </a:endParaRPr>
+                    </a:p>
+                  </a:txBody>
+                  <a:tcPr marL="9525" marR="9525" marT="9525" marB="0" anchor="ctr"/>
+                </a:tc>
+                <a:tc>
+                  <a:txBody>
+                    <a:bodyPr/>
+                    <a:lstStyle/>
+                    <a:p>
+                      <a:pPr algn="ctr" fontAlgn="ctr"/>
+                      <a:r>
+                        <a:rPr lang="hr-HR" sz="1200" u="none" strike="noStrike" dirty="0">
+                          <a:effectLst/>
+                        </a:rPr>
+                        <a:t>N/A</a:t>
+                      </a:r>
+                      <a:endParaRPr lang="hr-HR" sz="1200" b="0" i="0" u="none" strike="noStrike" dirty="0">
+                        <a:solidFill>
+                          <a:srgbClr val="2C2C2C"/>
+                        </a:solidFill>
+                        <a:effectLst/>
+                        <a:latin typeface="Calibri" panose="020F0502020204030204" pitchFamily="34" charset="0"/>
+                      </a:endParaRPr>
+                    </a:p>
+                  </a:txBody>
+                  <a:tcPr marL="9525" marR="9525" marT="9525" marB="0" anchor="ctr"/>
+                </a:tc>
+                <a:tc>
+                  <a:txBody>
+                    <a:bodyPr/>
+                    <a:lstStyle/>
+                    <a:p>
+                      <a:pPr algn="ctr" fontAlgn="ctr"/>
+                      <a:r>
+                        <a:rPr lang="hr-HR" sz="1200" u="none" strike="noStrike" dirty="0">
+                          <a:effectLst/>
+                        </a:rPr>
+                        <a:t>N/A</a:t>
+                      </a:r>
+                      <a:endParaRPr lang="hr-HR" sz="1200" b="0" i="0" u="none" strike="noStrike" dirty="0">
+                        <a:solidFill>
+                          <a:srgbClr val="2C2C2C"/>
+                        </a:solidFill>
+                        <a:effectLst/>
+                        <a:latin typeface="Calibri" panose="020F0502020204030204" pitchFamily="34" charset="0"/>
+                      </a:endParaRPr>
+                    </a:p>
+                  </a:txBody>
+                  <a:tcPr marL="9525" marR="9525" marT="9525" marB="0" anchor="ctr"/>
+                </a:tc>
+                <a:tc>
+                  <a:txBody>
+                    <a:bodyPr/>
+                    <a:lstStyle/>
+                    <a:p>
+                      <a:pPr algn="ctr" fontAlgn="ctr"/>
+                      <a:r>
+                        <a:rPr lang="hr-HR" sz="1200" u="none" strike="noStrike" dirty="0">
+                          <a:effectLst/>
+                        </a:rPr>
+                        <a:t>N/A</a:t>
+                      </a:r>
+                      <a:endParaRPr lang="hr-HR" sz="1200" b="0" i="0" u="none" strike="noStrike" dirty="0">
+                        <a:solidFill>
+                          <a:srgbClr val="2C2C2C"/>
+                        </a:solidFill>
+                        <a:effectLst/>
+                        <a:latin typeface="Calibri" panose="020F0502020204030204" pitchFamily="34" charset="0"/>
+                      </a:endParaRPr>
+                    </a:p>
+                  </a:txBody>
+                  <a:tcPr marL="9525" marR="9525" marT="9525" marB="0" anchor="ctr"/>
+                </a:tc>
+                <a:tc>
+                  <a:txBody>
+                    <a:bodyPr/>
+                    <a:lstStyle/>
+                    <a:p>
+                      <a:pPr algn="l" fontAlgn="ctr"/>
+                      <a:r>
+                        <a:rPr lang="hr-HR" sz="1200" u="none" strike="noStrike">
+                          <a:effectLst/>
+                        </a:rPr>
+                        <a:t>June 1998</a:t>
+                      </a:r>
+                      <a:endParaRPr lang="hr-HR" sz="1200" b="0" i="0" u="none" strike="noStrike">
+                        <a:solidFill>
+                          <a:srgbClr val="000000"/>
+                        </a:solidFill>
+                        <a:effectLst/>
+                        <a:latin typeface="Calibri" panose="020F0502020204030204" pitchFamily="34" charset="0"/>
+                      </a:endParaRPr>
+                    </a:p>
+                  </a:txBody>
+                  <a:tcPr marL="9525" marR="9525" marT="9525" marB="0" anchor="ctr"/>
+                </a:tc>
+              </a:tr>
+              <a:tr h="586047">
+                <a:tc>
+                  <a:txBody>
+                    <a:bodyPr/>
+                    <a:lstStyle/>
+                    <a:p>
+                      <a:pPr algn="ctr" fontAlgn="ctr"/>
+                      <a:r>
+                        <a:rPr lang="hr-HR" sz="1200" u="none" strike="noStrike">
+                          <a:effectLst/>
+                        </a:rPr>
+                        <a:t>Visual Studio .NET (2002)</a:t>
+                      </a:r>
+                      <a:endParaRPr lang="hr-HR" sz="1200" b="1" i="0" u="none" strike="noStrike">
+                        <a:solidFill>
+                          <a:srgbClr val="000000"/>
+                        </a:solidFill>
+                        <a:effectLst/>
+                        <a:latin typeface="Calibri" panose="020F0502020204030204" pitchFamily="34" charset="0"/>
+                      </a:endParaRPr>
+                    </a:p>
+                  </a:txBody>
+                  <a:tcPr marL="9525" marR="9525" marT="9525" marB="0" anchor="ctr"/>
+                </a:tc>
+                <a:tc>
+                  <a:txBody>
+                    <a:bodyPr/>
+                    <a:lstStyle/>
+                    <a:p>
+                      <a:pPr algn="ctr" fontAlgn="ctr"/>
+                      <a:r>
+                        <a:rPr lang="hr-HR" sz="1200" u="none" strike="noStrike" dirty="0">
+                          <a:effectLst/>
+                        </a:rPr>
+                        <a:t>7.0</a:t>
+                      </a:r>
+                      <a:endParaRPr lang="hr-HR" sz="1200" b="0" i="0" u="none" strike="noStrike" dirty="0">
+                        <a:solidFill>
+                          <a:srgbClr val="000000"/>
+                        </a:solidFill>
+                        <a:effectLst/>
+                        <a:latin typeface="Calibri" panose="020F0502020204030204" pitchFamily="34" charset="0"/>
+                      </a:endParaRPr>
+                    </a:p>
+                  </a:txBody>
+                  <a:tcPr marL="9525" marR="9525" marT="9525" marB="0" anchor="ctr"/>
+                </a:tc>
+                <a:tc>
+                  <a:txBody>
+                    <a:bodyPr/>
+                    <a:lstStyle/>
+                    <a:p>
+                      <a:pPr algn="ctr" fontAlgn="ctr"/>
+                      <a:r>
+                        <a:rPr lang="hr-HR" sz="1200" u="none" strike="noStrike" dirty="0">
+                          <a:effectLst/>
+                        </a:rPr>
+                        <a:t>1.0</a:t>
+                      </a:r>
+                      <a:endParaRPr lang="hr-HR" sz="1200" b="0" i="0" u="none" strike="noStrike" dirty="0">
+                        <a:solidFill>
+                          <a:srgbClr val="000000"/>
+                        </a:solidFill>
+                        <a:effectLst/>
+                        <a:latin typeface="Calibri" panose="020F0502020204030204" pitchFamily="34" charset="0"/>
+                      </a:endParaRPr>
+                    </a:p>
+                  </a:txBody>
+                  <a:tcPr marL="9525" marR="9525" marT="9525" marB="0" anchor="ctr"/>
+                </a:tc>
+                <a:tc>
+                  <a:txBody>
+                    <a:bodyPr/>
+                    <a:lstStyle/>
+                    <a:p>
+                      <a:pPr algn="ctr" fontAlgn="ctr"/>
+                      <a:r>
+                        <a:rPr lang="hr-HR" sz="1200" u="none" strike="noStrike" dirty="0">
+                          <a:effectLst/>
+                        </a:rPr>
+                        <a:t>N/A</a:t>
+                      </a:r>
+                      <a:endParaRPr lang="hr-HR" sz="1200" b="0" i="0" u="none" strike="noStrike" dirty="0">
+                        <a:solidFill>
+                          <a:srgbClr val="2C2C2C"/>
+                        </a:solidFill>
+                        <a:effectLst/>
+                        <a:latin typeface="Calibri" panose="020F0502020204030204" pitchFamily="34" charset="0"/>
+                      </a:endParaRPr>
+                    </a:p>
+                  </a:txBody>
+                  <a:tcPr marL="9525" marR="9525" marT="9525" marB="0" anchor="ctr"/>
+                </a:tc>
+                <a:tc>
+                  <a:txBody>
+                    <a:bodyPr/>
+                    <a:lstStyle/>
+                    <a:p>
+                      <a:pPr algn="ctr" fontAlgn="ctr"/>
+                      <a:r>
+                        <a:rPr lang="hr-HR" sz="1200" u="none" strike="noStrike" dirty="0">
+                          <a:effectLst/>
+                        </a:rPr>
+                        <a:t>N/A</a:t>
+                      </a:r>
+                      <a:endParaRPr lang="hr-HR" sz="1200" b="0" i="0" u="none" strike="noStrike" dirty="0">
+                        <a:solidFill>
+                          <a:srgbClr val="2C2C2C"/>
+                        </a:solidFill>
+                        <a:effectLst/>
+                        <a:latin typeface="Calibri" panose="020F0502020204030204" pitchFamily="34" charset="0"/>
+                      </a:endParaRPr>
+                    </a:p>
+                  </a:txBody>
+                  <a:tcPr marL="9525" marR="9525" marT="9525" marB="0" anchor="ctr"/>
+                </a:tc>
+                <a:tc>
+                  <a:txBody>
+                    <a:bodyPr/>
+                    <a:lstStyle/>
+                    <a:p>
+                      <a:pPr algn="ctr" fontAlgn="ctr"/>
+                      <a:r>
+                        <a:rPr lang="hr-HR" sz="1200" u="none" strike="noStrike" dirty="0">
+                          <a:effectLst/>
+                        </a:rPr>
+                        <a:t>N/A</a:t>
+                      </a:r>
+                      <a:endParaRPr lang="hr-HR" sz="1200" b="0" i="0" u="none" strike="noStrike" dirty="0">
+                        <a:solidFill>
+                          <a:srgbClr val="2C2C2C"/>
+                        </a:solidFill>
+                        <a:effectLst/>
+                        <a:latin typeface="Calibri" panose="020F0502020204030204" pitchFamily="34" charset="0"/>
+                      </a:endParaRPr>
+                    </a:p>
+                  </a:txBody>
+                  <a:tcPr marL="9525" marR="9525" marT="9525" marB="0" anchor="ctr"/>
+                </a:tc>
+                <a:tc>
+                  <a:txBody>
+                    <a:bodyPr/>
+                    <a:lstStyle/>
+                    <a:p>
+                      <a:pPr algn="l" fontAlgn="ctr"/>
+                      <a:r>
+                        <a:rPr lang="hr-HR" sz="1200" u="none" strike="noStrike">
+                          <a:effectLst/>
+                        </a:rPr>
+                        <a:t>February 2002</a:t>
+                      </a:r>
+                      <a:endParaRPr lang="hr-HR" sz="1200" b="0" i="0" u="none" strike="noStrike">
+                        <a:solidFill>
+                          <a:srgbClr val="000000"/>
+                        </a:solidFill>
+                        <a:effectLst/>
+                        <a:latin typeface="Calibri" panose="020F0502020204030204" pitchFamily="34" charset="0"/>
+                      </a:endParaRPr>
+                    </a:p>
+                  </a:txBody>
+                  <a:tcPr marL="9525" marR="9525" marT="9525" marB="0" anchor="ctr"/>
+                </a:tc>
+              </a:tr>
+              <a:tr h="293024">
+                <a:tc>
+                  <a:txBody>
+                    <a:bodyPr/>
+                    <a:lstStyle/>
+                    <a:p>
+                      <a:pPr algn="ctr" fontAlgn="ctr"/>
+                      <a:r>
+                        <a:rPr lang="hr-HR" sz="1200" u="none" strike="noStrike">
+                          <a:effectLst/>
+                        </a:rPr>
+                        <a:t>Visual Studio .NET 2003</a:t>
+                      </a:r>
+                      <a:endParaRPr lang="hr-HR" sz="1200" b="1" i="0" u="none" strike="noStrike">
+                        <a:solidFill>
+                          <a:srgbClr val="000000"/>
+                        </a:solidFill>
+                        <a:effectLst/>
+                        <a:latin typeface="Calibri" panose="020F0502020204030204" pitchFamily="34" charset="0"/>
+                      </a:endParaRPr>
+                    </a:p>
+                  </a:txBody>
+                  <a:tcPr marL="9525" marR="9525" marT="9525" marB="0" anchor="ctr"/>
+                </a:tc>
+                <a:tc>
+                  <a:txBody>
+                    <a:bodyPr/>
+                    <a:lstStyle/>
+                    <a:p>
+                      <a:pPr algn="ctr" fontAlgn="ctr"/>
+                      <a:r>
+                        <a:rPr lang="hr-HR" sz="1200" u="none" strike="noStrike" dirty="0">
+                          <a:effectLst/>
+                        </a:rPr>
+                        <a:t>7.1</a:t>
+                      </a:r>
+                      <a:endParaRPr lang="hr-HR" sz="1200" b="0" i="0" u="none" strike="noStrike" dirty="0">
+                        <a:solidFill>
+                          <a:srgbClr val="000000"/>
+                        </a:solidFill>
+                        <a:effectLst/>
+                        <a:latin typeface="Calibri" panose="020F0502020204030204" pitchFamily="34" charset="0"/>
+                      </a:endParaRPr>
+                    </a:p>
+                  </a:txBody>
+                  <a:tcPr marL="9525" marR="9525" marT="9525" marB="0" anchor="ctr"/>
+                </a:tc>
+                <a:tc>
+                  <a:txBody>
+                    <a:bodyPr/>
+                    <a:lstStyle/>
+                    <a:p>
+                      <a:pPr algn="ctr" fontAlgn="ctr"/>
+                      <a:r>
+                        <a:rPr lang="hr-HR" sz="1200" u="none" strike="noStrike" dirty="0">
+                          <a:effectLst/>
+                        </a:rPr>
+                        <a:t>1.1</a:t>
+                      </a:r>
+                      <a:endParaRPr lang="hr-HR" sz="1200" b="0" i="0" u="none" strike="noStrike" dirty="0">
+                        <a:solidFill>
+                          <a:srgbClr val="000000"/>
+                        </a:solidFill>
+                        <a:effectLst/>
+                        <a:latin typeface="Calibri" panose="020F0502020204030204" pitchFamily="34" charset="0"/>
+                      </a:endParaRPr>
+                    </a:p>
+                  </a:txBody>
+                  <a:tcPr marL="9525" marR="9525" marT="9525" marB="0" anchor="ctr"/>
+                </a:tc>
+                <a:tc>
+                  <a:txBody>
+                    <a:bodyPr/>
+                    <a:lstStyle/>
+                    <a:p>
+                      <a:pPr algn="ctr" fontAlgn="ctr"/>
+                      <a:r>
+                        <a:rPr lang="hr-HR" sz="1200" u="none" strike="noStrike" dirty="0">
+                          <a:effectLst/>
+                        </a:rPr>
+                        <a:t>N/A</a:t>
+                      </a:r>
+                      <a:endParaRPr lang="hr-HR" sz="1200" b="0" i="0" u="none" strike="noStrike" dirty="0">
+                        <a:solidFill>
+                          <a:srgbClr val="2C2C2C"/>
+                        </a:solidFill>
+                        <a:effectLst/>
+                        <a:latin typeface="Calibri" panose="020F0502020204030204" pitchFamily="34" charset="0"/>
+                      </a:endParaRPr>
+                    </a:p>
+                  </a:txBody>
+                  <a:tcPr marL="9525" marR="9525" marT="9525" marB="0" anchor="ctr"/>
+                </a:tc>
+                <a:tc>
+                  <a:txBody>
+                    <a:bodyPr/>
+                    <a:lstStyle/>
+                    <a:p>
+                      <a:pPr algn="ctr" fontAlgn="ctr"/>
+                      <a:r>
+                        <a:rPr lang="hr-HR" sz="1200" u="none" strike="noStrike" dirty="0">
+                          <a:effectLst/>
+                        </a:rPr>
+                        <a:t>N/A</a:t>
+                      </a:r>
+                      <a:endParaRPr lang="hr-HR" sz="1200" b="0" i="0" u="none" strike="noStrike" dirty="0">
+                        <a:solidFill>
+                          <a:srgbClr val="2C2C2C"/>
+                        </a:solidFill>
+                        <a:effectLst/>
+                        <a:latin typeface="Calibri" panose="020F0502020204030204" pitchFamily="34" charset="0"/>
+                      </a:endParaRPr>
+                    </a:p>
+                  </a:txBody>
+                  <a:tcPr marL="9525" marR="9525" marT="9525" marB="0" anchor="ctr"/>
+                </a:tc>
+                <a:tc>
+                  <a:txBody>
+                    <a:bodyPr/>
+                    <a:lstStyle/>
+                    <a:p>
+                      <a:pPr algn="ctr" fontAlgn="ctr"/>
+                      <a:r>
+                        <a:rPr lang="hr-HR" sz="1200" u="none" strike="noStrike" dirty="0">
+                          <a:effectLst/>
+                        </a:rPr>
+                        <a:t>N/A</a:t>
+                      </a:r>
+                      <a:endParaRPr lang="hr-HR" sz="1200" b="0" i="0" u="none" strike="noStrike" dirty="0">
+                        <a:solidFill>
+                          <a:srgbClr val="2C2C2C"/>
+                        </a:solidFill>
+                        <a:effectLst/>
+                        <a:latin typeface="Calibri" panose="020F0502020204030204" pitchFamily="34" charset="0"/>
+                      </a:endParaRPr>
+                    </a:p>
+                  </a:txBody>
+                  <a:tcPr marL="9525" marR="9525" marT="9525" marB="0" anchor="ctr"/>
+                </a:tc>
+                <a:tc>
+                  <a:txBody>
+                    <a:bodyPr/>
+                    <a:lstStyle/>
+                    <a:p>
+                      <a:pPr algn="l" fontAlgn="ctr"/>
+                      <a:r>
+                        <a:rPr lang="hr-HR" sz="1200" u="none" strike="noStrike">
+                          <a:effectLst/>
+                        </a:rPr>
+                        <a:t>April 2003</a:t>
+                      </a:r>
+                      <a:endParaRPr lang="hr-HR" sz="1200" b="0" i="0" u="none" strike="noStrike">
+                        <a:solidFill>
+                          <a:srgbClr val="000000"/>
+                        </a:solidFill>
+                        <a:effectLst/>
+                        <a:latin typeface="Calibri" panose="020F0502020204030204" pitchFamily="34" charset="0"/>
+                      </a:endParaRPr>
+                    </a:p>
+                  </a:txBody>
+                  <a:tcPr marL="9525" marR="9525" marT="9525" marB="0" anchor="ctr"/>
+                </a:tc>
+              </a:tr>
+              <a:tr h="293024">
+                <a:tc>
+                  <a:txBody>
+                    <a:bodyPr/>
+                    <a:lstStyle/>
+                    <a:p>
+                      <a:pPr algn="ctr" fontAlgn="ctr"/>
+                      <a:r>
+                        <a:rPr lang="hr-HR" sz="1200" u="none" strike="noStrike">
+                          <a:effectLst/>
+                        </a:rPr>
+                        <a:t>Visual Studio 2005</a:t>
+                      </a:r>
+                      <a:endParaRPr lang="hr-HR" sz="1200" b="1" i="0" u="none" strike="noStrike">
+                        <a:solidFill>
+                          <a:srgbClr val="000000"/>
+                        </a:solidFill>
+                        <a:effectLst/>
+                        <a:latin typeface="Calibri" panose="020F0502020204030204" pitchFamily="34" charset="0"/>
+                      </a:endParaRPr>
+                    </a:p>
+                  </a:txBody>
+                  <a:tcPr marL="9525" marR="9525" marT="9525" marB="0" anchor="ctr"/>
+                </a:tc>
+                <a:tc>
+                  <a:txBody>
+                    <a:bodyPr/>
+                    <a:lstStyle/>
+                    <a:p>
+                      <a:pPr algn="ctr" fontAlgn="ctr"/>
+                      <a:r>
+                        <a:rPr lang="hr-HR" sz="1200" u="none" strike="noStrike" dirty="0">
+                          <a:effectLst/>
+                        </a:rPr>
+                        <a:t>8.0</a:t>
+                      </a:r>
+                      <a:endParaRPr lang="hr-HR" sz="1200" b="0" i="0" u="none" strike="noStrike" dirty="0">
+                        <a:solidFill>
+                          <a:srgbClr val="000000"/>
+                        </a:solidFill>
+                        <a:effectLst/>
+                        <a:latin typeface="Calibri" panose="020F0502020204030204" pitchFamily="34" charset="0"/>
+                      </a:endParaRPr>
+                    </a:p>
+                  </a:txBody>
+                  <a:tcPr marL="9525" marR="9525" marT="9525" marB="0" anchor="ctr"/>
+                </a:tc>
+                <a:tc>
+                  <a:txBody>
+                    <a:bodyPr/>
+                    <a:lstStyle/>
+                    <a:p>
+                      <a:pPr algn="ctr" fontAlgn="ctr"/>
+                      <a:r>
+                        <a:rPr lang="hr-HR" sz="1200" u="none" strike="noStrike" dirty="0">
+                          <a:effectLst/>
+                        </a:rPr>
+                        <a:t>2.0, 3.0</a:t>
+                      </a:r>
+                      <a:endParaRPr lang="hr-HR" sz="1200" b="0" i="0" u="none" strike="noStrike" dirty="0">
+                        <a:solidFill>
+                          <a:srgbClr val="000000"/>
+                        </a:solidFill>
+                        <a:effectLst/>
+                        <a:latin typeface="Calibri" panose="020F0502020204030204" pitchFamily="34" charset="0"/>
+                      </a:endParaRPr>
+                    </a:p>
+                  </a:txBody>
+                  <a:tcPr marL="9525" marR="9525" marT="9525" marB="0" anchor="ctr"/>
+                </a:tc>
+                <a:tc>
+                  <a:txBody>
+                    <a:bodyPr/>
+                    <a:lstStyle/>
+                    <a:p>
+                      <a:pPr algn="ctr" fontAlgn="ctr"/>
+                      <a:r>
+                        <a:rPr lang="hr-HR" sz="1200" u="none" strike="noStrike" dirty="0">
+                          <a:effectLst/>
+                        </a:rPr>
+                        <a:t>N/A</a:t>
+                      </a:r>
+                      <a:endParaRPr lang="hr-HR" sz="1200" b="0" i="0" u="none" strike="noStrike" dirty="0">
+                        <a:solidFill>
+                          <a:srgbClr val="2C2C2C"/>
+                        </a:solidFill>
+                        <a:effectLst/>
+                        <a:latin typeface="Calibri" panose="020F0502020204030204" pitchFamily="34" charset="0"/>
+                      </a:endParaRPr>
+                    </a:p>
+                  </a:txBody>
+                  <a:tcPr marL="9525" marR="9525" marT="9525" marB="0" anchor="ctr"/>
+                </a:tc>
+                <a:tc>
+                  <a:txBody>
+                    <a:bodyPr/>
+                    <a:lstStyle/>
+                    <a:p>
+                      <a:pPr algn="ctr" fontAlgn="ctr"/>
+                      <a:r>
+                        <a:rPr lang="hr-HR" sz="1200" u="none" strike="noStrike" dirty="0">
+                          <a:effectLst/>
+                        </a:rPr>
+                        <a:t>N/A</a:t>
+                      </a:r>
+                      <a:endParaRPr lang="hr-HR" sz="1200" b="0" i="0" u="none" strike="noStrike" dirty="0">
+                        <a:solidFill>
+                          <a:srgbClr val="2C2C2C"/>
+                        </a:solidFill>
+                        <a:effectLst/>
+                        <a:latin typeface="Calibri" panose="020F0502020204030204" pitchFamily="34" charset="0"/>
+                      </a:endParaRPr>
+                    </a:p>
+                  </a:txBody>
+                  <a:tcPr marL="9525" marR="9525" marT="9525" marB="0" anchor="ctr"/>
+                </a:tc>
+                <a:tc>
+                  <a:txBody>
+                    <a:bodyPr/>
+                    <a:lstStyle/>
+                    <a:p>
+                      <a:pPr algn="ctr" fontAlgn="ctr"/>
+                      <a:r>
+                        <a:rPr lang="hr-HR" sz="1200" u="none" strike="noStrike" dirty="0">
+                          <a:effectLst/>
+                        </a:rPr>
+                        <a:t>N/A</a:t>
+                      </a:r>
+                      <a:endParaRPr lang="hr-HR" sz="1200" b="0" i="0" u="none" strike="noStrike" dirty="0">
+                        <a:solidFill>
+                          <a:srgbClr val="2C2C2C"/>
+                        </a:solidFill>
+                        <a:effectLst/>
+                        <a:latin typeface="Calibri" panose="020F0502020204030204" pitchFamily="34" charset="0"/>
+                      </a:endParaRPr>
+                    </a:p>
+                  </a:txBody>
+                  <a:tcPr marL="9525" marR="9525" marT="9525" marB="0" anchor="ctr"/>
+                </a:tc>
+                <a:tc>
+                  <a:txBody>
+                    <a:bodyPr/>
+                    <a:lstStyle/>
+                    <a:p>
+                      <a:pPr algn="l" fontAlgn="ctr"/>
+                      <a:r>
+                        <a:rPr lang="hr-HR" sz="1200" u="none" strike="noStrike">
+                          <a:effectLst/>
+                        </a:rPr>
+                        <a:t>November 2005</a:t>
+                      </a:r>
+                      <a:endParaRPr lang="hr-HR" sz="1200" b="0" i="0" u="none" strike="noStrike">
+                        <a:solidFill>
+                          <a:srgbClr val="000000"/>
+                        </a:solidFill>
+                        <a:effectLst/>
+                        <a:latin typeface="Calibri" panose="020F0502020204030204" pitchFamily="34" charset="0"/>
+                      </a:endParaRPr>
+                    </a:p>
+                  </a:txBody>
+                  <a:tcPr marL="9525" marR="9525" marT="9525" marB="0" anchor="ctr"/>
+                </a:tc>
+              </a:tr>
+              <a:tr h="293024">
+                <a:tc>
+                  <a:txBody>
+                    <a:bodyPr/>
+                    <a:lstStyle/>
+                    <a:p>
+                      <a:pPr algn="ctr" fontAlgn="ctr"/>
+                      <a:r>
+                        <a:rPr lang="hr-HR" sz="1200" u="none" strike="noStrike">
+                          <a:effectLst/>
+                        </a:rPr>
+                        <a:t>Visual Studio 2008</a:t>
+                      </a:r>
+                      <a:endParaRPr lang="hr-HR" sz="1200" b="1" i="0" u="none" strike="noStrike">
+                        <a:solidFill>
+                          <a:srgbClr val="000000"/>
+                        </a:solidFill>
+                        <a:effectLst/>
+                        <a:latin typeface="Calibri" panose="020F0502020204030204" pitchFamily="34" charset="0"/>
+                      </a:endParaRPr>
+                    </a:p>
+                  </a:txBody>
+                  <a:tcPr marL="9525" marR="9525" marT="9525" marB="0" anchor="ctr"/>
+                </a:tc>
+                <a:tc>
+                  <a:txBody>
+                    <a:bodyPr/>
+                    <a:lstStyle/>
+                    <a:p>
+                      <a:pPr algn="ctr" fontAlgn="ctr"/>
+                      <a:r>
+                        <a:rPr lang="hr-HR" sz="1200" u="none" strike="noStrike" dirty="0">
+                          <a:effectLst/>
+                        </a:rPr>
+                        <a:t>9.0</a:t>
+                      </a:r>
+                      <a:endParaRPr lang="hr-HR" sz="1200" b="0" i="0" u="none" strike="noStrike" dirty="0">
+                        <a:solidFill>
+                          <a:srgbClr val="000000"/>
+                        </a:solidFill>
+                        <a:effectLst/>
+                        <a:latin typeface="Calibri" panose="020F0502020204030204" pitchFamily="34" charset="0"/>
+                      </a:endParaRPr>
+                    </a:p>
+                  </a:txBody>
+                  <a:tcPr marL="9525" marR="9525" marT="9525" marB="0" anchor="ctr"/>
+                </a:tc>
+                <a:tc>
+                  <a:txBody>
+                    <a:bodyPr/>
+                    <a:lstStyle/>
+                    <a:p>
+                      <a:pPr algn="ctr" fontAlgn="ctr"/>
+                      <a:r>
+                        <a:rPr lang="hr-HR" sz="1200" u="none" strike="noStrike" dirty="0">
+                          <a:effectLst/>
+                        </a:rPr>
+                        <a:t>2.0, 3.0, 3.5</a:t>
+                      </a:r>
+                      <a:endParaRPr lang="hr-HR" sz="1200" b="0" i="0" u="none" strike="noStrike" dirty="0">
+                        <a:solidFill>
+                          <a:srgbClr val="000000"/>
+                        </a:solidFill>
+                        <a:effectLst/>
+                        <a:latin typeface="Calibri" panose="020F0502020204030204" pitchFamily="34" charset="0"/>
+                      </a:endParaRPr>
+                    </a:p>
+                  </a:txBody>
+                  <a:tcPr marL="9525" marR="9525" marT="9525" marB="0" anchor="ctr"/>
+                </a:tc>
+                <a:tc>
+                  <a:txBody>
+                    <a:bodyPr/>
+                    <a:lstStyle/>
+                    <a:p>
+                      <a:pPr algn="ctr" fontAlgn="ctr"/>
+                      <a:r>
+                        <a:rPr lang="hr-HR" sz="1200" u="none" strike="noStrike" dirty="0">
+                          <a:effectLst/>
+                        </a:rPr>
+                        <a:t>N/A</a:t>
+                      </a:r>
+                      <a:endParaRPr lang="hr-HR" sz="1200" b="0" i="0" u="none" strike="noStrike" dirty="0">
+                        <a:solidFill>
+                          <a:srgbClr val="2C2C2C"/>
+                        </a:solidFill>
+                        <a:effectLst/>
+                        <a:latin typeface="Calibri" panose="020F0502020204030204" pitchFamily="34" charset="0"/>
+                      </a:endParaRPr>
+                    </a:p>
+                  </a:txBody>
+                  <a:tcPr marL="9525" marR="9525" marT="9525" marB="0" anchor="ctr"/>
+                </a:tc>
+                <a:tc>
+                  <a:txBody>
+                    <a:bodyPr/>
+                    <a:lstStyle/>
+                    <a:p>
+                      <a:pPr algn="ctr" fontAlgn="ctr"/>
+                      <a:r>
+                        <a:rPr lang="hr-HR" sz="1200" u="none" strike="noStrike" dirty="0">
+                          <a:effectLst/>
+                        </a:rPr>
+                        <a:t>1.0 - 2.0</a:t>
+                      </a:r>
+                      <a:endParaRPr lang="hr-HR" sz="1200" b="0" i="0" u="none" strike="noStrike" dirty="0">
+                        <a:solidFill>
+                          <a:srgbClr val="000000"/>
+                        </a:solidFill>
+                        <a:effectLst/>
+                        <a:latin typeface="Calibri" panose="020F0502020204030204" pitchFamily="34" charset="0"/>
+                      </a:endParaRPr>
+                    </a:p>
+                  </a:txBody>
+                  <a:tcPr marL="9525" marR="9525" marT="9525" marB="0" anchor="ctr"/>
+                </a:tc>
+                <a:tc>
+                  <a:txBody>
+                    <a:bodyPr/>
+                    <a:lstStyle/>
+                    <a:p>
+                      <a:pPr algn="ctr" fontAlgn="ctr"/>
+                      <a:r>
+                        <a:rPr lang="hr-HR" sz="1200" u="none" strike="noStrike" dirty="0">
+                          <a:effectLst/>
+                        </a:rPr>
+                        <a:t>N/A</a:t>
+                      </a:r>
+                      <a:endParaRPr lang="hr-HR" sz="1200" b="0" i="0" u="none" strike="noStrike" dirty="0">
+                        <a:solidFill>
+                          <a:srgbClr val="2C2C2C"/>
+                        </a:solidFill>
+                        <a:effectLst/>
+                        <a:latin typeface="Calibri" panose="020F0502020204030204" pitchFamily="34" charset="0"/>
+                      </a:endParaRPr>
+                    </a:p>
+                  </a:txBody>
+                  <a:tcPr marL="9525" marR="9525" marT="9525" marB="0" anchor="ctr"/>
+                </a:tc>
+                <a:tc>
+                  <a:txBody>
+                    <a:bodyPr/>
+                    <a:lstStyle/>
+                    <a:p>
+                      <a:pPr algn="l" fontAlgn="ctr"/>
+                      <a:r>
+                        <a:rPr lang="hr-HR" sz="1200" u="none" strike="noStrike">
+                          <a:effectLst/>
+                        </a:rPr>
+                        <a:t>November 2007</a:t>
+                      </a:r>
+                      <a:endParaRPr lang="hr-HR" sz="1200" b="0" i="0" u="none" strike="noStrike">
+                        <a:solidFill>
+                          <a:srgbClr val="000000"/>
+                        </a:solidFill>
+                        <a:effectLst/>
+                        <a:latin typeface="Calibri" panose="020F0502020204030204" pitchFamily="34" charset="0"/>
+                      </a:endParaRPr>
+                    </a:p>
+                  </a:txBody>
+                  <a:tcPr marL="9525" marR="9525" marT="9525" marB="0" anchor="ctr"/>
+                </a:tc>
+              </a:tr>
+              <a:tr h="293024">
+                <a:tc>
+                  <a:txBody>
+                    <a:bodyPr/>
+                    <a:lstStyle/>
+                    <a:p>
+                      <a:pPr algn="ctr" fontAlgn="ctr"/>
+                      <a:r>
+                        <a:rPr lang="hr-HR" sz="1200" u="none" strike="noStrike">
+                          <a:effectLst/>
+                        </a:rPr>
+                        <a:t>Visual Studio 2010</a:t>
+                      </a:r>
+                      <a:endParaRPr lang="hr-HR" sz="1200" b="1" i="0" u="none" strike="noStrike">
+                        <a:solidFill>
+                          <a:srgbClr val="000000"/>
+                        </a:solidFill>
+                        <a:effectLst/>
+                        <a:latin typeface="Calibri" panose="020F0502020204030204" pitchFamily="34" charset="0"/>
+                      </a:endParaRPr>
+                    </a:p>
+                  </a:txBody>
+                  <a:tcPr marL="9525" marR="9525" marT="9525" marB="0" anchor="ctr"/>
+                </a:tc>
+                <a:tc>
+                  <a:txBody>
+                    <a:bodyPr/>
+                    <a:lstStyle/>
+                    <a:p>
+                      <a:pPr algn="ctr" fontAlgn="ctr"/>
+                      <a:r>
+                        <a:rPr lang="hr-HR" sz="1200" u="none" strike="noStrike" dirty="0">
+                          <a:effectLst/>
+                        </a:rPr>
+                        <a:t>10.0</a:t>
+                      </a:r>
+                      <a:endParaRPr lang="hr-HR" sz="1200" b="0" i="0" u="none" strike="noStrike" dirty="0">
+                        <a:solidFill>
+                          <a:srgbClr val="000000"/>
+                        </a:solidFill>
+                        <a:effectLst/>
+                        <a:latin typeface="Calibri" panose="020F0502020204030204" pitchFamily="34" charset="0"/>
+                      </a:endParaRPr>
+                    </a:p>
+                  </a:txBody>
+                  <a:tcPr marL="9525" marR="9525" marT="9525" marB="0" anchor="ctr"/>
+                </a:tc>
+                <a:tc>
+                  <a:txBody>
+                    <a:bodyPr/>
+                    <a:lstStyle/>
+                    <a:p>
+                      <a:pPr algn="ctr" fontAlgn="ctr"/>
+                      <a:r>
+                        <a:rPr lang="hr-HR" sz="1200" u="none" strike="noStrike" dirty="0">
+                          <a:effectLst/>
+                        </a:rPr>
+                        <a:t>2.0 – 4.0</a:t>
+                      </a:r>
+                      <a:endParaRPr lang="hr-HR" sz="1200" b="0" i="0" u="none" strike="noStrike" dirty="0">
+                        <a:solidFill>
+                          <a:srgbClr val="000000"/>
+                        </a:solidFill>
+                        <a:effectLst/>
+                        <a:latin typeface="Calibri" panose="020F0502020204030204" pitchFamily="34" charset="0"/>
+                      </a:endParaRPr>
+                    </a:p>
+                  </a:txBody>
+                  <a:tcPr marL="9525" marR="9525" marT="9525" marB="0" anchor="ctr"/>
+                </a:tc>
+                <a:tc>
+                  <a:txBody>
+                    <a:bodyPr/>
+                    <a:lstStyle/>
+                    <a:p>
+                      <a:pPr algn="ctr" fontAlgn="ctr"/>
+                      <a:r>
+                        <a:rPr lang="hr-HR" sz="1200" u="none" strike="noStrike" dirty="0">
+                          <a:effectLst/>
+                        </a:rPr>
+                        <a:t>N/A</a:t>
+                      </a:r>
+                      <a:endParaRPr lang="hr-HR" sz="1200" b="0" i="0" u="none" strike="noStrike" dirty="0">
+                        <a:solidFill>
+                          <a:srgbClr val="2C2C2C"/>
+                        </a:solidFill>
+                        <a:effectLst/>
+                        <a:latin typeface="Calibri" panose="020F0502020204030204" pitchFamily="34" charset="0"/>
+                      </a:endParaRPr>
+                    </a:p>
+                  </a:txBody>
+                  <a:tcPr marL="9525" marR="9525" marT="9525" marB="0" anchor="ctr"/>
+                </a:tc>
+                <a:tc>
+                  <a:txBody>
+                    <a:bodyPr/>
+                    <a:lstStyle/>
+                    <a:p>
+                      <a:pPr algn="ctr" fontAlgn="ctr"/>
+                      <a:r>
+                        <a:rPr lang="hr-HR" sz="1200" u="none" strike="noStrike" dirty="0">
+                          <a:effectLst/>
+                        </a:rPr>
+                        <a:t>3.0 - 4.0</a:t>
+                      </a:r>
+                      <a:endParaRPr lang="hr-HR" sz="1200" b="0" i="0" u="none" strike="noStrike" dirty="0">
+                        <a:solidFill>
+                          <a:srgbClr val="000000"/>
+                        </a:solidFill>
+                        <a:effectLst/>
+                        <a:latin typeface="Calibri" panose="020F0502020204030204" pitchFamily="34" charset="0"/>
+                      </a:endParaRPr>
+                    </a:p>
+                  </a:txBody>
+                  <a:tcPr marL="9525" marR="9525" marT="9525" marB="0" anchor="ctr"/>
+                </a:tc>
+                <a:tc>
+                  <a:txBody>
+                    <a:bodyPr/>
+                    <a:lstStyle/>
+                    <a:p>
+                      <a:pPr algn="ctr" fontAlgn="b"/>
+                      <a:r>
+                        <a:rPr lang="hr-HR" sz="1200" u="none" strike="noStrike" dirty="0">
+                          <a:effectLst/>
+                        </a:rPr>
+                        <a:t>1.0</a:t>
+                      </a:r>
+                      <a:endParaRPr lang="hr-HR" sz="1200" b="0" i="0" u="none" strike="noStrike" dirty="0">
+                        <a:solidFill>
+                          <a:srgbClr val="000000"/>
+                        </a:solidFill>
+                        <a:effectLst/>
+                        <a:latin typeface="Calibri" panose="020F0502020204030204" pitchFamily="34" charset="0"/>
+                      </a:endParaRPr>
+                    </a:p>
+                  </a:txBody>
+                  <a:tcPr marL="9525" marR="9525" marT="9525" marB="0" anchor="b"/>
+                </a:tc>
+                <a:tc>
+                  <a:txBody>
+                    <a:bodyPr/>
+                    <a:lstStyle/>
+                    <a:p>
+                      <a:pPr algn="l" fontAlgn="ctr"/>
+                      <a:r>
+                        <a:rPr lang="hr-HR" sz="1200" u="none" strike="noStrike">
+                          <a:effectLst/>
+                        </a:rPr>
+                        <a:t>April 2010</a:t>
+                      </a:r>
+                      <a:endParaRPr lang="hr-HR" sz="1200" b="0" i="0" u="none" strike="noStrike">
+                        <a:solidFill>
+                          <a:srgbClr val="000000"/>
+                        </a:solidFill>
+                        <a:effectLst/>
+                        <a:latin typeface="Calibri" panose="020F0502020204030204" pitchFamily="34" charset="0"/>
+                      </a:endParaRPr>
+                    </a:p>
+                  </a:txBody>
+                  <a:tcPr marL="9525" marR="9525" marT="9525" marB="0" anchor="ctr"/>
+                </a:tc>
+              </a:tr>
+              <a:tr h="293024">
+                <a:tc>
+                  <a:txBody>
+                    <a:bodyPr/>
+                    <a:lstStyle/>
+                    <a:p>
+                      <a:pPr algn="ctr" fontAlgn="ctr"/>
+                      <a:r>
+                        <a:rPr lang="hr-HR" sz="1200" u="none" strike="noStrike">
+                          <a:effectLst/>
+                        </a:rPr>
+                        <a:t>Visual Studio 2012</a:t>
+                      </a:r>
+                      <a:endParaRPr lang="hr-HR" sz="1200" b="1" i="0" u="none" strike="noStrike">
+                        <a:solidFill>
+                          <a:srgbClr val="000000"/>
+                        </a:solidFill>
+                        <a:effectLst/>
+                        <a:latin typeface="Calibri" panose="020F0502020204030204" pitchFamily="34" charset="0"/>
+                      </a:endParaRPr>
+                    </a:p>
+                  </a:txBody>
+                  <a:tcPr marL="9525" marR="9525" marT="9525" marB="0" anchor="ctr"/>
+                </a:tc>
+                <a:tc>
+                  <a:txBody>
+                    <a:bodyPr/>
+                    <a:lstStyle/>
+                    <a:p>
+                      <a:pPr algn="ctr" fontAlgn="ctr"/>
+                      <a:r>
+                        <a:rPr lang="hr-HR" sz="1200" u="none" strike="noStrike" dirty="0">
+                          <a:effectLst/>
+                        </a:rPr>
+                        <a:t>11.0</a:t>
+                      </a:r>
+                      <a:endParaRPr lang="hr-HR" sz="1200" b="0" i="0" u="none" strike="noStrike" dirty="0">
+                        <a:solidFill>
+                          <a:srgbClr val="000000"/>
+                        </a:solidFill>
+                        <a:effectLst/>
+                        <a:latin typeface="Calibri" panose="020F0502020204030204" pitchFamily="34" charset="0"/>
+                      </a:endParaRPr>
+                    </a:p>
+                  </a:txBody>
+                  <a:tcPr marL="9525" marR="9525" marT="9525" marB="0" anchor="ctr"/>
+                </a:tc>
+                <a:tc>
+                  <a:txBody>
+                    <a:bodyPr/>
+                    <a:lstStyle/>
+                    <a:p>
+                      <a:pPr algn="ctr" fontAlgn="ctr"/>
+                      <a:r>
+                        <a:rPr lang="hr-HR" sz="1200" u="none" strike="noStrike" dirty="0">
+                          <a:effectLst/>
+                        </a:rPr>
+                        <a:t>2.0 – 4.5.2</a:t>
+                      </a:r>
+                      <a:endParaRPr lang="hr-HR" sz="1200" b="0" i="0" u="none" strike="noStrike" dirty="0">
+                        <a:solidFill>
+                          <a:srgbClr val="000000"/>
+                        </a:solidFill>
+                        <a:effectLst/>
+                        <a:latin typeface="Calibri" panose="020F0502020204030204" pitchFamily="34" charset="0"/>
+                      </a:endParaRPr>
+                    </a:p>
+                  </a:txBody>
+                  <a:tcPr marL="9525" marR="9525" marT="9525" marB="0" anchor="ctr"/>
+                </a:tc>
+                <a:tc>
+                  <a:txBody>
+                    <a:bodyPr/>
+                    <a:lstStyle/>
+                    <a:p>
+                      <a:pPr algn="ctr" fontAlgn="ctr"/>
+                      <a:r>
+                        <a:rPr lang="hr-HR" sz="1200" u="none" strike="noStrike" dirty="0">
+                          <a:effectLst/>
+                        </a:rPr>
+                        <a:t>N/A</a:t>
+                      </a:r>
+                      <a:endParaRPr lang="hr-HR" sz="1200" b="0" i="0" u="none" strike="noStrike" dirty="0">
+                        <a:solidFill>
+                          <a:srgbClr val="2C2C2C"/>
+                        </a:solidFill>
+                        <a:effectLst/>
+                        <a:latin typeface="Calibri" panose="020F0502020204030204" pitchFamily="34" charset="0"/>
+                      </a:endParaRPr>
+                    </a:p>
+                  </a:txBody>
+                  <a:tcPr marL="9525" marR="9525" marT="9525" marB="0" anchor="ctr"/>
+                </a:tc>
+                <a:tc>
+                  <a:txBody>
+                    <a:bodyPr/>
+                    <a:lstStyle/>
+                    <a:p>
+                      <a:pPr algn="ctr" fontAlgn="ctr"/>
+                      <a:r>
+                        <a:rPr lang="hr-HR" sz="1200" u="none" strike="noStrike" dirty="0">
+                          <a:effectLst/>
+                        </a:rPr>
+                        <a:t>4.0 - 5.2</a:t>
+                      </a:r>
+                      <a:endParaRPr lang="hr-HR" sz="1200" b="0" i="0" u="none" strike="noStrike" dirty="0">
+                        <a:solidFill>
+                          <a:srgbClr val="000000"/>
+                        </a:solidFill>
+                        <a:effectLst/>
+                        <a:latin typeface="Calibri" panose="020F0502020204030204" pitchFamily="34" charset="0"/>
+                      </a:endParaRPr>
+                    </a:p>
+                  </a:txBody>
+                  <a:tcPr marL="9525" marR="9525" marT="9525" marB="0" anchor="ctr"/>
+                </a:tc>
+                <a:tc>
+                  <a:txBody>
+                    <a:bodyPr/>
+                    <a:lstStyle/>
+                    <a:p>
+                      <a:pPr algn="ctr" fontAlgn="b"/>
+                      <a:r>
+                        <a:rPr lang="hr-HR" sz="1200" u="none" strike="noStrike" dirty="0">
+                          <a:effectLst/>
+                        </a:rPr>
+                        <a:t>1.0 - 2.2</a:t>
+                      </a:r>
+                      <a:endParaRPr lang="hr-HR" sz="1200" b="0" i="0" u="none" strike="noStrike" dirty="0">
+                        <a:solidFill>
+                          <a:srgbClr val="000000"/>
+                        </a:solidFill>
+                        <a:effectLst/>
+                        <a:latin typeface="Calibri" panose="020F0502020204030204" pitchFamily="34" charset="0"/>
+                      </a:endParaRPr>
+                    </a:p>
+                  </a:txBody>
+                  <a:tcPr marL="9525" marR="9525" marT="9525" marB="0" anchor="b"/>
+                </a:tc>
+                <a:tc>
+                  <a:txBody>
+                    <a:bodyPr/>
+                    <a:lstStyle/>
+                    <a:p>
+                      <a:pPr algn="l" fontAlgn="ctr"/>
+                      <a:r>
+                        <a:rPr lang="hr-HR" sz="1200" u="none" strike="noStrike">
+                          <a:effectLst/>
+                        </a:rPr>
+                        <a:t>September 2012</a:t>
+                      </a:r>
+                      <a:endParaRPr lang="hr-HR" sz="1200" b="0" i="0" u="none" strike="noStrike">
+                        <a:solidFill>
+                          <a:srgbClr val="000000"/>
+                        </a:solidFill>
+                        <a:effectLst/>
+                        <a:latin typeface="Calibri" panose="020F0502020204030204" pitchFamily="34" charset="0"/>
+                      </a:endParaRPr>
+                    </a:p>
+                  </a:txBody>
+                  <a:tcPr marL="9525" marR="9525" marT="9525" marB="0" anchor="ctr"/>
+                </a:tc>
+              </a:tr>
+              <a:tr h="293024">
+                <a:tc>
+                  <a:txBody>
+                    <a:bodyPr/>
+                    <a:lstStyle/>
+                    <a:p>
+                      <a:pPr algn="ctr" fontAlgn="ctr"/>
+                      <a:r>
+                        <a:rPr lang="hr-HR" sz="1200" u="none" strike="noStrike">
+                          <a:effectLst/>
+                        </a:rPr>
+                        <a:t>Visual Studio 2013</a:t>
+                      </a:r>
+                      <a:endParaRPr lang="hr-HR" sz="1200" b="1" i="0" u="none" strike="noStrike">
+                        <a:solidFill>
+                          <a:srgbClr val="000000"/>
+                        </a:solidFill>
+                        <a:effectLst/>
+                        <a:latin typeface="Calibri" panose="020F0502020204030204" pitchFamily="34" charset="0"/>
+                      </a:endParaRPr>
+                    </a:p>
+                  </a:txBody>
+                  <a:tcPr marL="9525" marR="9525" marT="9525" marB="0" anchor="ctr"/>
+                </a:tc>
+                <a:tc>
+                  <a:txBody>
+                    <a:bodyPr/>
+                    <a:lstStyle/>
+                    <a:p>
+                      <a:pPr algn="ctr" fontAlgn="ctr"/>
+                      <a:r>
+                        <a:rPr lang="hr-HR" sz="1200" u="none" strike="noStrike" dirty="0">
+                          <a:effectLst/>
+                        </a:rPr>
+                        <a:t>12.0</a:t>
+                      </a:r>
+                      <a:endParaRPr lang="hr-HR" sz="1200" b="0" i="0" u="none" strike="noStrike" dirty="0">
+                        <a:solidFill>
+                          <a:srgbClr val="000000"/>
+                        </a:solidFill>
+                        <a:effectLst/>
+                        <a:latin typeface="Calibri" panose="020F0502020204030204" pitchFamily="34" charset="0"/>
+                      </a:endParaRPr>
+                    </a:p>
+                  </a:txBody>
+                  <a:tcPr marL="9525" marR="9525" marT="9525" marB="0" anchor="ctr"/>
+                </a:tc>
+                <a:tc>
+                  <a:txBody>
+                    <a:bodyPr/>
+                    <a:lstStyle/>
+                    <a:p>
+                      <a:pPr algn="ctr" fontAlgn="ctr"/>
+                      <a:r>
+                        <a:rPr lang="hr-HR" sz="1200" u="none" strike="noStrike" dirty="0">
+                          <a:effectLst/>
+                        </a:rPr>
+                        <a:t>2.0 – 4.5.2</a:t>
+                      </a:r>
+                      <a:endParaRPr lang="hr-HR" sz="1200" b="0" i="0" u="none" strike="noStrike" dirty="0">
+                        <a:solidFill>
+                          <a:srgbClr val="000000"/>
+                        </a:solidFill>
+                        <a:effectLst/>
+                        <a:latin typeface="Calibri" panose="020F0502020204030204" pitchFamily="34" charset="0"/>
+                      </a:endParaRPr>
+                    </a:p>
+                  </a:txBody>
+                  <a:tcPr marL="9525" marR="9525" marT="9525" marB="0" anchor="ctr"/>
+                </a:tc>
+                <a:tc>
+                  <a:txBody>
+                    <a:bodyPr/>
+                    <a:lstStyle/>
+                    <a:p>
+                      <a:pPr algn="ctr" fontAlgn="ctr"/>
+                      <a:r>
+                        <a:rPr lang="hr-HR" sz="1200" u="none" strike="noStrike" dirty="0">
+                          <a:effectLst/>
+                        </a:rPr>
+                        <a:t>N/A</a:t>
+                      </a:r>
+                      <a:endParaRPr lang="hr-HR" sz="1200" b="0" i="0" u="none" strike="noStrike" dirty="0">
+                        <a:solidFill>
+                          <a:srgbClr val="2C2C2C"/>
+                        </a:solidFill>
+                        <a:effectLst/>
+                        <a:latin typeface="Calibri" panose="020F0502020204030204" pitchFamily="34" charset="0"/>
+                      </a:endParaRPr>
+                    </a:p>
+                  </a:txBody>
+                  <a:tcPr marL="9525" marR="9525" marT="9525" marB="0" anchor="ctr"/>
+                </a:tc>
+                <a:tc>
+                  <a:txBody>
+                    <a:bodyPr/>
+                    <a:lstStyle/>
+                    <a:p>
+                      <a:pPr algn="ctr" fontAlgn="ctr"/>
+                      <a:r>
+                        <a:rPr lang="hr-HR" sz="1200" u="none" strike="noStrike" dirty="0">
+                          <a:effectLst/>
+                        </a:rPr>
+                        <a:t>5.0 - 5.2</a:t>
+                      </a:r>
+                      <a:endParaRPr lang="hr-HR" sz="1200" b="0" i="0" u="none" strike="noStrike" dirty="0">
+                        <a:solidFill>
+                          <a:srgbClr val="000000"/>
+                        </a:solidFill>
+                        <a:effectLst/>
+                        <a:latin typeface="Calibri" panose="020F0502020204030204" pitchFamily="34" charset="0"/>
+                      </a:endParaRPr>
+                    </a:p>
+                  </a:txBody>
+                  <a:tcPr marL="9525" marR="9525" marT="9525" marB="0" anchor="ctr"/>
+                </a:tc>
+                <a:tc>
+                  <a:txBody>
+                    <a:bodyPr/>
+                    <a:lstStyle/>
+                    <a:p>
+                      <a:pPr algn="ctr" fontAlgn="b"/>
+                      <a:r>
+                        <a:rPr lang="hr-HR" sz="1200" u="none" strike="noStrike" dirty="0">
+                          <a:effectLst/>
+                        </a:rPr>
+                        <a:t>2.0 - 2.2</a:t>
+                      </a:r>
+                      <a:endParaRPr lang="hr-HR" sz="1200" b="0" i="0" u="none" strike="noStrike" dirty="0">
+                        <a:solidFill>
+                          <a:srgbClr val="000000"/>
+                        </a:solidFill>
+                        <a:effectLst/>
+                        <a:latin typeface="Calibri" panose="020F0502020204030204" pitchFamily="34" charset="0"/>
+                      </a:endParaRPr>
+                    </a:p>
+                  </a:txBody>
+                  <a:tcPr marL="9525" marR="9525" marT="9525" marB="0" anchor="b"/>
+                </a:tc>
+                <a:tc>
+                  <a:txBody>
+                    <a:bodyPr/>
+                    <a:lstStyle/>
+                    <a:p>
+                      <a:pPr algn="l" fontAlgn="ctr"/>
+                      <a:r>
+                        <a:rPr lang="hr-HR" sz="1200" u="none" strike="noStrike">
+                          <a:effectLst/>
+                        </a:rPr>
+                        <a:t>October 2013</a:t>
+                      </a:r>
+                      <a:endParaRPr lang="hr-HR" sz="1200" b="0" i="0" u="none" strike="noStrike">
+                        <a:solidFill>
+                          <a:srgbClr val="000000"/>
+                        </a:solidFill>
+                        <a:effectLst/>
+                        <a:latin typeface="Calibri" panose="020F0502020204030204" pitchFamily="34" charset="0"/>
+                      </a:endParaRPr>
+                    </a:p>
+                  </a:txBody>
+                  <a:tcPr marL="9525" marR="9525" marT="9525" marB="0" anchor="ctr"/>
+                </a:tc>
+              </a:tr>
+              <a:tr h="293024">
+                <a:tc>
+                  <a:txBody>
+                    <a:bodyPr/>
+                    <a:lstStyle/>
+                    <a:p>
+                      <a:pPr algn="ctr" fontAlgn="ctr"/>
+                      <a:r>
+                        <a:rPr lang="hr-HR" sz="1200" u="none" strike="noStrike">
+                          <a:effectLst/>
+                        </a:rPr>
+                        <a:t>Visual Studio 2015</a:t>
+                      </a:r>
+                      <a:endParaRPr lang="hr-HR" sz="1200" b="1" i="0" u="none" strike="noStrike">
+                        <a:solidFill>
+                          <a:srgbClr val="000000"/>
+                        </a:solidFill>
+                        <a:effectLst/>
+                        <a:latin typeface="Calibri" panose="020F0502020204030204" pitchFamily="34" charset="0"/>
+                      </a:endParaRPr>
+                    </a:p>
+                  </a:txBody>
+                  <a:tcPr marL="9525" marR="9525" marT="9525" marB="0" anchor="ctr"/>
+                </a:tc>
+                <a:tc>
+                  <a:txBody>
+                    <a:bodyPr/>
+                    <a:lstStyle/>
+                    <a:p>
+                      <a:pPr algn="ctr" fontAlgn="ctr"/>
+                      <a:r>
+                        <a:rPr lang="hr-HR" sz="1200" u="none" strike="noStrike" dirty="0">
+                          <a:effectLst/>
+                        </a:rPr>
+                        <a:t>14.0</a:t>
+                      </a:r>
+                      <a:endParaRPr lang="hr-HR" sz="1200" b="0" i="0" u="none" strike="noStrike" dirty="0">
+                        <a:solidFill>
+                          <a:srgbClr val="000000"/>
+                        </a:solidFill>
+                        <a:effectLst/>
+                        <a:latin typeface="Calibri" panose="020F0502020204030204" pitchFamily="34" charset="0"/>
+                      </a:endParaRPr>
+                    </a:p>
+                  </a:txBody>
+                  <a:tcPr marL="9525" marR="9525" marT="9525" marB="0" anchor="ctr"/>
+                </a:tc>
+                <a:tc>
+                  <a:txBody>
+                    <a:bodyPr/>
+                    <a:lstStyle/>
+                    <a:p>
+                      <a:pPr algn="ctr" fontAlgn="ctr"/>
+                      <a:r>
+                        <a:rPr lang="hr-HR" sz="1200" u="none" strike="noStrike" dirty="0">
+                          <a:effectLst/>
+                        </a:rPr>
+                        <a:t>2.0 – 4.6</a:t>
+                      </a:r>
+                      <a:endParaRPr lang="hr-HR" sz="1200" b="0" i="0" u="none" strike="noStrike" dirty="0">
+                        <a:solidFill>
+                          <a:srgbClr val="000000"/>
+                        </a:solidFill>
+                        <a:effectLst/>
+                        <a:latin typeface="Calibri" panose="020F0502020204030204" pitchFamily="34" charset="0"/>
+                      </a:endParaRPr>
+                    </a:p>
+                  </a:txBody>
+                  <a:tcPr marL="9525" marR="9525" marT="9525" marB="0" anchor="ctr"/>
+                </a:tc>
+                <a:tc>
+                  <a:txBody>
+                    <a:bodyPr/>
+                    <a:lstStyle/>
+                    <a:p>
+                      <a:pPr algn="ctr" fontAlgn="ctr"/>
+                      <a:r>
+                        <a:rPr lang="hr-HR" sz="1200" u="none" strike="noStrike" dirty="0">
+                          <a:effectLst/>
+                        </a:rPr>
+                        <a:t>1.0</a:t>
+                      </a:r>
+                      <a:endParaRPr lang="hr-HR" sz="1200" b="0" i="0" u="none" strike="noStrike" dirty="0">
+                        <a:solidFill>
+                          <a:srgbClr val="000000"/>
+                        </a:solidFill>
+                        <a:effectLst/>
+                        <a:latin typeface="Calibri" panose="020F0502020204030204" pitchFamily="34" charset="0"/>
+                      </a:endParaRPr>
+                    </a:p>
+                  </a:txBody>
+                  <a:tcPr marL="9525" marR="9525" marT="9525" marB="0" anchor="ctr"/>
+                </a:tc>
+                <a:tc>
+                  <a:txBody>
+                    <a:bodyPr/>
+                    <a:lstStyle/>
+                    <a:p>
+                      <a:pPr algn="ctr" fontAlgn="ctr"/>
+                      <a:r>
+                        <a:rPr lang="hr-HR" sz="1200" u="none" strike="noStrike" dirty="0">
+                          <a:effectLst/>
+                        </a:rPr>
+                        <a:t>5.2  / Core 1.0</a:t>
+                      </a:r>
+                      <a:endParaRPr lang="hr-HR" sz="1200" b="0" i="0" u="none" strike="noStrike" dirty="0">
+                        <a:solidFill>
+                          <a:srgbClr val="000000"/>
+                        </a:solidFill>
+                        <a:effectLst/>
+                        <a:latin typeface="Calibri" panose="020F0502020204030204" pitchFamily="34" charset="0"/>
+                      </a:endParaRPr>
+                    </a:p>
+                  </a:txBody>
+                  <a:tcPr marL="9525" marR="9525" marT="9525" marB="0" anchor="ctr"/>
+                </a:tc>
+                <a:tc>
+                  <a:txBody>
+                    <a:bodyPr/>
+                    <a:lstStyle/>
+                    <a:p>
+                      <a:pPr algn="ctr" fontAlgn="ctr"/>
+                      <a:r>
+                        <a:rPr lang="hr-HR" sz="1200" u="none" strike="noStrike" dirty="0">
+                          <a:effectLst/>
+                        </a:rPr>
+                        <a:t>2.2 / Core 1.0</a:t>
+                      </a:r>
+                      <a:endParaRPr lang="hr-HR" sz="1200" b="0" i="0" u="none" strike="noStrike" dirty="0">
+                        <a:solidFill>
+                          <a:srgbClr val="000000"/>
+                        </a:solidFill>
+                        <a:effectLst/>
+                        <a:latin typeface="Calibri" panose="020F0502020204030204" pitchFamily="34" charset="0"/>
+                      </a:endParaRPr>
+                    </a:p>
+                  </a:txBody>
+                  <a:tcPr marL="9525" marR="9525" marT="9525" marB="0" anchor="ctr"/>
+                </a:tc>
+                <a:tc>
+                  <a:txBody>
+                    <a:bodyPr/>
+                    <a:lstStyle/>
+                    <a:p>
+                      <a:pPr algn="l" fontAlgn="ctr"/>
+                      <a:r>
+                        <a:rPr lang="hr-HR" sz="1200" u="none" strike="noStrike">
+                          <a:effectLst/>
+                        </a:rPr>
+                        <a:t>July 2015</a:t>
+                      </a:r>
+                      <a:endParaRPr lang="hr-HR" sz="1200" b="0" i="0" u="none" strike="noStrike">
+                        <a:solidFill>
+                          <a:srgbClr val="000000"/>
+                        </a:solidFill>
+                        <a:effectLst/>
+                        <a:latin typeface="Calibri" panose="020F0502020204030204" pitchFamily="34" charset="0"/>
+                      </a:endParaRPr>
+                    </a:p>
+                  </a:txBody>
+                  <a:tcPr marL="9525" marR="9525" marT="9525" marB="0" anchor="ctr"/>
+                </a:tc>
+              </a:tr>
+              <a:tr h="293024">
+                <a:tc>
+                  <a:txBody>
+                    <a:bodyPr/>
+                    <a:lstStyle/>
+                    <a:p>
+                      <a:pPr algn="ctr" fontAlgn="ctr"/>
+                      <a:r>
+                        <a:rPr lang="hr-HR" sz="1200" u="none" strike="noStrike">
+                          <a:effectLst/>
+                        </a:rPr>
+                        <a:t>Visual Studio 2017</a:t>
+                      </a:r>
+                      <a:endParaRPr lang="hr-HR" sz="1200" b="1" i="0" u="none" strike="noStrike">
+                        <a:solidFill>
+                          <a:srgbClr val="000000"/>
+                        </a:solidFill>
+                        <a:effectLst/>
+                        <a:latin typeface="Calibri" panose="020F0502020204030204" pitchFamily="34" charset="0"/>
+                      </a:endParaRPr>
+                    </a:p>
+                  </a:txBody>
+                  <a:tcPr marL="9525" marR="9525" marT="9525" marB="0" anchor="ctr"/>
+                </a:tc>
+                <a:tc>
+                  <a:txBody>
+                    <a:bodyPr/>
+                    <a:lstStyle/>
+                    <a:p>
+                      <a:pPr algn="ctr" fontAlgn="ctr"/>
+                      <a:r>
+                        <a:rPr lang="hr-HR" sz="1200" u="none" strike="noStrike" dirty="0">
+                          <a:effectLst/>
+                        </a:rPr>
+                        <a:t>15.0</a:t>
+                      </a:r>
+                      <a:endParaRPr lang="hr-HR" sz="1200" b="0" i="0" u="none" strike="noStrike" dirty="0">
+                        <a:solidFill>
+                          <a:srgbClr val="000000"/>
+                        </a:solidFill>
+                        <a:effectLst/>
+                        <a:latin typeface="Calibri" panose="020F0502020204030204" pitchFamily="34" charset="0"/>
+                      </a:endParaRPr>
+                    </a:p>
+                  </a:txBody>
+                  <a:tcPr marL="9525" marR="9525" marT="9525" marB="0" anchor="ctr"/>
+                </a:tc>
+                <a:tc>
+                  <a:txBody>
+                    <a:bodyPr/>
+                    <a:lstStyle/>
+                    <a:p>
+                      <a:pPr algn="ctr" fontAlgn="ctr"/>
+                      <a:r>
+                        <a:rPr lang="hr-HR" sz="1200" u="none" strike="noStrike" dirty="0">
+                          <a:effectLst/>
+                        </a:rPr>
+                        <a:t>3.5 – </a:t>
+                      </a:r>
+                      <a:r>
+                        <a:rPr lang="hr-HR" sz="1200" u="none" strike="noStrike" dirty="0" smtClean="0">
+                          <a:effectLst/>
+                        </a:rPr>
+                        <a:t>4.6.2</a:t>
+                      </a:r>
+                      <a:endParaRPr lang="hr-HR" sz="1200" b="0" i="0" u="none" strike="noStrike" dirty="0">
+                        <a:solidFill>
+                          <a:srgbClr val="000000"/>
+                        </a:solidFill>
+                        <a:effectLst/>
+                        <a:latin typeface="Calibri" panose="020F0502020204030204" pitchFamily="34" charset="0"/>
+                      </a:endParaRPr>
+                    </a:p>
+                  </a:txBody>
+                  <a:tcPr marL="9525" marR="9525" marT="9525" marB="0" anchor="ctr"/>
+                </a:tc>
+                <a:tc>
+                  <a:txBody>
+                    <a:bodyPr/>
+                    <a:lstStyle/>
+                    <a:p>
+                      <a:pPr algn="ctr" fontAlgn="ctr"/>
+                      <a:r>
+                        <a:rPr lang="hr-HR" sz="1200" u="none" strike="noStrike" dirty="0">
+                          <a:effectLst/>
+                        </a:rPr>
+                        <a:t>1.0-1.1</a:t>
+                      </a:r>
+                      <a:endParaRPr lang="hr-HR" sz="1200" b="0" i="0" u="none" strike="noStrike" dirty="0">
+                        <a:solidFill>
+                          <a:srgbClr val="000000"/>
+                        </a:solidFill>
+                        <a:effectLst/>
+                        <a:latin typeface="Calibri" panose="020F0502020204030204" pitchFamily="34" charset="0"/>
+                      </a:endParaRPr>
+                    </a:p>
+                  </a:txBody>
+                  <a:tcPr marL="9525" marR="9525" marT="9525" marB="0" anchor="ctr"/>
+                </a:tc>
+                <a:tc>
+                  <a:txBody>
+                    <a:bodyPr/>
+                    <a:lstStyle/>
+                    <a:p>
+                      <a:pPr algn="ctr" fontAlgn="b"/>
+                      <a:r>
+                        <a:rPr lang="hr-HR" sz="1200" u="none" strike="noStrike" dirty="0">
+                          <a:effectLst/>
+                        </a:rPr>
+                        <a:t>5.2  / Core 1.1</a:t>
+                      </a:r>
+                      <a:endParaRPr lang="hr-HR" sz="1200" b="0" i="0" u="none" strike="noStrike" dirty="0">
+                        <a:solidFill>
+                          <a:srgbClr val="000000"/>
+                        </a:solidFill>
+                        <a:effectLst/>
+                        <a:latin typeface="Calibri" panose="020F0502020204030204" pitchFamily="34" charset="0"/>
+                      </a:endParaRPr>
+                    </a:p>
+                  </a:txBody>
+                  <a:tcPr marL="9525" marR="9525" marT="9525" marB="0" anchor="ctr"/>
+                </a:tc>
+                <a:tc>
+                  <a:txBody>
+                    <a:bodyPr/>
+                    <a:lstStyle/>
+                    <a:p>
+                      <a:pPr algn="ctr" fontAlgn="ctr"/>
+                      <a:r>
+                        <a:rPr lang="hr-HR" sz="1200" u="none" strike="noStrike" dirty="0">
+                          <a:effectLst/>
+                        </a:rPr>
+                        <a:t>2.2 / Core 1.1</a:t>
+                      </a:r>
+                      <a:endParaRPr lang="hr-HR" sz="1200" b="0" i="0" u="none" strike="noStrike" dirty="0">
+                        <a:solidFill>
+                          <a:srgbClr val="000000"/>
+                        </a:solidFill>
+                        <a:effectLst/>
+                        <a:latin typeface="Calibri" panose="020F0502020204030204" pitchFamily="34" charset="0"/>
+                      </a:endParaRPr>
+                    </a:p>
+                  </a:txBody>
+                  <a:tcPr marL="9525" marR="9525" marT="9525" marB="0" anchor="ctr"/>
+                </a:tc>
+                <a:tc>
+                  <a:txBody>
+                    <a:bodyPr/>
+                    <a:lstStyle/>
+                    <a:p>
+                      <a:pPr algn="l" fontAlgn="ctr"/>
+                      <a:r>
+                        <a:rPr lang="hr-HR" sz="1200" u="none" strike="noStrike" dirty="0" err="1">
+                          <a:effectLst/>
+                        </a:rPr>
+                        <a:t>March</a:t>
+                      </a:r>
+                      <a:r>
+                        <a:rPr lang="hr-HR" sz="1200" u="none" strike="noStrike" dirty="0">
+                          <a:effectLst/>
+                        </a:rPr>
+                        <a:t> 2017</a:t>
+                      </a:r>
+                      <a:endParaRPr lang="hr-HR" sz="1200" b="0" i="0" u="none" strike="noStrike" dirty="0">
+                        <a:solidFill>
+                          <a:srgbClr val="000000"/>
+                        </a:solidFill>
+                        <a:effectLst/>
+                        <a:latin typeface="Calibri" panose="020F0502020204030204" pitchFamily="34" charset="0"/>
+                      </a:endParaRPr>
+                    </a:p>
+                  </a:txBody>
+                  <a:tcPr marL="9525" marR="9525" marT="9525" marB="0" anchor="ctr"/>
+                </a:tc>
+              </a:tr>
+            </a:tbl>
+          </a:graphicData>
+        </a:graphic>
+      </p:graphicFrame>
+    </p:spTree>
+    <p:extLst>
+      <p:ext uri="{BB962C8B-B14F-4D97-AF65-F5344CB8AC3E}">
+        <p14:creationId xmlns:p14="http://schemas.microsoft.com/office/powerpoint/2010/main" val="1487291589"/>
+      </p:ext>
+    </p:extLst>
+  </p:cSld>
+  <p:clrMapOvr>
+    <a:masterClrMapping/>
+  </p:clrMapOvr>
+</p:sld>
+</file>
+
+<file path=ppt/slides/slide17.xml><?xml version="1.0" encoding="utf-8"?>
+<p:sld xmlns:a="http://schemas.openxmlformats.org/drawingml/2006/main" xmlns:r="http://schemas.openxmlformats.org/officeDocument/2006/relationships" xmlns:p="http://schemas.openxmlformats.org/presentationml/2006/main">
+  <p:cSld>
+    <p:spTree>
+      <p:nvGrpSpPr>
+        <p:cNvPr id="1" name=""/>
+        <p:cNvGrpSpPr/>
+        <p:nvPr/>
+      </p:nvGrpSpPr>
+      <p:grpSpPr>
+        <a:xfrm>
+          <a:off x="0" y="0"/>
+          <a:ext cx="0" cy="0"/>
+          <a:chOff x="0" y="0"/>
+          <a:chExt cx="0" cy="0"/>
+        </a:xfrm>
+      </p:grpSpPr>
+      <p:sp>
+        <p:nvSpPr>
+          <p:cNvPr id="2" name="Title 1"/>
+          <p:cNvSpPr>
+            <a:spLocks noGrp="1"/>
+          </p:cNvSpPr>
+          <p:nvPr>
+            <p:ph type="title"/>
+          </p:nvPr>
+        </p:nvSpPr>
+        <p:spPr/>
+        <p:txBody>
+          <a:bodyPr/>
+          <a:lstStyle/>
+          <a:p>
+            <a:r>
+              <a:rPr lang="hr-HR" dirty="0" err="1" smtClean="0"/>
+              <a:t>Visual</a:t>
+            </a:r>
+            <a:r>
+              <a:rPr lang="hr-HR" dirty="0" smtClean="0"/>
+              <a:t> Studio </a:t>
+            </a:r>
+            <a:r>
+              <a:rPr lang="hr-HR" dirty="0" err="1" smtClean="0"/>
+              <a:t>Code</a:t>
+            </a:r>
+            <a:endParaRPr lang="hr-HR" dirty="0"/>
+          </a:p>
+        </p:txBody>
+      </p:sp>
+      <p:sp>
+        <p:nvSpPr>
+          <p:cNvPr id="3" name="Content Placeholder 2"/>
+          <p:cNvSpPr>
+            <a:spLocks noGrp="1"/>
+          </p:cNvSpPr>
+          <p:nvPr>
+            <p:ph idx="1"/>
+          </p:nvPr>
+        </p:nvSpPr>
+        <p:spPr/>
+        <p:txBody>
+          <a:bodyPr/>
+          <a:lstStyle/>
+          <a:p>
+            <a:r>
+              <a:rPr lang="hr-HR" dirty="0" smtClean="0"/>
+              <a:t>Slobodan za sve</a:t>
+            </a:r>
+          </a:p>
+          <a:p>
+            <a:r>
+              <a:rPr lang="hr-HR" dirty="0" smtClean="0"/>
+              <a:t>Optimiziran za web i </a:t>
+            </a:r>
+            <a:r>
+              <a:rPr lang="hr-HR" dirty="0" err="1" smtClean="0"/>
+              <a:t>cloud</a:t>
+            </a:r>
+            <a:r>
+              <a:rPr lang="hr-HR" dirty="0" smtClean="0"/>
+              <a:t> aplikacije</a:t>
+            </a:r>
+          </a:p>
+          <a:p>
+            <a:pPr lvl="1"/>
+            <a:r>
+              <a:rPr lang="hr-HR" dirty="0" smtClean="0"/>
+              <a:t>Brži od </a:t>
+            </a:r>
+            <a:r>
+              <a:rPr lang="hr-HR" dirty="0" smtClean="0"/>
+              <a:t>VS-a</a:t>
+            </a:r>
+            <a:endParaRPr lang="hr-HR" dirty="0" smtClean="0"/>
+          </a:p>
+          <a:p>
+            <a:pPr lvl="1"/>
+            <a:r>
+              <a:rPr lang="hr-HR" dirty="0" smtClean="0"/>
+              <a:t>Bolji </a:t>
+            </a:r>
+            <a:r>
+              <a:rPr lang="hr-HR" dirty="0" err="1" smtClean="0"/>
+              <a:t>IntelliSense</a:t>
+            </a:r>
+            <a:endParaRPr lang="hr-HR" dirty="0" smtClean="0"/>
+          </a:p>
+          <a:p>
+            <a:r>
+              <a:rPr lang="hr-HR" dirty="0" smtClean="0"/>
+              <a:t>Podržan na </a:t>
+            </a:r>
+            <a:r>
+              <a:rPr lang="hr-HR" dirty="0"/>
+              <a:t>L</a:t>
+            </a:r>
+            <a:r>
+              <a:rPr lang="hr-HR" dirty="0" smtClean="0"/>
+              <a:t>inuxu </a:t>
+            </a:r>
+            <a:r>
+              <a:rPr lang="hr-HR" dirty="0" smtClean="0"/>
+              <a:t>i </a:t>
+            </a:r>
+            <a:r>
+              <a:rPr lang="hr-HR" dirty="0" err="1" smtClean="0"/>
+              <a:t>MacOsu</a:t>
+            </a:r>
+            <a:endParaRPr lang="hr-HR" dirty="0" smtClean="0"/>
+          </a:p>
+          <a:p>
+            <a:r>
+              <a:rPr lang="hr-HR" dirty="0" smtClean="0"/>
+              <a:t>Ekstenzije</a:t>
+            </a:r>
+          </a:p>
+          <a:p>
+            <a:pPr lvl="1"/>
+            <a:r>
+              <a:rPr lang="hr-HR" dirty="0" smtClean="0"/>
+              <a:t>Trenutačno nije podržana instalacija starijih verzija ekstenzija što ponekad uzrokuje nemogućnost pokretanja ili </a:t>
+            </a:r>
+            <a:r>
+              <a:rPr lang="hr-HR" dirty="0" err="1" smtClean="0"/>
+              <a:t>debugiranja</a:t>
+            </a:r>
+            <a:r>
+              <a:rPr lang="hr-HR" dirty="0" smtClean="0"/>
+              <a:t> aplikacija</a:t>
+            </a:r>
+            <a:endParaRPr lang="hr-HR" dirty="0"/>
+          </a:p>
+        </p:txBody>
+      </p:sp>
+      <p:pic>
+        <p:nvPicPr>
+          <p:cNvPr id="4" name="Picture 3"/>
+          <p:cNvPicPr>
+            <a:picLocks noChangeAspect="1"/>
+          </p:cNvPicPr>
+          <p:nvPr/>
+        </p:nvPicPr>
+        <p:blipFill>
+          <a:blip r:embed="rId2" cstate="print">
+            <a:extLst>
+              <a:ext uri="{28A0092B-C50C-407E-A947-70E740481C1C}">
+                <a14:useLocalDpi xmlns:a14="http://schemas.microsoft.com/office/drawing/2010/main" val="0"/>
+              </a:ext>
+            </a:extLst>
+          </a:blip>
+          <a:stretch>
+            <a:fillRect/>
+          </a:stretch>
+        </p:blipFill>
+        <p:spPr>
+          <a:xfrm>
+            <a:off x="7394293" y="1690688"/>
+            <a:ext cx="3959507" cy="2039648"/>
+          </a:xfrm>
+          <a:prstGeom prst="rect">
+            <a:avLst/>
+          </a:prstGeom>
+        </p:spPr>
+      </p:pic>
+    </p:spTree>
+    <p:extLst>
+      <p:ext uri="{BB962C8B-B14F-4D97-AF65-F5344CB8AC3E}">
+        <p14:creationId xmlns:p14="http://schemas.microsoft.com/office/powerpoint/2010/main" val="3109261388"/>
+      </p:ext>
+    </p:extLst>
+  </p:cSld>
+  <p:clrMapOvr>
+    <a:masterClrMapping/>
+  </p:clrMapOvr>
+</p:sld>
+</file>
+
+<file path=ppt/slides/slide18.xml><?xml version="1.0" encoding="utf-8"?>
+<p:sld xmlns:a="http://schemas.openxmlformats.org/drawingml/2006/main" xmlns:r="http://schemas.openxmlformats.org/officeDocument/2006/relationships" xmlns:p="http://schemas.openxmlformats.org/presentationml/2006/main">
+  <p:cSld>
+    <p:spTree>
+      <p:nvGrpSpPr>
+        <p:cNvPr id="1" name=""/>
+        <p:cNvGrpSpPr/>
+        <p:nvPr/>
+      </p:nvGrpSpPr>
+      <p:grpSpPr>
+        <a:xfrm>
+          <a:off x="0" y="0"/>
+          <a:ext cx="0" cy="0"/>
+          <a:chOff x="0" y="0"/>
+          <a:chExt cx="0" cy="0"/>
+        </a:xfrm>
+      </p:grpSpPr>
+      <p:sp>
+        <p:nvSpPr>
+          <p:cNvPr id="2" name="Title 1"/>
+          <p:cNvSpPr>
+            <a:spLocks noGrp="1"/>
+          </p:cNvSpPr>
+          <p:nvPr>
+            <p:ph type="title"/>
+          </p:nvPr>
+        </p:nvSpPr>
+        <p:spPr/>
+        <p:txBody>
+          <a:bodyPr/>
+          <a:lstStyle/>
+          <a:p>
+            <a:r>
+              <a:rPr lang="hr-HR" dirty="0" smtClean="0"/>
+              <a:t>Podrška za </a:t>
+            </a:r>
+            <a:r>
+              <a:rPr lang="hr-HR" dirty="0" err="1" smtClean="0"/>
+              <a:t>task</a:t>
+            </a:r>
+            <a:r>
+              <a:rPr lang="hr-HR" dirty="0" smtClean="0"/>
+              <a:t> </a:t>
+            </a:r>
+            <a:r>
+              <a:rPr lang="hr-HR" dirty="0" err="1" smtClean="0"/>
+              <a:t>runnere</a:t>
+            </a:r>
+            <a:endParaRPr lang="hr-HR" dirty="0"/>
+          </a:p>
+        </p:txBody>
+      </p:sp>
+      <p:sp>
+        <p:nvSpPr>
+          <p:cNvPr id="3" name="Content Placeholder 2"/>
+          <p:cNvSpPr>
+            <a:spLocks noGrp="1"/>
+          </p:cNvSpPr>
+          <p:nvPr>
+            <p:ph idx="1"/>
+          </p:nvPr>
+        </p:nvSpPr>
+        <p:spPr/>
+        <p:txBody>
+          <a:bodyPr/>
+          <a:lstStyle/>
+          <a:p>
+            <a:r>
+              <a:rPr lang="hr-HR" dirty="0" smtClean="0"/>
+              <a:t>Grunt, </a:t>
+            </a:r>
+            <a:r>
+              <a:rPr lang="hr-HR" dirty="0" err="1" smtClean="0"/>
+              <a:t>Gulp</a:t>
+            </a:r>
+            <a:endParaRPr lang="hr-HR" dirty="0" smtClean="0"/>
+          </a:p>
+          <a:p>
+            <a:pPr lvl="1"/>
+            <a:r>
+              <a:rPr lang="hr-HR" dirty="0" smtClean="0"/>
+              <a:t>Alati za izvršavanje različitih zadataka vezanih uz razvoj:</a:t>
+            </a:r>
+          </a:p>
+          <a:p>
+            <a:pPr lvl="2"/>
+            <a:r>
+              <a:rPr lang="hr-HR" dirty="0" err="1" smtClean="0"/>
+              <a:t>Minifikacija</a:t>
+            </a:r>
+            <a:r>
+              <a:rPr lang="hr-HR" dirty="0" smtClean="0"/>
+              <a:t> datoteka (</a:t>
+            </a:r>
+            <a:r>
+              <a:rPr lang="hr-HR" dirty="0" err="1" smtClean="0"/>
+              <a:t>Javascript</a:t>
+            </a:r>
+            <a:r>
+              <a:rPr lang="hr-HR" dirty="0" smtClean="0"/>
+              <a:t>, CSS)</a:t>
+            </a:r>
+          </a:p>
+          <a:p>
+            <a:pPr lvl="2"/>
+            <a:r>
+              <a:rPr lang="hr-HR" dirty="0" err="1" smtClean="0"/>
+              <a:t>Compile</a:t>
+            </a:r>
+            <a:r>
+              <a:rPr lang="hr-HR" dirty="0" smtClean="0"/>
+              <a:t> i </a:t>
+            </a:r>
+            <a:r>
+              <a:rPr lang="hr-HR" dirty="0" err="1" smtClean="0"/>
+              <a:t>build</a:t>
+            </a:r>
+            <a:r>
+              <a:rPr lang="hr-HR" dirty="0"/>
+              <a:t> </a:t>
+            </a:r>
+            <a:r>
+              <a:rPr lang="hr-HR" dirty="0" smtClean="0"/>
+              <a:t>te </a:t>
+            </a:r>
+            <a:r>
+              <a:rPr lang="hr-HR" dirty="0" err="1" smtClean="0"/>
+              <a:t>reload</a:t>
+            </a:r>
+            <a:r>
+              <a:rPr lang="hr-HR" dirty="0" smtClean="0"/>
+              <a:t> stranice ukoliko ima promjena u izvornom kodu</a:t>
+            </a:r>
+          </a:p>
+          <a:p>
+            <a:pPr lvl="2"/>
+            <a:r>
+              <a:rPr lang="hr-HR" dirty="0" smtClean="0"/>
+              <a:t>Drugi zadaci koje želimo automatizirati</a:t>
+            </a:r>
+          </a:p>
+          <a:p>
+            <a:pPr lvl="1"/>
+            <a:endParaRPr lang="hr-HR" dirty="0" smtClean="0"/>
+          </a:p>
+        </p:txBody>
+      </p:sp>
+      <p:pic>
+        <p:nvPicPr>
+          <p:cNvPr id="4" name="Picture 3"/>
+          <p:cNvPicPr>
+            <a:picLocks noChangeAspect="1"/>
+          </p:cNvPicPr>
+          <p:nvPr/>
+        </p:nvPicPr>
+        <p:blipFill>
+          <a:blip r:embed="rId2"/>
+          <a:stretch>
+            <a:fillRect/>
+          </a:stretch>
+        </p:blipFill>
+        <p:spPr>
+          <a:xfrm>
+            <a:off x="2087706" y="3786187"/>
+            <a:ext cx="7143750" cy="2714625"/>
+          </a:xfrm>
+          <a:prstGeom prst="rect">
+            <a:avLst/>
+          </a:prstGeom>
+        </p:spPr>
+      </p:pic>
+    </p:spTree>
+    <p:extLst>
+      <p:ext uri="{BB962C8B-B14F-4D97-AF65-F5344CB8AC3E}">
+        <p14:creationId xmlns:p14="http://schemas.microsoft.com/office/powerpoint/2010/main" val="3674570170"/>
+      </p:ext>
+    </p:extLst>
+  </p:cSld>
+  <p:clrMapOvr>
+    <a:masterClrMapping/>
+  </p:clrMapOvr>
+</p:sld>
+</file>
+
+<file path=ppt/slides/slide19.xml><?xml version="1.0" encoding="utf-8"?>
+<p:sld xmlns:a="http://schemas.openxmlformats.org/drawingml/2006/main" xmlns:r="http://schemas.openxmlformats.org/officeDocument/2006/relationships" xmlns:p="http://schemas.openxmlformats.org/presentationml/2006/main">
+  <p:cSld>
+    <p:spTree>
+      <p:nvGrpSpPr>
+        <p:cNvPr id="1" name=""/>
+        <p:cNvGrpSpPr/>
+        <p:nvPr/>
+      </p:nvGrpSpPr>
+      <p:grpSpPr>
+        <a:xfrm>
+          <a:off x="0" y="0"/>
+          <a:ext cx="0" cy="0"/>
+          <a:chOff x="0" y="0"/>
+          <a:chExt cx="0" cy="0"/>
+        </a:xfrm>
+      </p:grpSpPr>
+      <p:sp>
+        <p:nvSpPr>
+          <p:cNvPr id="2" name="Title 1"/>
+          <p:cNvSpPr>
+            <a:spLocks noGrp="1"/>
+          </p:cNvSpPr>
+          <p:nvPr>
+            <p:ph type="title"/>
+          </p:nvPr>
+        </p:nvSpPr>
+        <p:spPr/>
+        <p:txBody>
+          <a:bodyPr/>
+          <a:lstStyle/>
+          <a:p>
+            <a:r>
+              <a:rPr lang="hr-HR" dirty="0" smtClean="0"/>
+              <a:t>Podrška </a:t>
+            </a:r>
+            <a:r>
+              <a:rPr lang="hr-HR" dirty="0" smtClean="0"/>
+              <a:t>za </a:t>
+            </a:r>
+            <a:r>
+              <a:rPr lang="hr-HR" dirty="0" err="1" smtClean="0"/>
+              <a:t>package</a:t>
+            </a:r>
+            <a:r>
+              <a:rPr lang="hr-HR" dirty="0" smtClean="0"/>
+              <a:t> </a:t>
+            </a:r>
+            <a:r>
+              <a:rPr lang="hr-HR" dirty="0" smtClean="0"/>
+              <a:t>managere</a:t>
+            </a:r>
+            <a:endParaRPr lang="hr-HR" dirty="0"/>
+          </a:p>
+        </p:txBody>
+      </p:sp>
+      <p:sp>
+        <p:nvSpPr>
+          <p:cNvPr id="3" name="Content Placeholder 2"/>
+          <p:cNvSpPr>
+            <a:spLocks noGrp="1"/>
+          </p:cNvSpPr>
+          <p:nvPr>
+            <p:ph idx="1"/>
+          </p:nvPr>
+        </p:nvSpPr>
+        <p:spPr>
+          <a:xfrm>
+            <a:off x="838200" y="1825625"/>
+            <a:ext cx="4845627" cy="4351338"/>
+          </a:xfrm>
+        </p:spPr>
+        <p:txBody>
+          <a:bodyPr/>
+          <a:lstStyle/>
+          <a:p>
+            <a:r>
+              <a:rPr lang="hr-HR" dirty="0" err="1" smtClean="0"/>
+              <a:t>Npm</a:t>
+            </a:r>
+            <a:r>
+              <a:rPr lang="hr-HR" dirty="0" smtClean="0"/>
+              <a:t>, </a:t>
+            </a:r>
+            <a:r>
+              <a:rPr lang="hr-HR" dirty="0" err="1"/>
+              <a:t>B</a:t>
+            </a:r>
+            <a:r>
+              <a:rPr lang="hr-HR" dirty="0" err="1" smtClean="0"/>
+              <a:t>ower</a:t>
+            </a:r>
+            <a:r>
+              <a:rPr lang="hr-HR" dirty="0" smtClean="0"/>
+              <a:t>, </a:t>
+            </a:r>
+            <a:r>
+              <a:rPr lang="hr-HR" dirty="0" err="1" smtClean="0"/>
+              <a:t>NuGet</a:t>
+            </a:r>
+            <a:endParaRPr lang="hr-HR" dirty="0" smtClean="0"/>
+          </a:p>
+          <a:p>
+            <a:pPr lvl="1"/>
+            <a:r>
+              <a:rPr lang="hr-HR" dirty="0" smtClean="0"/>
+              <a:t>Alati za automatiziranje instalacije, nadogradnje, konfiguracije i brisanja </a:t>
+            </a:r>
+            <a:r>
+              <a:rPr lang="hr-HR" dirty="0" err="1" smtClean="0"/>
+              <a:t>libraryja</a:t>
+            </a:r>
+            <a:r>
+              <a:rPr lang="hr-HR" dirty="0" smtClean="0"/>
+              <a:t> o kojima projekt ovisi </a:t>
+            </a:r>
+            <a:endParaRPr lang="hr-HR" dirty="0" smtClean="0"/>
+          </a:p>
+          <a:p>
+            <a:endParaRPr lang="hr-HR" dirty="0"/>
+          </a:p>
+        </p:txBody>
+      </p:sp>
+      <p:pic>
+        <p:nvPicPr>
+          <p:cNvPr id="4" name="Picture 3"/>
+          <p:cNvPicPr>
+            <a:picLocks noChangeAspect="1"/>
+          </p:cNvPicPr>
+          <p:nvPr/>
+        </p:nvPicPr>
+        <p:blipFill>
+          <a:blip r:embed="rId2"/>
+          <a:stretch>
+            <a:fillRect/>
+          </a:stretch>
+        </p:blipFill>
+        <p:spPr>
+          <a:xfrm>
+            <a:off x="5860473" y="1690687"/>
+            <a:ext cx="5951079" cy="4377603"/>
+          </a:xfrm>
+          <a:prstGeom prst="rect">
+            <a:avLst/>
+          </a:prstGeom>
+        </p:spPr>
+      </p:pic>
+    </p:spTree>
+    <p:extLst>
+      <p:ext uri="{BB962C8B-B14F-4D97-AF65-F5344CB8AC3E}">
+        <p14:creationId xmlns:p14="http://schemas.microsoft.com/office/powerpoint/2010/main" val="2871646884"/>
+      </p:ext>
+    </p:extLst>
+  </p:cSld>
+  <p:clrMapOvr>
+    <a:masterClrMapping/>
+  </p:clrMapOvr>
+</p:sld>
+</file>
+
 <file path=ppt/slides/slide2.xml><?xml version="1.0" encoding="utf-8"?>
 <p:sld xmlns:a="http://schemas.openxmlformats.org/drawingml/2006/main" xmlns:r="http://schemas.openxmlformats.org/officeDocument/2006/relationships" xmlns:p="http://schemas.openxmlformats.org/presentationml/2006/main">
   <p:cSld>
@@ -4698,7 +7924,9 @@
         </p:nvSpPr>
         <p:spPr/>
         <p:txBody>
-          <a:bodyPr/>
+          <a:bodyPr>
+            <a:normAutofit lnSpcReduction="10000"/>
+          </a:bodyPr>
           <a:lstStyle/>
           <a:p>
             <a:r>
@@ -4707,27 +7935,21 @@
             </a:r>
             <a:r>
               <a:rPr lang="hr-HR" dirty="0" smtClean="0"/>
-              <a:t> Studio 97 (</a:t>
-            </a:r>
-            <a:r>
-              <a:rPr lang="hr-HR" dirty="0" smtClean="0"/>
-              <a:t>v5.0 – v6.0)</a:t>
-            </a:r>
-            <a:endParaRPr lang="hr-HR" dirty="0" smtClean="0"/>
+              <a:t> Studio 2008</a:t>
+            </a:r>
           </a:p>
           <a:p>
             <a:pPr lvl="1"/>
             <a:r>
               <a:rPr lang="hr-HR" dirty="0" smtClean="0"/>
-              <a:t>J++, InterDev, C++, </a:t>
-            </a:r>
-            <a:r>
-              <a:rPr lang="hr-HR" dirty="0" err="1" smtClean="0"/>
-              <a:t>Basic</a:t>
-            </a:r>
-            <a:r>
-              <a:rPr lang="hr-HR" dirty="0" smtClean="0"/>
-              <a:t>, FoxPro</a:t>
+              <a:t>.NET Framework 3.5</a:t>
+            </a:r>
+          </a:p>
+          <a:p>
+            <a:pPr lvl="1"/>
+            <a:r>
+              <a:rPr lang="hr-HR" dirty="0" smtClean="0"/>
+              <a:t>WPF, XAML</a:t>
             </a:r>
           </a:p>
           <a:p>
@@ -4737,25 +7959,25 @@
             </a:r>
             <a:r>
               <a:rPr lang="hr-HR" dirty="0" smtClean="0"/>
-              <a:t> Studio .NET (2002)</a:t>
+              <a:t> Studio 2012</a:t>
             </a:r>
           </a:p>
           <a:p>
             <a:pPr lvl="1"/>
             <a:r>
               <a:rPr lang="hr-HR" dirty="0" smtClean="0"/>
-              <a:t>.NET Framework 1.0</a:t>
+              <a:t>.NET Framework 4.5</a:t>
             </a:r>
           </a:p>
           <a:p>
             <a:pPr lvl="1"/>
             <a:r>
               <a:rPr lang="hr-HR" dirty="0" err="1" smtClean="0"/>
-              <a:t>Basic</a:t>
-            </a:r>
-            <a:r>
-              <a:rPr lang="hr-HR" dirty="0" smtClean="0"/>
-              <a:t> .NET, C#</a:t>
+              <a:t>Source</a:t>
+            </a:r>
+            <a:r>
+              <a:rPr lang="hr-HR" dirty="0" smtClean="0"/>
+              <a:t> kod narastao na 50 000 000 linija koda</a:t>
             </a:r>
           </a:p>
           <a:p>
@@ -4765,39 +7987,48 @@
             </a:r>
             <a:r>
               <a:rPr lang="hr-HR" dirty="0" smtClean="0"/>
-              <a:t> Studio 2005</a:t>
+              <a:t> Studio 2015</a:t>
             </a:r>
           </a:p>
           <a:p>
             <a:pPr lvl="1"/>
             <a:r>
               <a:rPr lang="hr-HR" dirty="0" smtClean="0"/>
-              <a:t>.NET Framework 2.0/3.0</a:t>
+              <a:t>.</a:t>
+            </a:r>
+            <a:r>
+              <a:rPr lang="hr-HR" dirty="0" err="1" smtClean="0"/>
+              <a:t>Net</a:t>
+            </a:r>
+            <a:r>
+              <a:rPr lang="hr-HR" dirty="0" smtClean="0"/>
+              <a:t> Core 1.0</a:t>
+            </a:r>
+          </a:p>
+          <a:p>
+            <a:r>
+              <a:rPr lang="hr-HR" dirty="0" err="1" smtClean="0"/>
+              <a:t>Visual</a:t>
+            </a:r>
+            <a:r>
+              <a:rPr lang="hr-HR" dirty="0" smtClean="0"/>
+              <a:t> Studio 2017</a:t>
             </a:r>
           </a:p>
           <a:p>
             <a:pPr lvl="1"/>
             <a:r>
               <a:rPr lang="hr-HR" dirty="0" smtClean="0"/>
-              <a:t>64-bit </a:t>
+              <a:t>Minimalna verzija .NET </a:t>
             </a:r>
             <a:r>
               <a:rPr lang="hr-HR" dirty="0" err="1" smtClean="0"/>
-              <a:t>support</a:t>
-            </a:r>
-            <a:endParaRPr lang="hr-HR" dirty="0" smtClean="0"/>
-          </a:p>
-          <a:p>
-            <a:pPr lvl="1"/>
-            <a:r>
-              <a:rPr lang="hr-HR" dirty="0" smtClean="0"/>
-              <a:t>Automatski </a:t>
-            </a:r>
-            <a:r>
-              <a:rPr lang="hr-HR" dirty="0" err="1" smtClean="0"/>
-              <a:t>IntelliSense</a:t>
-            </a:r>
-            <a:endParaRPr lang="hr-HR" dirty="0" smtClean="0"/>
+              <a:t>Frameworka</a:t>
+            </a:r>
+            <a:r>
+              <a:rPr lang="hr-HR" dirty="0" smtClean="0"/>
+              <a:t> 3.5</a:t>
+            </a:r>
           </a:p>
           <a:p>
             <a:pPr lvl="1"/>
@@ -4805,23 +8036,45 @@
           </a:p>
         </p:txBody>
       </p:sp>
+      <p:pic>
+        <p:nvPicPr>
+          <p:cNvPr id="4" name="Picture 3"/>
+          <p:cNvPicPr>
+            <a:picLocks noChangeAspect="1"/>
+          </p:cNvPicPr>
+          <p:nvPr/>
+        </p:nvPicPr>
+        <p:blipFill rotWithShape="1">
+          <a:blip r:embed="rId2">
+            <a:extLst>
+              <a:ext uri="{28A0092B-C50C-407E-A947-70E740481C1C}">
+                <a14:useLocalDpi xmlns:a14="http://schemas.microsoft.com/office/drawing/2010/main" val="0"/>
+              </a:ext>
+            </a:extLst>
+          </a:blip>
+          <a:srcRect t="26993" b="21794"/>
+          <a:stretch/>
+        </p:blipFill>
+        <p:spPr>
+          <a:xfrm>
+            <a:off x="4672447" y="270163"/>
+            <a:ext cx="6858000" cy="1756065"/>
+          </a:xfrm>
+          <a:prstGeom prst="rect">
+            <a:avLst/>
+          </a:prstGeom>
+        </p:spPr>
+      </p:pic>
     </p:spTree>
     <p:extLst>
       <p:ext uri="{BB962C8B-B14F-4D97-AF65-F5344CB8AC3E}">
-        <p14:creationId xmlns:p14="http://schemas.microsoft.com/office/powerpoint/2010/main" val="1191203112"/>
+        <p14:creationId xmlns:p14="http://schemas.microsoft.com/office/powerpoint/2010/main" val="1999145871"/>
       </p:ext>
     </p:extLst>
   </p:cSld>
   <p:clrMapOvr>
     <a:masterClrMapping/>
   </p:clrMapOvr>
-  <p:timing>
-    <p:tnLst>
-      <p:par>
-        <p:cTn id="1" dur="indefinite" restart="never" nodeType="tmRoot"/>
-      </p:par>
-    </p:tnLst>
-  </p:timing>
 </p:sld>
 </file>
 
@@ -4858,16 +8111,16 @@
           <a:lstStyle/>
           <a:p>
             <a:r>
-              <a:rPr lang="hr-HR" dirty="0" err="1"/>
+              <a:rPr lang="hr-HR" dirty="0" err="1" smtClean="0"/>
               <a:t>Visual</a:t>
             </a:r>
             <a:r>
-              <a:rPr lang="hr-HR" dirty="0"/>
-              <a:t> </a:t>
-            </a:r>
-            <a:r>
-              <a:rPr lang="hr-HR" dirty="0" smtClean="0"/>
-              <a:t>Studio</a:t>
+              <a:rPr lang="hr-HR" dirty="0" smtClean="0"/>
+              <a:t> Studio 2017 </a:t>
+            </a:r>
+            <a:r>
+              <a:rPr lang="hr-HR" dirty="0" err="1" smtClean="0"/>
+              <a:t>Community</a:t>
             </a:r>
             <a:endParaRPr lang="hr-HR" dirty="0"/>
           </a:p>
@@ -4891,116 +8144,474 @@
           <a:lstStyle/>
           <a:p>
             <a:r>
+              <a:rPr lang="hr-HR" dirty="0" smtClean="0"/>
+              <a:t>Potpuno slobodan za pojedince</a:t>
+            </a:r>
+          </a:p>
+          <a:p>
+            <a:r>
+              <a:rPr lang="hr-HR" dirty="0" smtClean="0"/>
+              <a:t>Za organizacije:</a:t>
+            </a:r>
+          </a:p>
+          <a:p>
+            <a:pPr lvl="1"/>
+            <a:r>
+              <a:rPr lang="hr-HR" dirty="0" smtClean="0"/>
+              <a:t>Slobodan za razvoj aplikacija pod OSI </a:t>
+            </a:r>
+            <a:r>
               <a:rPr lang="hr-HR" dirty="0" err="1" smtClean="0"/>
-              <a:t>Visual</a:t>
-            </a:r>
-            <a:r>
-              <a:rPr lang="hr-HR" dirty="0" smtClean="0"/>
-              <a:t> Studio 2008</a:t>
-            </a:r>
-          </a:p>
-          <a:p>
-            <a:pPr lvl="1"/>
-            <a:r>
-              <a:rPr lang="hr-HR" dirty="0" smtClean="0"/>
-              <a:t>.NET Framework 3.5</a:t>
-            </a:r>
-          </a:p>
-          <a:p>
-            <a:pPr lvl="1"/>
-            <a:r>
-              <a:rPr lang="hr-HR" dirty="0" smtClean="0"/>
-              <a:t>WPF, XAML</a:t>
-            </a:r>
-          </a:p>
-          <a:p>
+              <a:t>open</a:t>
+            </a:r>
+            <a:r>
+              <a:rPr lang="hr-HR" dirty="0" smtClean="0"/>
+              <a:t> </a:t>
+            </a:r>
             <a:r>
               <a:rPr lang="hr-HR" dirty="0" err="1" smtClean="0"/>
-              <a:t>Visual</a:t>
-            </a:r>
-            <a:r>
-              <a:rPr lang="hr-HR" dirty="0" smtClean="0"/>
-              <a:t> Studio 2012</a:t>
-            </a:r>
-          </a:p>
-          <a:p>
-            <a:pPr lvl="1"/>
-            <a:r>
-              <a:rPr lang="hr-HR" dirty="0" smtClean="0"/>
-              <a:t>.NET Framework 4.5</a:t>
-            </a:r>
-          </a:p>
-          <a:p>
-            <a:pPr lvl="1"/>
-            <a:r>
-              <a:rPr lang="hr-HR" dirty="0" err="1" smtClean="0"/>
-              <a:t>Source</a:t>
-            </a:r>
-            <a:r>
-              <a:rPr lang="hr-HR" dirty="0" smtClean="0"/>
-              <a:t> kod narastao na 50 000 000 linija koda</a:t>
-            </a:r>
-          </a:p>
-          <a:p>
-            <a:r>
-              <a:rPr lang="hr-HR" dirty="0" err="1" smtClean="0"/>
-              <a:t>Visual</a:t>
-            </a:r>
-            <a:r>
-              <a:rPr lang="hr-HR" dirty="0" smtClean="0"/>
-              <a:t> Studio 2015</a:t>
-            </a:r>
-          </a:p>
-          <a:p>
-            <a:pPr lvl="1"/>
-            <a:r>
-              <a:rPr lang="hr-HR" dirty="0" smtClean="0"/>
-              <a:t>.</a:t>
-            </a:r>
-            <a:r>
-              <a:rPr lang="hr-HR" dirty="0" err="1" smtClean="0"/>
-              <a:t>Net</a:t>
-            </a:r>
-            <a:r>
-              <a:rPr lang="hr-HR" dirty="0" smtClean="0"/>
-              <a:t> Core 1.0</a:t>
-            </a:r>
-          </a:p>
-          <a:p>
-            <a:r>
-              <a:rPr lang="hr-HR" dirty="0" err="1" smtClean="0"/>
-              <a:t>Visual</a:t>
-            </a:r>
-            <a:r>
-              <a:rPr lang="hr-HR" dirty="0" smtClean="0"/>
-              <a:t> Studio 2017</a:t>
-            </a:r>
-          </a:p>
-          <a:p>
-            <a:pPr lvl="1"/>
-            <a:r>
-              <a:rPr lang="hr-HR" dirty="0" smtClean="0"/>
-              <a:t>Minimalna verzija .NET </a:t>
-            </a:r>
-            <a:r>
-              <a:rPr lang="hr-HR" dirty="0" err="1" smtClean="0"/>
-              <a:t>Frameworka</a:t>
-            </a:r>
-            <a:r>
-              <a:rPr lang="hr-HR" dirty="0" smtClean="0"/>
-              <a:t> 3.5</a:t>
-            </a:r>
-          </a:p>
-          <a:p>
-            <a:pPr lvl="1"/>
-            <a:endParaRPr lang="hr-HR" dirty="0" smtClean="0"/>
+              <a:t>source</a:t>
+            </a:r>
+            <a:r>
+              <a:rPr lang="hr-HR" dirty="0" smtClean="0"/>
+              <a:t> licencama:</a:t>
+            </a:r>
+          </a:p>
+          <a:p>
+            <a:pPr lvl="2"/>
+            <a:r>
+              <a:rPr lang="hr-HR" dirty="0">
+                <a:cs typeface="Aldhabi" panose="01000000000000000000" pitchFamily="2" charset="-78"/>
+                <a:hlinkClick r:id="rId2"/>
+              </a:rPr>
+              <a:t>Apache </a:t>
+            </a:r>
+            <a:r>
+              <a:rPr lang="hr-HR" dirty="0" err="1">
+                <a:cs typeface="Aldhabi" panose="01000000000000000000" pitchFamily="2" charset="-78"/>
+                <a:hlinkClick r:id="rId2"/>
+              </a:rPr>
+              <a:t>License</a:t>
+            </a:r>
+            <a:r>
+              <a:rPr lang="hr-HR" dirty="0">
+                <a:cs typeface="Aldhabi" panose="01000000000000000000" pitchFamily="2" charset="-78"/>
+                <a:hlinkClick r:id="rId2"/>
+              </a:rPr>
+              <a:t> 2.0</a:t>
+            </a:r>
+            <a:endParaRPr lang="hr-HR" dirty="0">
+              <a:cs typeface="Aldhabi" panose="01000000000000000000" pitchFamily="2" charset="-78"/>
+            </a:endParaRPr>
+          </a:p>
+          <a:p>
+            <a:pPr lvl="2"/>
+            <a:r>
+              <a:rPr lang="hr-HR" dirty="0">
+                <a:cs typeface="Aldhabi" panose="01000000000000000000" pitchFamily="2" charset="-78"/>
+                <a:hlinkClick r:id="rId3"/>
+              </a:rPr>
+              <a:t>BSD 3-Clause "New" </a:t>
+            </a:r>
+            <a:r>
+              <a:rPr lang="hr-HR" dirty="0" err="1">
+                <a:cs typeface="Aldhabi" panose="01000000000000000000" pitchFamily="2" charset="-78"/>
+                <a:hlinkClick r:id="rId3"/>
+              </a:rPr>
+              <a:t>or</a:t>
+            </a:r>
+            <a:r>
+              <a:rPr lang="hr-HR" dirty="0">
+                <a:cs typeface="Aldhabi" panose="01000000000000000000" pitchFamily="2" charset="-78"/>
+                <a:hlinkClick r:id="rId3"/>
+              </a:rPr>
+              <a:t> "</a:t>
+            </a:r>
+            <a:r>
+              <a:rPr lang="hr-HR" dirty="0" err="1">
+                <a:cs typeface="Aldhabi" panose="01000000000000000000" pitchFamily="2" charset="-78"/>
+                <a:hlinkClick r:id="rId3"/>
+              </a:rPr>
+              <a:t>Revised</a:t>
+            </a:r>
+            <a:r>
+              <a:rPr lang="hr-HR" dirty="0">
+                <a:cs typeface="Aldhabi" panose="01000000000000000000" pitchFamily="2" charset="-78"/>
+                <a:hlinkClick r:id="rId3"/>
+              </a:rPr>
+              <a:t>" </a:t>
+            </a:r>
+            <a:r>
+              <a:rPr lang="hr-HR" dirty="0" err="1">
+                <a:cs typeface="Aldhabi" panose="01000000000000000000" pitchFamily="2" charset="-78"/>
+                <a:hlinkClick r:id="rId3"/>
+              </a:rPr>
+              <a:t>license</a:t>
+            </a:r>
+            <a:endParaRPr lang="hr-HR" dirty="0">
+              <a:cs typeface="Aldhabi" panose="01000000000000000000" pitchFamily="2" charset="-78"/>
+            </a:endParaRPr>
+          </a:p>
+          <a:p>
+            <a:pPr lvl="2"/>
+            <a:r>
+              <a:rPr lang="hr-HR" dirty="0">
+                <a:cs typeface="Aldhabi" panose="01000000000000000000" pitchFamily="2" charset="-78"/>
+                <a:hlinkClick r:id="rId4"/>
+              </a:rPr>
+              <a:t>BSD 2-Clause "</a:t>
+            </a:r>
+            <a:r>
+              <a:rPr lang="hr-HR" dirty="0" err="1">
+                <a:cs typeface="Aldhabi" panose="01000000000000000000" pitchFamily="2" charset="-78"/>
+                <a:hlinkClick r:id="rId4"/>
+              </a:rPr>
+              <a:t>Simplified</a:t>
+            </a:r>
+            <a:r>
+              <a:rPr lang="hr-HR" dirty="0">
+                <a:cs typeface="Aldhabi" panose="01000000000000000000" pitchFamily="2" charset="-78"/>
+                <a:hlinkClick r:id="rId4"/>
+              </a:rPr>
+              <a:t>" </a:t>
+            </a:r>
+            <a:r>
+              <a:rPr lang="hr-HR" dirty="0" err="1">
+                <a:cs typeface="Aldhabi" panose="01000000000000000000" pitchFamily="2" charset="-78"/>
+                <a:hlinkClick r:id="rId4"/>
+              </a:rPr>
+              <a:t>or</a:t>
+            </a:r>
+            <a:r>
+              <a:rPr lang="hr-HR" dirty="0">
+                <a:cs typeface="Aldhabi" panose="01000000000000000000" pitchFamily="2" charset="-78"/>
+                <a:hlinkClick r:id="rId4"/>
+              </a:rPr>
+              <a:t> "</a:t>
+            </a:r>
+            <a:r>
+              <a:rPr lang="hr-HR" dirty="0" err="1">
+                <a:cs typeface="Aldhabi" panose="01000000000000000000" pitchFamily="2" charset="-78"/>
+                <a:hlinkClick r:id="rId4"/>
+              </a:rPr>
+              <a:t>FreeBSD</a:t>
+            </a:r>
+            <a:r>
+              <a:rPr lang="hr-HR" dirty="0">
+                <a:cs typeface="Aldhabi" panose="01000000000000000000" pitchFamily="2" charset="-78"/>
+                <a:hlinkClick r:id="rId4"/>
+              </a:rPr>
+              <a:t>" </a:t>
+            </a:r>
+            <a:r>
+              <a:rPr lang="hr-HR" dirty="0" err="1">
+                <a:cs typeface="Aldhabi" panose="01000000000000000000" pitchFamily="2" charset="-78"/>
+                <a:hlinkClick r:id="rId4"/>
+              </a:rPr>
+              <a:t>license</a:t>
+            </a:r>
+            <a:endParaRPr lang="hr-HR" dirty="0">
+              <a:cs typeface="Aldhabi" panose="01000000000000000000" pitchFamily="2" charset="-78"/>
+            </a:endParaRPr>
+          </a:p>
+          <a:p>
+            <a:pPr lvl="2"/>
+            <a:r>
+              <a:rPr lang="hr-HR" dirty="0">
+                <a:cs typeface="Aldhabi" panose="01000000000000000000" pitchFamily="2" charset="-78"/>
+                <a:hlinkClick r:id="rId5"/>
+              </a:rPr>
+              <a:t>GNU General </a:t>
+            </a:r>
+            <a:r>
+              <a:rPr lang="hr-HR" dirty="0" err="1">
+                <a:cs typeface="Aldhabi" panose="01000000000000000000" pitchFamily="2" charset="-78"/>
+                <a:hlinkClick r:id="rId5"/>
+              </a:rPr>
+              <a:t>Public</a:t>
+            </a:r>
+            <a:r>
+              <a:rPr lang="hr-HR" dirty="0">
+                <a:cs typeface="Aldhabi" panose="01000000000000000000" pitchFamily="2" charset="-78"/>
+                <a:hlinkClick r:id="rId5"/>
+              </a:rPr>
+              <a:t> </a:t>
+            </a:r>
+            <a:r>
+              <a:rPr lang="hr-HR" dirty="0" err="1">
+                <a:cs typeface="Aldhabi" panose="01000000000000000000" pitchFamily="2" charset="-78"/>
+                <a:hlinkClick r:id="rId5"/>
+              </a:rPr>
+              <a:t>License</a:t>
+            </a:r>
+            <a:r>
+              <a:rPr lang="hr-HR" dirty="0">
+                <a:cs typeface="Aldhabi" panose="01000000000000000000" pitchFamily="2" charset="-78"/>
+                <a:hlinkClick r:id="rId5"/>
+              </a:rPr>
+              <a:t> (GPL)</a:t>
+            </a:r>
+            <a:endParaRPr lang="hr-HR" dirty="0">
+              <a:cs typeface="Aldhabi" panose="01000000000000000000" pitchFamily="2" charset="-78"/>
+            </a:endParaRPr>
+          </a:p>
+          <a:p>
+            <a:pPr lvl="2"/>
+            <a:r>
+              <a:rPr lang="hr-HR" dirty="0">
+                <a:cs typeface="Aldhabi" panose="01000000000000000000" pitchFamily="2" charset="-78"/>
+                <a:hlinkClick r:id="rId6"/>
+              </a:rPr>
+              <a:t>GNU </a:t>
+            </a:r>
+            <a:r>
+              <a:rPr lang="hr-HR" dirty="0" err="1">
+                <a:cs typeface="Aldhabi" panose="01000000000000000000" pitchFamily="2" charset="-78"/>
+                <a:hlinkClick r:id="rId6"/>
+              </a:rPr>
+              <a:t>Library</a:t>
+            </a:r>
+            <a:r>
+              <a:rPr lang="hr-HR" dirty="0">
+                <a:cs typeface="Aldhabi" panose="01000000000000000000" pitchFamily="2" charset="-78"/>
+                <a:hlinkClick r:id="rId6"/>
+              </a:rPr>
+              <a:t> </a:t>
+            </a:r>
+            <a:r>
+              <a:rPr lang="hr-HR" dirty="0" err="1">
+                <a:cs typeface="Aldhabi" panose="01000000000000000000" pitchFamily="2" charset="-78"/>
+                <a:hlinkClick r:id="rId6"/>
+              </a:rPr>
+              <a:t>or</a:t>
+            </a:r>
+            <a:r>
+              <a:rPr lang="hr-HR" dirty="0">
+                <a:cs typeface="Aldhabi" panose="01000000000000000000" pitchFamily="2" charset="-78"/>
+                <a:hlinkClick r:id="rId6"/>
+              </a:rPr>
+              <a:t> "</a:t>
+            </a:r>
+            <a:r>
+              <a:rPr lang="hr-HR" dirty="0" err="1">
+                <a:cs typeface="Aldhabi" panose="01000000000000000000" pitchFamily="2" charset="-78"/>
+                <a:hlinkClick r:id="rId6"/>
+              </a:rPr>
+              <a:t>Lesser</a:t>
+            </a:r>
+            <a:r>
+              <a:rPr lang="hr-HR" dirty="0">
+                <a:cs typeface="Aldhabi" panose="01000000000000000000" pitchFamily="2" charset="-78"/>
+                <a:hlinkClick r:id="rId6"/>
+              </a:rPr>
+              <a:t>" General </a:t>
+            </a:r>
+            <a:r>
+              <a:rPr lang="hr-HR" dirty="0" err="1">
+                <a:cs typeface="Aldhabi" panose="01000000000000000000" pitchFamily="2" charset="-78"/>
+                <a:hlinkClick r:id="rId6"/>
+              </a:rPr>
+              <a:t>Public</a:t>
+            </a:r>
+            <a:r>
+              <a:rPr lang="hr-HR" dirty="0">
+                <a:cs typeface="Aldhabi" panose="01000000000000000000" pitchFamily="2" charset="-78"/>
+                <a:hlinkClick r:id="rId6"/>
+              </a:rPr>
+              <a:t> </a:t>
+            </a:r>
+            <a:r>
+              <a:rPr lang="hr-HR" dirty="0" err="1">
+                <a:cs typeface="Aldhabi" panose="01000000000000000000" pitchFamily="2" charset="-78"/>
+                <a:hlinkClick r:id="rId6"/>
+              </a:rPr>
+              <a:t>License</a:t>
+            </a:r>
+            <a:r>
+              <a:rPr lang="hr-HR" dirty="0">
+                <a:cs typeface="Aldhabi" panose="01000000000000000000" pitchFamily="2" charset="-78"/>
+                <a:hlinkClick r:id="rId6"/>
+              </a:rPr>
+              <a:t> (LGPL)</a:t>
+            </a:r>
+            <a:endParaRPr lang="hr-HR" dirty="0">
+              <a:cs typeface="Aldhabi" panose="01000000000000000000" pitchFamily="2" charset="-78"/>
+            </a:endParaRPr>
+          </a:p>
+          <a:p>
+            <a:pPr lvl="2"/>
+            <a:r>
+              <a:rPr lang="hr-HR" dirty="0">
+                <a:cs typeface="Aldhabi" panose="01000000000000000000" pitchFamily="2" charset="-78"/>
+                <a:hlinkClick r:id="rId7"/>
+              </a:rPr>
+              <a:t>MIT </a:t>
+            </a:r>
+            <a:r>
+              <a:rPr lang="hr-HR" dirty="0" err="1">
+                <a:cs typeface="Aldhabi" panose="01000000000000000000" pitchFamily="2" charset="-78"/>
+                <a:hlinkClick r:id="rId7"/>
+              </a:rPr>
+              <a:t>license</a:t>
+            </a:r>
+            <a:endParaRPr lang="hr-HR" dirty="0">
+              <a:cs typeface="Aldhabi" panose="01000000000000000000" pitchFamily="2" charset="-78"/>
+            </a:endParaRPr>
+          </a:p>
+          <a:p>
+            <a:pPr lvl="2"/>
+            <a:r>
+              <a:rPr lang="hr-HR" dirty="0" err="1">
+                <a:cs typeface="Aldhabi" panose="01000000000000000000" pitchFamily="2" charset="-78"/>
+                <a:hlinkClick r:id="rId8"/>
+              </a:rPr>
+              <a:t>Mozilla</a:t>
+            </a:r>
+            <a:r>
+              <a:rPr lang="hr-HR" dirty="0">
+                <a:cs typeface="Aldhabi" panose="01000000000000000000" pitchFamily="2" charset="-78"/>
+                <a:hlinkClick r:id="rId8"/>
+              </a:rPr>
+              <a:t> </a:t>
+            </a:r>
+            <a:r>
+              <a:rPr lang="hr-HR" dirty="0" err="1">
+                <a:cs typeface="Aldhabi" panose="01000000000000000000" pitchFamily="2" charset="-78"/>
+                <a:hlinkClick r:id="rId8"/>
+              </a:rPr>
+              <a:t>Public</a:t>
+            </a:r>
+            <a:r>
+              <a:rPr lang="hr-HR" dirty="0">
+                <a:cs typeface="Aldhabi" panose="01000000000000000000" pitchFamily="2" charset="-78"/>
+                <a:hlinkClick r:id="rId8"/>
+              </a:rPr>
+              <a:t> </a:t>
+            </a:r>
+            <a:r>
+              <a:rPr lang="hr-HR" dirty="0" err="1">
+                <a:cs typeface="Aldhabi" panose="01000000000000000000" pitchFamily="2" charset="-78"/>
+                <a:hlinkClick r:id="rId8"/>
+              </a:rPr>
+              <a:t>License</a:t>
+            </a:r>
+            <a:r>
+              <a:rPr lang="hr-HR" dirty="0">
+                <a:cs typeface="Aldhabi" panose="01000000000000000000" pitchFamily="2" charset="-78"/>
+                <a:hlinkClick r:id="rId8"/>
+              </a:rPr>
+              <a:t> 2.0</a:t>
+            </a:r>
+            <a:endParaRPr lang="hr-HR" dirty="0">
+              <a:cs typeface="Aldhabi" panose="01000000000000000000" pitchFamily="2" charset="-78"/>
+            </a:endParaRPr>
+          </a:p>
+          <a:p>
+            <a:pPr lvl="2"/>
+            <a:r>
+              <a:rPr lang="hr-HR" dirty="0" err="1">
+                <a:cs typeface="Aldhabi" panose="01000000000000000000" pitchFamily="2" charset="-78"/>
+                <a:hlinkClick r:id="rId9"/>
+              </a:rPr>
+              <a:t>Common</a:t>
+            </a:r>
+            <a:r>
+              <a:rPr lang="hr-HR" dirty="0">
+                <a:cs typeface="Aldhabi" panose="01000000000000000000" pitchFamily="2" charset="-78"/>
+                <a:hlinkClick r:id="rId9"/>
+              </a:rPr>
+              <a:t> Development </a:t>
+            </a:r>
+            <a:r>
+              <a:rPr lang="hr-HR" dirty="0" err="1">
+                <a:cs typeface="Aldhabi" panose="01000000000000000000" pitchFamily="2" charset="-78"/>
+                <a:hlinkClick r:id="rId9"/>
+              </a:rPr>
+              <a:t>and</a:t>
+            </a:r>
+            <a:r>
+              <a:rPr lang="hr-HR" dirty="0">
+                <a:cs typeface="Aldhabi" panose="01000000000000000000" pitchFamily="2" charset="-78"/>
+                <a:hlinkClick r:id="rId9"/>
+              </a:rPr>
+              <a:t> </a:t>
+            </a:r>
+            <a:r>
+              <a:rPr lang="hr-HR" dirty="0" err="1">
+                <a:cs typeface="Aldhabi" panose="01000000000000000000" pitchFamily="2" charset="-78"/>
+                <a:hlinkClick r:id="rId9"/>
+              </a:rPr>
+              <a:t>Distribution</a:t>
+            </a:r>
+            <a:r>
+              <a:rPr lang="hr-HR" dirty="0">
+                <a:cs typeface="Aldhabi" panose="01000000000000000000" pitchFamily="2" charset="-78"/>
+                <a:hlinkClick r:id="rId9"/>
+              </a:rPr>
+              <a:t> </a:t>
+            </a:r>
+            <a:r>
+              <a:rPr lang="hr-HR" dirty="0" err="1">
+                <a:cs typeface="Aldhabi" panose="01000000000000000000" pitchFamily="2" charset="-78"/>
+                <a:hlinkClick r:id="rId9"/>
+              </a:rPr>
+              <a:t>License</a:t>
+            </a:r>
+            <a:endParaRPr lang="hr-HR" dirty="0">
+              <a:cs typeface="Aldhabi" panose="01000000000000000000" pitchFamily="2" charset="-78"/>
+            </a:endParaRPr>
+          </a:p>
+          <a:p>
+            <a:pPr lvl="2"/>
+            <a:r>
+              <a:rPr lang="hr-HR" dirty="0" err="1">
+                <a:cs typeface="Aldhabi" panose="01000000000000000000" pitchFamily="2" charset="-78"/>
+                <a:hlinkClick r:id="rId10"/>
+              </a:rPr>
+              <a:t>Eclipse</a:t>
+            </a:r>
+            <a:r>
+              <a:rPr lang="hr-HR" dirty="0">
+                <a:cs typeface="Aldhabi" panose="01000000000000000000" pitchFamily="2" charset="-78"/>
+                <a:hlinkClick r:id="rId10"/>
+              </a:rPr>
+              <a:t> </a:t>
+            </a:r>
+            <a:r>
+              <a:rPr lang="hr-HR" dirty="0" err="1">
+                <a:cs typeface="Aldhabi" panose="01000000000000000000" pitchFamily="2" charset="-78"/>
+                <a:hlinkClick r:id="rId10"/>
+              </a:rPr>
+              <a:t>Public</a:t>
+            </a:r>
+            <a:r>
+              <a:rPr lang="hr-HR" dirty="0">
+                <a:cs typeface="Aldhabi" panose="01000000000000000000" pitchFamily="2" charset="-78"/>
+                <a:hlinkClick r:id="rId10"/>
+              </a:rPr>
+              <a:t> </a:t>
+            </a:r>
+            <a:r>
+              <a:rPr lang="hr-HR" dirty="0" err="1">
+                <a:cs typeface="Aldhabi" panose="01000000000000000000" pitchFamily="2" charset="-78"/>
+                <a:hlinkClick r:id="rId10"/>
+              </a:rPr>
+              <a:t>License</a:t>
+            </a:r>
+            <a:endParaRPr lang="hr-HR" dirty="0">
+              <a:cs typeface="Aldhabi" panose="01000000000000000000" pitchFamily="2" charset="-78"/>
+            </a:endParaRPr>
+          </a:p>
+          <a:p>
+            <a:pPr lvl="2"/>
+            <a:endParaRPr lang="hr-HR" dirty="0"/>
           </a:p>
         </p:txBody>
       </p:sp>
     </p:spTree>
     <p:extLst>
       <p:ext uri="{BB962C8B-B14F-4D97-AF65-F5344CB8AC3E}">
-        <p14:creationId xmlns:p14="http://schemas.microsoft.com/office/powerpoint/2010/main" val="1999145871"/>
+        <p14:creationId xmlns:p14="http://schemas.microsoft.com/office/powerpoint/2010/main" val="2865199503"/>
       </p:ext>
     </p:extLst>
   </p:cSld>
@@ -5071,18 +8682,12 @@
         <p:spPr/>
         <p:txBody>
           <a:bodyPr>
-            <a:normAutofit lnSpcReduction="10000"/>
+            <a:normAutofit/>
           </a:bodyPr>
           <a:lstStyle/>
           <a:p>
             <a:r>
               <a:rPr lang="hr-HR" dirty="0" smtClean="0"/>
-              <a:t>Potpuno slobodan za pojedince</a:t>
-            </a:r>
-          </a:p>
-          <a:p>
-            <a:r>
-              <a:rPr lang="hr-HR" dirty="0" smtClean="0"/>
               <a:t>Za organizacije:</a:t>
             </a:r>
           </a:p>
@@ -5090,452 +8695,48 @@
             <a:pPr lvl="1"/>
             <a:r>
               <a:rPr lang="hr-HR" dirty="0" smtClean="0"/>
-              <a:t>Slobodan za razvoj aplikacija pod OSI </a:t>
-            </a:r>
-            <a:r>
-              <a:rPr lang="hr-HR" dirty="0" err="1" smtClean="0"/>
-              <a:t>open</a:t>
-            </a:r>
-            <a:r>
-              <a:rPr lang="hr-HR" dirty="0" smtClean="0"/>
-              <a:t> </a:t>
-            </a:r>
-            <a:r>
-              <a:rPr lang="hr-HR" dirty="0" err="1" smtClean="0"/>
-              <a:t>source</a:t>
-            </a:r>
-            <a:r>
-              <a:rPr lang="hr-HR" dirty="0" smtClean="0"/>
-              <a:t> licencama:</a:t>
+              <a:t>Slobodan u svrhe edukacije i akademskog istraživanja</a:t>
+            </a:r>
+          </a:p>
+          <a:p>
+            <a:pPr lvl="1"/>
+            <a:r>
+              <a:rPr lang="hr-HR" dirty="0" smtClean="0"/>
+              <a:t>Slobodan za razvoj ekstenzija za VS</a:t>
+            </a:r>
+          </a:p>
+          <a:p>
+            <a:pPr lvl="1"/>
+            <a:r>
+              <a:rPr lang="hr-HR" dirty="0" smtClean="0"/>
+              <a:t>Slobodan za 5 korisnika za razvoj komercijalnih aplikacija ukoliko tvrtka ima:</a:t>
             </a:r>
           </a:p>
           <a:p>
             <a:pPr lvl="2"/>
             <a:r>
-              <a:rPr lang="hr-HR" dirty="0">
-                <a:cs typeface="Aldhabi" panose="01000000000000000000" pitchFamily="2" charset="-78"/>
-                <a:hlinkClick r:id="rId2"/>
-              </a:rPr>
-              <a:t>Apache </a:t>
-            </a:r>
-            <a:r>
-              <a:rPr lang="hr-HR" dirty="0" err="1">
-                <a:cs typeface="Aldhabi" panose="01000000000000000000" pitchFamily="2" charset="-78"/>
-                <a:hlinkClick r:id="rId2"/>
-              </a:rPr>
-              <a:t>License</a:t>
-            </a:r>
-            <a:r>
-              <a:rPr lang="hr-HR" dirty="0">
-                <a:cs typeface="Aldhabi" panose="01000000000000000000" pitchFamily="2" charset="-78"/>
-                <a:hlinkClick r:id="rId2"/>
-              </a:rPr>
-              <a:t> 2.0</a:t>
-            </a:r>
-            <a:endParaRPr lang="hr-HR" dirty="0">
-              <a:cs typeface="Aldhabi" panose="01000000000000000000" pitchFamily="2" charset="-78"/>
-            </a:endParaRPr>
+              <a:rPr lang="hr-HR" dirty="0"/>
+              <a:t>M</a:t>
+            </a:r>
+            <a:r>
+              <a:rPr lang="hr-HR" dirty="0" smtClean="0"/>
+              <a:t>anje od 250 računala</a:t>
+            </a:r>
           </a:p>
           <a:p>
             <a:pPr lvl="2"/>
             <a:r>
-              <a:rPr lang="hr-HR" dirty="0">
-                <a:cs typeface="Aldhabi" panose="01000000000000000000" pitchFamily="2" charset="-78"/>
-                <a:hlinkClick r:id="rId3"/>
-              </a:rPr>
-              <a:t>BSD 3-Clause "New" </a:t>
-            </a:r>
-            <a:r>
-              <a:rPr lang="hr-HR" dirty="0" err="1">
-                <a:cs typeface="Aldhabi" panose="01000000000000000000" pitchFamily="2" charset="-78"/>
-                <a:hlinkClick r:id="rId3"/>
-              </a:rPr>
-              <a:t>or</a:t>
-            </a:r>
-            <a:r>
-              <a:rPr lang="hr-HR" dirty="0">
-                <a:cs typeface="Aldhabi" panose="01000000000000000000" pitchFamily="2" charset="-78"/>
-                <a:hlinkClick r:id="rId3"/>
-              </a:rPr>
-              <a:t> "</a:t>
-            </a:r>
-            <a:r>
-              <a:rPr lang="hr-HR" dirty="0" err="1">
-                <a:cs typeface="Aldhabi" panose="01000000000000000000" pitchFamily="2" charset="-78"/>
-                <a:hlinkClick r:id="rId3"/>
-              </a:rPr>
-              <a:t>Revised</a:t>
-            </a:r>
-            <a:r>
-              <a:rPr lang="hr-HR" dirty="0">
-                <a:cs typeface="Aldhabi" panose="01000000000000000000" pitchFamily="2" charset="-78"/>
-                <a:hlinkClick r:id="rId3"/>
-              </a:rPr>
-              <a:t>" </a:t>
-            </a:r>
-            <a:r>
-              <a:rPr lang="hr-HR" dirty="0" err="1">
-                <a:cs typeface="Aldhabi" panose="01000000000000000000" pitchFamily="2" charset="-78"/>
-                <a:hlinkClick r:id="rId3"/>
-              </a:rPr>
-              <a:t>license</a:t>
-            </a:r>
-            <a:endParaRPr lang="hr-HR" dirty="0">
-              <a:cs typeface="Aldhabi" panose="01000000000000000000" pitchFamily="2" charset="-78"/>
-            </a:endParaRPr>
-          </a:p>
-          <a:p>
-            <a:pPr lvl="2"/>
-            <a:r>
-              <a:rPr lang="hr-HR" dirty="0">
-                <a:cs typeface="Aldhabi" panose="01000000000000000000" pitchFamily="2" charset="-78"/>
-                <a:hlinkClick r:id="rId4"/>
-              </a:rPr>
-              <a:t>BSD 2-Clause "</a:t>
-            </a:r>
-            <a:r>
-              <a:rPr lang="hr-HR" dirty="0" err="1">
-                <a:cs typeface="Aldhabi" panose="01000000000000000000" pitchFamily="2" charset="-78"/>
-                <a:hlinkClick r:id="rId4"/>
-              </a:rPr>
-              <a:t>Simplified</a:t>
-            </a:r>
-            <a:r>
-              <a:rPr lang="hr-HR" dirty="0">
-                <a:cs typeface="Aldhabi" panose="01000000000000000000" pitchFamily="2" charset="-78"/>
-                <a:hlinkClick r:id="rId4"/>
-              </a:rPr>
-              <a:t>" </a:t>
-            </a:r>
-            <a:r>
-              <a:rPr lang="hr-HR" dirty="0" err="1">
-                <a:cs typeface="Aldhabi" panose="01000000000000000000" pitchFamily="2" charset="-78"/>
-                <a:hlinkClick r:id="rId4"/>
-              </a:rPr>
-              <a:t>or</a:t>
-            </a:r>
-            <a:r>
-              <a:rPr lang="hr-HR" dirty="0">
-                <a:cs typeface="Aldhabi" panose="01000000000000000000" pitchFamily="2" charset="-78"/>
-                <a:hlinkClick r:id="rId4"/>
-              </a:rPr>
-              <a:t> "</a:t>
-            </a:r>
-            <a:r>
-              <a:rPr lang="hr-HR" dirty="0" err="1">
-                <a:cs typeface="Aldhabi" panose="01000000000000000000" pitchFamily="2" charset="-78"/>
-                <a:hlinkClick r:id="rId4"/>
-              </a:rPr>
-              <a:t>FreeBSD</a:t>
-            </a:r>
-            <a:r>
-              <a:rPr lang="hr-HR" dirty="0">
-                <a:cs typeface="Aldhabi" panose="01000000000000000000" pitchFamily="2" charset="-78"/>
-                <a:hlinkClick r:id="rId4"/>
-              </a:rPr>
-              <a:t>" </a:t>
-            </a:r>
-            <a:r>
-              <a:rPr lang="hr-HR" dirty="0" err="1">
-                <a:cs typeface="Aldhabi" panose="01000000000000000000" pitchFamily="2" charset="-78"/>
-                <a:hlinkClick r:id="rId4"/>
-              </a:rPr>
-              <a:t>license</a:t>
-            </a:r>
-            <a:endParaRPr lang="hr-HR" dirty="0">
-              <a:cs typeface="Aldhabi" panose="01000000000000000000" pitchFamily="2" charset="-78"/>
-            </a:endParaRPr>
-          </a:p>
-          <a:p>
-            <a:pPr lvl="2"/>
-            <a:r>
-              <a:rPr lang="hr-HR" dirty="0">
-                <a:cs typeface="Aldhabi" panose="01000000000000000000" pitchFamily="2" charset="-78"/>
-                <a:hlinkClick r:id="rId5"/>
-              </a:rPr>
-              <a:t>GNU General </a:t>
-            </a:r>
-            <a:r>
-              <a:rPr lang="hr-HR" dirty="0" err="1">
-                <a:cs typeface="Aldhabi" panose="01000000000000000000" pitchFamily="2" charset="-78"/>
-                <a:hlinkClick r:id="rId5"/>
-              </a:rPr>
-              <a:t>Public</a:t>
-            </a:r>
-            <a:r>
-              <a:rPr lang="hr-HR" dirty="0">
-                <a:cs typeface="Aldhabi" panose="01000000000000000000" pitchFamily="2" charset="-78"/>
-                <a:hlinkClick r:id="rId5"/>
-              </a:rPr>
-              <a:t> </a:t>
-            </a:r>
-            <a:r>
-              <a:rPr lang="hr-HR" dirty="0" err="1">
-                <a:cs typeface="Aldhabi" panose="01000000000000000000" pitchFamily="2" charset="-78"/>
-                <a:hlinkClick r:id="rId5"/>
-              </a:rPr>
-              <a:t>License</a:t>
-            </a:r>
-            <a:r>
-              <a:rPr lang="hr-HR" dirty="0">
-                <a:cs typeface="Aldhabi" panose="01000000000000000000" pitchFamily="2" charset="-78"/>
-                <a:hlinkClick r:id="rId5"/>
-              </a:rPr>
-              <a:t> (GPL)</a:t>
-            </a:r>
-            <a:endParaRPr lang="hr-HR" dirty="0">
-              <a:cs typeface="Aldhabi" panose="01000000000000000000" pitchFamily="2" charset="-78"/>
-            </a:endParaRPr>
-          </a:p>
-          <a:p>
-            <a:pPr lvl="2"/>
-            <a:r>
-              <a:rPr lang="hr-HR" dirty="0">
-                <a:cs typeface="Aldhabi" panose="01000000000000000000" pitchFamily="2" charset="-78"/>
-                <a:hlinkClick r:id="rId6"/>
-              </a:rPr>
-              <a:t>GNU </a:t>
-            </a:r>
-            <a:r>
-              <a:rPr lang="hr-HR" dirty="0" err="1">
-                <a:cs typeface="Aldhabi" panose="01000000000000000000" pitchFamily="2" charset="-78"/>
-                <a:hlinkClick r:id="rId6"/>
-              </a:rPr>
-              <a:t>Library</a:t>
-            </a:r>
-            <a:r>
-              <a:rPr lang="hr-HR" dirty="0">
-                <a:cs typeface="Aldhabi" panose="01000000000000000000" pitchFamily="2" charset="-78"/>
-                <a:hlinkClick r:id="rId6"/>
-              </a:rPr>
-              <a:t> </a:t>
-            </a:r>
-            <a:r>
-              <a:rPr lang="hr-HR" dirty="0" err="1">
-                <a:cs typeface="Aldhabi" panose="01000000000000000000" pitchFamily="2" charset="-78"/>
-                <a:hlinkClick r:id="rId6"/>
-              </a:rPr>
-              <a:t>or</a:t>
-            </a:r>
-            <a:r>
-              <a:rPr lang="hr-HR" dirty="0">
-                <a:cs typeface="Aldhabi" panose="01000000000000000000" pitchFamily="2" charset="-78"/>
-                <a:hlinkClick r:id="rId6"/>
-              </a:rPr>
-              <a:t> "</a:t>
-            </a:r>
-            <a:r>
-              <a:rPr lang="hr-HR" dirty="0" err="1">
-                <a:cs typeface="Aldhabi" panose="01000000000000000000" pitchFamily="2" charset="-78"/>
-                <a:hlinkClick r:id="rId6"/>
-              </a:rPr>
-              <a:t>Lesser</a:t>
-            </a:r>
-            <a:r>
-              <a:rPr lang="hr-HR" dirty="0">
-                <a:cs typeface="Aldhabi" panose="01000000000000000000" pitchFamily="2" charset="-78"/>
-                <a:hlinkClick r:id="rId6"/>
-              </a:rPr>
-              <a:t>" General </a:t>
-            </a:r>
-            <a:r>
-              <a:rPr lang="hr-HR" dirty="0" err="1">
-                <a:cs typeface="Aldhabi" panose="01000000000000000000" pitchFamily="2" charset="-78"/>
-                <a:hlinkClick r:id="rId6"/>
-              </a:rPr>
-              <a:t>Public</a:t>
-            </a:r>
-            <a:r>
-              <a:rPr lang="hr-HR" dirty="0">
-                <a:cs typeface="Aldhabi" panose="01000000000000000000" pitchFamily="2" charset="-78"/>
-                <a:hlinkClick r:id="rId6"/>
-              </a:rPr>
-              <a:t> </a:t>
-            </a:r>
-            <a:r>
-              <a:rPr lang="hr-HR" dirty="0" err="1">
-                <a:cs typeface="Aldhabi" panose="01000000000000000000" pitchFamily="2" charset="-78"/>
-                <a:hlinkClick r:id="rId6"/>
-              </a:rPr>
-              <a:t>License</a:t>
-            </a:r>
-            <a:r>
-              <a:rPr lang="hr-HR" dirty="0">
-                <a:cs typeface="Aldhabi" panose="01000000000000000000" pitchFamily="2" charset="-78"/>
-                <a:hlinkClick r:id="rId6"/>
-              </a:rPr>
-              <a:t> (LGPL)</a:t>
-            </a:r>
-            <a:endParaRPr lang="hr-HR" dirty="0">
-              <a:cs typeface="Aldhabi" panose="01000000000000000000" pitchFamily="2" charset="-78"/>
-            </a:endParaRPr>
-          </a:p>
-          <a:p>
-            <a:pPr lvl="2"/>
-            <a:r>
-              <a:rPr lang="hr-HR" dirty="0">
-                <a:cs typeface="Aldhabi" panose="01000000000000000000" pitchFamily="2" charset="-78"/>
-                <a:hlinkClick r:id="rId7"/>
-              </a:rPr>
-              <a:t>MIT </a:t>
-            </a:r>
-            <a:r>
-              <a:rPr lang="hr-HR" dirty="0" err="1">
-                <a:cs typeface="Aldhabi" panose="01000000000000000000" pitchFamily="2" charset="-78"/>
-                <a:hlinkClick r:id="rId7"/>
-              </a:rPr>
-              <a:t>license</a:t>
-            </a:r>
-            <a:endParaRPr lang="hr-HR" dirty="0">
-              <a:cs typeface="Aldhabi" panose="01000000000000000000" pitchFamily="2" charset="-78"/>
-            </a:endParaRPr>
-          </a:p>
-          <a:p>
-            <a:pPr lvl="2"/>
-            <a:r>
-              <a:rPr lang="hr-HR" dirty="0" err="1">
-                <a:cs typeface="Aldhabi" panose="01000000000000000000" pitchFamily="2" charset="-78"/>
-                <a:hlinkClick r:id="rId8"/>
-              </a:rPr>
-              <a:t>Mozilla</a:t>
-            </a:r>
-            <a:r>
-              <a:rPr lang="hr-HR" dirty="0">
-                <a:cs typeface="Aldhabi" panose="01000000000000000000" pitchFamily="2" charset="-78"/>
-                <a:hlinkClick r:id="rId8"/>
-              </a:rPr>
-              <a:t> </a:t>
-            </a:r>
-            <a:r>
-              <a:rPr lang="hr-HR" dirty="0" err="1">
-                <a:cs typeface="Aldhabi" panose="01000000000000000000" pitchFamily="2" charset="-78"/>
-                <a:hlinkClick r:id="rId8"/>
-              </a:rPr>
-              <a:t>Public</a:t>
-            </a:r>
-            <a:r>
-              <a:rPr lang="hr-HR" dirty="0">
-                <a:cs typeface="Aldhabi" panose="01000000000000000000" pitchFamily="2" charset="-78"/>
-                <a:hlinkClick r:id="rId8"/>
-              </a:rPr>
-              <a:t> </a:t>
-            </a:r>
-            <a:r>
-              <a:rPr lang="hr-HR" dirty="0" err="1">
-                <a:cs typeface="Aldhabi" panose="01000000000000000000" pitchFamily="2" charset="-78"/>
-                <a:hlinkClick r:id="rId8"/>
-              </a:rPr>
-              <a:t>License</a:t>
-            </a:r>
-            <a:r>
-              <a:rPr lang="hr-HR" dirty="0">
-                <a:cs typeface="Aldhabi" panose="01000000000000000000" pitchFamily="2" charset="-78"/>
-                <a:hlinkClick r:id="rId8"/>
-              </a:rPr>
-              <a:t> 2.0</a:t>
-            </a:r>
-            <a:endParaRPr lang="hr-HR" dirty="0">
-              <a:cs typeface="Aldhabi" panose="01000000000000000000" pitchFamily="2" charset="-78"/>
-            </a:endParaRPr>
-          </a:p>
-          <a:p>
-            <a:pPr lvl="2"/>
-            <a:r>
-              <a:rPr lang="hr-HR" dirty="0" err="1">
-                <a:cs typeface="Aldhabi" panose="01000000000000000000" pitchFamily="2" charset="-78"/>
-                <a:hlinkClick r:id="rId9"/>
-              </a:rPr>
-              <a:t>Common</a:t>
-            </a:r>
-            <a:r>
-              <a:rPr lang="hr-HR" dirty="0">
-                <a:cs typeface="Aldhabi" panose="01000000000000000000" pitchFamily="2" charset="-78"/>
-                <a:hlinkClick r:id="rId9"/>
-              </a:rPr>
-              <a:t> Development </a:t>
-            </a:r>
-            <a:r>
-              <a:rPr lang="hr-HR" dirty="0" err="1">
-                <a:cs typeface="Aldhabi" panose="01000000000000000000" pitchFamily="2" charset="-78"/>
-                <a:hlinkClick r:id="rId9"/>
-              </a:rPr>
-              <a:t>and</a:t>
-            </a:r>
-            <a:r>
-              <a:rPr lang="hr-HR" dirty="0">
-                <a:cs typeface="Aldhabi" panose="01000000000000000000" pitchFamily="2" charset="-78"/>
-                <a:hlinkClick r:id="rId9"/>
-              </a:rPr>
-              <a:t> </a:t>
-            </a:r>
-            <a:r>
-              <a:rPr lang="hr-HR" dirty="0" err="1">
-                <a:cs typeface="Aldhabi" panose="01000000000000000000" pitchFamily="2" charset="-78"/>
-                <a:hlinkClick r:id="rId9"/>
-              </a:rPr>
-              <a:t>Distribution</a:t>
-            </a:r>
-            <a:r>
-              <a:rPr lang="hr-HR" dirty="0">
-                <a:cs typeface="Aldhabi" panose="01000000000000000000" pitchFamily="2" charset="-78"/>
-                <a:hlinkClick r:id="rId9"/>
-              </a:rPr>
-              <a:t> </a:t>
-            </a:r>
-            <a:r>
-              <a:rPr lang="hr-HR" dirty="0" err="1">
-                <a:cs typeface="Aldhabi" panose="01000000000000000000" pitchFamily="2" charset="-78"/>
-                <a:hlinkClick r:id="rId9"/>
-              </a:rPr>
-              <a:t>License</a:t>
-            </a:r>
-            <a:endParaRPr lang="hr-HR" dirty="0">
-              <a:cs typeface="Aldhabi" panose="01000000000000000000" pitchFamily="2" charset="-78"/>
-            </a:endParaRPr>
-          </a:p>
-          <a:p>
-            <a:pPr lvl="2"/>
-            <a:r>
-              <a:rPr lang="hr-HR" dirty="0" err="1">
-                <a:cs typeface="Aldhabi" panose="01000000000000000000" pitchFamily="2" charset="-78"/>
-                <a:hlinkClick r:id="rId10"/>
-              </a:rPr>
-              <a:t>Eclipse</a:t>
-            </a:r>
-            <a:r>
-              <a:rPr lang="hr-HR" dirty="0">
-                <a:cs typeface="Aldhabi" panose="01000000000000000000" pitchFamily="2" charset="-78"/>
-                <a:hlinkClick r:id="rId10"/>
-              </a:rPr>
-              <a:t> </a:t>
-            </a:r>
-            <a:r>
-              <a:rPr lang="hr-HR" dirty="0" err="1">
-                <a:cs typeface="Aldhabi" panose="01000000000000000000" pitchFamily="2" charset="-78"/>
-                <a:hlinkClick r:id="rId10"/>
-              </a:rPr>
-              <a:t>Public</a:t>
-            </a:r>
-            <a:r>
-              <a:rPr lang="hr-HR" dirty="0">
-                <a:cs typeface="Aldhabi" panose="01000000000000000000" pitchFamily="2" charset="-78"/>
-                <a:hlinkClick r:id="rId10"/>
-              </a:rPr>
-              <a:t> </a:t>
-            </a:r>
-            <a:r>
-              <a:rPr lang="hr-HR" dirty="0" err="1">
-                <a:cs typeface="Aldhabi" panose="01000000000000000000" pitchFamily="2" charset="-78"/>
-                <a:hlinkClick r:id="rId10"/>
-              </a:rPr>
-              <a:t>License</a:t>
-            </a:r>
-            <a:endParaRPr lang="hr-HR" dirty="0">
-              <a:cs typeface="Aldhabi" panose="01000000000000000000" pitchFamily="2" charset="-78"/>
-            </a:endParaRPr>
-          </a:p>
-          <a:p>
-            <a:pPr lvl="2"/>
+              <a:rPr lang="hr-HR" dirty="0" smtClean="0"/>
+              <a:t>Manje od 1 000 000 USD prihoda godišnje</a:t>
+            </a:r>
+          </a:p>
+          <a:p>
+            <a:r>
+              <a:rPr lang="hr-HR" dirty="0" smtClean="0"/>
+              <a:t>Sve ostale verzije VS-a su ilegalne za korištenje, bez odgovarajuće licence</a:t>
+            </a:r>
+          </a:p>
+          <a:p>
             <a:endParaRPr lang="hr-HR" dirty="0"/>
           </a:p>
         </p:txBody>
@@ -5543,7 +8744,7 @@
     </p:spTree>
     <p:extLst>
       <p:ext uri="{BB962C8B-B14F-4D97-AF65-F5344CB8AC3E}">
-        <p14:creationId xmlns:p14="http://schemas.microsoft.com/office/powerpoint/2010/main" val="2865199503"/>
+        <p14:creationId xmlns:p14="http://schemas.microsoft.com/office/powerpoint/2010/main" val="1456125427"/>
       </p:ext>
     </p:extLst>
   </p:cSld>
@@ -5572,111 +8773,77 @@
       </p:grpSpPr>
       <p:sp>
         <p:nvSpPr>
-          <p:cNvPr id="2" name="Title 1"/>
-          <p:cNvSpPr>
-            <a:spLocks noGrp="1"/>
-          </p:cNvSpPr>
-          <p:nvPr>
-            <p:ph type="title"/>
-          </p:nvPr>
-        </p:nvSpPr>
-        <p:spPr/>
+          <p:cNvPr id="3" name="Content Placeholder 2"/>
+          <p:cNvSpPr>
+            <a:spLocks noGrp="1"/>
+          </p:cNvSpPr>
+          <p:nvPr>
+            <p:ph idx="1"/>
+          </p:nvPr>
+        </p:nvSpPr>
+        <p:spPr>
+          <a:xfrm>
+            <a:off x="827159" y="6122108"/>
+            <a:ext cx="10515600" cy="569637"/>
+          </a:xfrm>
+        </p:spPr>
         <p:txBody>
           <a:bodyPr/>
           <a:lstStyle/>
           <a:p>
             <a:r>
-              <a:rPr lang="hr-HR" dirty="0" err="1" smtClean="0"/>
-              <a:t>Visual</a:t>
-            </a:r>
-            <a:r>
-              <a:rPr lang="hr-HR" dirty="0" smtClean="0"/>
-              <a:t> Studio 2017 </a:t>
-            </a:r>
-            <a:r>
-              <a:rPr lang="hr-HR" dirty="0" err="1" smtClean="0"/>
-              <a:t>Community</a:t>
-            </a:r>
+              <a:rPr lang="hr-HR" dirty="0">
+                <a:hlinkClick r:id="rId2"/>
+              </a:rPr>
+              <a:t>https://www.visualstudio.com/vs/compare</a:t>
+            </a:r>
+            <a:r>
+              <a:rPr lang="hr-HR" dirty="0" smtClean="0">
+                <a:hlinkClick r:id="rId2"/>
+              </a:rPr>
+              <a:t>/</a:t>
+            </a:r>
+            <a:endParaRPr lang="hr-HR" dirty="0" smtClean="0"/>
+          </a:p>
+          <a:p>
             <a:endParaRPr lang="hr-HR" dirty="0"/>
           </a:p>
         </p:txBody>
       </p:sp>
-      <p:sp>
-        <p:nvSpPr>
-          <p:cNvPr id="3" name="Content Placeholder 2"/>
-          <p:cNvSpPr>
-            <a:spLocks noGrp="1"/>
-          </p:cNvSpPr>
-          <p:nvPr>
-            <p:ph idx="1"/>
-          </p:nvPr>
-        </p:nvSpPr>
-        <p:spPr/>
-        <p:txBody>
-          <a:bodyPr>
-            <a:normAutofit/>
-          </a:bodyPr>
-          <a:lstStyle/>
-          <a:p>
-            <a:r>
-              <a:rPr lang="hr-HR" dirty="0" smtClean="0"/>
-              <a:t>Za organizacije:</a:t>
-            </a:r>
-          </a:p>
-          <a:p>
-            <a:pPr lvl="1"/>
-            <a:r>
-              <a:rPr lang="hr-HR" dirty="0" smtClean="0"/>
-              <a:t>Slobodan u svrhe edukacije i akademskog istraživanja</a:t>
-            </a:r>
-          </a:p>
-          <a:p>
-            <a:pPr lvl="1"/>
-            <a:r>
-              <a:rPr lang="hr-HR" dirty="0" smtClean="0"/>
-              <a:t>Slobodan za razvoj ekstenzija za VS</a:t>
-            </a:r>
-          </a:p>
-          <a:p>
-            <a:pPr lvl="1"/>
-            <a:r>
-              <a:rPr lang="hr-HR" dirty="0" smtClean="0"/>
-              <a:t>Slobodan za 5 korisnika za razvoj komercijalnih aplikacija ukoliko tvrtka ima:</a:t>
-            </a:r>
-          </a:p>
-          <a:p>
-            <a:pPr lvl="2"/>
-            <a:r>
-              <a:rPr lang="hr-HR" dirty="0"/>
-              <a:t>M</a:t>
-            </a:r>
-            <a:r>
-              <a:rPr lang="hr-HR" dirty="0" smtClean="0"/>
-              <a:t>anje od 250 računala</a:t>
-            </a:r>
-          </a:p>
-          <a:p>
-            <a:pPr lvl="2"/>
-            <a:r>
-              <a:rPr lang="hr-HR" dirty="0" smtClean="0"/>
-              <a:t>Manje od 1 000 000 USD prihoda godišnje</a:t>
-            </a:r>
-          </a:p>
-          <a:p>
-            <a:r>
-              <a:rPr lang="hr-HR" dirty="0" smtClean="0"/>
-              <a:t>Sve ostale verzije VS-a su ilegalne za korištenje, bez odgovarajuće licence</a:t>
-            </a:r>
-          </a:p>
-          <a:p>
-            <a:endParaRPr lang="hr-HR" dirty="0"/>
-          </a:p>
-        </p:txBody>
-      </p:sp>
+      <p:pic>
+        <p:nvPicPr>
+          <p:cNvPr id="4" name="Picture 3"/>
+          <p:cNvPicPr>
+            <a:picLocks noChangeAspect="1"/>
+          </p:cNvPicPr>
+          <p:nvPr/>
+        </p:nvPicPr>
+        <p:blipFill>
+          <a:blip r:embed="rId3">
+            <a:extLst>
+              <a:ext uri="{28A0092B-C50C-407E-A947-70E740481C1C}">
+                <a14:useLocalDpi xmlns:a14="http://schemas.microsoft.com/office/drawing/2010/main" val="0"/>
+              </a:ext>
+            </a:extLst>
+          </a:blip>
+          <a:stretch>
+            <a:fillRect/>
+          </a:stretch>
+        </p:blipFill>
+        <p:spPr>
+          <a:xfrm>
+            <a:off x="827159" y="265125"/>
+            <a:ext cx="9851881" cy="5780651"/>
+          </a:xfrm>
+          <a:prstGeom prst="rect">
+            <a:avLst/>
+          </a:prstGeom>
+        </p:spPr>
+      </p:pic>
     </p:spTree>
     <p:extLst>
       <p:ext uri="{BB962C8B-B14F-4D97-AF65-F5344CB8AC3E}">
-        <p14:creationId xmlns:p14="http://schemas.microsoft.com/office/powerpoint/2010/main" val="1456125427"/>
+        <p14:creationId xmlns:p14="http://schemas.microsoft.com/office/powerpoint/2010/main" val="3037812142"/>
       </p:ext>
     </p:extLst>
   </p:cSld>
@@ -5740,9 +8907,16 @@
             <p:ph idx="1"/>
           </p:nvPr>
         </p:nvSpPr>
-        <p:spPr/>
-        <p:txBody>
-          <a:bodyPr/>
+        <p:spPr>
+          <a:xfrm>
+            <a:off x="578860" y="1690688"/>
+            <a:ext cx="3494376" cy="4730894"/>
+          </a:xfrm>
+        </p:spPr>
+        <p:txBody>
+          <a:bodyPr>
+            <a:normAutofit/>
+          </a:bodyPr>
           <a:lstStyle/>
           <a:p>
             <a:r>
@@ -5827,62 +9001,41 @@
             <a:endParaRPr lang="hr-HR" dirty="0" smtClean="0"/>
           </a:p>
           <a:p>
-            <a:r>
-              <a:rPr lang="hr-HR" dirty="0" err="1" smtClean="0"/>
-              <a:t>Refactoring</a:t>
-            </a:r>
-            <a:r>
-              <a:rPr lang="hr-HR" dirty="0" smtClean="0"/>
-              <a:t> </a:t>
-            </a:r>
-            <a:r>
-              <a:rPr lang="hr-HR" dirty="0" err="1" smtClean="0"/>
-              <a:t>tools</a:t>
-            </a:r>
-            <a:endParaRPr lang="hr-HR" dirty="0"/>
-          </a:p>
-          <a:p>
-            <a:r>
-              <a:rPr lang="hr-HR" dirty="0" err="1" smtClean="0"/>
-              <a:t>Code</a:t>
-            </a:r>
-            <a:r>
-              <a:rPr lang="hr-HR" dirty="0" smtClean="0"/>
-              <a:t> </a:t>
-            </a:r>
-            <a:r>
-              <a:rPr lang="hr-HR" dirty="0" err="1" smtClean="0"/>
-              <a:t>analysis</a:t>
-            </a:r>
-            <a:endParaRPr lang="hr-HR" dirty="0" smtClean="0"/>
-          </a:p>
-          <a:p>
-            <a:r>
-              <a:rPr lang="hr-HR" dirty="0" err="1" smtClean="0"/>
-              <a:t>Code</a:t>
-            </a:r>
-            <a:r>
-              <a:rPr lang="hr-HR" dirty="0" smtClean="0"/>
-              <a:t> </a:t>
-            </a:r>
-            <a:r>
-              <a:rPr lang="hr-HR" dirty="0" err="1" smtClean="0"/>
-              <a:t>metrics</a:t>
-            </a:r>
-            <a:endParaRPr lang="hr-HR" dirty="0" smtClean="0"/>
-          </a:p>
-          <a:p>
-            <a:pPr marL="457200" lvl="1" indent="0">
-              <a:buNone/>
-            </a:pPr>
-            <a:endParaRPr lang="hr-HR" dirty="0" smtClean="0"/>
-          </a:p>
-          <a:p>
             <a:pPr lvl="1"/>
             <a:endParaRPr lang="hr-HR" dirty="0"/>
           </a:p>
         </p:txBody>
       </p:sp>
+      <p:pic>
+        <p:nvPicPr>
+          <p:cNvPr id="4" name="Picture 3"/>
+          <p:cNvPicPr>
+            <a:picLocks noChangeAspect="1"/>
+          </p:cNvPicPr>
+          <p:nvPr/>
+        </p:nvPicPr>
+        <p:blipFill>
+          <a:blip r:embed="rId3">
+            <a:extLst>
+              <a:ext uri="{28A0092B-C50C-407E-A947-70E740481C1C}">
+                <a14:useLocalDpi xmlns:a14="http://schemas.microsoft.com/office/drawing/2010/main" val="0"/>
+              </a:ext>
+            </a:extLst>
+          </a:blip>
+          <a:stretch>
+            <a:fillRect/>
+          </a:stretch>
+        </p:blipFill>
+        <p:spPr>
+          <a:xfrm>
+            <a:off x="4181886" y="1690688"/>
+            <a:ext cx="7504856" cy="3746934"/>
+          </a:xfrm>
+          <a:prstGeom prst="rect">
+            <a:avLst/>
+          </a:prstGeom>
+        </p:spPr>
+      </p:pic>
     </p:spTree>
     <p:extLst>
       <p:ext uri="{BB962C8B-B14F-4D97-AF65-F5344CB8AC3E}">
@@ -5957,71 +9110,241 @@
           <a:p>
             <a:r>
               <a:rPr lang="hr-HR" dirty="0" err="1" smtClean="0"/>
-              <a:t>Designers</a:t>
-            </a:r>
-            <a:endParaRPr lang="hr-HR" dirty="0" smtClean="0"/>
+              <a:t>Refactoring</a:t>
+            </a:r>
+            <a:r>
+              <a:rPr lang="hr-HR" dirty="0" smtClean="0"/>
+              <a:t> </a:t>
+            </a:r>
+            <a:r>
+              <a:rPr lang="hr-HR" dirty="0" err="1" smtClean="0"/>
+              <a:t>tools</a:t>
+            </a:r>
+            <a:endParaRPr lang="hr-HR" dirty="0"/>
           </a:p>
           <a:p>
             <a:pPr lvl="1"/>
             <a:r>
-              <a:rPr lang="hr-HR" dirty="0" smtClean="0"/>
-              <a:t>Alati za vizualni razvoj ili prikaz</a:t>
-            </a:r>
-          </a:p>
-          <a:p>
-            <a:pPr lvl="2"/>
-            <a:r>
-              <a:rPr lang="hr-HR" dirty="0" smtClean="0"/>
-              <a:t>Web </a:t>
-            </a:r>
-            <a:r>
-              <a:rPr lang="hr-HR" dirty="0" err="1" smtClean="0"/>
-              <a:t>pages</a:t>
-            </a:r>
-            <a:endParaRPr lang="hr-HR" dirty="0" smtClean="0"/>
-          </a:p>
-          <a:p>
-            <a:pPr lvl="2"/>
-            <a:r>
-              <a:rPr lang="hr-HR" dirty="0" err="1" smtClean="0"/>
-              <a:t>Forms</a:t>
-            </a:r>
-            <a:endParaRPr lang="hr-HR" dirty="0" smtClean="0"/>
-          </a:p>
-          <a:p>
-            <a:pPr lvl="2"/>
-            <a:r>
-              <a:rPr lang="hr-HR" dirty="0" smtClean="0"/>
-              <a:t>WPF</a:t>
-            </a:r>
-          </a:p>
-          <a:p>
-            <a:pPr lvl="2"/>
-            <a:r>
-              <a:rPr lang="hr-HR" dirty="0" err="1" smtClean="0"/>
-              <a:t>Database</a:t>
-            </a:r>
-            <a:r>
-              <a:rPr lang="hr-HR" dirty="0" smtClean="0"/>
+              <a:rPr lang="hr-HR" dirty="0" err="1">
+                <a:hlinkClick r:id="rId3"/>
+              </a:rPr>
+              <a:t>Extract</a:t>
+            </a:r>
+            <a:r>
+              <a:rPr lang="hr-HR" dirty="0">
+                <a:hlinkClick r:id="rId3"/>
+              </a:rPr>
               <a:t> </a:t>
             </a:r>
             <a:r>
-              <a:rPr lang="hr-HR" dirty="0" err="1" smtClean="0"/>
-              <a:t>schema</a:t>
-            </a:r>
-            <a:endParaRPr lang="hr-HR" dirty="0" smtClean="0"/>
-          </a:p>
-          <a:p>
-            <a:pPr lvl="2"/>
-            <a:r>
-              <a:rPr lang="hr-HR" dirty="0" smtClean="0"/>
-              <a:t>…</a:t>
-            </a:r>
-          </a:p>
-          <a:p>
-            <a:pPr marL="457200" lvl="1" indent="0">
-              <a:buNone/>
-            </a:pPr>
+              <a:rPr lang="hr-HR" dirty="0" err="1">
+                <a:hlinkClick r:id="rId3"/>
+              </a:rPr>
+              <a:t>Method</a:t>
+            </a:r>
+            <a:r>
+              <a:rPr lang="hr-HR" dirty="0">
+                <a:hlinkClick r:id="rId3"/>
+              </a:rPr>
+              <a:t> </a:t>
+            </a:r>
+            <a:r>
+              <a:rPr lang="hr-HR" dirty="0" err="1">
+                <a:hlinkClick r:id="rId3"/>
+              </a:rPr>
+              <a:t>Refactoring</a:t>
+            </a:r>
+            <a:r>
+              <a:rPr lang="hr-HR" dirty="0">
+                <a:hlinkClick r:id="rId3"/>
+              </a:rPr>
+              <a:t> (C#)</a:t>
+            </a:r>
+            <a:endParaRPr lang="hr-HR" dirty="0"/>
+          </a:p>
+          <a:p>
+            <a:pPr lvl="1"/>
+            <a:r>
+              <a:rPr lang="hr-HR" dirty="0" err="1">
+                <a:hlinkClick r:id="rId4"/>
+              </a:rPr>
+              <a:t>Rename</a:t>
+            </a:r>
+            <a:r>
+              <a:rPr lang="hr-HR" dirty="0">
+                <a:hlinkClick r:id="rId4"/>
+              </a:rPr>
+              <a:t> </a:t>
+            </a:r>
+            <a:r>
+              <a:rPr lang="hr-HR" dirty="0" err="1">
+                <a:hlinkClick r:id="rId4"/>
+              </a:rPr>
+              <a:t>Refactoring</a:t>
+            </a:r>
+            <a:r>
+              <a:rPr lang="hr-HR" dirty="0">
+                <a:hlinkClick r:id="rId4"/>
+              </a:rPr>
+              <a:t> (C#)</a:t>
+            </a:r>
+            <a:endParaRPr lang="hr-HR" dirty="0"/>
+          </a:p>
+          <a:p>
+            <a:pPr lvl="1"/>
+            <a:r>
+              <a:rPr lang="hr-HR" dirty="0" err="1">
+                <a:hlinkClick r:id="rId5"/>
+              </a:rPr>
+              <a:t>Encapsulate</a:t>
+            </a:r>
+            <a:r>
+              <a:rPr lang="hr-HR" dirty="0">
+                <a:hlinkClick r:id="rId5"/>
+              </a:rPr>
+              <a:t> </a:t>
+            </a:r>
+            <a:r>
+              <a:rPr lang="hr-HR" dirty="0" err="1">
+                <a:hlinkClick r:id="rId5"/>
+              </a:rPr>
+              <a:t>Field</a:t>
+            </a:r>
+            <a:r>
+              <a:rPr lang="hr-HR" dirty="0">
+                <a:hlinkClick r:id="rId5"/>
+              </a:rPr>
+              <a:t> </a:t>
+            </a:r>
+            <a:r>
+              <a:rPr lang="hr-HR" dirty="0" err="1">
+                <a:hlinkClick r:id="rId5"/>
+              </a:rPr>
+              <a:t>Refactoring</a:t>
+            </a:r>
+            <a:r>
+              <a:rPr lang="hr-HR" dirty="0">
+                <a:hlinkClick r:id="rId5"/>
+              </a:rPr>
+              <a:t> (C#)</a:t>
+            </a:r>
+            <a:endParaRPr lang="hr-HR" dirty="0"/>
+          </a:p>
+          <a:p>
+            <a:pPr lvl="1"/>
+            <a:r>
+              <a:rPr lang="hr-HR" dirty="0" err="1">
+                <a:hlinkClick r:id="rId6"/>
+              </a:rPr>
+              <a:t>Extract</a:t>
+            </a:r>
+            <a:r>
+              <a:rPr lang="hr-HR" dirty="0">
+                <a:hlinkClick r:id="rId6"/>
+              </a:rPr>
+              <a:t> </a:t>
+            </a:r>
+            <a:r>
+              <a:rPr lang="hr-HR" dirty="0" err="1">
+                <a:hlinkClick r:id="rId6"/>
+              </a:rPr>
+              <a:t>Interface</a:t>
+            </a:r>
+            <a:r>
+              <a:rPr lang="hr-HR" dirty="0">
+                <a:hlinkClick r:id="rId6"/>
+              </a:rPr>
+              <a:t> </a:t>
+            </a:r>
+            <a:r>
+              <a:rPr lang="hr-HR" dirty="0" err="1">
+                <a:hlinkClick r:id="rId6"/>
+              </a:rPr>
+              <a:t>Refactoring</a:t>
+            </a:r>
+            <a:r>
+              <a:rPr lang="hr-HR" dirty="0">
+                <a:hlinkClick r:id="rId6"/>
+              </a:rPr>
+              <a:t> (C#)</a:t>
+            </a:r>
+            <a:endParaRPr lang="hr-HR" dirty="0"/>
+          </a:p>
+          <a:p>
+            <a:pPr lvl="1"/>
+            <a:r>
+              <a:rPr lang="hr-HR" dirty="0">
+                <a:hlinkClick r:id="rId7"/>
+              </a:rPr>
+              <a:t>Remove </a:t>
+            </a:r>
+            <a:r>
+              <a:rPr lang="hr-HR" dirty="0" err="1">
+                <a:hlinkClick r:id="rId7"/>
+              </a:rPr>
+              <a:t>Parameters</a:t>
+            </a:r>
+            <a:r>
+              <a:rPr lang="hr-HR" dirty="0">
+                <a:hlinkClick r:id="rId7"/>
+              </a:rPr>
+              <a:t> </a:t>
+            </a:r>
+            <a:r>
+              <a:rPr lang="hr-HR" dirty="0" err="1">
+                <a:hlinkClick r:id="rId7"/>
+              </a:rPr>
+              <a:t>Refactoring</a:t>
+            </a:r>
+            <a:r>
+              <a:rPr lang="hr-HR" dirty="0">
+                <a:hlinkClick r:id="rId7"/>
+              </a:rPr>
+              <a:t> (C#)</a:t>
+            </a:r>
+            <a:endParaRPr lang="hr-HR" dirty="0"/>
+          </a:p>
+          <a:p>
+            <a:pPr lvl="1"/>
+            <a:r>
+              <a:rPr lang="hr-HR" dirty="0" err="1">
+                <a:hlinkClick r:id="rId8"/>
+              </a:rPr>
+              <a:t>Reorder</a:t>
+            </a:r>
+            <a:r>
+              <a:rPr lang="hr-HR" dirty="0">
+                <a:hlinkClick r:id="rId8"/>
+              </a:rPr>
+              <a:t> </a:t>
+            </a:r>
+            <a:r>
+              <a:rPr lang="hr-HR" dirty="0" err="1">
+                <a:hlinkClick r:id="rId8"/>
+              </a:rPr>
+              <a:t>Parameters</a:t>
+            </a:r>
+            <a:r>
+              <a:rPr lang="hr-HR" dirty="0">
+                <a:hlinkClick r:id="rId8"/>
+              </a:rPr>
+              <a:t> </a:t>
+            </a:r>
+            <a:r>
+              <a:rPr lang="hr-HR" dirty="0" err="1">
+                <a:hlinkClick r:id="rId8"/>
+              </a:rPr>
+              <a:t>Refactoring</a:t>
+            </a:r>
+            <a:r>
+              <a:rPr lang="hr-HR" dirty="0">
+                <a:hlinkClick r:id="rId8"/>
+              </a:rPr>
+              <a:t> (C#)</a:t>
+            </a:r>
+            <a:endParaRPr lang="hr-HR" dirty="0"/>
+          </a:p>
+          <a:p>
             <a:endParaRPr lang="hr-HR" dirty="0" smtClean="0"/>
           </a:p>
           <a:p>
@@ -6030,10 +9353,40 @@
           </a:p>
         </p:txBody>
       </p:sp>
+      <p:pic>
+        <p:nvPicPr>
+          <p:cNvPr id="4" name="Picture 3"/>
+          <p:cNvPicPr>
+            <a:picLocks noChangeAspect="1"/>
+          </p:cNvPicPr>
+          <p:nvPr/>
+        </p:nvPicPr>
+        <p:blipFill>
+          <a:blip r:embed="rId9">
+            <a:extLst>
+              <a:ext uri="{28A0092B-C50C-407E-A947-70E740481C1C}">
+                <a14:useLocalDpi xmlns:a14="http://schemas.microsoft.com/office/drawing/2010/main" val="0"/>
+              </a:ext>
+            </a:extLst>
+          </a:blip>
+          <a:stretch>
+            <a:fillRect/>
+          </a:stretch>
+        </p:blipFill>
+        <p:spPr>
+          <a:xfrm>
+            <a:off x="6286499" y="1923193"/>
+            <a:ext cx="5646699" cy="4602304"/>
+          </a:xfrm>
+          <a:prstGeom prst="rect">
+            <a:avLst/>
+          </a:prstGeom>
+        </p:spPr>
+      </p:pic>
     </p:spTree>
     <p:extLst>
       <p:ext uri="{BB962C8B-B14F-4D97-AF65-F5344CB8AC3E}">
-        <p14:creationId xmlns:p14="http://schemas.microsoft.com/office/powerpoint/2010/main" val="540266456"/>
+        <p14:creationId xmlns:p14="http://schemas.microsoft.com/office/powerpoint/2010/main" val="3538998561"/>
       </p:ext>
     </p:extLst>
   </p:cSld>
@@ -6104,7 +9457,7 @@
           <a:p>
             <a:r>
               <a:rPr lang="hr-HR" dirty="0" err="1" smtClean="0"/>
-              <a:t>Compile</a:t>
+              <a:t>Code</a:t>
             </a:r>
             <a:r>
               <a:rPr lang="hr-HR" dirty="0" smtClean="0"/>
@@ -6112,126 +9465,48 @@
             </a:r>
             <a:r>
               <a:rPr lang="hr-HR" dirty="0" err="1" smtClean="0"/>
-              <a:t>and</a:t>
-            </a:r>
-            <a:r>
-              <a:rPr lang="hr-HR" dirty="0" smtClean="0"/>
-              <a:t> </a:t>
+              <a:t>analysis</a:t>
+            </a:r>
+            <a:endParaRPr lang="hr-HR" dirty="0" smtClean="0"/>
+          </a:p>
+          <a:p>
+            <a:pPr lvl="1"/>
+            <a:r>
+              <a:rPr lang="hr-HR" dirty="0" smtClean="0"/>
+              <a:t>Analizira kod i javlja upozorenja ukoliko naiđe na kod koji krši pravila postavljena u </a:t>
             </a:r>
             <a:r>
               <a:rPr lang="hr-HR" dirty="0" err="1" smtClean="0"/>
-              <a:t>debug</a:t>
+              <a:t>Microsoft.Net</a:t>
+            </a:r>
+            <a:r>
+              <a:rPr lang="hr-HR" dirty="0" smtClean="0"/>
+              <a:t> Framework Design </a:t>
+            </a:r>
+            <a:r>
+              <a:rPr lang="hr-HR" dirty="0" err="1" smtClean="0"/>
+              <a:t>Guidelines</a:t>
             </a:r>
             <a:endParaRPr lang="hr-HR" dirty="0" smtClean="0"/>
           </a:p>
           <a:p>
             <a:pPr lvl="1"/>
             <a:r>
-              <a:rPr lang="hr-HR" dirty="0" err="1" smtClean="0"/>
-              <a:t>Kompajliranje</a:t>
-            </a:r>
-            <a:r>
-              <a:rPr lang="hr-HR" dirty="0" smtClean="0"/>
-              <a:t> i </a:t>
-            </a:r>
-            <a:r>
-              <a:rPr lang="hr-HR" dirty="0" err="1" smtClean="0"/>
-              <a:t>debugiranje</a:t>
-            </a:r>
-            <a:r>
-              <a:rPr lang="hr-HR" dirty="0" smtClean="0"/>
-              <a:t> na jedan klik</a:t>
-            </a:r>
+              <a:rPr lang="hr-HR" dirty="0">
+                <a:hlinkClick r:id="rId3"/>
+              </a:rPr>
+              <a:t>https://msdn.microsoft.com/en-us/library/ms229042(v=vs.110).</a:t>
+            </a:r>
+            <a:r>
+              <a:rPr lang="hr-HR" dirty="0" smtClean="0">
+                <a:hlinkClick r:id="rId3"/>
+              </a:rPr>
+              <a:t>aspx</a:t>
+            </a:r>
+            <a:endParaRPr lang="hr-HR" dirty="0" smtClean="0"/>
           </a:p>
           <a:p>
             <a:pPr lvl="1"/>
-            <a:r>
-              <a:rPr lang="hr-HR" dirty="0" err="1" smtClean="0"/>
-              <a:t>Memory</a:t>
-            </a:r>
-            <a:r>
-              <a:rPr lang="hr-HR" dirty="0" smtClean="0"/>
-              <a:t> </a:t>
-            </a:r>
-            <a:r>
-              <a:rPr lang="hr-HR" dirty="0" err="1" smtClean="0"/>
-              <a:t>dump</a:t>
-            </a:r>
-            <a:endParaRPr lang="hr-HR" dirty="0" smtClean="0"/>
-          </a:p>
-          <a:p>
-            <a:pPr lvl="1"/>
-            <a:r>
-              <a:rPr lang="hr-HR" dirty="0" err="1" smtClean="0"/>
-              <a:t>Conditional</a:t>
-            </a:r>
-            <a:r>
-              <a:rPr lang="hr-HR" dirty="0" smtClean="0"/>
-              <a:t> </a:t>
-            </a:r>
-            <a:r>
-              <a:rPr lang="hr-HR" dirty="0" err="1" smtClean="0"/>
-              <a:t>breakpoints</a:t>
-            </a:r>
-            <a:r>
-              <a:rPr lang="hr-HR" dirty="0" smtClean="0"/>
-              <a:t>, </a:t>
-            </a:r>
-            <a:r>
-              <a:rPr lang="hr-HR" dirty="0" err="1" smtClean="0"/>
-              <a:t>watches</a:t>
-            </a:r>
-            <a:r>
-              <a:rPr lang="hr-HR" dirty="0" smtClean="0"/>
-              <a:t>, </a:t>
-            </a:r>
-            <a:r>
-              <a:rPr lang="hr-HR" dirty="0" err="1" smtClean="0"/>
-              <a:t>immediate</a:t>
-            </a:r>
-            <a:r>
-              <a:rPr lang="hr-HR" dirty="0" smtClean="0"/>
-              <a:t> window</a:t>
-            </a:r>
-          </a:p>
-          <a:p>
-            <a:r>
-              <a:rPr lang="hr-HR" dirty="0" err="1" smtClean="0"/>
-              <a:t>Performance</a:t>
-            </a:r>
-            <a:r>
-              <a:rPr lang="hr-HR" dirty="0" smtClean="0"/>
-              <a:t> </a:t>
-            </a:r>
-            <a:r>
-              <a:rPr lang="hr-HR" dirty="0" err="1" smtClean="0"/>
-              <a:t>and</a:t>
-            </a:r>
-            <a:r>
-              <a:rPr lang="hr-HR" dirty="0" smtClean="0"/>
-              <a:t> </a:t>
-            </a:r>
-            <a:r>
-              <a:rPr lang="hr-HR" dirty="0" err="1" smtClean="0"/>
-              <a:t>Diagnostics</a:t>
-            </a:r>
-            <a:r>
-              <a:rPr lang="hr-HR" dirty="0" smtClean="0"/>
-              <a:t> (</a:t>
-            </a:r>
-            <a:r>
-              <a:rPr lang="hr-HR" dirty="0" err="1" smtClean="0"/>
-              <a:t>profilers</a:t>
-            </a:r>
-            <a:r>
-              <a:rPr lang="hr-HR" dirty="0" smtClean="0"/>
-              <a:t>)</a:t>
-            </a:r>
-          </a:p>
-          <a:p>
-            <a:pPr marL="457200" lvl="1" indent="0">
-              <a:buNone/>
-            </a:pPr>
             <a:endParaRPr lang="hr-HR" dirty="0" smtClean="0"/>
           </a:p>
           <a:p>
@@ -6240,10 +9515,40 @@
           </a:p>
         </p:txBody>
       </p:sp>
+      <p:pic>
+        <p:nvPicPr>
+          <p:cNvPr id="5" name="Picture 4"/>
+          <p:cNvPicPr>
+            <a:picLocks noChangeAspect="1"/>
+          </p:cNvPicPr>
+          <p:nvPr/>
+        </p:nvPicPr>
+        <p:blipFill>
+          <a:blip r:embed="rId4">
+            <a:extLst>
+              <a:ext uri="{28A0092B-C50C-407E-A947-70E740481C1C}">
+                <a14:useLocalDpi xmlns:a14="http://schemas.microsoft.com/office/drawing/2010/main" val="0"/>
+              </a:ext>
+            </a:extLst>
+          </a:blip>
+          <a:stretch>
+            <a:fillRect/>
+          </a:stretch>
+        </p:blipFill>
+        <p:spPr>
+          <a:xfrm>
+            <a:off x="3168934" y="3542260"/>
+            <a:ext cx="4651304" cy="2769640"/>
+          </a:xfrm>
+          <a:prstGeom prst="rect">
+            <a:avLst/>
+          </a:prstGeom>
+        </p:spPr>
+      </p:pic>
     </p:spTree>
     <p:extLst>
       <p:ext uri="{BB962C8B-B14F-4D97-AF65-F5344CB8AC3E}">
-        <p14:creationId xmlns:p14="http://schemas.microsoft.com/office/powerpoint/2010/main" val="477603348"/>
+        <p14:creationId xmlns:p14="http://schemas.microsoft.com/office/powerpoint/2010/main" val="2202298794"/>
       </p:ext>
     </p:extLst>
   </p:cSld>
@@ -6285,15 +9590,7 @@
           <a:bodyPr/>
           <a:lstStyle/>
           <a:p>
-            <a:r>
-              <a:rPr lang="hr-HR" dirty="0" err="1" smtClean="0"/>
-              <a:t>Visual</a:t>
-            </a:r>
-            <a:r>
-              <a:rPr lang="hr-HR" dirty="0" smtClean="0"/>
-              <a:t> Studio</a:t>
-            </a:r>
-            <a:endParaRPr lang="hr-HR" dirty="0"/>
+            <a:endParaRPr lang="hr-HR"/>
           </a:p>
         </p:txBody>
       </p:sp>
@@ -6312,57 +9609,44 @@
           <a:bodyPr/>
           <a:lstStyle/>
           <a:p>
-            <a:r>
-              <a:rPr lang="hr-HR" dirty="0" err="1" smtClean="0"/>
-              <a:t>Version</a:t>
-            </a:r>
-            <a:r>
-              <a:rPr lang="hr-HR" dirty="0" smtClean="0"/>
-              <a:t> </a:t>
-            </a:r>
-            <a:r>
-              <a:rPr lang="hr-HR" dirty="0" err="1" smtClean="0"/>
-              <a:t>control</a:t>
-            </a:r>
-            <a:endParaRPr lang="hr-HR" dirty="0" smtClean="0"/>
-          </a:p>
-          <a:p>
-            <a:pPr lvl="1"/>
-            <a:r>
-              <a:rPr lang="hr-HR" dirty="0" smtClean="0"/>
-              <a:t>TFS</a:t>
-            </a:r>
-          </a:p>
-          <a:p>
-            <a:pPr lvl="1"/>
-            <a:r>
-              <a:rPr lang="hr-HR" dirty="0" smtClean="0"/>
-              <a:t>SVN</a:t>
-            </a:r>
-          </a:p>
-          <a:p>
-            <a:pPr lvl="1"/>
-            <a:r>
-              <a:rPr lang="hr-HR" dirty="0" smtClean="0"/>
-              <a:t>GIT</a:t>
-            </a:r>
-          </a:p>
-          <a:p>
-            <a:pPr marL="457200" lvl="1" indent="0">
-              <a:buNone/>
-            </a:pPr>
-            <a:endParaRPr lang="hr-HR" dirty="0" smtClean="0"/>
-          </a:p>
-          <a:p>
-            <a:pPr lvl="1"/>
-            <a:endParaRPr lang="hr-HR" dirty="0"/>
-          </a:p>
-        </p:txBody>
-      </p:sp>
+            <a:endParaRPr lang="hr-HR"/>
+          </a:p>
+        </p:txBody>
+      </p:sp>
+      <p:pic>
+        <p:nvPicPr>
+          <p:cNvPr id="4" name="Picture 3"/>
+          <p:cNvPicPr>
+            <a:picLocks noChangeAspect="1"/>
+          </p:cNvPicPr>
+          <p:nvPr/>
+        </p:nvPicPr>
+        <p:blipFill>
+          <a:blip r:embed="rId2">
+            <a:extLst>
+              <a:ext uri="{28A0092B-C50C-407E-A947-70E740481C1C}">
+                <a14:useLocalDpi xmlns:a14="http://schemas.microsoft.com/office/drawing/2010/main" val="0"/>
+              </a:ext>
+            </a:extLst>
+          </a:blip>
+          <a:stretch>
+            <a:fillRect/>
+          </a:stretch>
+        </p:blipFill>
+        <p:spPr>
+          <a:xfrm>
+            <a:off x="555913" y="450314"/>
+            <a:ext cx="11009169" cy="5726649"/>
+          </a:xfrm>
+          <a:prstGeom prst="rect">
+            <a:avLst/>
+          </a:prstGeom>
+        </p:spPr>
+      </p:pic>
     </p:spTree>
     <p:extLst>
       <p:ext uri="{BB962C8B-B14F-4D97-AF65-F5344CB8AC3E}">
-        <p14:creationId xmlns:p14="http://schemas.microsoft.com/office/powerpoint/2010/main" val="2124280312"/>
+        <p14:creationId xmlns:p14="http://schemas.microsoft.com/office/powerpoint/2010/main" val="257498850"/>
       </p:ext>
     </p:extLst>
   </p:cSld>

--- a/prezentacije/1-3 Alati u razvoju.pptx
+++ b/prezentacije/1-3 Alati u razvoju.pptx
@@ -5,28 +5,29 @@
     <p:sldMasterId id="2147483648" r:id="rId1"/>
   </p:sldMasterIdLst>
   <p:notesMasterIdLst>
-    <p:notesMasterId r:id="rId21"/>
+    <p:notesMasterId r:id="rId22"/>
   </p:notesMasterIdLst>
   <p:sldIdLst>
-    <p:sldId id="258" r:id="rId2"/>
-    <p:sldId id="259" r:id="rId3"/>
-    <p:sldId id="260" r:id="rId4"/>
-    <p:sldId id="261" r:id="rId5"/>
-    <p:sldId id="272" r:id="rId6"/>
-    <p:sldId id="263" r:id="rId7"/>
-    <p:sldId id="275" r:id="rId8"/>
-    <p:sldId id="276" r:id="rId9"/>
-    <p:sldId id="278" r:id="rId10"/>
-    <p:sldId id="277" r:id="rId11"/>
-    <p:sldId id="265" r:id="rId12"/>
-    <p:sldId id="266" r:id="rId13"/>
-    <p:sldId id="267" r:id="rId14"/>
-    <p:sldId id="270" r:id="rId15"/>
-    <p:sldId id="271" r:id="rId16"/>
-    <p:sldId id="274" r:id="rId17"/>
-    <p:sldId id="262" r:id="rId18"/>
-    <p:sldId id="257" r:id="rId19"/>
-    <p:sldId id="279" r:id="rId20"/>
+    <p:sldId id="281" r:id="rId2"/>
+    <p:sldId id="258" r:id="rId3"/>
+    <p:sldId id="259" r:id="rId4"/>
+    <p:sldId id="260" r:id="rId5"/>
+    <p:sldId id="261" r:id="rId6"/>
+    <p:sldId id="272" r:id="rId7"/>
+    <p:sldId id="263" r:id="rId8"/>
+    <p:sldId id="275" r:id="rId9"/>
+    <p:sldId id="276" r:id="rId10"/>
+    <p:sldId id="278" r:id="rId11"/>
+    <p:sldId id="277" r:id="rId12"/>
+    <p:sldId id="265" r:id="rId13"/>
+    <p:sldId id="266" r:id="rId14"/>
+    <p:sldId id="267" r:id="rId15"/>
+    <p:sldId id="270" r:id="rId16"/>
+    <p:sldId id="271" r:id="rId17"/>
+    <p:sldId id="274" r:id="rId18"/>
+    <p:sldId id="262" r:id="rId19"/>
+    <p:sldId id="257" r:id="rId20"/>
+    <p:sldId id="279" r:id="rId21"/>
   </p:sldIdLst>
   <p:sldSz cx="12192000" cy="6858000"/>
   <p:notesSz cx="6858000" cy="9144000"/>
@@ -215,7 +216,7 @@
           <a:p>
             <a:fld id="{3EC99C4B-131F-44C7-9192-173D28B840E6}" type="datetimeFigureOut">
               <a:rPr lang="hr-HR" smtClean="0"/>
-              <a:t>1.5.2017.</a:t>
+              <a:t>2.5.2017.</a:t>
             </a:fld>
             <a:endParaRPr lang="hr-HR"/>
           </a:p>
@@ -564,7 +565,7 @@
           <a:p>
             <a:fld id="{63BB50E0-CD38-4D20-957B-0AC75134BF07}" type="slidenum">
               <a:rPr lang="hr-HR" smtClean="0"/>
-              <a:t>1</a:t>
+              <a:t>2</a:t>
             </a:fld>
             <a:endParaRPr lang="hr-HR"/>
           </a:p>
@@ -656,7 +657,7 @@
           <a:p>
             <a:fld id="{63BB50E0-CD38-4D20-957B-0AC75134BF07}" type="slidenum">
               <a:rPr lang="hr-HR" smtClean="0"/>
-              <a:t>6</a:t>
+              <a:t>7</a:t>
             </a:fld>
             <a:endParaRPr lang="hr-HR"/>
           </a:p>
@@ -748,7 +749,7 @@
           <a:p>
             <a:fld id="{63BB50E0-CD38-4D20-957B-0AC75134BF07}" type="slidenum">
               <a:rPr lang="hr-HR" smtClean="0"/>
-              <a:t>7</a:t>
+              <a:t>8</a:t>
             </a:fld>
             <a:endParaRPr lang="hr-HR"/>
           </a:p>
@@ -840,7 +841,7 @@
           <a:p>
             <a:fld id="{63BB50E0-CD38-4D20-957B-0AC75134BF07}" type="slidenum">
               <a:rPr lang="hr-HR" smtClean="0"/>
-              <a:t>8</a:t>
+              <a:t>9</a:t>
             </a:fld>
             <a:endParaRPr lang="hr-HR"/>
           </a:p>
@@ -932,7 +933,7 @@
           <a:p>
             <a:fld id="{63BB50E0-CD38-4D20-957B-0AC75134BF07}" type="slidenum">
               <a:rPr lang="hr-HR" smtClean="0"/>
-              <a:t>10</a:t>
+              <a:t>11</a:t>
             </a:fld>
             <a:endParaRPr lang="hr-HR"/>
           </a:p>
@@ -1050,7 +1051,7 @@
           <a:p>
             <a:fld id="{3B95FDCD-520A-40CC-98D9-F64FA784BBEB}" type="slidenum">
               <a:rPr lang="hr-HR" smtClean="0"/>
-              <a:t>14</a:t>
+              <a:t>15</a:t>
             </a:fld>
             <a:endParaRPr lang="hr-HR"/>
           </a:p>
@@ -1134,7 +1135,7 @@
           <a:p>
             <a:fld id="{63BB50E0-CD38-4D20-957B-0AC75134BF07}" type="slidenum">
               <a:rPr lang="hr-HR" smtClean="0"/>
-              <a:t>16</a:t>
+              <a:t>17</a:t>
             </a:fld>
             <a:endParaRPr lang="hr-HR"/>
           </a:p>
@@ -1284,7 +1285,7 @@
           <a:p>
             <a:fld id="{E96F6D18-14D9-4839-AD4E-F9C57A5B3B13}" type="datetimeFigureOut">
               <a:rPr lang="hr-HR" smtClean="0"/>
-              <a:t>1.5.2017.</a:t>
+              <a:t>2.5.2017.</a:t>
             </a:fld>
             <a:endParaRPr lang="hr-HR"/>
           </a:p>
@@ -1454,7 +1455,7 @@
           <a:p>
             <a:fld id="{E96F6D18-14D9-4839-AD4E-F9C57A5B3B13}" type="datetimeFigureOut">
               <a:rPr lang="hr-HR" smtClean="0"/>
-              <a:t>1.5.2017.</a:t>
+              <a:t>2.5.2017.</a:t>
             </a:fld>
             <a:endParaRPr lang="hr-HR"/>
           </a:p>
@@ -1634,7 +1635,7 @@
           <a:p>
             <a:fld id="{E96F6D18-14D9-4839-AD4E-F9C57A5B3B13}" type="datetimeFigureOut">
               <a:rPr lang="hr-HR" smtClean="0"/>
-              <a:t>1.5.2017.</a:t>
+              <a:t>2.5.2017.</a:t>
             </a:fld>
             <a:endParaRPr lang="hr-HR"/>
           </a:p>
@@ -1804,7 +1805,7 @@
           <a:p>
             <a:fld id="{E96F6D18-14D9-4839-AD4E-F9C57A5B3B13}" type="datetimeFigureOut">
               <a:rPr lang="hr-HR" smtClean="0"/>
-              <a:t>1.5.2017.</a:t>
+              <a:t>2.5.2017.</a:t>
             </a:fld>
             <a:endParaRPr lang="hr-HR"/>
           </a:p>
@@ -2050,7 +2051,7 @@
           <a:p>
             <a:fld id="{E96F6D18-14D9-4839-AD4E-F9C57A5B3B13}" type="datetimeFigureOut">
               <a:rPr lang="hr-HR" smtClean="0"/>
-              <a:t>1.5.2017.</a:t>
+              <a:t>2.5.2017.</a:t>
             </a:fld>
             <a:endParaRPr lang="hr-HR"/>
           </a:p>
@@ -2282,7 +2283,7 @@
           <a:p>
             <a:fld id="{E96F6D18-14D9-4839-AD4E-F9C57A5B3B13}" type="datetimeFigureOut">
               <a:rPr lang="hr-HR" smtClean="0"/>
-              <a:t>1.5.2017.</a:t>
+              <a:t>2.5.2017.</a:t>
             </a:fld>
             <a:endParaRPr lang="hr-HR"/>
           </a:p>
@@ -2649,7 +2650,7 @@
           <a:p>
             <a:fld id="{E96F6D18-14D9-4839-AD4E-F9C57A5B3B13}" type="datetimeFigureOut">
               <a:rPr lang="hr-HR" smtClean="0"/>
-              <a:t>1.5.2017.</a:t>
+              <a:t>2.5.2017.</a:t>
             </a:fld>
             <a:endParaRPr lang="hr-HR"/>
           </a:p>
@@ -2767,7 +2768,7 @@
           <a:p>
             <a:fld id="{E96F6D18-14D9-4839-AD4E-F9C57A5B3B13}" type="datetimeFigureOut">
               <a:rPr lang="hr-HR" smtClean="0"/>
-              <a:t>1.5.2017.</a:t>
+              <a:t>2.5.2017.</a:t>
             </a:fld>
             <a:endParaRPr lang="hr-HR"/>
           </a:p>
@@ -2862,7 +2863,7 @@
           <a:p>
             <a:fld id="{E96F6D18-14D9-4839-AD4E-F9C57A5B3B13}" type="datetimeFigureOut">
               <a:rPr lang="hr-HR" smtClean="0"/>
-              <a:t>1.5.2017.</a:t>
+              <a:t>2.5.2017.</a:t>
             </a:fld>
             <a:endParaRPr lang="hr-HR"/>
           </a:p>
@@ -3139,7 +3140,7 @@
           <a:p>
             <a:fld id="{E96F6D18-14D9-4839-AD4E-F9C57A5B3B13}" type="datetimeFigureOut">
               <a:rPr lang="hr-HR" smtClean="0"/>
-              <a:t>1.5.2017.</a:t>
+              <a:t>2.5.2017.</a:t>
             </a:fld>
             <a:endParaRPr lang="hr-HR"/>
           </a:p>
@@ -3392,7 +3393,7 @@
           <a:p>
             <a:fld id="{E96F6D18-14D9-4839-AD4E-F9C57A5B3B13}" type="datetimeFigureOut">
               <a:rPr lang="hr-HR" smtClean="0"/>
-              <a:t>1.5.2017.</a:t>
+              <a:t>2.5.2017.</a:t>
             </a:fld>
             <a:endParaRPr lang="hr-HR"/>
           </a:p>
@@ -3605,7 +3606,7 @@
           <a:p>
             <a:fld id="{E96F6D18-14D9-4839-AD4E-F9C57A5B3B13}" type="datetimeFigureOut">
               <a:rPr lang="hr-HR" smtClean="0"/>
-              <a:t>1.5.2017.</a:t>
+              <a:t>2.5.2017.</a:t>
             </a:fld>
             <a:endParaRPr lang="hr-HR"/>
           </a:p>
@@ -4010,6 +4011,29 @@
           <a:chExt cx="0" cy="0"/>
         </a:xfrm>
       </p:grpSpPr>
+      <p:pic>
+        <p:nvPicPr>
+          <p:cNvPr id="7" name="Picture 6"/>
+          <p:cNvPicPr>
+            <a:picLocks noChangeAspect="1"/>
+          </p:cNvPicPr>
+          <p:nvPr/>
+        </p:nvPicPr>
+        <p:blipFill rotWithShape="1">
+          <a:blip r:embed="rId2"/>
+          <a:srcRect l="27535" t="4176" r="27697" b="2733"/>
+          <a:stretch/>
+        </p:blipFill>
+        <p:spPr>
+          <a:xfrm>
+            <a:off x="3158836" y="2616273"/>
+            <a:ext cx="1625696" cy="1690255"/>
+          </a:xfrm>
+          <a:prstGeom prst="rect">
+            <a:avLst/>
+          </a:prstGeom>
+        </p:spPr>
+      </p:pic>
       <p:sp>
         <p:nvSpPr>
           <p:cNvPr id="2" name="Title 1"/>
@@ -4017,25 +4041,22 @@
             <a:spLocks noGrp="1"/>
           </p:cNvSpPr>
           <p:nvPr>
-            <p:ph type="title"/>
-          </p:nvPr>
-        </p:nvSpPr>
-        <p:spPr/>
+            <p:ph type="ctrTitle"/>
+          </p:nvPr>
+        </p:nvSpPr>
+        <p:spPr>
+          <a:xfrm>
+            <a:off x="1524000" y="171595"/>
+            <a:ext cx="9144000" cy="2387600"/>
+          </a:xfrm>
+        </p:spPr>
         <p:txBody>
           <a:bodyPr/>
           <a:lstStyle/>
           <a:p>
             <a:r>
-              <a:rPr lang="hr-HR" dirty="0" err="1"/>
-              <a:t>Visual</a:t>
-            </a:r>
-            <a:r>
-              <a:rPr lang="hr-HR" dirty="0"/>
-              <a:t> </a:t>
-            </a:r>
-            <a:r>
-              <a:rPr lang="hr-HR" dirty="0" smtClean="0"/>
-              <a:t>Studio</a:t>
+              <a:rPr lang="hr-HR" dirty="0" smtClean="0"/>
+              <a:t>1-3 ALATI U RAZVOJU</a:t>
             </a:r>
             <a:endParaRPr lang="hr-HR" dirty="0"/>
           </a:p>
@@ -4043,120 +4064,137 @@
       </p:sp>
       <p:sp>
         <p:nvSpPr>
-          <p:cNvPr id="3" name="Content Placeholder 2"/>
-          <p:cNvSpPr>
-            <a:spLocks noGrp="1"/>
-          </p:cNvSpPr>
-          <p:nvPr>
-            <p:ph idx="1"/>
+          <p:cNvPr id="3" name="Subtitle 2"/>
+          <p:cNvSpPr>
+            <a:spLocks noGrp="1"/>
+          </p:cNvSpPr>
+          <p:nvPr>
+            <p:ph type="subTitle" idx="1"/>
           </p:nvPr>
         </p:nvSpPr>
         <p:spPr>
           <a:xfrm>
-            <a:off x="5205844" y="1825625"/>
-            <a:ext cx="6147955" cy="4351338"/>
+            <a:off x="1524000" y="4802765"/>
+            <a:ext cx="9144000" cy="1655762"/>
           </a:xfrm>
         </p:spPr>
         <p:txBody>
+          <a:bodyPr>
+            <a:normAutofit lnSpcReduction="10000"/>
+          </a:bodyPr>
+          <a:lstStyle/>
+          <a:p>
+            <a:r>
+              <a:rPr lang="hr-HR" dirty="0" smtClean="0"/>
+              <a:t>Maro Marčinko</a:t>
+            </a:r>
+          </a:p>
+          <a:p>
+            <a:r>
+              <a:rPr lang="hr-HR" dirty="0" smtClean="0"/>
+              <a:t>Matija Hrženjak</a:t>
+            </a:r>
+          </a:p>
+          <a:p>
+            <a:endParaRPr lang="hr-HR" dirty="0"/>
+          </a:p>
+          <a:p>
+            <a:r>
+              <a:rPr lang="hr-HR" dirty="0" smtClean="0"/>
+              <a:t>IN2, 2017.</a:t>
+            </a:r>
+            <a:endParaRPr lang="hr-HR" dirty="0"/>
+          </a:p>
+        </p:txBody>
+      </p:sp>
+      <p:pic>
+        <p:nvPicPr>
+          <p:cNvPr id="8" name="Picture 7"/>
+          <p:cNvPicPr>
+            <a:picLocks noChangeAspect="1"/>
+          </p:cNvPicPr>
+          <p:nvPr/>
+        </p:nvPicPr>
+        <p:blipFill rotWithShape="1">
+          <a:blip r:embed="rId3"/>
+          <a:srcRect t="37740" b="36771"/>
+          <a:stretch/>
+        </p:blipFill>
+        <p:spPr>
+          <a:xfrm>
+            <a:off x="5418556" y="2950876"/>
+            <a:ext cx="4005820" cy="1021050"/>
+          </a:xfrm>
+          <a:prstGeom prst="rect">
+            <a:avLst/>
+          </a:prstGeom>
+        </p:spPr>
+      </p:pic>
+    </p:spTree>
+    <p:extLst>
+      <p:ext uri="{BB962C8B-B14F-4D97-AF65-F5344CB8AC3E}">
+        <p14:creationId xmlns:p14="http://schemas.microsoft.com/office/powerpoint/2010/main" val="903344590"/>
+      </p:ext>
+    </p:extLst>
+  </p:cSld>
+  <p:clrMapOvr>
+    <a:masterClrMapping/>
+  </p:clrMapOvr>
+</p:sld>
+</file>
+
+<file path=ppt/slides/slide10.xml><?xml version="1.0" encoding="utf-8"?>
+<p:sld xmlns:a="http://schemas.openxmlformats.org/drawingml/2006/main" xmlns:r="http://schemas.openxmlformats.org/officeDocument/2006/relationships" xmlns:p="http://schemas.openxmlformats.org/presentationml/2006/main">
+  <p:cSld>
+    <p:spTree>
+      <p:nvGrpSpPr>
+        <p:cNvPr id="1" name=""/>
+        <p:cNvGrpSpPr/>
+        <p:nvPr/>
+      </p:nvGrpSpPr>
+      <p:grpSpPr>
+        <a:xfrm>
+          <a:off x="0" y="0"/>
+          <a:ext cx="0" cy="0"/>
+          <a:chOff x="0" y="0"/>
+          <a:chExt cx="0" cy="0"/>
+        </a:xfrm>
+      </p:grpSpPr>
+      <p:sp>
+        <p:nvSpPr>
+          <p:cNvPr id="2" name="Title 1"/>
+          <p:cNvSpPr>
+            <a:spLocks noGrp="1"/>
+          </p:cNvSpPr>
+          <p:nvPr>
+            <p:ph type="title"/>
+          </p:nvPr>
+        </p:nvSpPr>
+        <p:spPr/>
+        <p:txBody>
           <a:bodyPr/>
           <a:lstStyle/>
           <a:p>
-            <a:r>
-              <a:rPr lang="hr-HR" dirty="0" err="1" smtClean="0"/>
-              <a:t>Visual</a:t>
-            </a:r>
-            <a:r>
-              <a:rPr lang="hr-HR" dirty="0" smtClean="0"/>
-              <a:t> Studio 97 (v5.0 – v6.0)</a:t>
-            </a:r>
-          </a:p>
-          <a:p>
-            <a:pPr lvl="1"/>
-            <a:r>
-              <a:rPr lang="hr-HR" dirty="0" smtClean="0"/>
-              <a:t>J++, InterDev, C++, </a:t>
-            </a:r>
-            <a:r>
-              <a:rPr lang="hr-HR" dirty="0" err="1" smtClean="0"/>
-              <a:t>Basic</a:t>
-            </a:r>
-            <a:r>
-              <a:rPr lang="hr-HR" dirty="0" smtClean="0"/>
-              <a:t>, FoxPro</a:t>
-            </a:r>
-          </a:p>
-          <a:p>
-            <a:r>
-              <a:rPr lang="hr-HR" dirty="0" err="1" smtClean="0"/>
-              <a:t>Visual</a:t>
-            </a:r>
-            <a:r>
-              <a:rPr lang="hr-HR" dirty="0" smtClean="0"/>
-              <a:t> Studio .NET (2002)</a:t>
-            </a:r>
-          </a:p>
-          <a:p>
-            <a:pPr lvl="1"/>
-            <a:r>
-              <a:rPr lang="hr-HR" dirty="0" smtClean="0"/>
-              <a:t>.NET Framework 1.0</a:t>
-            </a:r>
-          </a:p>
-          <a:p>
-            <a:pPr lvl="1"/>
-            <a:r>
-              <a:rPr lang="hr-HR" dirty="0" err="1" smtClean="0"/>
-              <a:t>Basic</a:t>
-            </a:r>
-            <a:r>
-              <a:rPr lang="hr-HR" dirty="0" smtClean="0"/>
-              <a:t> .NET, C#</a:t>
-            </a:r>
-          </a:p>
-          <a:p>
-            <a:r>
-              <a:rPr lang="hr-HR" dirty="0" err="1" smtClean="0"/>
-              <a:t>Visual</a:t>
-            </a:r>
-            <a:r>
-              <a:rPr lang="hr-HR" dirty="0" smtClean="0"/>
-              <a:t> Studio 2005</a:t>
-            </a:r>
-          </a:p>
-          <a:p>
-            <a:pPr lvl="1"/>
-            <a:r>
-              <a:rPr lang="hr-HR" dirty="0" smtClean="0"/>
-              <a:t>.NET Framework 2.0/3.0</a:t>
-            </a:r>
-          </a:p>
-          <a:p>
-            <a:pPr lvl="1"/>
-            <a:r>
-              <a:rPr lang="hr-HR" dirty="0" smtClean="0"/>
-              <a:t>64-bit </a:t>
-            </a:r>
-            <a:r>
-              <a:rPr lang="hr-HR" dirty="0" err="1" smtClean="0"/>
-              <a:t>support</a:t>
-            </a:r>
-            <a:endParaRPr lang="hr-HR" dirty="0" smtClean="0"/>
-          </a:p>
-          <a:p>
-            <a:pPr lvl="1"/>
-            <a:r>
-              <a:rPr lang="hr-HR" dirty="0" smtClean="0"/>
-              <a:t>Automatski </a:t>
-            </a:r>
-            <a:r>
-              <a:rPr lang="hr-HR" dirty="0" err="1" smtClean="0"/>
-              <a:t>IntelliSense</a:t>
-            </a:r>
-            <a:endParaRPr lang="hr-HR" dirty="0" smtClean="0"/>
-          </a:p>
-          <a:p>
-            <a:pPr lvl="1"/>
-            <a:endParaRPr lang="hr-HR" dirty="0" smtClean="0"/>
+            <a:endParaRPr lang="hr-HR"/>
+          </a:p>
+        </p:txBody>
+      </p:sp>
+      <p:sp>
+        <p:nvSpPr>
+          <p:cNvPr id="3" name="Content Placeholder 2"/>
+          <p:cNvSpPr>
+            <a:spLocks noGrp="1"/>
+          </p:cNvSpPr>
+          <p:nvPr>
+            <p:ph idx="1"/>
+          </p:nvPr>
+        </p:nvSpPr>
+        <p:spPr/>
+        <p:txBody>
+          <a:bodyPr/>
+          <a:lstStyle/>
+          <a:p>
+            <a:endParaRPr lang="hr-HR"/>
           </a:p>
         </p:txBody>
       </p:sp>
@@ -4169,7 +4207,7 @@
           <p:nvPr/>
         </p:nvPicPr>
         <p:blipFill>
-          <a:blip r:embed="rId3">
+          <a:blip r:embed="rId2">
             <a:extLst>
               <a:ext uri="{28A0092B-C50C-407E-A947-70E740481C1C}">
                 <a14:useLocalDpi xmlns:a14="http://schemas.microsoft.com/office/drawing/2010/main" val="0"/>
@@ -4182,8 +4220,8 @@
         </p:blipFill>
         <p:spPr>
           <a:xfrm>
-            <a:off x="942109" y="1620044"/>
-            <a:ext cx="3867150" cy="4762500"/>
+            <a:off x="555913" y="450314"/>
+            <a:ext cx="11009169" cy="5726649"/>
           </a:xfrm>
           <a:prstGeom prst="rect">
             <a:avLst/>
@@ -4193,24 +4231,17 @@
     </p:spTree>
     <p:extLst>
       <p:ext uri="{BB962C8B-B14F-4D97-AF65-F5344CB8AC3E}">
-        <p14:creationId xmlns:p14="http://schemas.microsoft.com/office/powerpoint/2010/main" val="1191203112"/>
+        <p14:creationId xmlns:p14="http://schemas.microsoft.com/office/powerpoint/2010/main" val="257498850"/>
       </p:ext>
     </p:extLst>
   </p:cSld>
   <p:clrMapOvr>
     <a:masterClrMapping/>
   </p:clrMapOvr>
-  <p:timing>
-    <p:tnLst>
-      <p:par>
-        <p:cTn id="1" dur="indefinite" restart="never" nodeType="tmRoot"/>
-      </p:par>
-    </p:tnLst>
-  </p:timing>
 </p:sld>
 </file>
 
-<file path=ppt/slides/slide10.xml><?xml version="1.0" encoding="utf-8"?>
+<file path=ppt/slides/slide11.xml><?xml version="1.0" encoding="utf-8"?>
 <p:sld xmlns:a="http://schemas.openxmlformats.org/drawingml/2006/main" xmlns:r="http://schemas.openxmlformats.org/officeDocument/2006/relationships" xmlns:p="http://schemas.openxmlformats.org/presentationml/2006/main">
   <p:cSld>
     <p:spTree>
@@ -4338,7 +4369,7 @@
 </p:sld>
 </file>
 
-<file path=ppt/slides/slide11.xml><?xml version="1.0" encoding="utf-8"?>
+<file path=ppt/slides/slide12.xml><?xml version="1.0" encoding="utf-8"?>
 <p:sld xmlns:a="http://schemas.openxmlformats.org/drawingml/2006/main" xmlns:r="http://schemas.openxmlformats.org/officeDocument/2006/relationships" xmlns:p="http://schemas.openxmlformats.org/presentationml/2006/main">
   <p:cSld>
     <p:spTree>
@@ -4520,228 +4551,6 @@
 </p:sld>
 </file>
 
-<file path=ppt/slides/slide12.xml><?xml version="1.0" encoding="utf-8"?>
-<p:sld xmlns:a="http://schemas.openxmlformats.org/drawingml/2006/main" xmlns:r="http://schemas.openxmlformats.org/officeDocument/2006/relationships" xmlns:p="http://schemas.openxmlformats.org/presentationml/2006/main">
-  <p:cSld>
-    <p:spTree>
-      <p:nvGrpSpPr>
-        <p:cNvPr id="1" name=""/>
-        <p:cNvGrpSpPr/>
-        <p:nvPr/>
-      </p:nvGrpSpPr>
-      <p:grpSpPr>
-        <a:xfrm>
-          <a:off x="0" y="0"/>
-          <a:ext cx="0" cy="0"/>
-          <a:chOff x="0" y="0"/>
-          <a:chExt cx="0" cy="0"/>
-        </a:xfrm>
-      </p:grpSpPr>
-      <p:sp>
-        <p:nvSpPr>
-          <p:cNvPr id="2" name="Title 1"/>
-          <p:cNvSpPr>
-            <a:spLocks noGrp="1"/>
-          </p:cNvSpPr>
-          <p:nvPr>
-            <p:ph type="title"/>
-          </p:nvPr>
-        </p:nvSpPr>
-        <p:spPr/>
-        <p:txBody>
-          <a:bodyPr/>
-          <a:lstStyle/>
-          <a:p>
-            <a:r>
-              <a:rPr lang="hr-HR" dirty="0" err="1" smtClean="0"/>
-              <a:t>Visual</a:t>
-            </a:r>
-            <a:r>
-              <a:rPr lang="hr-HR" dirty="0" smtClean="0"/>
-              <a:t> Studio</a:t>
-            </a:r>
-            <a:endParaRPr lang="hr-HR" dirty="0"/>
-          </a:p>
-        </p:txBody>
-      </p:sp>
-      <p:sp>
-        <p:nvSpPr>
-          <p:cNvPr id="3" name="Content Placeholder 2"/>
-          <p:cNvSpPr>
-            <a:spLocks noGrp="1"/>
-          </p:cNvSpPr>
-          <p:nvPr>
-            <p:ph idx="1"/>
-          </p:nvPr>
-        </p:nvSpPr>
-        <p:spPr/>
-        <p:txBody>
-          <a:bodyPr/>
-          <a:lstStyle/>
-          <a:p>
-            <a:r>
-              <a:rPr lang="hr-HR" dirty="0" err="1" smtClean="0"/>
-              <a:t>Compile</a:t>
-            </a:r>
-            <a:r>
-              <a:rPr lang="hr-HR" dirty="0" smtClean="0"/>
-              <a:t> </a:t>
-            </a:r>
-            <a:r>
-              <a:rPr lang="hr-HR" dirty="0" err="1" smtClean="0"/>
-              <a:t>and</a:t>
-            </a:r>
-            <a:r>
-              <a:rPr lang="hr-HR" dirty="0" smtClean="0"/>
-              <a:t> </a:t>
-            </a:r>
-            <a:r>
-              <a:rPr lang="hr-HR" dirty="0" err="1" smtClean="0"/>
-              <a:t>debug</a:t>
-            </a:r>
-            <a:endParaRPr lang="hr-HR" dirty="0" smtClean="0"/>
-          </a:p>
-          <a:p>
-            <a:pPr lvl="1"/>
-            <a:r>
-              <a:rPr lang="hr-HR" dirty="0" err="1" smtClean="0"/>
-              <a:t>Kompajliranje</a:t>
-            </a:r>
-            <a:r>
-              <a:rPr lang="hr-HR" dirty="0" smtClean="0"/>
-              <a:t> i </a:t>
-            </a:r>
-            <a:r>
-              <a:rPr lang="hr-HR" dirty="0" err="1" smtClean="0"/>
-              <a:t>debugiranje</a:t>
-            </a:r>
-            <a:r>
-              <a:rPr lang="hr-HR" dirty="0" smtClean="0"/>
-              <a:t> na jedan klik</a:t>
-            </a:r>
-          </a:p>
-          <a:p>
-            <a:pPr lvl="1"/>
-            <a:r>
-              <a:rPr lang="hr-HR" dirty="0" smtClean="0"/>
-              <a:t>Mogućnost kreiranja </a:t>
-            </a:r>
-            <a:r>
-              <a:rPr lang="hr-HR" dirty="0" err="1" smtClean="0"/>
-              <a:t>Memory</a:t>
-            </a:r>
-            <a:r>
-              <a:rPr lang="hr-HR" dirty="0" smtClean="0"/>
-              <a:t> </a:t>
-            </a:r>
-            <a:r>
-              <a:rPr lang="hr-HR" dirty="0" err="1" smtClean="0"/>
-              <a:t>dumpa</a:t>
-            </a:r>
-            <a:endParaRPr lang="hr-HR" dirty="0" smtClean="0"/>
-          </a:p>
-          <a:p>
-            <a:pPr lvl="1"/>
-            <a:r>
-              <a:rPr lang="hr-HR" dirty="0" err="1" smtClean="0"/>
-              <a:t>Conditional</a:t>
-            </a:r>
-            <a:r>
-              <a:rPr lang="hr-HR" dirty="0" smtClean="0"/>
-              <a:t> </a:t>
-            </a:r>
-            <a:r>
-              <a:rPr lang="hr-HR" dirty="0" err="1" smtClean="0"/>
-              <a:t>breakpoints</a:t>
-            </a:r>
-            <a:r>
-              <a:rPr lang="hr-HR" dirty="0" smtClean="0"/>
-              <a:t>, </a:t>
-            </a:r>
-            <a:r>
-              <a:rPr lang="hr-HR" dirty="0" err="1" smtClean="0"/>
-              <a:t>watches</a:t>
-            </a:r>
-            <a:r>
-              <a:rPr lang="hr-HR" dirty="0" smtClean="0"/>
-              <a:t>, </a:t>
-            </a:r>
-            <a:r>
-              <a:rPr lang="hr-HR" dirty="0" err="1" smtClean="0"/>
-              <a:t>immediate</a:t>
-            </a:r>
-            <a:r>
-              <a:rPr lang="hr-HR" dirty="0" smtClean="0"/>
-              <a:t> window</a:t>
-            </a:r>
-          </a:p>
-          <a:p>
-            <a:r>
-              <a:rPr lang="hr-HR" dirty="0" err="1" smtClean="0"/>
-              <a:t>Performance</a:t>
-            </a:r>
-            <a:r>
-              <a:rPr lang="hr-HR" dirty="0" smtClean="0"/>
-              <a:t> </a:t>
-            </a:r>
-            <a:r>
-              <a:rPr lang="hr-HR" dirty="0" err="1" smtClean="0"/>
-              <a:t>and</a:t>
-            </a:r>
-            <a:r>
-              <a:rPr lang="hr-HR" dirty="0" smtClean="0"/>
-              <a:t> </a:t>
-            </a:r>
-            <a:r>
-              <a:rPr lang="hr-HR" dirty="0" err="1" smtClean="0"/>
-              <a:t>Diagnostics</a:t>
-            </a:r>
-            <a:r>
-              <a:rPr lang="hr-HR" dirty="0" smtClean="0"/>
-              <a:t> (</a:t>
-            </a:r>
-            <a:r>
-              <a:rPr lang="hr-HR" dirty="0" err="1" smtClean="0"/>
-              <a:t>profilers</a:t>
-            </a:r>
-            <a:r>
-              <a:rPr lang="hr-HR" dirty="0" smtClean="0"/>
-              <a:t>)</a:t>
-            </a:r>
-          </a:p>
-          <a:p>
-            <a:pPr lvl="1"/>
-            <a:r>
-              <a:rPr lang="hr-HR" dirty="0" smtClean="0"/>
-              <a:t>Prate rad CPU-a, korištenje memorije i druge podatke o radu aplikacije</a:t>
-            </a:r>
-            <a:endParaRPr lang="hr-HR" dirty="0" smtClean="0"/>
-          </a:p>
-          <a:p>
-            <a:pPr marL="457200" lvl="1" indent="0">
-              <a:buNone/>
-            </a:pPr>
-            <a:endParaRPr lang="hr-HR" dirty="0" smtClean="0"/>
-          </a:p>
-          <a:p>
-            <a:pPr lvl="1"/>
-            <a:endParaRPr lang="hr-HR" dirty="0"/>
-          </a:p>
-        </p:txBody>
-      </p:sp>
-    </p:spTree>
-    <p:extLst>
-      <p:ext uri="{BB962C8B-B14F-4D97-AF65-F5344CB8AC3E}">
-        <p14:creationId xmlns:p14="http://schemas.microsoft.com/office/powerpoint/2010/main" val="477603348"/>
-      </p:ext>
-    </p:extLst>
-  </p:cSld>
-  <p:clrMapOvr>
-    <a:masterClrMapping/>
-  </p:clrMapOvr>
-</p:sld>
-</file>
-
 <file path=ppt/slides/slide13.xml><?xml version="1.0" encoding="utf-8"?>
 <p:sld xmlns:a="http://schemas.openxmlformats.org/drawingml/2006/main" xmlns:r="http://schemas.openxmlformats.org/officeDocument/2006/relationships" xmlns:p="http://schemas.openxmlformats.org/presentationml/2006/main">
   <p:cSld>
@@ -4796,6 +4605,227 @@
             <p:ph idx="1"/>
           </p:nvPr>
         </p:nvSpPr>
+        <p:spPr/>
+        <p:txBody>
+          <a:bodyPr/>
+          <a:lstStyle/>
+          <a:p>
+            <a:r>
+              <a:rPr lang="hr-HR" dirty="0" err="1" smtClean="0"/>
+              <a:t>Compile</a:t>
+            </a:r>
+            <a:r>
+              <a:rPr lang="hr-HR" dirty="0" smtClean="0"/>
+              <a:t> </a:t>
+            </a:r>
+            <a:r>
+              <a:rPr lang="hr-HR" dirty="0" err="1" smtClean="0"/>
+              <a:t>and</a:t>
+            </a:r>
+            <a:r>
+              <a:rPr lang="hr-HR" dirty="0" smtClean="0"/>
+              <a:t> </a:t>
+            </a:r>
+            <a:r>
+              <a:rPr lang="hr-HR" dirty="0" err="1" smtClean="0"/>
+              <a:t>debug</a:t>
+            </a:r>
+            <a:endParaRPr lang="hr-HR" dirty="0" smtClean="0"/>
+          </a:p>
+          <a:p>
+            <a:pPr lvl="1"/>
+            <a:r>
+              <a:rPr lang="hr-HR" dirty="0" err="1" smtClean="0"/>
+              <a:t>Kompajliranje</a:t>
+            </a:r>
+            <a:r>
+              <a:rPr lang="hr-HR" dirty="0" smtClean="0"/>
+              <a:t> i </a:t>
+            </a:r>
+            <a:r>
+              <a:rPr lang="hr-HR" dirty="0" err="1" smtClean="0"/>
+              <a:t>debugiranje</a:t>
+            </a:r>
+            <a:r>
+              <a:rPr lang="hr-HR" dirty="0" smtClean="0"/>
+              <a:t> na jedan klik</a:t>
+            </a:r>
+          </a:p>
+          <a:p>
+            <a:pPr lvl="1"/>
+            <a:r>
+              <a:rPr lang="hr-HR" dirty="0" smtClean="0"/>
+              <a:t>Mogućnost kreiranja </a:t>
+            </a:r>
+            <a:r>
+              <a:rPr lang="hr-HR" dirty="0" err="1" smtClean="0"/>
+              <a:t>Memory</a:t>
+            </a:r>
+            <a:r>
+              <a:rPr lang="hr-HR" dirty="0" smtClean="0"/>
+              <a:t> </a:t>
+            </a:r>
+            <a:r>
+              <a:rPr lang="hr-HR" dirty="0" err="1" smtClean="0"/>
+              <a:t>dumpa</a:t>
+            </a:r>
+            <a:endParaRPr lang="hr-HR" dirty="0" smtClean="0"/>
+          </a:p>
+          <a:p>
+            <a:pPr lvl="1"/>
+            <a:r>
+              <a:rPr lang="hr-HR" dirty="0" err="1" smtClean="0"/>
+              <a:t>Conditional</a:t>
+            </a:r>
+            <a:r>
+              <a:rPr lang="hr-HR" dirty="0" smtClean="0"/>
+              <a:t> </a:t>
+            </a:r>
+            <a:r>
+              <a:rPr lang="hr-HR" dirty="0" err="1" smtClean="0"/>
+              <a:t>breakpoints</a:t>
+            </a:r>
+            <a:r>
+              <a:rPr lang="hr-HR" dirty="0" smtClean="0"/>
+              <a:t>, </a:t>
+            </a:r>
+            <a:r>
+              <a:rPr lang="hr-HR" dirty="0" err="1" smtClean="0"/>
+              <a:t>watches</a:t>
+            </a:r>
+            <a:r>
+              <a:rPr lang="hr-HR" dirty="0" smtClean="0"/>
+              <a:t>, </a:t>
+            </a:r>
+            <a:r>
+              <a:rPr lang="hr-HR" dirty="0" err="1" smtClean="0"/>
+              <a:t>immediate</a:t>
+            </a:r>
+            <a:r>
+              <a:rPr lang="hr-HR" dirty="0" smtClean="0"/>
+              <a:t> window</a:t>
+            </a:r>
+          </a:p>
+          <a:p>
+            <a:r>
+              <a:rPr lang="hr-HR" dirty="0" err="1" smtClean="0"/>
+              <a:t>Performance</a:t>
+            </a:r>
+            <a:r>
+              <a:rPr lang="hr-HR" dirty="0" smtClean="0"/>
+              <a:t> </a:t>
+            </a:r>
+            <a:r>
+              <a:rPr lang="hr-HR" dirty="0" err="1" smtClean="0"/>
+              <a:t>and</a:t>
+            </a:r>
+            <a:r>
+              <a:rPr lang="hr-HR" dirty="0" smtClean="0"/>
+              <a:t> </a:t>
+            </a:r>
+            <a:r>
+              <a:rPr lang="hr-HR" dirty="0" err="1" smtClean="0"/>
+              <a:t>Diagnostics</a:t>
+            </a:r>
+            <a:r>
+              <a:rPr lang="hr-HR" dirty="0" smtClean="0"/>
+              <a:t> (</a:t>
+            </a:r>
+            <a:r>
+              <a:rPr lang="hr-HR" dirty="0" err="1" smtClean="0"/>
+              <a:t>profilers</a:t>
+            </a:r>
+            <a:r>
+              <a:rPr lang="hr-HR" dirty="0" smtClean="0"/>
+              <a:t>)</a:t>
+            </a:r>
+          </a:p>
+          <a:p>
+            <a:pPr lvl="1"/>
+            <a:r>
+              <a:rPr lang="hr-HR" dirty="0" smtClean="0"/>
+              <a:t>Prate rad CPU-a, korištenje memorije i druge podatke o radu aplikacije</a:t>
+            </a:r>
+          </a:p>
+          <a:p>
+            <a:pPr marL="457200" lvl="1" indent="0">
+              <a:buNone/>
+            </a:pPr>
+            <a:endParaRPr lang="hr-HR" dirty="0" smtClean="0"/>
+          </a:p>
+          <a:p>
+            <a:pPr lvl="1"/>
+            <a:endParaRPr lang="hr-HR" dirty="0"/>
+          </a:p>
+        </p:txBody>
+      </p:sp>
+    </p:spTree>
+    <p:extLst>
+      <p:ext uri="{BB962C8B-B14F-4D97-AF65-F5344CB8AC3E}">
+        <p14:creationId xmlns:p14="http://schemas.microsoft.com/office/powerpoint/2010/main" val="477603348"/>
+      </p:ext>
+    </p:extLst>
+  </p:cSld>
+  <p:clrMapOvr>
+    <a:masterClrMapping/>
+  </p:clrMapOvr>
+</p:sld>
+</file>
+
+<file path=ppt/slides/slide14.xml><?xml version="1.0" encoding="utf-8"?>
+<p:sld xmlns:a="http://schemas.openxmlformats.org/drawingml/2006/main" xmlns:r="http://schemas.openxmlformats.org/officeDocument/2006/relationships" xmlns:p="http://schemas.openxmlformats.org/presentationml/2006/main">
+  <p:cSld>
+    <p:spTree>
+      <p:nvGrpSpPr>
+        <p:cNvPr id="1" name=""/>
+        <p:cNvGrpSpPr/>
+        <p:nvPr/>
+      </p:nvGrpSpPr>
+      <p:grpSpPr>
+        <a:xfrm>
+          <a:off x="0" y="0"/>
+          <a:ext cx="0" cy="0"/>
+          <a:chOff x="0" y="0"/>
+          <a:chExt cx="0" cy="0"/>
+        </a:xfrm>
+      </p:grpSpPr>
+      <p:sp>
+        <p:nvSpPr>
+          <p:cNvPr id="2" name="Title 1"/>
+          <p:cNvSpPr>
+            <a:spLocks noGrp="1"/>
+          </p:cNvSpPr>
+          <p:nvPr>
+            <p:ph type="title"/>
+          </p:nvPr>
+        </p:nvSpPr>
+        <p:spPr/>
+        <p:txBody>
+          <a:bodyPr/>
+          <a:lstStyle/>
+          <a:p>
+            <a:r>
+              <a:rPr lang="hr-HR" dirty="0" err="1" smtClean="0"/>
+              <a:t>Visual</a:t>
+            </a:r>
+            <a:r>
+              <a:rPr lang="hr-HR" dirty="0" smtClean="0"/>
+              <a:t> Studio</a:t>
+            </a:r>
+            <a:endParaRPr lang="hr-HR" dirty="0"/>
+          </a:p>
+        </p:txBody>
+      </p:sp>
+      <p:sp>
+        <p:nvSpPr>
+          <p:cNvPr id="3" name="Content Placeholder 2"/>
+          <p:cNvSpPr>
+            <a:spLocks noGrp="1"/>
+          </p:cNvSpPr>
+          <p:nvPr>
+            <p:ph idx="1"/>
+          </p:nvPr>
+        </p:nvSpPr>
         <p:spPr>
           <a:xfrm>
             <a:off x="838200" y="1825625"/>
@@ -4841,7 +4871,6 @@
               <a:rPr lang="hr-HR" dirty="0" smtClean="0"/>
               <a:t> koda i razvoj u timskom okruženju</a:t>
             </a:r>
-            <a:endParaRPr lang="hr-HR" dirty="0" smtClean="0"/>
           </a:p>
           <a:p>
             <a:pPr marL="457200" lvl="1" indent="0">
@@ -4898,153 +4927,6 @@
 </p:sld>
 </file>
 
-<file path=ppt/slides/slide14.xml><?xml version="1.0" encoding="utf-8"?>
-<p:sld xmlns:a="http://schemas.openxmlformats.org/drawingml/2006/main" xmlns:r="http://schemas.openxmlformats.org/officeDocument/2006/relationships" xmlns:p="http://schemas.openxmlformats.org/presentationml/2006/main">
-  <p:cSld>
-    <p:spTree>
-      <p:nvGrpSpPr>
-        <p:cNvPr id="1" name=""/>
-        <p:cNvGrpSpPr/>
-        <p:nvPr/>
-      </p:nvGrpSpPr>
-      <p:grpSpPr>
-        <a:xfrm>
-          <a:off x="0" y="0"/>
-          <a:ext cx="0" cy="0"/>
-          <a:chOff x="0" y="0"/>
-          <a:chExt cx="0" cy="0"/>
-        </a:xfrm>
-      </p:grpSpPr>
-      <p:sp>
-        <p:nvSpPr>
-          <p:cNvPr id="2" name="Title 1"/>
-          <p:cNvSpPr>
-            <a:spLocks noGrp="1"/>
-          </p:cNvSpPr>
-          <p:nvPr>
-            <p:ph type="title"/>
-          </p:nvPr>
-        </p:nvSpPr>
-        <p:spPr/>
-        <p:txBody>
-          <a:bodyPr/>
-          <a:lstStyle/>
-          <a:p>
-            <a:r>
-              <a:rPr lang="hr-HR" dirty="0" smtClean="0"/>
-              <a:t>Microsoft ALM proizvodi</a:t>
-            </a:r>
-            <a:endParaRPr lang="hr-HR" dirty="0"/>
-          </a:p>
-        </p:txBody>
-      </p:sp>
-      <p:sp>
-        <p:nvSpPr>
-          <p:cNvPr id="3" name="Content Placeholder 2"/>
-          <p:cNvSpPr>
-            <a:spLocks noGrp="1"/>
-          </p:cNvSpPr>
-          <p:nvPr>
-            <p:ph sz="quarter" idx="1"/>
-          </p:nvPr>
-        </p:nvSpPr>
-        <p:spPr/>
-        <p:txBody>
-          <a:bodyPr>
-            <a:normAutofit/>
-          </a:bodyPr>
-          <a:lstStyle/>
-          <a:p>
-            <a:r>
-              <a:rPr lang="hr-HR" dirty="0" smtClean="0"/>
-              <a:t>Visual Studio (IDE)</a:t>
-            </a:r>
-          </a:p>
-          <a:p>
-            <a:r>
-              <a:rPr lang="hr-HR" dirty="0" smtClean="0"/>
-              <a:t>Visual Studio Test Professional</a:t>
-            </a:r>
-          </a:p>
-          <a:p>
-            <a:pPr lvl="1"/>
-            <a:r>
-              <a:rPr lang="hr-HR" dirty="0"/>
-              <a:t>Continuous delivery </a:t>
-            </a:r>
-            <a:endParaRPr lang="hr-HR" dirty="0" smtClean="0"/>
-          </a:p>
-          <a:p>
-            <a:pPr lvl="1"/>
-            <a:r>
-              <a:rPr lang="hr-HR" dirty="0" smtClean="0"/>
-              <a:t>Alat za test timove – upravljanje, kreiranje, izvršavanje i reporting</a:t>
-            </a:r>
-          </a:p>
-          <a:p>
-            <a:pPr lvl="1"/>
-            <a:r>
-              <a:rPr lang="hr-HR" dirty="0"/>
-              <a:t>Microsoft Test Manager</a:t>
-            </a:r>
-          </a:p>
-          <a:p>
-            <a:pPr lvl="2"/>
-            <a:r>
-              <a:rPr lang="hr-HR" dirty="0" smtClean="0"/>
-              <a:t>Pokretanje</a:t>
-            </a:r>
-            <a:r>
-              <a:rPr lang="en-US" dirty="0" smtClean="0"/>
-              <a:t>, </a:t>
-            </a:r>
-            <a:r>
-              <a:rPr lang="hr-HR" dirty="0" smtClean="0"/>
-              <a:t>snimanje-slanje rezultata ručnih testova, user acceptance testers</a:t>
-            </a:r>
-          </a:p>
-          <a:p>
-            <a:r>
-              <a:rPr lang="hr-HR" dirty="0" smtClean="0"/>
-              <a:t>Team Foundation Server</a:t>
-            </a:r>
-          </a:p>
-          <a:p>
-            <a:pPr lvl="1"/>
-            <a:r>
-              <a:rPr lang="hr-HR" dirty="0" smtClean="0"/>
-              <a:t>Source Control, Data Storage, Builds</a:t>
-            </a:r>
-          </a:p>
-          <a:p>
-            <a:r>
-              <a:rPr lang="hr-HR" dirty="0" smtClean="0"/>
-              <a:t>Visual Studio Lab Management</a:t>
-            </a:r>
-          </a:p>
-          <a:p>
-            <a:pPr lvl="1"/>
-            <a:r>
-              <a:rPr lang="hr-HR" dirty="0" smtClean="0"/>
-              <a:t>Upravljanje virtualnim okruženjima od strane testera</a:t>
-            </a:r>
-            <a:endParaRPr lang="hr-HR" dirty="0"/>
-          </a:p>
-        </p:txBody>
-      </p:sp>
-    </p:spTree>
-    <p:extLst>
-      <p:ext uri="{BB962C8B-B14F-4D97-AF65-F5344CB8AC3E}">
-        <p14:creationId xmlns:p14="http://schemas.microsoft.com/office/powerpoint/2010/main" val="588679883"/>
-      </p:ext>
-    </p:extLst>
-  </p:cSld>
-  <p:clrMapOvr>
-    <a:masterClrMapping/>
-  </p:clrMapOvr>
-</p:sld>
-</file>
-
 <file path=ppt/slides/slide15.xml><?xml version="1.0" encoding="utf-8"?>
 <p:sld xmlns:a="http://schemas.openxmlformats.org/drawingml/2006/main" xmlns:r="http://schemas.openxmlformats.org/officeDocument/2006/relationships" xmlns:p="http://schemas.openxmlformats.org/presentationml/2006/main">
   <p:cSld>
@@ -5079,6 +4961,153 @@
           <a:p>
             <a:r>
               <a:rPr lang="hr-HR" dirty="0" smtClean="0"/>
+              <a:t>Microsoft ALM proizvodi</a:t>
+            </a:r>
+            <a:endParaRPr lang="hr-HR" dirty="0"/>
+          </a:p>
+        </p:txBody>
+      </p:sp>
+      <p:sp>
+        <p:nvSpPr>
+          <p:cNvPr id="3" name="Content Placeholder 2"/>
+          <p:cNvSpPr>
+            <a:spLocks noGrp="1"/>
+          </p:cNvSpPr>
+          <p:nvPr>
+            <p:ph sz="quarter" idx="1"/>
+          </p:nvPr>
+        </p:nvSpPr>
+        <p:spPr/>
+        <p:txBody>
+          <a:bodyPr>
+            <a:normAutofit/>
+          </a:bodyPr>
+          <a:lstStyle/>
+          <a:p>
+            <a:r>
+              <a:rPr lang="hr-HR" dirty="0" smtClean="0"/>
+              <a:t>Visual Studio (IDE)</a:t>
+            </a:r>
+          </a:p>
+          <a:p>
+            <a:r>
+              <a:rPr lang="hr-HR" dirty="0" smtClean="0"/>
+              <a:t>Visual Studio Test Professional</a:t>
+            </a:r>
+          </a:p>
+          <a:p>
+            <a:pPr lvl="1"/>
+            <a:r>
+              <a:rPr lang="hr-HR" dirty="0"/>
+              <a:t>Continuous delivery </a:t>
+            </a:r>
+            <a:endParaRPr lang="hr-HR" dirty="0" smtClean="0"/>
+          </a:p>
+          <a:p>
+            <a:pPr lvl="1"/>
+            <a:r>
+              <a:rPr lang="hr-HR" dirty="0" smtClean="0"/>
+              <a:t>Alat za test timove – upravljanje, kreiranje, izvršavanje i reporting</a:t>
+            </a:r>
+          </a:p>
+          <a:p>
+            <a:pPr lvl="1"/>
+            <a:r>
+              <a:rPr lang="hr-HR" dirty="0"/>
+              <a:t>Microsoft Test Manager</a:t>
+            </a:r>
+          </a:p>
+          <a:p>
+            <a:pPr lvl="2"/>
+            <a:r>
+              <a:rPr lang="hr-HR" dirty="0" smtClean="0"/>
+              <a:t>Pokretanje</a:t>
+            </a:r>
+            <a:r>
+              <a:rPr lang="en-US" dirty="0" smtClean="0"/>
+              <a:t>, </a:t>
+            </a:r>
+            <a:r>
+              <a:rPr lang="hr-HR" dirty="0" smtClean="0"/>
+              <a:t>snimanje-slanje rezultata ručnih testova, user acceptance testers</a:t>
+            </a:r>
+          </a:p>
+          <a:p>
+            <a:r>
+              <a:rPr lang="hr-HR" dirty="0" smtClean="0"/>
+              <a:t>Team Foundation Server</a:t>
+            </a:r>
+          </a:p>
+          <a:p>
+            <a:pPr lvl="1"/>
+            <a:r>
+              <a:rPr lang="hr-HR" dirty="0" smtClean="0"/>
+              <a:t>Source Control, Data Storage, Builds</a:t>
+            </a:r>
+          </a:p>
+          <a:p>
+            <a:r>
+              <a:rPr lang="hr-HR" dirty="0" smtClean="0"/>
+              <a:t>Visual Studio Lab Management</a:t>
+            </a:r>
+          </a:p>
+          <a:p>
+            <a:pPr lvl="1"/>
+            <a:r>
+              <a:rPr lang="hr-HR" dirty="0" smtClean="0"/>
+              <a:t>Upravljanje virtualnim okruženjima od strane testera</a:t>
+            </a:r>
+            <a:endParaRPr lang="hr-HR" dirty="0"/>
+          </a:p>
+        </p:txBody>
+      </p:sp>
+    </p:spTree>
+    <p:extLst>
+      <p:ext uri="{BB962C8B-B14F-4D97-AF65-F5344CB8AC3E}">
+        <p14:creationId xmlns:p14="http://schemas.microsoft.com/office/powerpoint/2010/main" val="588679883"/>
+      </p:ext>
+    </p:extLst>
+  </p:cSld>
+  <p:clrMapOvr>
+    <a:masterClrMapping/>
+  </p:clrMapOvr>
+</p:sld>
+</file>
+
+<file path=ppt/slides/slide16.xml><?xml version="1.0" encoding="utf-8"?>
+<p:sld xmlns:a="http://schemas.openxmlformats.org/drawingml/2006/main" xmlns:r="http://schemas.openxmlformats.org/officeDocument/2006/relationships" xmlns:p="http://schemas.openxmlformats.org/presentationml/2006/main">
+  <p:cSld>
+    <p:spTree>
+      <p:nvGrpSpPr>
+        <p:cNvPr id="1" name=""/>
+        <p:cNvGrpSpPr/>
+        <p:nvPr/>
+      </p:nvGrpSpPr>
+      <p:grpSpPr>
+        <a:xfrm>
+          <a:off x="0" y="0"/>
+          <a:ext cx="0" cy="0"/>
+          <a:chOff x="0" y="0"/>
+          <a:chExt cx="0" cy="0"/>
+        </a:xfrm>
+      </p:grpSpPr>
+      <p:sp>
+        <p:nvSpPr>
+          <p:cNvPr id="2" name="Title 1"/>
+          <p:cNvSpPr>
+            <a:spLocks noGrp="1"/>
+          </p:cNvSpPr>
+          <p:nvPr>
+            <p:ph type="title"/>
+          </p:nvPr>
+        </p:nvSpPr>
+        <p:spPr/>
+        <p:txBody>
+          <a:bodyPr/>
+          <a:lstStyle/>
+          <a:p>
+            <a:r>
+              <a:rPr lang="hr-HR" dirty="0" smtClean="0"/>
               <a:t>VS ALM</a:t>
             </a:r>
             <a:endParaRPr lang="hr-HR" dirty="0"/>
@@ -5193,7 +5222,7 @@
 </p:sld>
 </file>
 
-<file path=ppt/slides/slide16.xml><?xml version="1.0" encoding="utf-8"?>
+<file path=ppt/slides/slide17.xml><?xml version="1.0" encoding="utf-8"?>
 <p:sld xmlns:a="http://schemas.openxmlformats.org/drawingml/2006/main" xmlns:r="http://schemas.openxmlformats.org/officeDocument/2006/relationships" xmlns:p="http://schemas.openxmlformats.org/presentationml/2006/main">
   <p:cSld>
     <p:spTree>
@@ -7324,7 +7353,7 @@
 </p:sld>
 </file>
 
-<file path=ppt/slides/slide17.xml><?xml version="1.0" encoding="utf-8"?>
+<file path=ppt/slides/slide18.xml><?xml version="1.0" encoding="utf-8"?>
 <p:sld xmlns:a="http://schemas.openxmlformats.org/drawingml/2006/main" xmlns:r="http://schemas.openxmlformats.org/officeDocument/2006/relationships" xmlns:p="http://schemas.openxmlformats.org/presentationml/2006/main">
   <p:cSld>
     <p:spTree>
@@ -7410,13 +7439,8 @@
             <a:pPr lvl="1"/>
             <a:r>
               <a:rPr lang="hr-HR" dirty="0" smtClean="0"/>
-              <a:t>Brži od </a:t>
-            </a:r>
-            <a:r>
-              <a:rPr lang="hr-HR" dirty="0" smtClean="0"/>
-              <a:t>VS-a</a:t>
-            </a:r>
-            <a:endParaRPr lang="hr-HR" dirty="0" smtClean="0"/>
+              <a:t>Brži od VS-a</a:t>
+            </a:r>
           </a:p>
           <a:p>
             <a:pPr lvl="1"/>
@@ -7441,11 +7465,7 @@
             </a:r>
             <a:r>
               <a:rPr lang="hr-HR" dirty="0" smtClean="0"/>
-              <a:t>inuxu </a:t>
-            </a:r>
-            <a:r>
-              <a:rPr lang="hr-HR" dirty="0" smtClean="0"/>
-              <a:t>i </a:t>
+              <a:t>inuxu i </a:t>
             </a:r>
             <a:r>
               <a:rPr lang="hr-HR" dirty="0" err="1" smtClean="0"/>
@@ -7520,7 +7540,7 @@
 </p:sld>
 </file>
 
-<file path=ppt/slides/slide18.xml><?xml version="1.0" encoding="utf-8"?>
+<file path=ppt/slides/slide19.xml><?xml version="1.0" encoding="utf-8"?>
 <p:sld xmlns:a="http://schemas.openxmlformats.org/drawingml/2006/main" xmlns:r="http://schemas.openxmlformats.org/officeDocument/2006/relationships" xmlns:p="http://schemas.openxmlformats.org/presentationml/2006/main">
   <p:cSld>
     <p:spTree>
@@ -7704,7 +7724,7 @@
 </p:sld>
 </file>
 
-<file path=ppt/slides/slide19.xml><?xml version="1.0" encoding="utf-8"?>
+<file path=ppt/slides/slide2.xml><?xml version="1.0" encoding="utf-8"?>
 <p:sld xmlns:a="http://schemas.openxmlformats.org/drawingml/2006/main" xmlns:r="http://schemas.openxmlformats.org/officeDocument/2006/relationships" xmlns:p="http://schemas.openxmlformats.org/presentationml/2006/main">
   <p:cSld>
     <p:spTree>
@@ -7737,12 +7757,225 @@
           <a:lstStyle/>
           <a:p>
             <a:r>
-              <a:rPr lang="hr-HR" dirty="0" smtClean="0"/>
-              <a:t>Podrška </a:t>
-            </a:r>
-            <a:r>
-              <a:rPr lang="hr-HR" dirty="0" smtClean="0"/>
-              <a:t>za </a:t>
+              <a:rPr lang="hr-HR" dirty="0" err="1"/>
+              <a:t>Visual</a:t>
+            </a:r>
+            <a:r>
+              <a:rPr lang="hr-HR" dirty="0"/>
+              <a:t> </a:t>
+            </a:r>
+            <a:r>
+              <a:rPr lang="hr-HR" dirty="0" smtClean="0"/>
+              <a:t>Studio</a:t>
+            </a:r>
+            <a:endParaRPr lang="hr-HR" dirty="0"/>
+          </a:p>
+        </p:txBody>
+      </p:sp>
+      <p:sp>
+        <p:nvSpPr>
+          <p:cNvPr id="3" name="Content Placeholder 2"/>
+          <p:cNvSpPr>
+            <a:spLocks noGrp="1"/>
+          </p:cNvSpPr>
+          <p:nvPr>
+            <p:ph idx="1"/>
+          </p:nvPr>
+        </p:nvSpPr>
+        <p:spPr>
+          <a:xfrm>
+            <a:off x="5205844" y="1825625"/>
+            <a:ext cx="6147955" cy="4351338"/>
+          </a:xfrm>
+        </p:spPr>
+        <p:txBody>
+          <a:bodyPr/>
+          <a:lstStyle/>
+          <a:p>
+            <a:r>
+              <a:rPr lang="hr-HR" dirty="0" err="1" smtClean="0"/>
+              <a:t>Visual</a:t>
+            </a:r>
+            <a:r>
+              <a:rPr lang="hr-HR" dirty="0" smtClean="0"/>
+              <a:t> Studio 97 (v5.0 – v6.0)</a:t>
+            </a:r>
+          </a:p>
+          <a:p>
+            <a:pPr lvl="1"/>
+            <a:r>
+              <a:rPr lang="hr-HR" dirty="0" smtClean="0"/>
+              <a:t>J++, InterDev, C++, </a:t>
+            </a:r>
+            <a:r>
+              <a:rPr lang="hr-HR" dirty="0" err="1" smtClean="0"/>
+              <a:t>Basic</a:t>
+            </a:r>
+            <a:r>
+              <a:rPr lang="hr-HR" dirty="0" smtClean="0"/>
+              <a:t>, FoxPro</a:t>
+            </a:r>
+          </a:p>
+          <a:p>
+            <a:r>
+              <a:rPr lang="hr-HR" dirty="0" err="1" smtClean="0"/>
+              <a:t>Visual</a:t>
+            </a:r>
+            <a:r>
+              <a:rPr lang="hr-HR" dirty="0" smtClean="0"/>
+              <a:t> Studio .NET (2002)</a:t>
+            </a:r>
+          </a:p>
+          <a:p>
+            <a:pPr lvl="1"/>
+            <a:r>
+              <a:rPr lang="hr-HR" dirty="0" smtClean="0"/>
+              <a:t>.NET Framework 1.0</a:t>
+            </a:r>
+          </a:p>
+          <a:p>
+            <a:pPr lvl="1"/>
+            <a:r>
+              <a:rPr lang="hr-HR" dirty="0" err="1" smtClean="0"/>
+              <a:t>Basic</a:t>
+            </a:r>
+            <a:r>
+              <a:rPr lang="hr-HR" dirty="0" smtClean="0"/>
+              <a:t> .NET, C#</a:t>
+            </a:r>
+          </a:p>
+          <a:p>
+            <a:r>
+              <a:rPr lang="hr-HR" dirty="0" err="1" smtClean="0"/>
+              <a:t>Visual</a:t>
+            </a:r>
+            <a:r>
+              <a:rPr lang="hr-HR" dirty="0" smtClean="0"/>
+              <a:t> Studio 2005</a:t>
+            </a:r>
+          </a:p>
+          <a:p>
+            <a:pPr lvl="1"/>
+            <a:r>
+              <a:rPr lang="hr-HR" dirty="0" smtClean="0"/>
+              <a:t>.NET Framework 2.0/3.0</a:t>
+            </a:r>
+          </a:p>
+          <a:p>
+            <a:pPr lvl="1"/>
+            <a:r>
+              <a:rPr lang="hr-HR" dirty="0" smtClean="0"/>
+              <a:t>64-bit </a:t>
+            </a:r>
+            <a:r>
+              <a:rPr lang="hr-HR" dirty="0" err="1" smtClean="0"/>
+              <a:t>support</a:t>
+            </a:r>
+            <a:endParaRPr lang="hr-HR" dirty="0" smtClean="0"/>
+          </a:p>
+          <a:p>
+            <a:pPr lvl="1"/>
+            <a:r>
+              <a:rPr lang="hr-HR" dirty="0" smtClean="0"/>
+              <a:t>Automatski </a:t>
+            </a:r>
+            <a:r>
+              <a:rPr lang="hr-HR" dirty="0" err="1" smtClean="0"/>
+              <a:t>IntelliSense</a:t>
+            </a:r>
+            <a:endParaRPr lang="hr-HR" dirty="0" smtClean="0"/>
+          </a:p>
+          <a:p>
+            <a:pPr lvl="1"/>
+            <a:endParaRPr lang="hr-HR" dirty="0" smtClean="0"/>
+          </a:p>
+        </p:txBody>
+      </p:sp>
+      <p:pic>
+        <p:nvPicPr>
+          <p:cNvPr id="4" name="Picture 3"/>
+          <p:cNvPicPr>
+            <a:picLocks noChangeAspect="1"/>
+          </p:cNvPicPr>
+          <p:nvPr/>
+        </p:nvPicPr>
+        <p:blipFill>
+          <a:blip r:embed="rId3">
+            <a:extLst>
+              <a:ext uri="{28A0092B-C50C-407E-A947-70E740481C1C}">
+                <a14:useLocalDpi xmlns:a14="http://schemas.microsoft.com/office/drawing/2010/main" val="0"/>
+              </a:ext>
+            </a:extLst>
+          </a:blip>
+          <a:stretch>
+            <a:fillRect/>
+          </a:stretch>
+        </p:blipFill>
+        <p:spPr>
+          <a:xfrm>
+            <a:off x="942109" y="1620044"/>
+            <a:ext cx="3867150" cy="4762500"/>
+          </a:xfrm>
+          <a:prstGeom prst="rect">
+            <a:avLst/>
+          </a:prstGeom>
+        </p:spPr>
+      </p:pic>
+    </p:spTree>
+    <p:extLst>
+      <p:ext uri="{BB962C8B-B14F-4D97-AF65-F5344CB8AC3E}">
+        <p14:creationId xmlns:p14="http://schemas.microsoft.com/office/powerpoint/2010/main" val="1191203112"/>
+      </p:ext>
+    </p:extLst>
+  </p:cSld>
+  <p:clrMapOvr>
+    <a:masterClrMapping/>
+  </p:clrMapOvr>
+  <p:timing>
+    <p:tnLst>
+      <p:par>
+        <p:cTn id="1" dur="indefinite" restart="never" nodeType="tmRoot"/>
+      </p:par>
+    </p:tnLst>
+  </p:timing>
+</p:sld>
+</file>
+
+<file path=ppt/slides/slide20.xml><?xml version="1.0" encoding="utf-8"?>
+<p:sld xmlns:a="http://schemas.openxmlformats.org/drawingml/2006/main" xmlns:r="http://schemas.openxmlformats.org/officeDocument/2006/relationships" xmlns:p="http://schemas.openxmlformats.org/presentationml/2006/main">
+  <p:cSld>
+    <p:spTree>
+      <p:nvGrpSpPr>
+        <p:cNvPr id="1" name=""/>
+        <p:cNvGrpSpPr/>
+        <p:nvPr/>
+      </p:nvGrpSpPr>
+      <p:grpSpPr>
+        <a:xfrm>
+          <a:off x="0" y="0"/>
+          <a:ext cx="0" cy="0"/>
+          <a:chOff x="0" y="0"/>
+          <a:chExt cx="0" cy="0"/>
+        </a:xfrm>
+      </p:grpSpPr>
+      <p:sp>
+        <p:nvSpPr>
+          <p:cNvPr id="2" name="Title 1"/>
+          <p:cNvSpPr>
+            <a:spLocks noGrp="1"/>
+          </p:cNvSpPr>
+          <p:nvPr>
+            <p:ph type="title"/>
+          </p:nvPr>
+        </p:nvSpPr>
+        <p:spPr/>
+        <p:txBody>
+          <a:bodyPr/>
+          <a:lstStyle/>
+          <a:p>
+            <a:r>
+              <a:rPr lang="hr-HR" dirty="0" smtClean="0"/>
+              <a:t>Podrška za </a:t>
             </a:r>
             <a:r>
               <a:rPr lang="hr-HR" dirty="0" err="1" smtClean="0"/>
@@ -7750,11 +7983,7 @@
             </a:r>
             <a:r>
               <a:rPr lang="hr-HR" dirty="0" smtClean="0"/>
-              <a:t> </a:t>
-            </a:r>
-            <a:r>
-              <a:rPr lang="hr-HR" dirty="0" smtClean="0"/>
-              <a:t>managere</a:t>
+              <a:t> managere</a:t>
             </a:r>
             <a:endParaRPr lang="hr-HR" dirty="0"/>
           </a:p>
@@ -7820,7 +8049,6 @@
               <a:rPr lang="hr-HR" dirty="0" smtClean="0"/>
               <a:t> o kojima projekt ovisi </a:t>
             </a:r>
-            <a:endParaRPr lang="hr-HR" dirty="0" smtClean="0"/>
           </a:p>
           <a:p>
             <a:endParaRPr lang="hr-HR" dirty="0"/>
@@ -7864,7 +8092,7 @@
 </p:sld>
 </file>
 
-<file path=ppt/slides/slide2.xml><?xml version="1.0" encoding="utf-8"?>
+<file path=ppt/slides/slide3.xml><?xml version="1.0" encoding="utf-8"?>
 <p:sld xmlns:a="http://schemas.openxmlformats.org/drawingml/2006/main" xmlns:r="http://schemas.openxmlformats.org/officeDocument/2006/relationships" xmlns:p="http://schemas.openxmlformats.org/presentationml/2006/main">
   <p:cSld>
     <p:spTree>
@@ -8078,549 +8306,6 @@
 </p:sld>
 </file>
 
-<file path=ppt/slides/slide3.xml><?xml version="1.0" encoding="utf-8"?>
-<p:sld xmlns:a="http://schemas.openxmlformats.org/drawingml/2006/main" xmlns:r="http://schemas.openxmlformats.org/officeDocument/2006/relationships" xmlns:p="http://schemas.openxmlformats.org/presentationml/2006/main">
-  <p:cSld>
-    <p:spTree>
-      <p:nvGrpSpPr>
-        <p:cNvPr id="1" name=""/>
-        <p:cNvGrpSpPr/>
-        <p:nvPr/>
-      </p:nvGrpSpPr>
-      <p:grpSpPr>
-        <a:xfrm>
-          <a:off x="0" y="0"/>
-          <a:ext cx="0" cy="0"/>
-          <a:chOff x="0" y="0"/>
-          <a:chExt cx="0" cy="0"/>
-        </a:xfrm>
-      </p:grpSpPr>
-      <p:sp>
-        <p:nvSpPr>
-          <p:cNvPr id="2" name="Title 1"/>
-          <p:cNvSpPr>
-            <a:spLocks noGrp="1"/>
-          </p:cNvSpPr>
-          <p:nvPr>
-            <p:ph type="title"/>
-          </p:nvPr>
-        </p:nvSpPr>
-        <p:spPr/>
-        <p:txBody>
-          <a:bodyPr/>
-          <a:lstStyle/>
-          <a:p>
-            <a:r>
-              <a:rPr lang="hr-HR" dirty="0" err="1" smtClean="0"/>
-              <a:t>Visual</a:t>
-            </a:r>
-            <a:r>
-              <a:rPr lang="hr-HR" dirty="0" smtClean="0"/>
-              <a:t> Studio 2017 </a:t>
-            </a:r>
-            <a:r>
-              <a:rPr lang="hr-HR" dirty="0" err="1" smtClean="0"/>
-              <a:t>Community</a:t>
-            </a:r>
-            <a:endParaRPr lang="hr-HR" dirty="0"/>
-          </a:p>
-        </p:txBody>
-      </p:sp>
-      <p:sp>
-        <p:nvSpPr>
-          <p:cNvPr id="3" name="Content Placeholder 2"/>
-          <p:cNvSpPr>
-            <a:spLocks noGrp="1"/>
-          </p:cNvSpPr>
-          <p:nvPr>
-            <p:ph idx="1"/>
-          </p:nvPr>
-        </p:nvSpPr>
-        <p:spPr/>
-        <p:txBody>
-          <a:bodyPr>
-            <a:normAutofit lnSpcReduction="10000"/>
-          </a:bodyPr>
-          <a:lstStyle/>
-          <a:p>
-            <a:r>
-              <a:rPr lang="hr-HR" dirty="0" smtClean="0"/>
-              <a:t>Potpuno slobodan za pojedince</a:t>
-            </a:r>
-          </a:p>
-          <a:p>
-            <a:r>
-              <a:rPr lang="hr-HR" dirty="0" smtClean="0"/>
-              <a:t>Za organizacije:</a:t>
-            </a:r>
-          </a:p>
-          <a:p>
-            <a:pPr lvl="1"/>
-            <a:r>
-              <a:rPr lang="hr-HR" dirty="0" smtClean="0"/>
-              <a:t>Slobodan za razvoj aplikacija pod OSI </a:t>
-            </a:r>
-            <a:r>
-              <a:rPr lang="hr-HR" dirty="0" err="1" smtClean="0"/>
-              <a:t>open</a:t>
-            </a:r>
-            <a:r>
-              <a:rPr lang="hr-HR" dirty="0" smtClean="0"/>
-              <a:t> </a:t>
-            </a:r>
-            <a:r>
-              <a:rPr lang="hr-HR" dirty="0" err="1" smtClean="0"/>
-              <a:t>source</a:t>
-            </a:r>
-            <a:r>
-              <a:rPr lang="hr-HR" dirty="0" smtClean="0"/>
-              <a:t> licencama:</a:t>
-            </a:r>
-          </a:p>
-          <a:p>
-            <a:pPr lvl="2"/>
-            <a:r>
-              <a:rPr lang="hr-HR" dirty="0">
-                <a:cs typeface="Aldhabi" panose="01000000000000000000" pitchFamily="2" charset="-78"/>
-                <a:hlinkClick r:id="rId2"/>
-              </a:rPr>
-              <a:t>Apache </a:t>
-            </a:r>
-            <a:r>
-              <a:rPr lang="hr-HR" dirty="0" err="1">
-                <a:cs typeface="Aldhabi" panose="01000000000000000000" pitchFamily="2" charset="-78"/>
-                <a:hlinkClick r:id="rId2"/>
-              </a:rPr>
-              <a:t>License</a:t>
-            </a:r>
-            <a:r>
-              <a:rPr lang="hr-HR" dirty="0">
-                <a:cs typeface="Aldhabi" panose="01000000000000000000" pitchFamily="2" charset="-78"/>
-                <a:hlinkClick r:id="rId2"/>
-              </a:rPr>
-              <a:t> 2.0</a:t>
-            </a:r>
-            <a:endParaRPr lang="hr-HR" dirty="0">
-              <a:cs typeface="Aldhabi" panose="01000000000000000000" pitchFamily="2" charset="-78"/>
-            </a:endParaRPr>
-          </a:p>
-          <a:p>
-            <a:pPr lvl="2"/>
-            <a:r>
-              <a:rPr lang="hr-HR" dirty="0">
-                <a:cs typeface="Aldhabi" panose="01000000000000000000" pitchFamily="2" charset="-78"/>
-                <a:hlinkClick r:id="rId3"/>
-              </a:rPr>
-              <a:t>BSD 3-Clause "New" </a:t>
-            </a:r>
-            <a:r>
-              <a:rPr lang="hr-HR" dirty="0" err="1">
-                <a:cs typeface="Aldhabi" panose="01000000000000000000" pitchFamily="2" charset="-78"/>
-                <a:hlinkClick r:id="rId3"/>
-              </a:rPr>
-              <a:t>or</a:t>
-            </a:r>
-            <a:r>
-              <a:rPr lang="hr-HR" dirty="0">
-                <a:cs typeface="Aldhabi" panose="01000000000000000000" pitchFamily="2" charset="-78"/>
-                <a:hlinkClick r:id="rId3"/>
-              </a:rPr>
-              <a:t> "</a:t>
-            </a:r>
-            <a:r>
-              <a:rPr lang="hr-HR" dirty="0" err="1">
-                <a:cs typeface="Aldhabi" panose="01000000000000000000" pitchFamily="2" charset="-78"/>
-                <a:hlinkClick r:id="rId3"/>
-              </a:rPr>
-              <a:t>Revised</a:t>
-            </a:r>
-            <a:r>
-              <a:rPr lang="hr-HR" dirty="0">
-                <a:cs typeface="Aldhabi" panose="01000000000000000000" pitchFamily="2" charset="-78"/>
-                <a:hlinkClick r:id="rId3"/>
-              </a:rPr>
-              <a:t>" </a:t>
-            </a:r>
-            <a:r>
-              <a:rPr lang="hr-HR" dirty="0" err="1">
-                <a:cs typeface="Aldhabi" panose="01000000000000000000" pitchFamily="2" charset="-78"/>
-                <a:hlinkClick r:id="rId3"/>
-              </a:rPr>
-              <a:t>license</a:t>
-            </a:r>
-            <a:endParaRPr lang="hr-HR" dirty="0">
-              <a:cs typeface="Aldhabi" panose="01000000000000000000" pitchFamily="2" charset="-78"/>
-            </a:endParaRPr>
-          </a:p>
-          <a:p>
-            <a:pPr lvl="2"/>
-            <a:r>
-              <a:rPr lang="hr-HR" dirty="0">
-                <a:cs typeface="Aldhabi" panose="01000000000000000000" pitchFamily="2" charset="-78"/>
-                <a:hlinkClick r:id="rId4"/>
-              </a:rPr>
-              <a:t>BSD 2-Clause "</a:t>
-            </a:r>
-            <a:r>
-              <a:rPr lang="hr-HR" dirty="0" err="1">
-                <a:cs typeface="Aldhabi" panose="01000000000000000000" pitchFamily="2" charset="-78"/>
-                <a:hlinkClick r:id="rId4"/>
-              </a:rPr>
-              <a:t>Simplified</a:t>
-            </a:r>
-            <a:r>
-              <a:rPr lang="hr-HR" dirty="0">
-                <a:cs typeface="Aldhabi" panose="01000000000000000000" pitchFamily="2" charset="-78"/>
-                <a:hlinkClick r:id="rId4"/>
-              </a:rPr>
-              <a:t>" </a:t>
-            </a:r>
-            <a:r>
-              <a:rPr lang="hr-HR" dirty="0" err="1">
-                <a:cs typeface="Aldhabi" panose="01000000000000000000" pitchFamily="2" charset="-78"/>
-                <a:hlinkClick r:id="rId4"/>
-              </a:rPr>
-              <a:t>or</a:t>
-            </a:r>
-            <a:r>
-              <a:rPr lang="hr-HR" dirty="0">
-                <a:cs typeface="Aldhabi" panose="01000000000000000000" pitchFamily="2" charset="-78"/>
-                <a:hlinkClick r:id="rId4"/>
-              </a:rPr>
-              <a:t> "</a:t>
-            </a:r>
-            <a:r>
-              <a:rPr lang="hr-HR" dirty="0" err="1">
-                <a:cs typeface="Aldhabi" panose="01000000000000000000" pitchFamily="2" charset="-78"/>
-                <a:hlinkClick r:id="rId4"/>
-              </a:rPr>
-              <a:t>FreeBSD</a:t>
-            </a:r>
-            <a:r>
-              <a:rPr lang="hr-HR" dirty="0">
-                <a:cs typeface="Aldhabi" panose="01000000000000000000" pitchFamily="2" charset="-78"/>
-                <a:hlinkClick r:id="rId4"/>
-              </a:rPr>
-              <a:t>" </a:t>
-            </a:r>
-            <a:r>
-              <a:rPr lang="hr-HR" dirty="0" err="1">
-                <a:cs typeface="Aldhabi" panose="01000000000000000000" pitchFamily="2" charset="-78"/>
-                <a:hlinkClick r:id="rId4"/>
-              </a:rPr>
-              <a:t>license</a:t>
-            </a:r>
-            <a:endParaRPr lang="hr-HR" dirty="0">
-              <a:cs typeface="Aldhabi" panose="01000000000000000000" pitchFamily="2" charset="-78"/>
-            </a:endParaRPr>
-          </a:p>
-          <a:p>
-            <a:pPr lvl="2"/>
-            <a:r>
-              <a:rPr lang="hr-HR" dirty="0">
-                <a:cs typeface="Aldhabi" panose="01000000000000000000" pitchFamily="2" charset="-78"/>
-                <a:hlinkClick r:id="rId5"/>
-              </a:rPr>
-              <a:t>GNU General </a:t>
-            </a:r>
-            <a:r>
-              <a:rPr lang="hr-HR" dirty="0" err="1">
-                <a:cs typeface="Aldhabi" panose="01000000000000000000" pitchFamily="2" charset="-78"/>
-                <a:hlinkClick r:id="rId5"/>
-              </a:rPr>
-              <a:t>Public</a:t>
-            </a:r>
-            <a:r>
-              <a:rPr lang="hr-HR" dirty="0">
-                <a:cs typeface="Aldhabi" panose="01000000000000000000" pitchFamily="2" charset="-78"/>
-                <a:hlinkClick r:id="rId5"/>
-              </a:rPr>
-              <a:t> </a:t>
-            </a:r>
-            <a:r>
-              <a:rPr lang="hr-HR" dirty="0" err="1">
-                <a:cs typeface="Aldhabi" panose="01000000000000000000" pitchFamily="2" charset="-78"/>
-                <a:hlinkClick r:id="rId5"/>
-              </a:rPr>
-              <a:t>License</a:t>
-            </a:r>
-            <a:r>
-              <a:rPr lang="hr-HR" dirty="0">
-                <a:cs typeface="Aldhabi" panose="01000000000000000000" pitchFamily="2" charset="-78"/>
-                <a:hlinkClick r:id="rId5"/>
-              </a:rPr>
-              <a:t> (GPL)</a:t>
-            </a:r>
-            <a:endParaRPr lang="hr-HR" dirty="0">
-              <a:cs typeface="Aldhabi" panose="01000000000000000000" pitchFamily="2" charset="-78"/>
-            </a:endParaRPr>
-          </a:p>
-          <a:p>
-            <a:pPr lvl="2"/>
-            <a:r>
-              <a:rPr lang="hr-HR" dirty="0">
-                <a:cs typeface="Aldhabi" panose="01000000000000000000" pitchFamily="2" charset="-78"/>
-                <a:hlinkClick r:id="rId6"/>
-              </a:rPr>
-              <a:t>GNU </a:t>
-            </a:r>
-            <a:r>
-              <a:rPr lang="hr-HR" dirty="0" err="1">
-                <a:cs typeface="Aldhabi" panose="01000000000000000000" pitchFamily="2" charset="-78"/>
-                <a:hlinkClick r:id="rId6"/>
-              </a:rPr>
-              <a:t>Library</a:t>
-            </a:r>
-            <a:r>
-              <a:rPr lang="hr-HR" dirty="0">
-                <a:cs typeface="Aldhabi" panose="01000000000000000000" pitchFamily="2" charset="-78"/>
-                <a:hlinkClick r:id="rId6"/>
-              </a:rPr>
-              <a:t> </a:t>
-            </a:r>
-            <a:r>
-              <a:rPr lang="hr-HR" dirty="0" err="1">
-                <a:cs typeface="Aldhabi" panose="01000000000000000000" pitchFamily="2" charset="-78"/>
-                <a:hlinkClick r:id="rId6"/>
-              </a:rPr>
-              <a:t>or</a:t>
-            </a:r>
-            <a:r>
-              <a:rPr lang="hr-HR" dirty="0">
-                <a:cs typeface="Aldhabi" panose="01000000000000000000" pitchFamily="2" charset="-78"/>
-                <a:hlinkClick r:id="rId6"/>
-              </a:rPr>
-              <a:t> "</a:t>
-            </a:r>
-            <a:r>
-              <a:rPr lang="hr-HR" dirty="0" err="1">
-                <a:cs typeface="Aldhabi" panose="01000000000000000000" pitchFamily="2" charset="-78"/>
-                <a:hlinkClick r:id="rId6"/>
-              </a:rPr>
-              <a:t>Lesser</a:t>
-            </a:r>
-            <a:r>
-              <a:rPr lang="hr-HR" dirty="0">
-                <a:cs typeface="Aldhabi" panose="01000000000000000000" pitchFamily="2" charset="-78"/>
-                <a:hlinkClick r:id="rId6"/>
-              </a:rPr>
-              <a:t>" General </a:t>
-            </a:r>
-            <a:r>
-              <a:rPr lang="hr-HR" dirty="0" err="1">
-                <a:cs typeface="Aldhabi" panose="01000000000000000000" pitchFamily="2" charset="-78"/>
-                <a:hlinkClick r:id="rId6"/>
-              </a:rPr>
-              <a:t>Public</a:t>
-            </a:r>
-            <a:r>
-              <a:rPr lang="hr-HR" dirty="0">
-                <a:cs typeface="Aldhabi" panose="01000000000000000000" pitchFamily="2" charset="-78"/>
-                <a:hlinkClick r:id="rId6"/>
-              </a:rPr>
-              <a:t> </a:t>
-            </a:r>
-            <a:r>
-              <a:rPr lang="hr-HR" dirty="0" err="1">
-                <a:cs typeface="Aldhabi" panose="01000000000000000000" pitchFamily="2" charset="-78"/>
-                <a:hlinkClick r:id="rId6"/>
-              </a:rPr>
-              <a:t>License</a:t>
-            </a:r>
-            <a:r>
-              <a:rPr lang="hr-HR" dirty="0">
-                <a:cs typeface="Aldhabi" panose="01000000000000000000" pitchFamily="2" charset="-78"/>
-                <a:hlinkClick r:id="rId6"/>
-              </a:rPr>
-              <a:t> (LGPL)</a:t>
-            </a:r>
-            <a:endParaRPr lang="hr-HR" dirty="0">
-              <a:cs typeface="Aldhabi" panose="01000000000000000000" pitchFamily="2" charset="-78"/>
-            </a:endParaRPr>
-          </a:p>
-          <a:p>
-            <a:pPr lvl="2"/>
-            <a:r>
-              <a:rPr lang="hr-HR" dirty="0">
-                <a:cs typeface="Aldhabi" panose="01000000000000000000" pitchFamily="2" charset="-78"/>
-                <a:hlinkClick r:id="rId7"/>
-              </a:rPr>
-              <a:t>MIT </a:t>
-            </a:r>
-            <a:r>
-              <a:rPr lang="hr-HR" dirty="0" err="1">
-                <a:cs typeface="Aldhabi" panose="01000000000000000000" pitchFamily="2" charset="-78"/>
-                <a:hlinkClick r:id="rId7"/>
-              </a:rPr>
-              <a:t>license</a:t>
-            </a:r>
-            <a:endParaRPr lang="hr-HR" dirty="0">
-              <a:cs typeface="Aldhabi" panose="01000000000000000000" pitchFamily="2" charset="-78"/>
-            </a:endParaRPr>
-          </a:p>
-          <a:p>
-            <a:pPr lvl="2"/>
-            <a:r>
-              <a:rPr lang="hr-HR" dirty="0" err="1">
-                <a:cs typeface="Aldhabi" panose="01000000000000000000" pitchFamily="2" charset="-78"/>
-                <a:hlinkClick r:id="rId8"/>
-              </a:rPr>
-              <a:t>Mozilla</a:t>
-            </a:r>
-            <a:r>
-              <a:rPr lang="hr-HR" dirty="0">
-                <a:cs typeface="Aldhabi" panose="01000000000000000000" pitchFamily="2" charset="-78"/>
-                <a:hlinkClick r:id="rId8"/>
-              </a:rPr>
-              <a:t> </a:t>
-            </a:r>
-            <a:r>
-              <a:rPr lang="hr-HR" dirty="0" err="1">
-                <a:cs typeface="Aldhabi" panose="01000000000000000000" pitchFamily="2" charset="-78"/>
-                <a:hlinkClick r:id="rId8"/>
-              </a:rPr>
-              <a:t>Public</a:t>
-            </a:r>
-            <a:r>
-              <a:rPr lang="hr-HR" dirty="0">
-                <a:cs typeface="Aldhabi" panose="01000000000000000000" pitchFamily="2" charset="-78"/>
-                <a:hlinkClick r:id="rId8"/>
-              </a:rPr>
-              <a:t> </a:t>
-            </a:r>
-            <a:r>
-              <a:rPr lang="hr-HR" dirty="0" err="1">
-                <a:cs typeface="Aldhabi" panose="01000000000000000000" pitchFamily="2" charset="-78"/>
-                <a:hlinkClick r:id="rId8"/>
-              </a:rPr>
-              <a:t>License</a:t>
-            </a:r>
-            <a:r>
-              <a:rPr lang="hr-HR" dirty="0">
-                <a:cs typeface="Aldhabi" panose="01000000000000000000" pitchFamily="2" charset="-78"/>
-                <a:hlinkClick r:id="rId8"/>
-              </a:rPr>
-              <a:t> 2.0</a:t>
-            </a:r>
-            <a:endParaRPr lang="hr-HR" dirty="0">
-              <a:cs typeface="Aldhabi" panose="01000000000000000000" pitchFamily="2" charset="-78"/>
-            </a:endParaRPr>
-          </a:p>
-          <a:p>
-            <a:pPr lvl="2"/>
-            <a:r>
-              <a:rPr lang="hr-HR" dirty="0" err="1">
-                <a:cs typeface="Aldhabi" panose="01000000000000000000" pitchFamily="2" charset="-78"/>
-                <a:hlinkClick r:id="rId9"/>
-              </a:rPr>
-              <a:t>Common</a:t>
-            </a:r>
-            <a:r>
-              <a:rPr lang="hr-HR" dirty="0">
-                <a:cs typeface="Aldhabi" panose="01000000000000000000" pitchFamily="2" charset="-78"/>
-                <a:hlinkClick r:id="rId9"/>
-              </a:rPr>
-              <a:t> Development </a:t>
-            </a:r>
-            <a:r>
-              <a:rPr lang="hr-HR" dirty="0" err="1">
-                <a:cs typeface="Aldhabi" panose="01000000000000000000" pitchFamily="2" charset="-78"/>
-                <a:hlinkClick r:id="rId9"/>
-              </a:rPr>
-              <a:t>and</a:t>
-            </a:r>
-            <a:r>
-              <a:rPr lang="hr-HR" dirty="0">
-                <a:cs typeface="Aldhabi" panose="01000000000000000000" pitchFamily="2" charset="-78"/>
-                <a:hlinkClick r:id="rId9"/>
-              </a:rPr>
-              <a:t> </a:t>
-            </a:r>
-            <a:r>
-              <a:rPr lang="hr-HR" dirty="0" err="1">
-                <a:cs typeface="Aldhabi" panose="01000000000000000000" pitchFamily="2" charset="-78"/>
-                <a:hlinkClick r:id="rId9"/>
-              </a:rPr>
-              <a:t>Distribution</a:t>
-            </a:r>
-            <a:r>
-              <a:rPr lang="hr-HR" dirty="0">
-                <a:cs typeface="Aldhabi" panose="01000000000000000000" pitchFamily="2" charset="-78"/>
-                <a:hlinkClick r:id="rId9"/>
-              </a:rPr>
-              <a:t> </a:t>
-            </a:r>
-            <a:r>
-              <a:rPr lang="hr-HR" dirty="0" err="1">
-                <a:cs typeface="Aldhabi" panose="01000000000000000000" pitchFamily="2" charset="-78"/>
-                <a:hlinkClick r:id="rId9"/>
-              </a:rPr>
-              <a:t>License</a:t>
-            </a:r>
-            <a:endParaRPr lang="hr-HR" dirty="0">
-              <a:cs typeface="Aldhabi" panose="01000000000000000000" pitchFamily="2" charset="-78"/>
-            </a:endParaRPr>
-          </a:p>
-          <a:p>
-            <a:pPr lvl="2"/>
-            <a:r>
-              <a:rPr lang="hr-HR" dirty="0" err="1">
-                <a:cs typeface="Aldhabi" panose="01000000000000000000" pitchFamily="2" charset="-78"/>
-                <a:hlinkClick r:id="rId10"/>
-              </a:rPr>
-              <a:t>Eclipse</a:t>
-            </a:r>
-            <a:r>
-              <a:rPr lang="hr-HR" dirty="0">
-                <a:cs typeface="Aldhabi" panose="01000000000000000000" pitchFamily="2" charset="-78"/>
-                <a:hlinkClick r:id="rId10"/>
-              </a:rPr>
-              <a:t> </a:t>
-            </a:r>
-            <a:r>
-              <a:rPr lang="hr-HR" dirty="0" err="1">
-                <a:cs typeface="Aldhabi" panose="01000000000000000000" pitchFamily="2" charset="-78"/>
-                <a:hlinkClick r:id="rId10"/>
-              </a:rPr>
-              <a:t>Public</a:t>
-            </a:r>
-            <a:r>
-              <a:rPr lang="hr-HR" dirty="0">
-                <a:cs typeface="Aldhabi" panose="01000000000000000000" pitchFamily="2" charset="-78"/>
-                <a:hlinkClick r:id="rId10"/>
-              </a:rPr>
-              <a:t> </a:t>
-            </a:r>
-            <a:r>
-              <a:rPr lang="hr-HR" dirty="0" err="1">
-                <a:cs typeface="Aldhabi" panose="01000000000000000000" pitchFamily="2" charset="-78"/>
-                <a:hlinkClick r:id="rId10"/>
-              </a:rPr>
-              <a:t>License</a:t>
-            </a:r>
-            <a:endParaRPr lang="hr-HR" dirty="0">
-              <a:cs typeface="Aldhabi" panose="01000000000000000000" pitchFamily="2" charset="-78"/>
-            </a:endParaRPr>
-          </a:p>
-          <a:p>
-            <a:pPr lvl="2"/>
-            <a:endParaRPr lang="hr-HR" dirty="0"/>
-          </a:p>
-        </p:txBody>
-      </p:sp>
-    </p:spTree>
-    <p:extLst>
-      <p:ext uri="{BB962C8B-B14F-4D97-AF65-F5344CB8AC3E}">
-        <p14:creationId xmlns:p14="http://schemas.microsoft.com/office/powerpoint/2010/main" val="2865199503"/>
-      </p:ext>
-    </p:extLst>
-  </p:cSld>
-  <p:clrMapOvr>
-    <a:masterClrMapping/>
-  </p:clrMapOvr>
-</p:sld>
-</file>
-
 <file path=ppt/slides/slide4.xml><?xml version="1.0" encoding="utf-8"?>
 <p:sld xmlns:a="http://schemas.openxmlformats.org/drawingml/2006/main" xmlns:r="http://schemas.openxmlformats.org/officeDocument/2006/relationships" xmlns:p="http://schemas.openxmlformats.org/presentationml/2006/main">
   <p:cSld>
@@ -8682,6 +8367,549 @@
         <p:spPr/>
         <p:txBody>
           <a:bodyPr>
+            <a:normAutofit lnSpcReduction="10000"/>
+          </a:bodyPr>
+          <a:lstStyle/>
+          <a:p>
+            <a:r>
+              <a:rPr lang="hr-HR" dirty="0" smtClean="0"/>
+              <a:t>Potpuno slobodan za pojedince</a:t>
+            </a:r>
+          </a:p>
+          <a:p>
+            <a:r>
+              <a:rPr lang="hr-HR" dirty="0" smtClean="0"/>
+              <a:t>Za organizacije:</a:t>
+            </a:r>
+          </a:p>
+          <a:p>
+            <a:pPr lvl="1"/>
+            <a:r>
+              <a:rPr lang="hr-HR" dirty="0" smtClean="0"/>
+              <a:t>Slobodan za razvoj aplikacija pod OSI </a:t>
+            </a:r>
+            <a:r>
+              <a:rPr lang="hr-HR" dirty="0" err="1" smtClean="0"/>
+              <a:t>open</a:t>
+            </a:r>
+            <a:r>
+              <a:rPr lang="hr-HR" dirty="0" smtClean="0"/>
+              <a:t> </a:t>
+            </a:r>
+            <a:r>
+              <a:rPr lang="hr-HR" dirty="0" err="1" smtClean="0"/>
+              <a:t>source</a:t>
+            </a:r>
+            <a:r>
+              <a:rPr lang="hr-HR" dirty="0" smtClean="0"/>
+              <a:t> licencama:</a:t>
+            </a:r>
+          </a:p>
+          <a:p>
+            <a:pPr lvl="2"/>
+            <a:r>
+              <a:rPr lang="hr-HR" dirty="0">
+                <a:cs typeface="Aldhabi" panose="01000000000000000000" pitchFamily="2" charset="-78"/>
+                <a:hlinkClick r:id="rId2"/>
+              </a:rPr>
+              <a:t>Apache </a:t>
+            </a:r>
+            <a:r>
+              <a:rPr lang="hr-HR" dirty="0" err="1">
+                <a:cs typeface="Aldhabi" panose="01000000000000000000" pitchFamily="2" charset="-78"/>
+                <a:hlinkClick r:id="rId2"/>
+              </a:rPr>
+              <a:t>License</a:t>
+            </a:r>
+            <a:r>
+              <a:rPr lang="hr-HR" dirty="0">
+                <a:cs typeface="Aldhabi" panose="01000000000000000000" pitchFamily="2" charset="-78"/>
+                <a:hlinkClick r:id="rId2"/>
+              </a:rPr>
+              <a:t> 2.0</a:t>
+            </a:r>
+            <a:endParaRPr lang="hr-HR" dirty="0">
+              <a:cs typeface="Aldhabi" panose="01000000000000000000" pitchFamily="2" charset="-78"/>
+            </a:endParaRPr>
+          </a:p>
+          <a:p>
+            <a:pPr lvl="2"/>
+            <a:r>
+              <a:rPr lang="hr-HR" dirty="0">
+                <a:cs typeface="Aldhabi" panose="01000000000000000000" pitchFamily="2" charset="-78"/>
+                <a:hlinkClick r:id="rId3"/>
+              </a:rPr>
+              <a:t>BSD 3-Clause "New" </a:t>
+            </a:r>
+            <a:r>
+              <a:rPr lang="hr-HR" dirty="0" err="1">
+                <a:cs typeface="Aldhabi" panose="01000000000000000000" pitchFamily="2" charset="-78"/>
+                <a:hlinkClick r:id="rId3"/>
+              </a:rPr>
+              <a:t>or</a:t>
+            </a:r>
+            <a:r>
+              <a:rPr lang="hr-HR" dirty="0">
+                <a:cs typeface="Aldhabi" panose="01000000000000000000" pitchFamily="2" charset="-78"/>
+                <a:hlinkClick r:id="rId3"/>
+              </a:rPr>
+              <a:t> "</a:t>
+            </a:r>
+            <a:r>
+              <a:rPr lang="hr-HR" dirty="0" err="1">
+                <a:cs typeface="Aldhabi" panose="01000000000000000000" pitchFamily="2" charset="-78"/>
+                <a:hlinkClick r:id="rId3"/>
+              </a:rPr>
+              <a:t>Revised</a:t>
+            </a:r>
+            <a:r>
+              <a:rPr lang="hr-HR" dirty="0">
+                <a:cs typeface="Aldhabi" panose="01000000000000000000" pitchFamily="2" charset="-78"/>
+                <a:hlinkClick r:id="rId3"/>
+              </a:rPr>
+              <a:t>" </a:t>
+            </a:r>
+            <a:r>
+              <a:rPr lang="hr-HR" dirty="0" err="1">
+                <a:cs typeface="Aldhabi" panose="01000000000000000000" pitchFamily="2" charset="-78"/>
+                <a:hlinkClick r:id="rId3"/>
+              </a:rPr>
+              <a:t>license</a:t>
+            </a:r>
+            <a:endParaRPr lang="hr-HR" dirty="0">
+              <a:cs typeface="Aldhabi" panose="01000000000000000000" pitchFamily="2" charset="-78"/>
+            </a:endParaRPr>
+          </a:p>
+          <a:p>
+            <a:pPr lvl="2"/>
+            <a:r>
+              <a:rPr lang="hr-HR" dirty="0">
+                <a:cs typeface="Aldhabi" panose="01000000000000000000" pitchFamily="2" charset="-78"/>
+                <a:hlinkClick r:id="rId4"/>
+              </a:rPr>
+              <a:t>BSD 2-Clause "</a:t>
+            </a:r>
+            <a:r>
+              <a:rPr lang="hr-HR" dirty="0" err="1">
+                <a:cs typeface="Aldhabi" panose="01000000000000000000" pitchFamily="2" charset="-78"/>
+                <a:hlinkClick r:id="rId4"/>
+              </a:rPr>
+              <a:t>Simplified</a:t>
+            </a:r>
+            <a:r>
+              <a:rPr lang="hr-HR" dirty="0">
+                <a:cs typeface="Aldhabi" panose="01000000000000000000" pitchFamily="2" charset="-78"/>
+                <a:hlinkClick r:id="rId4"/>
+              </a:rPr>
+              <a:t>" </a:t>
+            </a:r>
+            <a:r>
+              <a:rPr lang="hr-HR" dirty="0" err="1">
+                <a:cs typeface="Aldhabi" panose="01000000000000000000" pitchFamily="2" charset="-78"/>
+                <a:hlinkClick r:id="rId4"/>
+              </a:rPr>
+              <a:t>or</a:t>
+            </a:r>
+            <a:r>
+              <a:rPr lang="hr-HR" dirty="0">
+                <a:cs typeface="Aldhabi" panose="01000000000000000000" pitchFamily="2" charset="-78"/>
+                <a:hlinkClick r:id="rId4"/>
+              </a:rPr>
+              <a:t> "</a:t>
+            </a:r>
+            <a:r>
+              <a:rPr lang="hr-HR" dirty="0" err="1">
+                <a:cs typeface="Aldhabi" panose="01000000000000000000" pitchFamily="2" charset="-78"/>
+                <a:hlinkClick r:id="rId4"/>
+              </a:rPr>
+              <a:t>FreeBSD</a:t>
+            </a:r>
+            <a:r>
+              <a:rPr lang="hr-HR" dirty="0">
+                <a:cs typeface="Aldhabi" panose="01000000000000000000" pitchFamily="2" charset="-78"/>
+                <a:hlinkClick r:id="rId4"/>
+              </a:rPr>
+              <a:t>" </a:t>
+            </a:r>
+            <a:r>
+              <a:rPr lang="hr-HR" dirty="0" err="1">
+                <a:cs typeface="Aldhabi" panose="01000000000000000000" pitchFamily="2" charset="-78"/>
+                <a:hlinkClick r:id="rId4"/>
+              </a:rPr>
+              <a:t>license</a:t>
+            </a:r>
+            <a:endParaRPr lang="hr-HR" dirty="0">
+              <a:cs typeface="Aldhabi" panose="01000000000000000000" pitchFamily="2" charset="-78"/>
+            </a:endParaRPr>
+          </a:p>
+          <a:p>
+            <a:pPr lvl="2"/>
+            <a:r>
+              <a:rPr lang="hr-HR" dirty="0">
+                <a:cs typeface="Aldhabi" panose="01000000000000000000" pitchFamily="2" charset="-78"/>
+                <a:hlinkClick r:id="rId5"/>
+              </a:rPr>
+              <a:t>GNU General </a:t>
+            </a:r>
+            <a:r>
+              <a:rPr lang="hr-HR" dirty="0" err="1">
+                <a:cs typeface="Aldhabi" panose="01000000000000000000" pitchFamily="2" charset="-78"/>
+                <a:hlinkClick r:id="rId5"/>
+              </a:rPr>
+              <a:t>Public</a:t>
+            </a:r>
+            <a:r>
+              <a:rPr lang="hr-HR" dirty="0">
+                <a:cs typeface="Aldhabi" panose="01000000000000000000" pitchFamily="2" charset="-78"/>
+                <a:hlinkClick r:id="rId5"/>
+              </a:rPr>
+              <a:t> </a:t>
+            </a:r>
+            <a:r>
+              <a:rPr lang="hr-HR" dirty="0" err="1">
+                <a:cs typeface="Aldhabi" panose="01000000000000000000" pitchFamily="2" charset="-78"/>
+                <a:hlinkClick r:id="rId5"/>
+              </a:rPr>
+              <a:t>License</a:t>
+            </a:r>
+            <a:r>
+              <a:rPr lang="hr-HR" dirty="0">
+                <a:cs typeface="Aldhabi" panose="01000000000000000000" pitchFamily="2" charset="-78"/>
+                <a:hlinkClick r:id="rId5"/>
+              </a:rPr>
+              <a:t> (GPL)</a:t>
+            </a:r>
+            <a:endParaRPr lang="hr-HR" dirty="0">
+              <a:cs typeface="Aldhabi" panose="01000000000000000000" pitchFamily="2" charset="-78"/>
+            </a:endParaRPr>
+          </a:p>
+          <a:p>
+            <a:pPr lvl="2"/>
+            <a:r>
+              <a:rPr lang="hr-HR" dirty="0">
+                <a:cs typeface="Aldhabi" panose="01000000000000000000" pitchFamily="2" charset="-78"/>
+                <a:hlinkClick r:id="rId6"/>
+              </a:rPr>
+              <a:t>GNU </a:t>
+            </a:r>
+            <a:r>
+              <a:rPr lang="hr-HR" dirty="0" err="1">
+                <a:cs typeface="Aldhabi" panose="01000000000000000000" pitchFamily="2" charset="-78"/>
+                <a:hlinkClick r:id="rId6"/>
+              </a:rPr>
+              <a:t>Library</a:t>
+            </a:r>
+            <a:r>
+              <a:rPr lang="hr-HR" dirty="0">
+                <a:cs typeface="Aldhabi" panose="01000000000000000000" pitchFamily="2" charset="-78"/>
+                <a:hlinkClick r:id="rId6"/>
+              </a:rPr>
+              <a:t> </a:t>
+            </a:r>
+            <a:r>
+              <a:rPr lang="hr-HR" dirty="0" err="1">
+                <a:cs typeface="Aldhabi" panose="01000000000000000000" pitchFamily="2" charset="-78"/>
+                <a:hlinkClick r:id="rId6"/>
+              </a:rPr>
+              <a:t>or</a:t>
+            </a:r>
+            <a:r>
+              <a:rPr lang="hr-HR" dirty="0">
+                <a:cs typeface="Aldhabi" panose="01000000000000000000" pitchFamily="2" charset="-78"/>
+                <a:hlinkClick r:id="rId6"/>
+              </a:rPr>
+              <a:t> "</a:t>
+            </a:r>
+            <a:r>
+              <a:rPr lang="hr-HR" dirty="0" err="1">
+                <a:cs typeface="Aldhabi" panose="01000000000000000000" pitchFamily="2" charset="-78"/>
+                <a:hlinkClick r:id="rId6"/>
+              </a:rPr>
+              <a:t>Lesser</a:t>
+            </a:r>
+            <a:r>
+              <a:rPr lang="hr-HR" dirty="0">
+                <a:cs typeface="Aldhabi" panose="01000000000000000000" pitchFamily="2" charset="-78"/>
+                <a:hlinkClick r:id="rId6"/>
+              </a:rPr>
+              <a:t>" General </a:t>
+            </a:r>
+            <a:r>
+              <a:rPr lang="hr-HR" dirty="0" err="1">
+                <a:cs typeface="Aldhabi" panose="01000000000000000000" pitchFamily="2" charset="-78"/>
+                <a:hlinkClick r:id="rId6"/>
+              </a:rPr>
+              <a:t>Public</a:t>
+            </a:r>
+            <a:r>
+              <a:rPr lang="hr-HR" dirty="0">
+                <a:cs typeface="Aldhabi" panose="01000000000000000000" pitchFamily="2" charset="-78"/>
+                <a:hlinkClick r:id="rId6"/>
+              </a:rPr>
+              <a:t> </a:t>
+            </a:r>
+            <a:r>
+              <a:rPr lang="hr-HR" dirty="0" err="1">
+                <a:cs typeface="Aldhabi" panose="01000000000000000000" pitchFamily="2" charset="-78"/>
+                <a:hlinkClick r:id="rId6"/>
+              </a:rPr>
+              <a:t>License</a:t>
+            </a:r>
+            <a:r>
+              <a:rPr lang="hr-HR" dirty="0">
+                <a:cs typeface="Aldhabi" panose="01000000000000000000" pitchFamily="2" charset="-78"/>
+                <a:hlinkClick r:id="rId6"/>
+              </a:rPr>
+              <a:t> (LGPL)</a:t>
+            </a:r>
+            <a:endParaRPr lang="hr-HR" dirty="0">
+              <a:cs typeface="Aldhabi" panose="01000000000000000000" pitchFamily="2" charset="-78"/>
+            </a:endParaRPr>
+          </a:p>
+          <a:p>
+            <a:pPr lvl="2"/>
+            <a:r>
+              <a:rPr lang="hr-HR" dirty="0">
+                <a:cs typeface="Aldhabi" panose="01000000000000000000" pitchFamily="2" charset="-78"/>
+                <a:hlinkClick r:id="rId7"/>
+              </a:rPr>
+              <a:t>MIT </a:t>
+            </a:r>
+            <a:r>
+              <a:rPr lang="hr-HR" dirty="0" err="1">
+                <a:cs typeface="Aldhabi" panose="01000000000000000000" pitchFamily="2" charset="-78"/>
+                <a:hlinkClick r:id="rId7"/>
+              </a:rPr>
+              <a:t>license</a:t>
+            </a:r>
+            <a:endParaRPr lang="hr-HR" dirty="0">
+              <a:cs typeface="Aldhabi" panose="01000000000000000000" pitchFamily="2" charset="-78"/>
+            </a:endParaRPr>
+          </a:p>
+          <a:p>
+            <a:pPr lvl="2"/>
+            <a:r>
+              <a:rPr lang="hr-HR" dirty="0" err="1">
+                <a:cs typeface="Aldhabi" panose="01000000000000000000" pitchFamily="2" charset="-78"/>
+                <a:hlinkClick r:id="rId8"/>
+              </a:rPr>
+              <a:t>Mozilla</a:t>
+            </a:r>
+            <a:r>
+              <a:rPr lang="hr-HR" dirty="0">
+                <a:cs typeface="Aldhabi" panose="01000000000000000000" pitchFamily="2" charset="-78"/>
+                <a:hlinkClick r:id="rId8"/>
+              </a:rPr>
+              <a:t> </a:t>
+            </a:r>
+            <a:r>
+              <a:rPr lang="hr-HR" dirty="0" err="1">
+                <a:cs typeface="Aldhabi" panose="01000000000000000000" pitchFamily="2" charset="-78"/>
+                <a:hlinkClick r:id="rId8"/>
+              </a:rPr>
+              <a:t>Public</a:t>
+            </a:r>
+            <a:r>
+              <a:rPr lang="hr-HR" dirty="0">
+                <a:cs typeface="Aldhabi" panose="01000000000000000000" pitchFamily="2" charset="-78"/>
+                <a:hlinkClick r:id="rId8"/>
+              </a:rPr>
+              <a:t> </a:t>
+            </a:r>
+            <a:r>
+              <a:rPr lang="hr-HR" dirty="0" err="1">
+                <a:cs typeface="Aldhabi" panose="01000000000000000000" pitchFamily="2" charset="-78"/>
+                <a:hlinkClick r:id="rId8"/>
+              </a:rPr>
+              <a:t>License</a:t>
+            </a:r>
+            <a:r>
+              <a:rPr lang="hr-HR" dirty="0">
+                <a:cs typeface="Aldhabi" panose="01000000000000000000" pitchFamily="2" charset="-78"/>
+                <a:hlinkClick r:id="rId8"/>
+              </a:rPr>
+              <a:t> 2.0</a:t>
+            </a:r>
+            <a:endParaRPr lang="hr-HR" dirty="0">
+              <a:cs typeface="Aldhabi" panose="01000000000000000000" pitchFamily="2" charset="-78"/>
+            </a:endParaRPr>
+          </a:p>
+          <a:p>
+            <a:pPr lvl="2"/>
+            <a:r>
+              <a:rPr lang="hr-HR" dirty="0" err="1">
+                <a:cs typeface="Aldhabi" panose="01000000000000000000" pitchFamily="2" charset="-78"/>
+                <a:hlinkClick r:id="rId9"/>
+              </a:rPr>
+              <a:t>Common</a:t>
+            </a:r>
+            <a:r>
+              <a:rPr lang="hr-HR" dirty="0">
+                <a:cs typeface="Aldhabi" panose="01000000000000000000" pitchFamily="2" charset="-78"/>
+                <a:hlinkClick r:id="rId9"/>
+              </a:rPr>
+              <a:t> Development </a:t>
+            </a:r>
+            <a:r>
+              <a:rPr lang="hr-HR" dirty="0" err="1">
+                <a:cs typeface="Aldhabi" panose="01000000000000000000" pitchFamily="2" charset="-78"/>
+                <a:hlinkClick r:id="rId9"/>
+              </a:rPr>
+              <a:t>and</a:t>
+            </a:r>
+            <a:r>
+              <a:rPr lang="hr-HR" dirty="0">
+                <a:cs typeface="Aldhabi" panose="01000000000000000000" pitchFamily="2" charset="-78"/>
+                <a:hlinkClick r:id="rId9"/>
+              </a:rPr>
+              <a:t> </a:t>
+            </a:r>
+            <a:r>
+              <a:rPr lang="hr-HR" dirty="0" err="1">
+                <a:cs typeface="Aldhabi" panose="01000000000000000000" pitchFamily="2" charset="-78"/>
+                <a:hlinkClick r:id="rId9"/>
+              </a:rPr>
+              <a:t>Distribution</a:t>
+            </a:r>
+            <a:r>
+              <a:rPr lang="hr-HR" dirty="0">
+                <a:cs typeface="Aldhabi" panose="01000000000000000000" pitchFamily="2" charset="-78"/>
+                <a:hlinkClick r:id="rId9"/>
+              </a:rPr>
+              <a:t> </a:t>
+            </a:r>
+            <a:r>
+              <a:rPr lang="hr-HR" dirty="0" err="1">
+                <a:cs typeface="Aldhabi" panose="01000000000000000000" pitchFamily="2" charset="-78"/>
+                <a:hlinkClick r:id="rId9"/>
+              </a:rPr>
+              <a:t>License</a:t>
+            </a:r>
+            <a:endParaRPr lang="hr-HR" dirty="0">
+              <a:cs typeface="Aldhabi" panose="01000000000000000000" pitchFamily="2" charset="-78"/>
+            </a:endParaRPr>
+          </a:p>
+          <a:p>
+            <a:pPr lvl="2"/>
+            <a:r>
+              <a:rPr lang="hr-HR" dirty="0" err="1">
+                <a:cs typeface="Aldhabi" panose="01000000000000000000" pitchFamily="2" charset="-78"/>
+                <a:hlinkClick r:id="rId10"/>
+              </a:rPr>
+              <a:t>Eclipse</a:t>
+            </a:r>
+            <a:r>
+              <a:rPr lang="hr-HR" dirty="0">
+                <a:cs typeface="Aldhabi" panose="01000000000000000000" pitchFamily="2" charset="-78"/>
+                <a:hlinkClick r:id="rId10"/>
+              </a:rPr>
+              <a:t> </a:t>
+            </a:r>
+            <a:r>
+              <a:rPr lang="hr-HR" dirty="0" err="1">
+                <a:cs typeface="Aldhabi" panose="01000000000000000000" pitchFamily="2" charset="-78"/>
+                <a:hlinkClick r:id="rId10"/>
+              </a:rPr>
+              <a:t>Public</a:t>
+            </a:r>
+            <a:r>
+              <a:rPr lang="hr-HR" dirty="0">
+                <a:cs typeface="Aldhabi" panose="01000000000000000000" pitchFamily="2" charset="-78"/>
+                <a:hlinkClick r:id="rId10"/>
+              </a:rPr>
+              <a:t> </a:t>
+            </a:r>
+            <a:r>
+              <a:rPr lang="hr-HR" dirty="0" err="1">
+                <a:cs typeface="Aldhabi" panose="01000000000000000000" pitchFamily="2" charset="-78"/>
+                <a:hlinkClick r:id="rId10"/>
+              </a:rPr>
+              <a:t>License</a:t>
+            </a:r>
+            <a:endParaRPr lang="hr-HR" dirty="0">
+              <a:cs typeface="Aldhabi" panose="01000000000000000000" pitchFamily="2" charset="-78"/>
+            </a:endParaRPr>
+          </a:p>
+          <a:p>
+            <a:pPr lvl="2"/>
+            <a:endParaRPr lang="hr-HR" dirty="0"/>
+          </a:p>
+        </p:txBody>
+      </p:sp>
+    </p:spTree>
+    <p:extLst>
+      <p:ext uri="{BB962C8B-B14F-4D97-AF65-F5344CB8AC3E}">
+        <p14:creationId xmlns:p14="http://schemas.microsoft.com/office/powerpoint/2010/main" val="2865199503"/>
+      </p:ext>
+    </p:extLst>
+  </p:cSld>
+  <p:clrMapOvr>
+    <a:masterClrMapping/>
+  </p:clrMapOvr>
+</p:sld>
+</file>
+
+<file path=ppt/slides/slide5.xml><?xml version="1.0" encoding="utf-8"?>
+<p:sld xmlns:a="http://schemas.openxmlformats.org/drawingml/2006/main" xmlns:r="http://schemas.openxmlformats.org/officeDocument/2006/relationships" xmlns:p="http://schemas.openxmlformats.org/presentationml/2006/main">
+  <p:cSld>
+    <p:spTree>
+      <p:nvGrpSpPr>
+        <p:cNvPr id="1" name=""/>
+        <p:cNvGrpSpPr/>
+        <p:nvPr/>
+      </p:nvGrpSpPr>
+      <p:grpSpPr>
+        <a:xfrm>
+          <a:off x="0" y="0"/>
+          <a:ext cx="0" cy="0"/>
+          <a:chOff x="0" y="0"/>
+          <a:chExt cx="0" cy="0"/>
+        </a:xfrm>
+      </p:grpSpPr>
+      <p:sp>
+        <p:nvSpPr>
+          <p:cNvPr id="2" name="Title 1"/>
+          <p:cNvSpPr>
+            <a:spLocks noGrp="1"/>
+          </p:cNvSpPr>
+          <p:nvPr>
+            <p:ph type="title"/>
+          </p:nvPr>
+        </p:nvSpPr>
+        <p:spPr/>
+        <p:txBody>
+          <a:bodyPr/>
+          <a:lstStyle/>
+          <a:p>
+            <a:r>
+              <a:rPr lang="hr-HR" dirty="0" err="1" smtClean="0"/>
+              <a:t>Visual</a:t>
+            </a:r>
+            <a:r>
+              <a:rPr lang="hr-HR" dirty="0" smtClean="0"/>
+              <a:t> Studio 2017 </a:t>
+            </a:r>
+            <a:r>
+              <a:rPr lang="hr-HR" dirty="0" err="1" smtClean="0"/>
+              <a:t>Community</a:t>
+            </a:r>
+            <a:endParaRPr lang="hr-HR" dirty="0"/>
+          </a:p>
+        </p:txBody>
+      </p:sp>
+      <p:sp>
+        <p:nvSpPr>
+          <p:cNvPr id="3" name="Content Placeholder 2"/>
+          <p:cNvSpPr>
+            <a:spLocks noGrp="1"/>
+          </p:cNvSpPr>
+          <p:nvPr>
+            <p:ph idx="1"/>
+          </p:nvPr>
+        </p:nvSpPr>
+        <p:spPr/>
+        <p:txBody>
+          <a:bodyPr>
             <a:normAutofit/>
           </a:bodyPr>
           <a:lstStyle/>
@@ -8754,7 +8982,7 @@
 </p:sld>
 </file>
 
-<file path=ppt/slides/slide5.xml><?xml version="1.0" encoding="utf-8"?>
+<file path=ppt/slides/slide6.xml><?xml version="1.0" encoding="utf-8"?>
 <p:sld xmlns:a="http://schemas.openxmlformats.org/drawingml/2006/main" xmlns:r="http://schemas.openxmlformats.org/officeDocument/2006/relationships" xmlns:p="http://schemas.openxmlformats.org/presentationml/2006/main">
   <p:cSld>
     <p:spTree>
@@ -8853,7 +9081,7 @@
 </p:sld>
 </file>
 
-<file path=ppt/slides/slide6.xml><?xml version="1.0" encoding="utf-8"?>
+<file path=ppt/slides/slide7.xml><?xml version="1.0" encoding="utf-8"?>
 <p:sld xmlns:a="http://schemas.openxmlformats.org/drawingml/2006/main" xmlns:r="http://schemas.openxmlformats.org/officeDocument/2006/relationships" xmlns:p="http://schemas.openxmlformats.org/presentationml/2006/main">
   <p:cSld>
     <p:spTree>
@@ -9049,7 +9277,7 @@
 </p:sld>
 </file>
 
-<file path=ppt/slides/slide7.xml><?xml version="1.0" encoding="utf-8"?>
+<file path=ppt/slides/slide8.xml><?xml version="1.0" encoding="utf-8"?>
 <p:sld xmlns:a="http://schemas.openxmlformats.org/drawingml/2006/main" xmlns:r="http://schemas.openxmlformats.org/officeDocument/2006/relationships" xmlns:p="http://schemas.openxmlformats.org/presentationml/2006/main">
   <p:cSld>
     <p:spTree>
@@ -9396,7 +9624,7 @@
 </p:sld>
 </file>
 
-<file path=ppt/slides/slide8.xml><?xml version="1.0" encoding="utf-8"?>
+<file path=ppt/slides/slide9.xml><?xml version="1.0" encoding="utf-8"?>
 <p:sld xmlns:a="http://schemas.openxmlformats.org/drawingml/2006/main" xmlns:r="http://schemas.openxmlformats.org/officeDocument/2006/relationships" xmlns:p="http://schemas.openxmlformats.org/presentationml/2006/main">
   <p:cSld>
     <p:spTree>
@@ -9549,104 +9777,6 @@
     <p:extLst>
       <p:ext uri="{BB962C8B-B14F-4D97-AF65-F5344CB8AC3E}">
         <p14:creationId xmlns:p14="http://schemas.microsoft.com/office/powerpoint/2010/main" val="2202298794"/>
-      </p:ext>
-    </p:extLst>
-  </p:cSld>
-  <p:clrMapOvr>
-    <a:masterClrMapping/>
-  </p:clrMapOvr>
-</p:sld>
-</file>
-
-<file path=ppt/slides/slide9.xml><?xml version="1.0" encoding="utf-8"?>
-<p:sld xmlns:a="http://schemas.openxmlformats.org/drawingml/2006/main" xmlns:r="http://schemas.openxmlformats.org/officeDocument/2006/relationships" xmlns:p="http://schemas.openxmlformats.org/presentationml/2006/main">
-  <p:cSld>
-    <p:spTree>
-      <p:nvGrpSpPr>
-        <p:cNvPr id="1" name=""/>
-        <p:cNvGrpSpPr/>
-        <p:nvPr/>
-      </p:nvGrpSpPr>
-      <p:grpSpPr>
-        <a:xfrm>
-          <a:off x="0" y="0"/>
-          <a:ext cx="0" cy="0"/>
-          <a:chOff x="0" y="0"/>
-          <a:chExt cx="0" cy="0"/>
-        </a:xfrm>
-      </p:grpSpPr>
-      <p:sp>
-        <p:nvSpPr>
-          <p:cNvPr id="2" name="Title 1"/>
-          <p:cNvSpPr>
-            <a:spLocks noGrp="1"/>
-          </p:cNvSpPr>
-          <p:nvPr>
-            <p:ph type="title"/>
-          </p:nvPr>
-        </p:nvSpPr>
-        <p:spPr/>
-        <p:txBody>
-          <a:bodyPr/>
-          <a:lstStyle/>
-          <a:p>
-            <a:endParaRPr lang="hr-HR"/>
-          </a:p>
-        </p:txBody>
-      </p:sp>
-      <p:sp>
-        <p:nvSpPr>
-          <p:cNvPr id="3" name="Content Placeholder 2"/>
-          <p:cNvSpPr>
-            <a:spLocks noGrp="1"/>
-          </p:cNvSpPr>
-          <p:nvPr>
-            <p:ph idx="1"/>
-          </p:nvPr>
-        </p:nvSpPr>
-        <p:spPr/>
-        <p:txBody>
-          <a:bodyPr/>
-          <a:lstStyle/>
-          <a:p>
-            <a:endParaRPr lang="hr-HR"/>
-          </a:p>
-        </p:txBody>
-      </p:sp>
-      <p:pic>
-        <p:nvPicPr>
-          <p:cNvPr id="4" name="Picture 3"/>
-          <p:cNvPicPr>
-            <a:picLocks noChangeAspect="1"/>
-          </p:cNvPicPr>
-          <p:nvPr/>
-        </p:nvPicPr>
-        <p:blipFill>
-          <a:blip r:embed="rId2">
-            <a:extLst>
-              <a:ext uri="{28A0092B-C50C-407E-A947-70E740481C1C}">
-                <a14:useLocalDpi xmlns:a14="http://schemas.microsoft.com/office/drawing/2010/main" val="0"/>
-              </a:ext>
-            </a:extLst>
-          </a:blip>
-          <a:stretch>
-            <a:fillRect/>
-          </a:stretch>
-        </p:blipFill>
-        <p:spPr>
-          <a:xfrm>
-            <a:off x="555913" y="450314"/>
-            <a:ext cx="11009169" cy="5726649"/>
-          </a:xfrm>
-          <a:prstGeom prst="rect">
-            <a:avLst/>
-          </a:prstGeom>
-        </p:spPr>
-      </p:pic>
-    </p:spTree>
-    <p:extLst>
-      <p:ext uri="{BB962C8B-B14F-4D97-AF65-F5344CB8AC3E}">
-        <p14:creationId xmlns:p14="http://schemas.microsoft.com/office/powerpoint/2010/main" val="257498850"/>
       </p:ext>
     </p:extLst>
   </p:cSld>
